--- a/演示文稿1.pptx
+++ b/演示文稿1.pptx
@@ -17,6 +17,8 @@
     <p:sldId id="265" r:id="rId11"/>
     <p:sldId id="266" r:id="rId12"/>
     <p:sldId id="267" r:id="rId13"/>
+    <p:sldId id="268" r:id="rId14"/>
+    <p:sldId id="269" r:id="rId15"/>
   </p:sldIdLst>
   <p:sldSz cx="12192000" cy="6858000"/>
   <p:notesSz cx="6858000" cy="9144000"/>
@@ -270,7 +272,7 @@
           <a:p>
             <a:fld id="{9A639C3A-7901-41EA-886D-5788BBF178E7}" type="datetimeFigureOut">
               <a:rPr lang="zh-CN" altLang="en-US" smtClean="0"/>
-              <a:t>2023/2/23</a:t>
+              <a:t>2023/2/26</a:t>
             </a:fld>
             <a:endParaRPr lang="zh-CN" altLang="en-US"/>
           </a:p>
@@ -468,7 +470,7 @@
           <a:p>
             <a:fld id="{9A639C3A-7901-41EA-886D-5788BBF178E7}" type="datetimeFigureOut">
               <a:rPr lang="zh-CN" altLang="en-US" smtClean="0"/>
-              <a:t>2023/2/23</a:t>
+              <a:t>2023/2/26</a:t>
             </a:fld>
             <a:endParaRPr lang="zh-CN" altLang="en-US"/>
           </a:p>
@@ -676,7 +678,7 @@
           <a:p>
             <a:fld id="{9A639C3A-7901-41EA-886D-5788BBF178E7}" type="datetimeFigureOut">
               <a:rPr lang="zh-CN" altLang="en-US" smtClean="0"/>
-              <a:t>2023/2/23</a:t>
+              <a:t>2023/2/26</a:t>
             </a:fld>
             <a:endParaRPr lang="zh-CN" altLang="en-US"/>
           </a:p>
@@ -874,7 +876,7 @@
           <a:p>
             <a:fld id="{9A639C3A-7901-41EA-886D-5788BBF178E7}" type="datetimeFigureOut">
               <a:rPr lang="zh-CN" altLang="en-US" smtClean="0"/>
-              <a:t>2023/2/23</a:t>
+              <a:t>2023/2/26</a:t>
             </a:fld>
             <a:endParaRPr lang="zh-CN" altLang="en-US"/>
           </a:p>
@@ -1149,7 +1151,7 @@
           <a:p>
             <a:fld id="{9A639C3A-7901-41EA-886D-5788BBF178E7}" type="datetimeFigureOut">
               <a:rPr lang="zh-CN" altLang="en-US" smtClean="0"/>
-              <a:t>2023/2/23</a:t>
+              <a:t>2023/2/26</a:t>
             </a:fld>
             <a:endParaRPr lang="zh-CN" altLang="en-US"/>
           </a:p>
@@ -1414,7 +1416,7 @@
           <a:p>
             <a:fld id="{9A639C3A-7901-41EA-886D-5788BBF178E7}" type="datetimeFigureOut">
               <a:rPr lang="zh-CN" altLang="en-US" smtClean="0"/>
-              <a:t>2023/2/23</a:t>
+              <a:t>2023/2/26</a:t>
             </a:fld>
             <a:endParaRPr lang="zh-CN" altLang="en-US"/>
           </a:p>
@@ -1826,7 +1828,7 @@
           <a:p>
             <a:fld id="{9A639C3A-7901-41EA-886D-5788BBF178E7}" type="datetimeFigureOut">
               <a:rPr lang="zh-CN" altLang="en-US" smtClean="0"/>
-              <a:t>2023/2/23</a:t>
+              <a:t>2023/2/26</a:t>
             </a:fld>
             <a:endParaRPr lang="zh-CN" altLang="en-US"/>
           </a:p>
@@ -1967,7 +1969,7 @@
           <a:p>
             <a:fld id="{9A639C3A-7901-41EA-886D-5788BBF178E7}" type="datetimeFigureOut">
               <a:rPr lang="zh-CN" altLang="en-US" smtClean="0"/>
-              <a:t>2023/2/23</a:t>
+              <a:t>2023/2/26</a:t>
             </a:fld>
             <a:endParaRPr lang="zh-CN" altLang="en-US"/>
           </a:p>
@@ -2080,7 +2082,7 @@
           <a:p>
             <a:fld id="{9A639C3A-7901-41EA-886D-5788BBF178E7}" type="datetimeFigureOut">
               <a:rPr lang="zh-CN" altLang="en-US" smtClean="0"/>
-              <a:t>2023/2/23</a:t>
+              <a:t>2023/2/26</a:t>
             </a:fld>
             <a:endParaRPr lang="zh-CN" altLang="en-US"/>
           </a:p>
@@ -2391,7 +2393,7 @@
           <a:p>
             <a:fld id="{9A639C3A-7901-41EA-886D-5788BBF178E7}" type="datetimeFigureOut">
               <a:rPr lang="zh-CN" altLang="en-US" smtClean="0"/>
-              <a:t>2023/2/23</a:t>
+              <a:t>2023/2/26</a:t>
             </a:fld>
             <a:endParaRPr lang="zh-CN" altLang="en-US"/>
           </a:p>
@@ -2679,7 +2681,7 @@
           <a:p>
             <a:fld id="{9A639C3A-7901-41EA-886D-5788BBF178E7}" type="datetimeFigureOut">
               <a:rPr lang="zh-CN" altLang="en-US" smtClean="0"/>
-              <a:t>2023/2/23</a:t>
+              <a:t>2023/2/26</a:t>
             </a:fld>
             <a:endParaRPr lang="zh-CN" altLang="en-US"/>
           </a:p>
@@ -2920,7 +2922,7 @@
           <a:p>
             <a:fld id="{9A639C3A-7901-41EA-886D-5788BBF178E7}" type="datetimeFigureOut">
               <a:rPr lang="zh-CN" altLang="en-US" smtClean="0"/>
-              <a:t>2023/2/23</a:t>
+              <a:t>2023/2/26</a:t>
             </a:fld>
             <a:endParaRPr lang="zh-CN" altLang="en-US"/>
           </a:p>
@@ -6954,6 +6956,1791 @@
 </p:sld>
 </file>
 
+<file path=ppt/slides/slide13.xml><?xml version="1.0" encoding="utf-8"?>
+<p:sld xmlns:a="http://schemas.openxmlformats.org/drawingml/2006/main" xmlns:r="http://schemas.openxmlformats.org/officeDocument/2006/relationships" xmlns:p="http://schemas.openxmlformats.org/presentationml/2006/main">
+  <p:cSld>
+    <p:spTree>
+      <p:nvGrpSpPr>
+        <p:cNvPr id="1" name=""/>
+        <p:cNvGrpSpPr/>
+        <p:nvPr/>
+      </p:nvGrpSpPr>
+      <p:grpSpPr>
+        <a:xfrm>
+          <a:off x="0" y="0"/>
+          <a:ext cx="0" cy="0"/>
+          <a:chOff x="0" y="0"/>
+          <a:chExt cx="0" cy="0"/>
+        </a:xfrm>
+      </p:grpSpPr>
+      <p:sp>
+        <p:nvSpPr>
+          <p:cNvPr id="6" name="矩形 5">
+            <a:extLst>
+              <a:ext uri="{FF2B5EF4-FFF2-40B4-BE49-F238E27FC236}">
+                <a16:creationId xmlns:a16="http://schemas.microsoft.com/office/drawing/2014/main" id="{C42A157E-9A76-DB61-BC3B-6D823F44FF23}"/>
+              </a:ext>
+            </a:extLst>
+          </p:cNvPr>
+          <p:cNvSpPr/>
+          <p:nvPr/>
+        </p:nvSpPr>
+        <p:spPr>
+          <a:xfrm>
+            <a:off x="4047958" y="2876883"/>
+            <a:ext cx="1245937" cy="406400"/>
+          </a:xfrm>
+          <a:prstGeom prst="rect">
+            <a:avLst/>
+          </a:prstGeom>
+          <a:solidFill>
+            <a:schemeClr val="bg1"/>
+          </a:solidFill>
+          <a:ln>
+            <a:solidFill>
+              <a:schemeClr val="tx1"/>
+            </a:solidFill>
+          </a:ln>
+        </p:spPr>
+        <p:style>
+          <a:lnRef idx="2">
+            <a:schemeClr val="accent1">
+              <a:shade val="50000"/>
+            </a:schemeClr>
+          </a:lnRef>
+          <a:fillRef idx="1">
+            <a:schemeClr val="accent1"/>
+          </a:fillRef>
+          <a:effectRef idx="0">
+            <a:schemeClr val="accent1"/>
+          </a:effectRef>
+          <a:fontRef idx="minor">
+            <a:schemeClr val="lt1"/>
+          </a:fontRef>
+        </p:style>
+        <p:txBody>
+          <a:bodyPr rtlCol="0" anchor="ctr"/>
+          <a:lstStyle/>
+          <a:p>
+            <a:pPr algn="ctr"/>
+            <a:r>
+              <a:rPr lang="zh-CN" altLang="en-US" sz="1600" dirty="0">
+                <a:solidFill>
+                  <a:schemeClr val="tx1"/>
+                </a:solidFill>
+              </a:rPr>
+              <a:t>栈帧</a:t>
+            </a:r>
+            <a:r>
+              <a:rPr lang="en-US" altLang="zh-CN" sz="1600" dirty="0">
+                <a:solidFill>
+                  <a:schemeClr val="tx1"/>
+                </a:solidFill>
+              </a:rPr>
+              <a:t>n</a:t>
+            </a:r>
+            <a:endParaRPr lang="zh-CN" altLang="en-US" sz="1600" dirty="0">
+              <a:solidFill>
+                <a:schemeClr val="tx1"/>
+              </a:solidFill>
+            </a:endParaRPr>
+          </a:p>
+        </p:txBody>
+      </p:sp>
+      <p:sp>
+        <p:nvSpPr>
+          <p:cNvPr id="8" name="矩形 7">
+            <a:extLst>
+              <a:ext uri="{FF2B5EF4-FFF2-40B4-BE49-F238E27FC236}">
+                <a16:creationId xmlns:a16="http://schemas.microsoft.com/office/drawing/2014/main" id="{58DB2092-C695-6E32-1383-76DA69514F73}"/>
+              </a:ext>
+            </a:extLst>
+          </p:cNvPr>
+          <p:cNvSpPr/>
+          <p:nvPr/>
+        </p:nvSpPr>
+        <p:spPr>
+          <a:xfrm>
+            <a:off x="4047957" y="3283283"/>
+            <a:ext cx="1245937" cy="406400"/>
+          </a:xfrm>
+          <a:prstGeom prst="rect">
+            <a:avLst/>
+          </a:prstGeom>
+          <a:solidFill>
+            <a:schemeClr val="bg1"/>
+          </a:solidFill>
+          <a:ln>
+            <a:solidFill>
+              <a:schemeClr val="tx1"/>
+            </a:solidFill>
+          </a:ln>
+        </p:spPr>
+        <p:style>
+          <a:lnRef idx="2">
+            <a:schemeClr val="accent1">
+              <a:shade val="50000"/>
+            </a:schemeClr>
+          </a:lnRef>
+          <a:fillRef idx="1">
+            <a:schemeClr val="accent1"/>
+          </a:fillRef>
+          <a:effectRef idx="0">
+            <a:schemeClr val="accent1"/>
+          </a:effectRef>
+          <a:fontRef idx="minor">
+            <a:schemeClr val="lt1"/>
+          </a:fontRef>
+        </p:style>
+        <p:txBody>
+          <a:bodyPr rtlCol="0" anchor="ctr"/>
+          <a:lstStyle/>
+          <a:p>
+            <a:pPr algn="ctr"/>
+            <a:r>
+              <a:rPr lang="zh-CN" altLang="en-US" sz="1600" dirty="0">
+                <a:solidFill>
+                  <a:schemeClr val="tx1"/>
+                </a:solidFill>
+              </a:rPr>
+              <a:t>栈帧</a:t>
+            </a:r>
+            <a:r>
+              <a:rPr lang="en-US" altLang="zh-CN" sz="1600" dirty="0">
+                <a:solidFill>
+                  <a:schemeClr val="tx1"/>
+                </a:solidFill>
+              </a:rPr>
+              <a:t>2</a:t>
+            </a:r>
+            <a:endParaRPr lang="zh-CN" altLang="en-US" sz="1600" dirty="0">
+              <a:solidFill>
+                <a:schemeClr val="tx1"/>
+              </a:solidFill>
+            </a:endParaRPr>
+          </a:p>
+        </p:txBody>
+      </p:sp>
+      <p:sp>
+        <p:nvSpPr>
+          <p:cNvPr id="13" name="矩形 12">
+            <a:extLst>
+              <a:ext uri="{FF2B5EF4-FFF2-40B4-BE49-F238E27FC236}">
+                <a16:creationId xmlns:a16="http://schemas.microsoft.com/office/drawing/2014/main" id="{0C9B24A7-C78B-8A43-6517-F3818C40F66D}"/>
+              </a:ext>
+            </a:extLst>
+          </p:cNvPr>
+          <p:cNvSpPr/>
+          <p:nvPr/>
+        </p:nvSpPr>
+        <p:spPr>
+          <a:xfrm>
+            <a:off x="4047957" y="3689683"/>
+            <a:ext cx="1245937" cy="406400"/>
+          </a:xfrm>
+          <a:prstGeom prst="rect">
+            <a:avLst/>
+          </a:prstGeom>
+          <a:solidFill>
+            <a:schemeClr val="bg1"/>
+          </a:solidFill>
+          <a:ln>
+            <a:solidFill>
+              <a:schemeClr val="tx1"/>
+            </a:solidFill>
+          </a:ln>
+        </p:spPr>
+        <p:style>
+          <a:lnRef idx="2">
+            <a:schemeClr val="accent1">
+              <a:shade val="50000"/>
+            </a:schemeClr>
+          </a:lnRef>
+          <a:fillRef idx="1">
+            <a:schemeClr val="accent1"/>
+          </a:fillRef>
+          <a:effectRef idx="0">
+            <a:schemeClr val="accent1"/>
+          </a:effectRef>
+          <a:fontRef idx="minor">
+            <a:schemeClr val="lt1"/>
+          </a:fontRef>
+        </p:style>
+        <p:txBody>
+          <a:bodyPr rtlCol="0" anchor="ctr"/>
+          <a:lstStyle/>
+          <a:p>
+            <a:pPr algn="ctr"/>
+            <a:r>
+              <a:rPr lang="zh-CN" altLang="en-US" sz="1600" dirty="0">
+                <a:solidFill>
+                  <a:schemeClr val="tx1"/>
+                </a:solidFill>
+              </a:rPr>
+              <a:t>栈帧</a:t>
+            </a:r>
+            <a:r>
+              <a:rPr lang="en-US" altLang="zh-CN" sz="1600" dirty="0">
+                <a:solidFill>
+                  <a:schemeClr val="tx1"/>
+                </a:solidFill>
+              </a:rPr>
+              <a:t>1</a:t>
+            </a:r>
+            <a:endParaRPr lang="zh-CN" altLang="en-US" sz="1600" dirty="0">
+              <a:solidFill>
+                <a:schemeClr val="tx1"/>
+              </a:solidFill>
+            </a:endParaRPr>
+          </a:p>
+        </p:txBody>
+      </p:sp>
+      <p:sp>
+        <p:nvSpPr>
+          <p:cNvPr id="14" name="矩形 13">
+            <a:extLst>
+              <a:ext uri="{FF2B5EF4-FFF2-40B4-BE49-F238E27FC236}">
+                <a16:creationId xmlns:a16="http://schemas.microsoft.com/office/drawing/2014/main" id="{0E8BFEF0-831E-19B6-EE5E-AFF9F6618A2D}"/>
+              </a:ext>
+            </a:extLst>
+          </p:cNvPr>
+          <p:cNvSpPr/>
+          <p:nvPr/>
+        </p:nvSpPr>
+        <p:spPr>
+          <a:xfrm>
+            <a:off x="4047957" y="909053"/>
+            <a:ext cx="1245937" cy="1967830"/>
+          </a:xfrm>
+          <a:prstGeom prst="rect">
+            <a:avLst/>
+          </a:prstGeom>
+          <a:solidFill>
+            <a:schemeClr val="bg1"/>
+          </a:solidFill>
+          <a:ln>
+            <a:solidFill>
+              <a:schemeClr val="tx1"/>
+            </a:solidFill>
+          </a:ln>
+        </p:spPr>
+        <p:style>
+          <a:lnRef idx="2">
+            <a:schemeClr val="accent1">
+              <a:shade val="50000"/>
+            </a:schemeClr>
+          </a:lnRef>
+          <a:fillRef idx="1">
+            <a:schemeClr val="accent1"/>
+          </a:fillRef>
+          <a:effectRef idx="0">
+            <a:schemeClr val="accent1"/>
+          </a:effectRef>
+          <a:fontRef idx="minor">
+            <a:schemeClr val="lt1"/>
+          </a:fontRef>
+        </p:style>
+        <p:txBody>
+          <a:bodyPr rtlCol="0" anchor="ctr"/>
+          <a:lstStyle/>
+          <a:p>
+            <a:pPr algn="ctr"/>
+            <a:endParaRPr lang="zh-CN" altLang="en-US" sz="1600" dirty="0">
+              <a:solidFill>
+                <a:schemeClr val="tx1"/>
+              </a:solidFill>
+            </a:endParaRPr>
+          </a:p>
+        </p:txBody>
+      </p:sp>
+      <p:sp>
+        <p:nvSpPr>
+          <p:cNvPr id="15" name="矩形 14">
+            <a:extLst>
+              <a:ext uri="{FF2B5EF4-FFF2-40B4-BE49-F238E27FC236}">
+                <a16:creationId xmlns:a16="http://schemas.microsoft.com/office/drawing/2014/main" id="{3737EF78-CF1F-76B4-F850-3877CFAA34DB}"/>
+              </a:ext>
+            </a:extLst>
+          </p:cNvPr>
+          <p:cNvSpPr/>
+          <p:nvPr/>
+        </p:nvSpPr>
+        <p:spPr>
+          <a:xfrm>
+            <a:off x="4157576" y="2334125"/>
+            <a:ext cx="1026697" cy="296780"/>
+          </a:xfrm>
+          <a:prstGeom prst="rect">
+            <a:avLst/>
+          </a:prstGeom>
+          <a:solidFill>
+            <a:schemeClr val="bg1"/>
+          </a:solidFill>
+          <a:ln>
+            <a:solidFill>
+              <a:schemeClr val="tx1"/>
+            </a:solidFill>
+          </a:ln>
+        </p:spPr>
+        <p:style>
+          <a:lnRef idx="2">
+            <a:schemeClr val="accent1">
+              <a:shade val="50000"/>
+            </a:schemeClr>
+          </a:lnRef>
+          <a:fillRef idx="1">
+            <a:schemeClr val="accent1"/>
+          </a:fillRef>
+          <a:effectRef idx="0">
+            <a:schemeClr val="accent1"/>
+          </a:effectRef>
+          <a:fontRef idx="minor">
+            <a:schemeClr val="lt1"/>
+          </a:fontRef>
+        </p:style>
+        <p:txBody>
+          <a:bodyPr rtlCol="0" anchor="ctr"/>
+          <a:lstStyle/>
+          <a:p>
+            <a:pPr algn="ctr"/>
+            <a:r>
+              <a:rPr lang="zh-CN" altLang="en-US" sz="1050" dirty="0">
+                <a:solidFill>
+                  <a:schemeClr val="tx1"/>
+                </a:solidFill>
+              </a:rPr>
+              <a:t>返回地址</a:t>
+            </a:r>
+          </a:p>
+        </p:txBody>
+      </p:sp>
+      <p:sp>
+        <p:nvSpPr>
+          <p:cNvPr id="17" name="矩形 16">
+            <a:extLst>
+              <a:ext uri="{FF2B5EF4-FFF2-40B4-BE49-F238E27FC236}">
+                <a16:creationId xmlns:a16="http://schemas.microsoft.com/office/drawing/2014/main" id="{B914CC41-3128-CFB0-B346-7756D0A14BCD}"/>
+              </a:ext>
+            </a:extLst>
+          </p:cNvPr>
+          <p:cNvSpPr/>
+          <p:nvPr/>
+        </p:nvSpPr>
+        <p:spPr>
+          <a:xfrm>
+            <a:off x="4157573" y="1902325"/>
+            <a:ext cx="1026697" cy="296780"/>
+          </a:xfrm>
+          <a:prstGeom prst="rect">
+            <a:avLst/>
+          </a:prstGeom>
+          <a:solidFill>
+            <a:schemeClr val="bg1"/>
+          </a:solidFill>
+          <a:ln>
+            <a:solidFill>
+              <a:schemeClr val="tx1"/>
+            </a:solidFill>
+          </a:ln>
+        </p:spPr>
+        <p:style>
+          <a:lnRef idx="2">
+            <a:schemeClr val="accent1">
+              <a:shade val="50000"/>
+            </a:schemeClr>
+          </a:lnRef>
+          <a:fillRef idx="1">
+            <a:schemeClr val="accent1"/>
+          </a:fillRef>
+          <a:effectRef idx="0">
+            <a:schemeClr val="accent1"/>
+          </a:effectRef>
+          <a:fontRef idx="minor">
+            <a:schemeClr val="lt1"/>
+          </a:fontRef>
+        </p:style>
+        <p:txBody>
+          <a:bodyPr rtlCol="0" anchor="ctr"/>
+          <a:lstStyle/>
+          <a:p>
+            <a:pPr algn="ctr"/>
+            <a:r>
+              <a:rPr lang="zh-CN" altLang="en-US" sz="1050" dirty="0">
+                <a:solidFill>
+                  <a:schemeClr val="tx1"/>
+                </a:solidFill>
+              </a:rPr>
+              <a:t>动态链接</a:t>
+            </a:r>
+          </a:p>
+        </p:txBody>
+      </p:sp>
+      <p:sp>
+        <p:nvSpPr>
+          <p:cNvPr id="18" name="矩形 17">
+            <a:extLst>
+              <a:ext uri="{FF2B5EF4-FFF2-40B4-BE49-F238E27FC236}">
+                <a16:creationId xmlns:a16="http://schemas.microsoft.com/office/drawing/2014/main" id="{3A265000-5EDC-4586-4B4C-E40549784DCA}"/>
+              </a:ext>
+            </a:extLst>
+          </p:cNvPr>
+          <p:cNvSpPr/>
+          <p:nvPr/>
+        </p:nvSpPr>
+        <p:spPr>
+          <a:xfrm>
+            <a:off x="4157574" y="1486568"/>
+            <a:ext cx="1026697" cy="296780"/>
+          </a:xfrm>
+          <a:prstGeom prst="rect">
+            <a:avLst/>
+          </a:prstGeom>
+          <a:solidFill>
+            <a:schemeClr val="bg1"/>
+          </a:solidFill>
+          <a:ln>
+            <a:solidFill>
+              <a:schemeClr val="tx1"/>
+            </a:solidFill>
+          </a:ln>
+        </p:spPr>
+        <p:style>
+          <a:lnRef idx="2">
+            <a:schemeClr val="accent1">
+              <a:shade val="50000"/>
+            </a:schemeClr>
+          </a:lnRef>
+          <a:fillRef idx="1">
+            <a:schemeClr val="accent1"/>
+          </a:fillRef>
+          <a:effectRef idx="0">
+            <a:schemeClr val="accent1"/>
+          </a:effectRef>
+          <a:fontRef idx="minor">
+            <a:schemeClr val="lt1"/>
+          </a:fontRef>
+        </p:style>
+        <p:txBody>
+          <a:bodyPr rtlCol="0" anchor="ctr"/>
+          <a:lstStyle/>
+          <a:p>
+            <a:pPr algn="ctr"/>
+            <a:r>
+              <a:rPr lang="zh-CN" altLang="en-US" sz="1050" dirty="0">
+                <a:solidFill>
+                  <a:schemeClr val="tx1"/>
+                </a:solidFill>
+              </a:rPr>
+              <a:t>操作栈</a:t>
+            </a:r>
+          </a:p>
+        </p:txBody>
+      </p:sp>
+      <p:sp>
+        <p:nvSpPr>
+          <p:cNvPr id="20" name="矩形 19">
+            <a:extLst>
+              <a:ext uri="{FF2B5EF4-FFF2-40B4-BE49-F238E27FC236}">
+                <a16:creationId xmlns:a16="http://schemas.microsoft.com/office/drawing/2014/main" id="{AB0ACE77-F700-4331-07C2-90F58C419D7E}"/>
+              </a:ext>
+            </a:extLst>
+          </p:cNvPr>
+          <p:cNvSpPr/>
+          <p:nvPr/>
+        </p:nvSpPr>
+        <p:spPr>
+          <a:xfrm>
+            <a:off x="4157573" y="1062790"/>
+            <a:ext cx="1026697" cy="296780"/>
+          </a:xfrm>
+          <a:prstGeom prst="rect">
+            <a:avLst/>
+          </a:prstGeom>
+          <a:solidFill>
+            <a:schemeClr val="bg1"/>
+          </a:solidFill>
+          <a:ln>
+            <a:solidFill>
+              <a:schemeClr val="tx1"/>
+            </a:solidFill>
+          </a:ln>
+        </p:spPr>
+        <p:style>
+          <a:lnRef idx="2">
+            <a:schemeClr val="accent1">
+              <a:shade val="50000"/>
+            </a:schemeClr>
+          </a:lnRef>
+          <a:fillRef idx="1">
+            <a:schemeClr val="accent1"/>
+          </a:fillRef>
+          <a:effectRef idx="0">
+            <a:schemeClr val="accent1"/>
+          </a:effectRef>
+          <a:fontRef idx="minor">
+            <a:schemeClr val="lt1"/>
+          </a:fontRef>
+        </p:style>
+        <p:txBody>
+          <a:bodyPr rtlCol="0" anchor="ctr"/>
+          <a:lstStyle/>
+          <a:p>
+            <a:pPr algn="ctr"/>
+            <a:r>
+              <a:rPr lang="zh-CN" altLang="en-US" sz="1050" dirty="0">
+                <a:solidFill>
+                  <a:schemeClr val="tx1"/>
+                </a:solidFill>
+              </a:rPr>
+              <a:t>局部变量表</a:t>
+            </a:r>
+          </a:p>
+        </p:txBody>
+      </p:sp>
+      <p:sp>
+        <p:nvSpPr>
+          <p:cNvPr id="23" name="矩形 22">
+            <a:extLst>
+              <a:ext uri="{FF2B5EF4-FFF2-40B4-BE49-F238E27FC236}">
+                <a16:creationId xmlns:a16="http://schemas.microsoft.com/office/drawing/2014/main" id="{809E3143-6263-DCCC-05DB-E6D2B0D7F72E}"/>
+              </a:ext>
+            </a:extLst>
+          </p:cNvPr>
+          <p:cNvSpPr/>
+          <p:nvPr/>
+        </p:nvSpPr>
+        <p:spPr>
+          <a:xfrm>
+            <a:off x="4047952" y="513347"/>
+            <a:ext cx="1245937" cy="406400"/>
+          </a:xfrm>
+          <a:prstGeom prst="rect">
+            <a:avLst/>
+          </a:prstGeom>
+          <a:solidFill>
+            <a:schemeClr val="bg1"/>
+          </a:solidFill>
+          <a:ln>
+            <a:solidFill>
+              <a:schemeClr val="tx1"/>
+            </a:solidFill>
+          </a:ln>
+        </p:spPr>
+        <p:style>
+          <a:lnRef idx="2">
+            <a:schemeClr val="accent1">
+              <a:shade val="50000"/>
+            </a:schemeClr>
+          </a:lnRef>
+          <a:fillRef idx="1">
+            <a:schemeClr val="accent1"/>
+          </a:fillRef>
+          <a:effectRef idx="0">
+            <a:schemeClr val="accent1"/>
+          </a:effectRef>
+          <a:fontRef idx="minor">
+            <a:schemeClr val="lt1"/>
+          </a:fontRef>
+        </p:style>
+        <p:txBody>
+          <a:bodyPr rtlCol="0" anchor="ctr"/>
+          <a:lstStyle/>
+          <a:p>
+            <a:pPr algn="ctr"/>
+            <a:r>
+              <a:rPr lang="zh-CN" altLang="en-US" sz="1600" dirty="0">
+                <a:solidFill>
+                  <a:schemeClr val="tx1"/>
+                </a:solidFill>
+              </a:rPr>
+              <a:t>当前栈帧</a:t>
+            </a:r>
+          </a:p>
+        </p:txBody>
+      </p:sp>
+      <p:sp>
+        <p:nvSpPr>
+          <p:cNvPr id="26" name="文本框 25">
+            <a:extLst>
+              <a:ext uri="{FF2B5EF4-FFF2-40B4-BE49-F238E27FC236}">
+                <a16:creationId xmlns:a16="http://schemas.microsoft.com/office/drawing/2014/main" id="{5200DFE6-CA62-5649-1059-7ABF1DBFE884}"/>
+              </a:ext>
+            </a:extLst>
+          </p:cNvPr>
+          <p:cNvSpPr txBox="1"/>
+          <p:nvPr/>
+        </p:nvSpPr>
+        <p:spPr>
+          <a:xfrm>
+            <a:off x="4402222" y="2565216"/>
+            <a:ext cx="521368" cy="369332"/>
+          </a:xfrm>
+          <a:prstGeom prst="rect">
+            <a:avLst/>
+          </a:prstGeom>
+          <a:noFill/>
+        </p:spPr>
+        <p:txBody>
+          <a:bodyPr wrap="square" rtlCol="0">
+            <a:spAutoFit/>
+          </a:bodyPr>
+          <a:lstStyle/>
+          <a:p>
+            <a:r>
+              <a:rPr lang="en-US" altLang="zh-CN" dirty="0"/>
+              <a:t>……</a:t>
+            </a:r>
+            <a:endParaRPr lang="zh-CN" altLang="en-US" dirty="0"/>
+          </a:p>
+        </p:txBody>
+      </p:sp>
+      <p:sp>
+        <p:nvSpPr>
+          <p:cNvPr id="28" name="文本框 27">
+            <a:extLst>
+              <a:ext uri="{FF2B5EF4-FFF2-40B4-BE49-F238E27FC236}">
+                <a16:creationId xmlns:a16="http://schemas.microsoft.com/office/drawing/2014/main" id="{31CB56E3-ACD1-371D-327A-0A970825E21C}"/>
+              </a:ext>
+            </a:extLst>
+          </p:cNvPr>
+          <p:cNvSpPr txBox="1"/>
+          <p:nvPr/>
+        </p:nvSpPr>
+        <p:spPr>
+          <a:xfrm>
+            <a:off x="4328691" y="212022"/>
+            <a:ext cx="855579" cy="253916"/>
+          </a:xfrm>
+          <a:prstGeom prst="rect">
+            <a:avLst/>
+          </a:prstGeom>
+          <a:noFill/>
+        </p:spPr>
+        <p:txBody>
+          <a:bodyPr wrap="square" rtlCol="0">
+            <a:spAutoFit/>
+          </a:bodyPr>
+          <a:lstStyle/>
+          <a:p>
+            <a:r>
+              <a:rPr lang="zh-CN" altLang="en-US" sz="1050" dirty="0"/>
+              <a:t>当前线程</a:t>
+            </a:r>
+          </a:p>
+        </p:txBody>
+      </p:sp>
+      <p:sp>
+        <p:nvSpPr>
+          <p:cNvPr id="29" name="文本框 28">
+            <a:extLst>
+              <a:ext uri="{FF2B5EF4-FFF2-40B4-BE49-F238E27FC236}">
+                <a16:creationId xmlns:a16="http://schemas.microsoft.com/office/drawing/2014/main" id="{26D25FC9-9F85-FBFB-9D86-3FE0CEF591D1}"/>
+              </a:ext>
+            </a:extLst>
+          </p:cNvPr>
+          <p:cNvSpPr txBox="1"/>
+          <p:nvPr/>
+        </p:nvSpPr>
+        <p:spPr>
+          <a:xfrm>
+            <a:off x="5668211" y="212022"/>
+            <a:ext cx="703186" cy="253916"/>
+          </a:xfrm>
+          <a:prstGeom prst="rect">
+            <a:avLst/>
+          </a:prstGeom>
+          <a:noFill/>
+        </p:spPr>
+        <p:txBody>
+          <a:bodyPr wrap="square" rtlCol="0">
+            <a:spAutoFit/>
+          </a:bodyPr>
+          <a:lstStyle/>
+          <a:p>
+            <a:r>
+              <a:rPr lang="zh-CN" altLang="en-US" sz="1050" dirty="0"/>
+              <a:t>线程</a:t>
+            </a:r>
+            <a:r>
+              <a:rPr lang="en-US" altLang="zh-CN" sz="1050" dirty="0"/>
+              <a:t>2</a:t>
+            </a:r>
+            <a:endParaRPr lang="zh-CN" altLang="en-US" sz="1050" dirty="0"/>
+          </a:p>
+        </p:txBody>
+      </p:sp>
+      <p:sp>
+        <p:nvSpPr>
+          <p:cNvPr id="30" name="矩形 29">
+            <a:extLst>
+              <a:ext uri="{FF2B5EF4-FFF2-40B4-BE49-F238E27FC236}">
+                <a16:creationId xmlns:a16="http://schemas.microsoft.com/office/drawing/2014/main" id="{67ED494D-0704-9D39-CEBD-B4F606CA97C7}"/>
+              </a:ext>
+            </a:extLst>
+          </p:cNvPr>
+          <p:cNvSpPr/>
+          <p:nvPr/>
+        </p:nvSpPr>
+        <p:spPr>
+          <a:xfrm>
+            <a:off x="5563931" y="515217"/>
+            <a:ext cx="703185" cy="3580865"/>
+          </a:xfrm>
+          <a:prstGeom prst="rect">
+            <a:avLst/>
+          </a:prstGeom>
+          <a:solidFill>
+            <a:schemeClr val="bg1"/>
+          </a:solidFill>
+          <a:ln>
+            <a:solidFill>
+              <a:schemeClr val="tx1"/>
+            </a:solidFill>
+          </a:ln>
+        </p:spPr>
+        <p:style>
+          <a:lnRef idx="2">
+            <a:schemeClr val="accent1">
+              <a:shade val="50000"/>
+            </a:schemeClr>
+          </a:lnRef>
+          <a:fillRef idx="1">
+            <a:schemeClr val="accent1"/>
+          </a:fillRef>
+          <a:effectRef idx="0">
+            <a:schemeClr val="accent1"/>
+          </a:effectRef>
+          <a:fontRef idx="minor">
+            <a:schemeClr val="lt1"/>
+          </a:fontRef>
+        </p:style>
+        <p:txBody>
+          <a:bodyPr rtlCol="0" anchor="ctr"/>
+          <a:lstStyle/>
+          <a:p>
+            <a:pPr algn="ctr"/>
+            <a:endParaRPr lang="zh-CN" altLang="en-US" sz="1600" dirty="0">
+              <a:solidFill>
+                <a:schemeClr val="tx1"/>
+              </a:solidFill>
+            </a:endParaRPr>
+          </a:p>
+        </p:txBody>
+      </p:sp>
+      <p:sp>
+        <p:nvSpPr>
+          <p:cNvPr id="32" name="矩形 31">
+            <a:extLst>
+              <a:ext uri="{FF2B5EF4-FFF2-40B4-BE49-F238E27FC236}">
+                <a16:creationId xmlns:a16="http://schemas.microsoft.com/office/drawing/2014/main" id="{AB780DB9-AA6A-A0E4-AC5C-0A4EB1BEB75E}"/>
+              </a:ext>
+            </a:extLst>
+          </p:cNvPr>
+          <p:cNvSpPr/>
+          <p:nvPr/>
+        </p:nvSpPr>
+        <p:spPr>
+          <a:xfrm>
+            <a:off x="6523789" y="515217"/>
+            <a:ext cx="703185" cy="3580865"/>
+          </a:xfrm>
+          <a:prstGeom prst="rect">
+            <a:avLst/>
+          </a:prstGeom>
+          <a:solidFill>
+            <a:schemeClr val="bg1"/>
+          </a:solidFill>
+          <a:ln>
+            <a:solidFill>
+              <a:schemeClr val="tx1"/>
+            </a:solidFill>
+          </a:ln>
+        </p:spPr>
+        <p:style>
+          <a:lnRef idx="2">
+            <a:schemeClr val="accent1">
+              <a:shade val="50000"/>
+            </a:schemeClr>
+          </a:lnRef>
+          <a:fillRef idx="1">
+            <a:schemeClr val="accent1"/>
+          </a:fillRef>
+          <a:effectRef idx="0">
+            <a:schemeClr val="accent1"/>
+          </a:effectRef>
+          <a:fontRef idx="minor">
+            <a:schemeClr val="lt1"/>
+          </a:fontRef>
+        </p:style>
+        <p:txBody>
+          <a:bodyPr rtlCol="0" anchor="ctr"/>
+          <a:lstStyle/>
+          <a:p>
+            <a:pPr algn="ctr"/>
+            <a:endParaRPr lang="zh-CN" altLang="en-US" sz="1600" dirty="0">
+              <a:solidFill>
+                <a:schemeClr val="tx1"/>
+              </a:solidFill>
+            </a:endParaRPr>
+          </a:p>
+        </p:txBody>
+      </p:sp>
+      <p:sp>
+        <p:nvSpPr>
+          <p:cNvPr id="33" name="文本框 32">
+            <a:extLst>
+              <a:ext uri="{FF2B5EF4-FFF2-40B4-BE49-F238E27FC236}">
+                <a16:creationId xmlns:a16="http://schemas.microsoft.com/office/drawing/2014/main" id="{C9159085-82F4-F35E-7E56-EB6D65064A7C}"/>
+              </a:ext>
+            </a:extLst>
+          </p:cNvPr>
+          <p:cNvSpPr txBox="1"/>
+          <p:nvPr/>
+        </p:nvSpPr>
+        <p:spPr>
+          <a:xfrm>
+            <a:off x="6542512" y="212022"/>
+            <a:ext cx="703186" cy="253916"/>
+          </a:xfrm>
+          <a:prstGeom prst="rect">
+            <a:avLst/>
+          </a:prstGeom>
+          <a:noFill/>
+        </p:spPr>
+        <p:txBody>
+          <a:bodyPr wrap="square" rtlCol="0">
+            <a:spAutoFit/>
+          </a:bodyPr>
+          <a:lstStyle/>
+          <a:p>
+            <a:r>
+              <a:rPr lang="zh-CN" altLang="en-US" sz="1050" dirty="0"/>
+              <a:t>线程</a:t>
+            </a:r>
+            <a:r>
+              <a:rPr lang="en-US" altLang="zh-CN" sz="1050" dirty="0"/>
+              <a:t>2</a:t>
+            </a:r>
+            <a:endParaRPr lang="zh-CN" altLang="en-US" sz="1050" dirty="0"/>
+          </a:p>
+        </p:txBody>
+      </p:sp>
+    </p:spTree>
+    <p:extLst>
+      <p:ext uri="{BB962C8B-B14F-4D97-AF65-F5344CB8AC3E}">
+        <p14:creationId xmlns:p14="http://schemas.microsoft.com/office/powerpoint/2010/main" val="1404826214"/>
+      </p:ext>
+    </p:extLst>
+  </p:cSld>
+  <p:clrMapOvr>
+    <a:masterClrMapping/>
+  </p:clrMapOvr>
+</p:sld>
+</file>
+
+<file path=ppt/slides/slide14.xml><?xml version="1.0" encoding="utf-8"?>
+<p:sld xmlns:a="http://schemas.openxmlformats.org/drawingml/2006/main" xmlns:r="http://schemas.openxmlformats.org/officeDocument/2006/relationships" xmlns:p="http://schemas.openxmlformats.org/presentationml/2006/main">
+  <p:cSld>
+    <p:spTree>
+      <p:nvGrpSpPr>
+        <p:cNvPr id="1" name=""/>
+        <p:cNvGrpSpPr/>
+        <p:nvPr/>
+      </p:nvGrpSpPr>
+      <p:grpSpPr>
+        <a:xfrm>
+          <a:off x="0" y="0"/>
+          <a:ext cx="0" cy="0"/>
+          <a:chOff x="0" y="0"/>
+          <a:chExt cx="0" cy="0"/>
+        </a:xfrm>
+      </p:grpSpPr>
+      <p:grpSp>
+        <p:nvGrpSpPr>
+          <p:cNvPr id="2" name="组合 1">
+            <a:extLst>
+              <a:ext uri="{FF2B5EF4-FFF2-40B4-BE49-F238E27FC236}">
+                <a16:creationId xmlns:a16="http://schemas.microsoft.com/office/drawing/2014/main" id="{EB2855F4-6967-2F07-2308-B9441DEEE4D0}"/>
+              </a:ext>
+            </a:extLst>
+          </p:cNvPr>
+          <p:cNvGrpSpPr/>
+          <p:nvPr/>
+        </p:nvGrpSpPr>
+        <p:grpSpPr>
+          <a:xfrm>
+            <a:off x="4047952" y="212022"/>
+            <a:ext cx="3197746" cy="3884061"/>
+            <a:chOff x="4047952" y="212022"/>
+            <a:chExt cx="3197746" cy="3884061"/>
+          </a:xfrm>
+        </p:grpSpPr>
+        <p:sp>
+          <p:nvSpPr>
+            <p:cNvPr id="6" name="矩形 5">
+              <a:extLst>
+                <a:ext uri="{FF2B5EF4-FFF2-40B4-BE49-F238E27FC236}">
+                  <a16:creationId xmlns:a16="http://schemas.microsoft.com/office/drawing/2014/main" id="{C42A157E-9A76-DB61-BC3B-6D823F44FF23}"/>
+                </a:ext>
+              </a:extLst>
+            </p:cNvPr>
+            <p:cNvSpPr/>
+            <p:nvPr/>
+          </p:nvSpPr>
+          <p:spPr>
+            <a:xfrm>
+              <a:off x="4047958" y="2876883"/>
+              <a:ext cx="1245937" cy="406400"/>
+            </a:xfrm>
+            <a:prstGeom prst="rect">
+              <a:avLst/>
+            </a:prstGeom>
+            <a:solidFill>
+              <a:schemeClr val="bg1"/>
+            </a:solidFill>
+            <a:ln>
+              <a:solidFill>
+                <a:schemeClr val="tx1"/>
+              </a:solidFill>
+            </a:ln>
+          </p:spPr>
+          <p:style>
+            <a:lnRef idx="2">
+              <a:schemeClr val="accent1">
+                <a:shade val="50000"/>
+              </a:schemeClr>
+            </a:lnRef>
+            <a:fillRef idx="1">
+              <a:schemeClr val="accent1"/>
+            </a:fillRef>
+            <a:effectRef idx="0">
+              <a:schemeClr val="accent1"/>
+            </a:effectRef>
+            <a:fontRef idx="minor">
+              <a:schemeClr val="lt1"/>
+            </a:fontRef>
+          </p:style>
+          <p:txBody>
+            <a:bodyPr rtlCol="0" anchor="ctr"/>
+            <a:lstStyle/>
+            <a:p>
+              <a:pPr algn="ctr"/>
+              <a:r>
+                <a:rPr lang="zh-CN" altLang="en-US" sz="1600" dirty="0">
+                  <a:solidFill>
+                    <a:schemeClr val="tx1"/>
+                  </a:solidFill>
+                </a:rPr>
+                <a:t>栈帧</a:t>
+              </a:r>
+              <a:r>
+                <a:rPr lang="en-US" altLang="zh-CN" sz="1600" dirty="0">
+                  <a:solidFill>
+                    <a:schemeClr val="tx1"/>
+                  </a:solidFill>
+                </a:rPr>
+                <a:t>n</a:t>
+              </a:r>
+              <a:endParaRPr lang="zh-CN" altLang="en-US" sz="1600" dirty="0">
+                <a:solidFill>
+                  <a:schemeClr val="tx1"/>
+                </a:solidFill>
+              </a:endParaRPr>
+            </a:p>
+          </p:txBody>
+        </p:sp>
+        <p:sp>
+          <p:nvSpPr>
+            <p:cNvPr id="8" name="矩形 7">
+              <a:extLst>
+                <a:ext uri="{FF2B5EF4-FFF2-40B4-BE49-F238E27FC236}">
+                  <a16:creationId xmlns:a16="http://schemas.microsoft.com/office/drawing/2014/main" id="{58DB2092-C695-6E32-1383-76DA69514F73}"/>
+                </a:ext>
+              </a:extLst>
+            </p:cNvPr>
+            <p:cNvSpPr/>
+            <p:nvPr/>
+          </p:nvSpPr>
+          <p:spPr>
+            <a:xfrm>
+              <a:off x="4047957" y="3283283"/>
+              <a:ext cx="1245937" cy="406400"/>
+            </a:xfrm>
+            <a:prstGeom prst="rect">
+              <a:avLst/>
+            </a:prstGeom>
+            <a:solidFill>
+              <a:schemeClr val="bg1"/>
+            </a:solidFill>
+            <a:ln>
+              <a:solidFill>
+                <a:schemeClr val="tx1"/>
+              </a:solidFill>
+            </a:ln>
+          </p:spPr>
+          <p:style>
+            <a:lnRef idx="2">
+              <a:schemeClr val="accent1">
+                <a:shade val="50000"/>
+              </a:schemeClr>
+            </a:lnRef>
+            <a:fillRef idx="1">
+              <a:schemeClr val="accent1"/>
+            </a:fillRef>
+            <a:effectRef idx="0">
+              <a:schemeClr val="accent1"/>
+            </a:effectRef>
+            <a:fontRef idx="minor">
+              <a:schemeClr val="lt1"/>
+            </a:fontRef>
+          </p:style>
+          <p:txBody>
+            <a:bodyPr rtlCol="0" anchor="ctr"/>
+            <a:lstStyle/>
+            <a:p>
+              <a:pPr algn="ctr"/>
+              <a:r>
+                <a:rPr lang="zh-CN" altLang="en-US" sz="1600" dirty="0">
+                  <a:solidFill>
+                    <a:schemeClr val="tx1"/>
+                  </a:solidFill>
+                </a:rPr>
+                <a:t>栈帧</a:t>
+              </a:r>
+              <a:r>
+                <a:rPr lang="en-US" altLang="zh-CN" sz="1600" dirty="0">
+                  <a:solidFill>
+                    <a:schemeClr val="tx1"/>
+                  </a:solidFill>
+                </a:rPr>
+                <a:t>2</a:t>
+              </a:r>
+              <a:endParaRPr lang="zh-CN" altLang="en-US" sz="1600" dirty="0">
+                <a:solidFill>
+                  <a:schemeClr val="tx1"/>
+                </a:solidFill>
+              </a:endParaRPr>
+            </a:p>
+          </p:txBody>
+        </p:sp>
+        <p:sp>
+          <p:nvSpPr>
+            <p:cNvPr id="13" name="矩形 12">
+              <a:extLst>
+                <a:ext uri="{FF2B5EF4-FFF2-40B4-BE49-F238E27FC236}">
+                  <a16:creationId xmlns:a16="http://schemas.microsoft.com/office/drawing/2014/main" id="{0C9B24A7-C78B-8A43-6517-F3818C40F66D}"/>
+                </a:ext>
+              </a:extLst>
+            </p:cNvPr>
+            <p:cNvSpPr/>
+            <p:nvPr/>
+          </p:nvSpPr>
+          <p:spPr>
+            <a:xfrm>
+              <a:off x="4047957" y="3689683"/>
+              <a:ext cx="1245937" cy="406400"/>
+            </a:xfrm>
+            <a:prstGeom prst="rect">
+              <a:avLst/>
+            </a:prstGeom>
+            <a:solidFill>
+              <a:schemeClr val="bg1"/>
+            </a:solidFill>
+            <a:ln>
+              <a:solidFill>
+                <a:schemeClr val="tx1"/>
+              </a:solidFill>
+            </a:ln>
+          </p:spPr>
+          <p:style>
+            <a:lnRef idx="2">
+              <a:schemeClr val="accent1">
+                <a:shade val="50000"/>
+              </a:schemeClr>
+            </a:lnRef>
+            <a:fillRef idx="1">
+              <a:schemeClr val="accent1"/>
+            </a:fillRef>
+            <a:effectRef idx="0">
+              <a:schemeClr val="accent1"/>
+            </a:effectRef>
+            <a:fontRef idx="minor">
+              <a:schemeClr val="lt1"/>
+            </a:fontRef>
+          </p:style>
+          <p:txBody>
+            <a:bodyPr rtlCol="0" anchor="ctr"/>
+            <a:lstStyle/>
+            <a:p>
+              <a:pPr algn="ctr"/>
+              <a:r>
+                <a:rPr lang="zh-CN" altLang="en-US" sz="1600" dirty="0">
+                  <a:solidFill>
+                    <a:schemeClr val="tx1"/>
+                  </a:solidFill>
+                </a:rPr>
+                <a:t>栈帧</a:t>
+              </a:r>
+              <a:r>
+                <a:rPr lang="en-US" altLang="zh-CN" sz="1600" dirty="0">
+                  <a:solidFill>
+                    <a:schemeClr val="tx1"/>
+                  </a:solidFill>
+                </a:rPr>
+                <a:t>1</a:t>
+              </a:r>
+              <a:endParaRPr lang="zh-CN" altLang="en-US" sz="1600" dirty="0">
+                <a:solidFill>
+                  <a:schemeClr val="tx1"/>
+                </a:solidFill>
+              </a:endParaRPr>
+            </a:p>
+          </p:txBody>
+        </p:sp>
+        <p:sp>
+          <p:nvSpPr>
+            <p:cNvPr id="14" name="矩形 13">
+              <a:extLst>
+                <a:ext uri="{FF2B5EF4-FFF2-40B4-BE49-F238E27FC236}">
+                  <a16:creationId xmlns:a16="http://schemas.microsoft.com/office/drawing/2014/main" id="{0E8BFEF0-831E-19B6-EE5E-AFF9F6618A2D}"/>
+                </a:ext>
+              </a:extLst>
+            </p:cNvPr>
+            <p:cNvSpPr/>
+            <p:nvPr/>
+          </p:nvSpPr>
+          <p:spPr>
+            <a:xfrm>
+              <a:off x="4047957" y="909053"/>
+              <a:ext cx="1245937" cy="1967830"/>
+            </a:xfrm>
+            <a:prstGeom prst="rect">
+              <a:avLst/>
+            </a:prstGeom>
+            <a:solidFill>
+              <a:schemeClr val="bg1"/>
+            </a:solidFill>
+            <a:ln>
+              <a:solidFill>
+                <a:schemeClr val="tx1"/>
+              </a:solidFill>
+            </a:ln>
+          </p:spPr>
+          <p:style>
+            <a:lnRef idx="2">
+              <a:schemeClr val="accent1">
+                <a:shade val="50000"/>
+              </a:schemeClr>
+            </a:lnRef>
+            <a:fillRef idx="1">
+              <a:schemeClr val="accent1"/>
+            </a:fillRef>
+            <a:effectRef idx="0">
+              <a:schemeClr val="accent1"/>
+            </a:effectRef>
+            <a:fontRef idx="minor">
+              <a:schemeClr val="lt1"/>
+            </a:fontRef>
+          </p:style>
+          <p:txBody>
+            <a:bodyPr rtlCol="0" anchor="ctr"/>
+            <a:lstStyle/>
+            <a:p>
+              <a:pPr algn="ctr"/>
+              <a:endParaRPr lang="zh-CN" altLang="en-US" sz="1600" dirty="0">
+                <a:solidFill>
+                  <a:schemeClr val="tx1"/>
+                </a:solidFill>
+              </a:endParaRPr>
+            </a:p>
+          </p:txBody>
+        </p:sp>
+        <p:sp>
+          <p:nvSpPr>
+            <p:cNvPr id="15" name="矩形 14">
+              <a:extLst>
+                <a:ext uri="{FF2B5EF4-FFF2-40B4-BE49-F238E27FC236}">
+                  <a16:creationId xmlns:a16="http://schemas.microsoft.com/office/drawing/2014/main" id="{3737EF78-CF1F-76B4-F850-3877CFAA34DB}"/>
+                </a:ext>
+              </a:extLst>
+            </p:cNvPr>
+            <p:cNvSpPr/>
+            <p:nvPr/>
+          </p:nvSpPr>
+          <p:spPr>
+            <a:xfrm>
+              <a:off x="4157576" y="2334125"/>
+              <a:ext cx="1026697" cy="296780"/>
+            </a:xfrm>
+            <a:prstGeom prst="rect">
+              <a:avLst/>
+            </a:prstGeom>
+            <a:solidFill>
+              <a:schemeClr val="bg1"/>
+            </a:solidFill>
+            <a:ln>
+              <a:solidFill>
+                <a:schemeClr val="tx1"/>
+              </a:solidFill>
+            </a:ln>
+          </p:spPr>
+          <p:style>
+            <a:lnRef idx="2">
+              <a:schemeClr val="accent1">
+                <a:shade val="50000"/>
+              </a:schemeClr>
+            </a:lnRef>
+            <a:fillRef idx="1">
+              <a:schemeClr val="accent1"/>
+            </a:fillRef>
+            <a:effectRef idx="0">
+              <a:schemeClr val="accent1"/>
+            </a:effectRef>
+            <a:fontRef idx="minor">
+              <a:schemeClr val="lt1"/>
+            </a:fontRef>
+          </p:style>
+          <p:txBody>
+            <a:bodyPr rtlCol="0" anchor="ctr"/>
+            <a:lstStyle/>
+            <a:p>
+              <a:pPr algn="ctr"/>
+              <a:r>
+                <a:rPr lang="zh-CN" altLang="en-US" sz="1050" dirty="0">
+                  <a:solidFill>
+                    <a:schemeClr val="tx1"/>
+                  </a:solidFill>
+                </a:rPr>
+                <a:t>返回地址</a:t>
+              </a:r>
+            </a:p>
+          </p:txBody>
+        </p:sp>
+        <p:sp>
+          <p:nvSpPr>
+            <p:cNvPr id="17" name="矩形 16">
+              <a:extLst>
+                <a:ext uri="{FF2B5EF4-FFF2-40B4-BE49-F238E27FC236}">
+                  <a16:creationId xmlns:a16="http://schemas.microsoft.com/office/drawing/2014/main" id="{B914CC41-3128-CFB0-B346-7756D0A14BCD}"/>
+                </a:ext>
+              </a:extLst>
+            </p:cNvPr>
+            <p:cNvSpPr/>
+            <p:nvPr/>
+          </p:nvSpPr>
+          <p:spPr>
+            <a:xfrm>
+              <a:off x="4157573" y="1902325"/>
+              <a:ext cx="1026697" cy="296780"/>
+            </a:xfrm>
+            <a:prstGeom prst="rect">
+              <a:avLst/>
+            </a:prstGeom>
+            <a:solidFill>
+              <a:schemeClr val="bg1"/>
+            </a:solidFill>
+            <a:ln>
+              <a:solidFill>
+                <a:schemeClr val="tx1"/>
+              </a:solidFill>
+            </a:ln>
+          </p:spPr>
+          <p:style>
+            <a:lnRef idx="2">
+              <a:schemeClr val="accent1">
+                <a:shade val="50000"/>
+              </a:schemeClr>
+            </a:lnRef>
+            <a:fillRef idx="1">
+              <a:schemeClr val="accent1"/>
+            </a:fillRef>
+            <a:effectRef idx="0">
+              <a:schemeClr val="accent1"/>
+            </a:effectRef>
+            <a:fontRef idx="minor">
+              <a:schemeClr val="lt1"/>
+            </a:fontRef>
+          </p:style>
+          <p:txBody>
+            <a:bodyPr rtlCol="0" anchor="ctr"/>
+            <a:lstStyle/>
+            <a:p>
+              <a:pPr algn="ctr"/>
+              <a:r>
+                <a:rPr lang="zh-CN" altLang="en-US" sz="1050" dirty="0">
+                  <a:solidFill>
+                    <a:schemeClr val="tx1"/>
+                  </a:solidFill>
+                </a:rPr>
+                <a:t>动态链接</a:t>
+              </a:r>
+            </a:p>
+          </p:txBody>
+        </p:sp>
+        <p:sp>
+          <p:nvSpPr>
+            <p:cNvPr id="18" name="矩形 17">
+              <a:extLst>
+                <a:ext uri="{FF2B5EF4-FFF2-40B4-BE49-F238E27FC236}">
+                  <a16:creationId xmlns:a16="http://schemas.microsoft.com/office/drawing/2014/main" id="{3A265000-5EDC-4586-4B4C-E40549784DCA}"/>
+                </a:ext>
+              </a:extLst>
+            </p:cNvPr>
+            <p:cNvSpPr/>
+            <p:nvPr/>
+          </p:nvSpPr>
+          <p:spPr>
+            <a:xfrm>
+              <a:off x="4157574" y="1486568"/>
+              <a:ext cx="1026697" cy="296780"/>
+            </a:xfrm>
+            <a:prstGeom prst="rect">
+              <a:avLst/>
+            </a:prstGeom>
+            <a:solidFill>
+              <a:schemeClr val="bg1"/>
+            </a:solidFill>
+            <a:ln>
+              <a:solidFill>
+                <a:schemeClr val="tx1"/>
+              </a:solidFill>
+            </a:ln>
+          </p:spPr>
+          <p:style>
+            <a:lnRef idx="2">
+              <a:schemeClr val="accent1">
+                <a:shade val="50000"/>
+              </a:schemeClr>
+            </a:lnRef>
+            <a:fillRef idx="1">
+              <a:schemeClr val="accent1"/>
+            </a:fillRef>
+            <a:effectRef idx="0">
+              <a:schemeClr val="accent1"/>
+            </a:effectRef>
+            <a:fontRef idx="minor">
+              <a:schemeClr val="lt1"/>
+            </a:fontRef>
+          </p:style>
+          <p:txBody>
+            <a:bodyPr rtlCol="0" anchor="ctr"/>
+            <a:lstStyle/>
+            <a:p>
+              <a:pPr algn="ctr"/>
+              <a:r>
+                <a:rPr lang="zh-CN" altLang="en-US" sz="1050" dirty="0">
+                  <a:solidFill>
+                    <a:schemeClr val="tx1"/>
+                  </a:solidFill>
+                </a:rPr>
+                <a:t>操作栈</a:t>
+              </a:r>
+            </a:p>
+          </p:txBody>
+        </p:sp>
+        <p:sp>
+          <p:nvSpPr>
+            <p:cNvPr id="20" name="矩形 19">
+              <a:extLst>
+                <a:ext uri="{FF2B5EF4-FFF2-40B4-BE49-F238E27FC236}">
+                  <a16:creationId xmlns:a16="http://schemas.microsoft.com/office/drawing/2014/main" id="{AB0ACE77-F700-4331-07C2-90F58C419D7E}"/>
+                </a:ext>
+              </a:extLst>
+            </p:cNvPr>
+            <p:cNvSpPr/>
+            <p:nvPr/>
+          </p:nvSpPr>
+          <p:spPr>
+            <a:xfrm>
+              <a:off x="4157573" y="1062790"/>
+              <a:ext cx="1026697" cy="296780"/>
+            </a:xfrm>
+            <a:prstGeom prst="rect">
+              <a:avLst/>
+            </a:prstGeom>
+            <a:solidFill>
+              <a:schemeClr val="bg1"/>
+            </a:solidFill>
+            <a:ln>
+              <a:solidFill>
+                <a:schemeClr val="tx1"/>
+              </a:solidFill>
+            </a:ln>
+          </p:spPr>
+          <p:style>
+            <a:lnRef idx="2">
+              <a:schemeClr val="accent1">
+                <a:shade val="50000"/>
+              </a:schemeClr>
+            </a:lnRef>
+            <a:fillRef idx="1">
+              <a:schemeClr val="accent1"/>
+            </a:fillRef>
+            <a:effectRef idx="0">
+              <a:schemeClr val="accent1"/>
+            </a:effectRef>
+            <a:fontRef idx="minor">
+              <a:schemeClr val="lt1"/>
+            </a:fontRef>
+          </p:style>
+          <p:txBody>
+            <a:bodyPr rtlCol="0" anchor="ctr"/>
+            <a:lstStyle/>
+            <a:p>
+              <a:pPr algn="ctr"/>
+              <a:r>
+                <a:rPr lang="zh-CN" altLang="en-US" sz="1050" dirty="0">
+                  <a:solidFill>
+                    <a:schemeClr val="tx1"/>
+                  </a:solidFill>
+                </a:rPr>
+                <a:t>局部变量表</a:t>
+              </a:r>
+            </a:p>
+          </p:txBody>
+        </p:sp>
+        <p:sp>
+          <p:nvSpPr>
+            <p:cNvPr id="23" name="矩形 22">
+              <a:extLst>
+                <a:ext uri="{FF2B5EF4-FFF2-40B4-BE49-F238E27FC236}">
+                  <a16:creationId xmlns:a16="http://schemas.microsoft.com/office/drawing/2014/main" id="{809E3143-6263-DCCC-05DB-E6D2B0D7F72E}"/>
+                </a:ext>
+              </a:extLst>
+            </p:cNvPr>
+            <p:cNvSpPr/>
+            <p:nvPr/>
+          </p:nvSpPr>
+          <p:spPr>
+            <a:xfrm>
+              <a:off x="4047952" y="513347"/>
+              <a:ext cx="1245937" cy="406400"/>
+            </a:xfrm>
+            <a:prstGeom prst="rect">
+              <a:avLst/>
+            </a:prstGeom>
+            <a:solidFill>
+              <a:schemeClr val="bg1"/>
+            </a:solidFill>
+            <a:ln>
+              <a:solidFill>
+                <a:schemeClr val="tx1"/>
+              </a:solidFill>
+            </a:ln>
+          </p:spPr>
+          <p:style>
+            <a:lnRef idx="2">
+              <a:schemeClr val="accent1">
+                <a:shade val="50000"/>
+              </a:schemeClr>
+            </a:lnRef>
+            <a:fillRef idx="1">
+              <a:schemeClr val="accent1"/>
+            </a:fillRef>
+            <a:effectRef idx="0">
+              <a:schemeClr val="accent1"/>
+            </a:effectRef>
+            <a:fontRef idx="minor">
+              <a:schemeClr val="lt1"/>
+            </a:fontRef>
+          </p:style>
+          <p:txBody>
+            <a:bodyPr rtlCol="0" anchor="ctr"/>
+            <a:lstStyle/>
+            <a:p>
+              <a:pPr algn="ctr"/>
+              <a:r>
+                <a:rPr lang="zh-CN" altLang="en-US" sz="1600" dirty="0">
+                  <a:solidFill>
+                    <a:schemeClr val="tx1"/>
+                  </a:solidFill>
+                </a:rPr>
+                <a:t>当前栈帧</a:t>
+              </a:r>
+            </a:p>
+          </p:txBody>
+        </p:sp>
+        <p:sp>
+          <p:nvSpPr>
+            <p:cNvPr id="26" name="文本框 25">
+              <a:extLst>
+                <a:ext uri="{FF2B5EF4-FFF2-40B4-BE49-F238E27FC236}">
+                  <a16:creationId xmlns:a16="http://schemas.microsoft.com/office/drawing/2014/main" id="{5200DFE6-CA62-5649-1059-7ABF1DBFE884}"/>
+                </a:ext>
+              </a:extLst>
+            </p:cNvPr>
+            <p:cNvSpPr txBox="1"/>
+            <p:nvPr/>
+          </p:nvSpPr>
+          <p:spPr>
+            <a:xfrm>
+              <a:off x="4402222" y="2565216"/>
+              <a:ext cx="521368" cy="369332"/>
+            </a:xfrm>
+            <a:prstGeom prst="rect">
+              <a:avLst/>
+            </a:prstGeom>
+            <a:noFill/>
+          </p:spPr>
+          <p:txBody>
+            <a:bodyPr wrap="square" rtlCol="0">
+              <a:spAutoFit/>
+            </a:bodyPr>
+            <a:lstStyle/>
+            <a:p>
+              <a:r>
+                <a:rPr lang="en-US" altLang="zh-CN" dirty="0"/>
+                <a:t>……</a:t>
+              </a:r>
+              <a:endParaRPr lang="zh-CN" altLang="en-US" dirty="0"/>
+            </a:p>
+          </p:txBody>
+        </p:sp>
+        <p:sp>
+          <p:nvSpPr>
+            <p:cNvPr id="28" name="文本框 27">
+              <a:extLst>
+                <a:ext uri="{FF2B5EF4-FFF2-40B4-BE49-F238E27FC236}">
+                  <a16:creationId xmlns:a16="http://schemas.microsoft.com/office/drawing/2014/main" id="{31CB56E3-ACD1-371D-327A-0A970825E21C}"/>
+                </a:ext>
+              </a:extLst>
+            </p:cNvPr>
+            <p:cNvSpPr txBox="1"/>
+            <p:nvPr/>
+          </p:nvSpPr>
+          <p:spPr>
+            <a:xfrm>
+              <a:off x="4328691" y="212022"/>
+              <a:ext cx="855579" cy="253916"/>
+            </a:xfrm>
+            <a:prstGeom prst="rect">
+              <a:avLst/>
+            </a:prstGeom>
+            <a:noFill/>
+          </p:spPr>
+          <p:txBody>
+            <a:bodyPr wrap="square" rtlCol="0">
+              <a:spAutoFit/>
+            </a:bodyPr>
+            <a:lstStyle/>
+            <a:p>
+              <a:r>
+                <a:rPr lang="zh-CN" altLang="en-US" sz="1050" dirty="0"/>
+                <a:t>当前线程</a:t>
+              </a:r>
+            </a:p>
+          </p:txBody>
+        </p:sp>
+        <p:sp>
+          <p:nvSpPr>
+            <p:cNvPr id="29" name="文本框 28">
+              <a:extLst>
+                <a:ext uri="{FF2B5EF4-FFF2-40B4-BE49-F238E27FC236}">
+                  <a16:creationId xmlns:a16="http://schemas.microsoft.com/office/drawing/2014/main" id="{26D25FC9-9F85-FBFB-9D86-3FE0CEF591D1}"/>
+                </a:ext>
+              </a:extLst>
+            </p:cNvPr>
+            <p:cNvSpPr txBox="1"/>
+            <p:nvPr/>
+          </p:nvSpPr>
+          <p:spPr>
+            <a:xfrm>
+              <a:off x="5668211" y="212022"/>
+              <a:ext cx="703186" cy="253916"/>
+            </a:xfrm>
+            <a:prstGeom prst="rect">
+              <a:avLst/>
+            </a:prstGeom>
+            <a:noFill/>
+          </p:spPr>
+          <p:txBody>
+            <a:bodyPr wrap="square" rtlCol="0">
+              <a:spAutoFit/>
+            </a:bodyPr>
+            <a:lstStyle/>
+            <a:p>
+              <a:r>
+                <a:rPr lang="zh-CN" altLang="en-US" sz="1050" dirty="0"/>
+                <a:t>线程</a:t>
+              </a:r>
+              <a:r>
+                <a:rPr lang="en-US" altLang="zh-CN" sz="1050" dirty="0"/>
+                <a:t>2</a:t>
+              </a:r>
+              <a:endParaRPr lang="zh-CN" altLang="en-US" sz="1050" dirty="0"/>
+            </a:p>
+          </p:txBody>
+        </p:sp>
+        <p:sp>
+          <p:nvSpPr>
+            <p:cNvPr id="30" name="矩形 29">
+              <a:extLst>
+                <a:ext uri="{FF2B5EF4-FFF2-40B4-BE49-F238E27FC236}">
+                  <a16:creationId xmlns:a16="http://schemas.microsoft.com/office/drawing/2014/main" id="{67ED494D-0704-9D39-CEBD-B4F606CA97C7}"/>
+                </a:ext>
+              </a:extLst>
+            </p:cNvPr>
+            <p:cNvSpPr/>
+            <p:nvPr/>
+          </p:nvSpPr>
+          <p:spPr>
+            <a:xfrm>
+              <a:off x="5563931" y="515217"/>
+              <a:ext cx="703185" cy="3580865"/>
+            </a:xfrm>
+            <a:prstGeom prst="rect">
+              <a:avLst/>
+            </a:prstGeom>
+            <a:solidFill>
+              <a:schemeClr val="bg1"/>
+            </a:solidFill>
+            <a:ln>
+              <a:solidFill>
+                <a:schemeClr val="tx1"/>
+              </a:solidFill>
+            </a:ln>
+          </p:spPr>
+          <p:style>
+            <a:lnRef idx="2">
+              <a:schemeClr val="accent1">
+                <a:shade val="50000"/>
+              </a:schemeClr>
+            </a:lnRef>
+            <a:fillRef idx="1">
+              <a:schemeClr val="accent1"/>
+            </a:fillRef>
+            <a:effectRef idx="0">
+              <a:schemeClr val="accent1"/>
+            </a:effectRef>
+            <a:fontRef idx="minor">
+              <a:schemeClr val="lt1"/>
+            </a:fontRef>
+          </p:style>
+          <p:txBody>
+            <a:bodyPr rtlCol="0" anchor="ctr"/>
+            <a:lstStyle/>
+            <a:p>
+              <a:pPr algn="ctr"/>
+              <a:endParaRPr lang="zh-CN" altLang="en-US" sz="1600" dirty="0">
+                <a:solidFill>
+                  <a:schemeClr val="tx1"/>
+                </a:solidFill>
+              </a:endParaRPr>
+            </a:p>
+          </p:txBody>
+        </p:sp>
+        <p:sp>
+          <p:nvSpPr>
+            <p:cNvPr id="32" name="矩形 31">
+              <a:extLst>
+                <a:ext uri="{FF2B5EF4-FFF2-40B4-BE49-F238E27FC236}">
+                  <a16:creationId xmlns:a16="http://schemas.microsoft.com/office/drawing/2014/main" id="{AB780DB9-AA6A-A0E4-AC5C-0A4EB1BEB75E}"/>
+                </a:ext>
+              </a:extLst>
+            </p:cNvPr>
+            <p:cNvSpPr/>
+            <p:nvPr/>
+          </p:nvSpPr>
+          <p:spPr>
+            <a:xfrm>
+              <a:off x="6523789" y="515217"/>
+              <a:ext cx="703185" cy="3580865"/>
+            </a:xfrm>
+            <a:prstGeom prst="rect">
+              <a:avLst/>
+            </a:prstGeom>
+            <a:solidFill>
+              <a:schemeClr val="bg1"/>
+            </a:solidFill>
+            <a:ln>
+              <a:solidFill>
+                <a:schemeClr val="tx1"/>
+              </a:solidFill>
+            </a:ln>
+          </p:spPr>
+          <p:style>
+            <a:lnRef idx="2">
+              <a:schemeClr val="accent1">
+                <a:shade val="50000"/>
+              </a:schemeClr>
+            </a:lnRef>
+            <a:fillRef idx="1">
+              <a:schemeClr val="accent1"/>
+            </a:fillRef>
+            <a:effectRef idx="0">
+              <a:schemeClr val="accent1"/>
+            </a:effectRef>
+            <a:fontRef idx="minor">
+              <a:schemeClr val="lt1"/>
+            </a:fontRef>
+          </p:style>
+          <p:txBody>
+            <a:bodyPr rtlCol="0" anchor="ctr"/>
+            <a:lstStyle/>
+            <a:p>
+              <a:pPr algn="ctr"/>
+              <a:endParaRPr lang="zh-CN" altLang="en-US" sz="1600" dirty="0">
+                <a:solidFill>
+                  <a:schemeClr val="tx1"/>
+                </a:solidFill>
+              </a:endParaRPr>
+            </a:p>
+          </p:txBody>
+        </p:sp>
+        <p:sp>
+          <p:nvSpPr>
+            <p:cNvPr id="33" name="文本框 32">
+              <a:extLst>
+                <a:ext uri="{FF2B5EF4-FFF2-40B4-BE49-F238E27FC236}">
+                  <a16:creationId xmlns:a16="http://schemas.microsoft.com/office/drawing/2014/main" id="{C9159085-82F4-F35E-7E56-EB6D65064A7C}"/>
+                </a:ext>
+              </a:extLst>
+            </p:cNvPr>
+            <p:cNvSpPr txBox="1"/>
+            <p:nvPr/>
+          </p:nvSpPr>
+          <p:spPr>
+            <a:xfrm>
+              <a:off x="6542512" y="212022"/>
+              <a:ext cx="703186" cy="253916"/>
+            </a:xfrm>
+            <a:prstGeom prst="rect">
+              <a:avLst/>
+            </a:prstGeom>
+            <a:noFill/>
+          </p:spPr>
+          <p:txBody>
+            <a:bodyPr wrap="square" rtlCol="0">
+              <a:spAutoFit/>
+            </a:bodyPr>
+            <a:lstStyle/>
+            <a:p>
+              <a:r>
+                <a:rPr lang="zh-CN" altLang="en-US" sz="1050" dirty="0"/>
+                <a:t>线程</a:t>
+              </a:r>
+              <a:r>
+                <a:rPr lang="en-US" altLang="zh-CN" sz="1050" dirty="0"/>
+                <a:t>n</a:t>
+              </a:r>
+              <a:endParaRPr lang="zh-CN" altLang="en-US" sz="1050" dirty="0"/>
+            </a:p>
+          </p:txBody>
+        </p:sp>
+      </p:grpSp>
+    </p:spTree>
+    <p:extLst>
+      <p:ext uri="{BB962C8B-B14F-4D97-AF65-F5344CB8AC3E}">
+        <p14:creationId xmlns:p14="http://schemas.microsoft.com/office/powerpoint/2010/main" val="1111991081"/>
+      </p:ext>
+    </p:extLst>
+  </p:cSld>
+  <p:clrMapOvr>
+    <a:masterClrMapping/>
+  </p:clrMapOvr>
+</p:sld>
+</file>
+
 <file path=ppt/slides/slide2.xml><?xml version="1.0" encoding="utf-8"?>
 <p:sld xmlns:a="http://schemas.openxmlformats.org/drawingml/2006/main" xmlns:r="http://schemas.openxmlformats.org/officeDocument/2006/relationships" xmlns:p="http://schemas.openxmlformats.org/presentationml/2006/main">
   <p:cSld>

--- a/演示文稿1.pptx
+++ b/演示文稿1.pptx
@@ -18,7 +18,8 @@
     <p:sldId id="266" r:id="rId12"/>
     <p:sldId id="267" r:id="rId13"/>
     <p:sldId id="268" r:id="rId14"/>
-    <p:sldId id="269" r:id="rId15"/>
+    <p:sldId id="270" r:id="rId15"/>
+    <p:sldId id="269" r:id="rId16"/>
   </p:sldIdLst>
   <p:sldSz cx="12192000" cy="6858000"/>
   <p:notesSz cx="6858000" cy="9144000"/>
@@ -7857,6 +7858,744 @@
       </p:grpSpPr>
       <p:grpSp>
         <p:nvGrpSpPr>
+          <p:cNvPr id="34" name="组合 33">
+            <a:extLst>
+              <a:ext uri="{FF2B5EF4-FFF2-40B4-BE49-F238E27FC236}">
+                <a16:creationId xmlns:a16="http://schemas.microsoft.com/office/drawing/2014/main" id="{C2C6A4C3-BD9B-B4C0-E59A-1D176C171358}"/>
+              </a:ext>
+            </a:extLst>
+          </p:cNvPr>
+          <p:cNvGrpSpPr/>
+          <p:nvPr/>
+        </p:nvGrpSpPr>
+        <p:grpSpPr>
+          <a:xfrm>
+            <a:off x="1892968" y="1230934"/>
+            <a:ext cx="4930274" cy="2843751"/>
+            <a:chOff x="1892968" y="1230934"/>
+            <a:chExt cx="4930274" cy="2843751"/>
+          </a:xfrm>
+        </p:grpSpPr>
+        <p:sp>
+          <p:nvSpPr>
+            <p:cNvPr id="13" name="矩形 12">
+              <a:extLst>
+                <a:ext uri="{FF2B5EF4-FFF2-40B4-BE49-F238E27FC236}">
+                  <a16:creationId xmlns:a16="http://schemas.microsoft.com/office/drawing/2014/main" id="{0C9B24A7-C78B-8A43-6517-F3818C40F66D}"/>
+                </a:ext>
+              </a:extLst>
+            </p:cNvPr>
+            <p:cNvSpPr/>
+            <p:nvPr/>
+          </p:nvSpPr>
+          <p:spPr>
+            <a:xfrm>
+              <a:off x="2176375" y="1839481"/>
+              <a:ext cx="688470" cy="2213822"/>
+            </a:xfrm>
+            <a:prstGeom prst="rect">
+              <a:avLst/>
+            </a:prstGeom>
+            <a:solidFill>
+              <a:schemeClr val="bg1"/>
+            </a:solidFill>
+            <a:ln>
+              <a:solidFill>
+                <a:schemeClr val="tx1"/>
+              </a:solidFill>
+            </a:ln>
+          </p:spPr>
+          <p:style>
+            <a:lnRef idx="2">
+              <a:schemeClr val="accent1">
+                <a:shade val="50000"/>
+              </a:schemeClr>
+            </a:lnRef>
+            <a:fillRef idx="1">
+              <a:schemeClr val="accent1"/>
+            </a:fillRef>
+            <a:effectRef idx="0">
+              <a:schemeClr val="accent1"/>
+            </a:effectRef>
+            <a:fontRef idx="minor">
+              <a:schemeClr val="lt1"/>
+            </a:fontRef>
+          </p:style>
+          <p:txBody>
+            <a:bodyPr rtlCol="0" anchor="ctr"/>
+            <a:lstStyle/>
+            <a:p>
+              <a:pPr algn="ctr"/>
+              <a:endParaRPr lang="zh-CN" altLang="en-US" sz="1600" dirty="0">
+                <a:solidFill>
+                  <a:schemeClr val="tx1"/>
+                </a:solidFill>
+              </a:endParaRPr>
+            </a:p>
+          </p:txBody>
+        </p:sp>
+        <p:sp>
+          <p:nvSpPr>
+            <p:cNvPr id="23" name="矩形 22">
+              <a:extLst>
+                <a:ext uri="{FF2B5EF4-FFF2-40B4-BE49-F238E27FC236}">
+                  <a16:creationId xmlns:a16="http://schemas.microsoft.com/office/drawing/2014/main" id="{809E3143-6263-DCCC-05DB-E6D2B0D7F72E}"/>
+                </a:ext>
+              </a:extLst>
+            </p:cNvPr>
+            <p:cNvSpPr/>
+            <p:nvPr/>
+          </p:nvSpPr>
+          <p:spPr>
+            <a:xfrm>
+              <a:off x="2179051" y="3684336"/>
+              <a:ext cx="688471" cy="368967"/>
+            </a:xfrm>
+            <a:prstGeom prst="rect">
+              <a:avLst/>
+            </a:prstGeom>
+            <a:solidFill>
+              <a:schemeClr val="bg1"/>
+            </a:solidFill>
+            <a:ln>
+              <a:solidFill>
+                <a:schemeClr val="tx1"/>
+              </a:solidFill>
+            </a:ln>
+          </p:spPr>
+          <p:style>
+            <a:lnRef idx="2">
+              <a:schemeClr val="accent1">
+                <a:shade val="50000"/>
+              </a:schemeClr>
+            </a:lnRef>
+            <a:fillRef idx="1">
+              <a:schemeClr val="accent1"/>
+            </a:fillRef>
+            <a:effectRef idx="0">
+              <a:schemeClr val="accent1"/>
+            </a:effectRef>
+            <a:fontRef idx="minor">
+              <a:schemeClr val="lt1"/>
+            </a:fontRef>
+          </p:style>
+          <p:txBody>
+            <a:bodyPr rtlCol="0" anchor="ctr"/>
+            <a:lstStyle/>
+            <a:p>
+              <a:pPr algn="ctr"/>
+              <a:r>
+                <a:rPr lang="en-US" altLang="zh-CN" sz="1600" dirty="0">
+                  <a:solidFill>
+                    <a:schemeClr val="tx1"/>
+                  </a:solidFill>
+                </a:rPr>
+                <a:t>{</a:t>
+              </a:r>
+              <a:endParaRPr lang="zh-CN" altLang="en-US" sz="1600" dirty="0">
+                <a:solidFill>
+                  <a:schemeClr val="tx1"/>
+                </a:solidFill>
+              </a:endParaRPr>
+            </a:p>
+          </p:txBody>
+        </p:sp>
+        <p:sp>
+          <p:nvSpPr>
+            <p:cNvPr id="9" name="矩形 8">
+              <a:extLst>
+                <a:ext uri="{FF2B5EF4-FFF2-40B4-BE49-F238E27FC236}">
+                  <a16:creationId xmlns:a16="http://schemas.microsoft.com/office/drawing/2014/main" id="{03529CF7-D169-F5C2-9FE1-26CE8EB348BB}"/>
+                </a:ext>
+              </a:extLst>
+            </p:cNvPr>
+            <p:cNvSpPr/>
+            <p:nvPr/>
+          </p:nvSpPr>
+          <p:spPr>
+            <a:xfrm>
+              <a:off x="3005222" y="1860863"/>
+              <a:ext cx="688470" cy="2213822"/>
+            </a:xfrm>
+            <a:prstGeom prst="rect">
+              <a:avLst/>
+            </a:prstGeom>
+            <a:solidFill>
+              <a:schemeClr val="bg1"/>
+            </a:solidFill>
+            <a:ln>
+              <a:solidFill>
+                <a:schemeClr val="tx1"/>
+              </a:solidFill>
+            </a:ln>
+          </p:spPr>
+          <p:style>
+            <a:lnRef idx="2">
+              <a:schemeClr val="accent1">
+                <a:shade val="50000"/>
+              </a:schemeClr>
+            </a:lnRef>
+            <a:fillRef idx="1">
+              <a:schemeClr val="accent1"/>
+            </a:fillRef>
+            <a:effectRef idx="0">
+              <a:schemeClr val="accent1"/>
+            </a:effectRef>
+            <a:fontRef idx="minor">
+              <a:schemeClr val="lt1"/>
+            </a:fontRef>
+          </p:style>
+          <p:txBody>
+            <a:bodyPr rtlCol="0" anchor="ctr"/>
+            <a:lstStyle/>
+            <a:p>
+              <a:pPr algn="ctr"/>
+              <a:endParaRPr lang="zh-CN" altLang="en-US" sz="1600" dirty="0">
+                <a:solidFill>
+                  <a:schemeClr val="tx1"/>
+                </a:solidFill>
+              </a:endParaRPr>
+            </a:p>
+          </p:txBody>
+        </p:sp>
+        <p:sp>
+          <p:nvSpPr>
+            <p:cNvPr id="10" name="矩形 9">
+              <a:extLst>
+                <a:ext uri="{FF2B5EF4-FFF2-40B4-BE49-F238E27FC236}">
+                  <a16:creationId xmlns:a16="http://schemas.microsoft.com/office/drawing/2014/main" id="{78E896FA-DE95-6AF4-F430-3AA34D03D404}"/>
+                </a:ext>
+              </a:extLst>
+            </p:cNvPr>
+            <p:cNvSpPr/>
+            <p:nvPr/>
+          </p:nvSpPr>
+          <p:spPr>
+            <a:xfrm>
+              <a:off x="3914274" y="1860863"/>
+              <a:ext cx="688470" cy="2213822"/>
+            </a:xfrm>
+            <a:prstGeom prst="rect">
+              <a:avLst/>
+            </a:prstGeom>
+            <a:solidFill>
+              <a:schemeClr val="bg1"/>
+            </a:solidFill>
+            <a:ln>
+              <a:solidFill>
+                <a:schemeClr val="tx1"/>
+              </a:solidFill>
+            </a:ln>
+          </p:spPr>
+          <p:style>
+            <a:lnRef idx="2">
+              <a:schemeClr val="accent1">
+                <a:shade val="50000"/>
+              </a:schemeClr>
+            </a:lnRef>
+            <a:fillRef idx="1">
+              <a:schemeClr val="accent1"/>
+            </a:fillRef>
+            <a:effectRef idx="0">
+              <a:schemeClr val="accent1"/>
+            </a:effectRef>
+            <a:fontRef idx="minor">
+              <a:schemeClr val="lt1"/>
+            </a:fontRef>
+          </p:style>
+          <p:txBody>
+            <a:bodyPr rtlCol="0" anchor="ctr"/>
+            <a:lstStyle/>
+            <a:p>
+              <a:pPr algn="ctr"/>
+              <a:endParaRPr lang="zh-CN" altLang="en-US" sz="1600" dirty="0">
+                <a:solidFill>
+                  <a:schemeClr val="tx1"/>
+                </a:solidFill>
+              </a:endParaRPr>
+            </a:p>
+          </p:txBody>
+        </p:sp>
+        <p:sp>
+          <p:nvSpPr>
+            <p:cNvPr id="11" name="矩形 10">
+              <a:extLst>
+                <a:ext uri="{FF2B5EF4-FFF2-40B4-BE49-F238E27FC236}">
+                  <a16:creationId xmlns:a16="http://schemas.microsoft.com/office/drawing/2014/main" id="{073CEAFC-23FB-3528-2589-505BABB7F316}"/>
+                </a:ext>
+              </a:extLst>
+            </p:cNvPr>
+            <p:cNvSpPr/>
+            <p:nvPr/>
+          </p:nvSpPr>
+          <p:spPr>
+            <a:xfrm>
+              <a:off x="4832682" y="1860863"/>
+              <a:ext cx="688470" cy="2213822"/>
+            </a:xfrm>
+            <a:prstGeom prst="rect">
+              <a:avLst/>
+            </a:prstGeom>
+            <a:solidFill>
+              <a:schemeClr val="bg1"/>
+            </a:solidFill>
+            <a:ln>
+              <a:solidFill>
+                <a:schemeClr val="tx1"/>
+              </a:solidFill>
+            </a:ln>
+          </p:spPr>
+          <p:style>
+            <a:lnRef idx="2">
+              <a:schemeClr val="accent1">
+                <a:shade val="50000"/>
+              </a:schemeClr>
+            </a:lnRef>
+            <a:fillRef idx="1">
+              <a:schemeClr val="accent1"/>
+            </a:fillRef>
+            <a:effectRef idx="0">
+              <a:schemeClr val="accent1"/>
+            </a:effectRef>
+            <a:fontRef idx="minor">
+              <a:schemeClr val="lt1"/>
+            </a:fontRef>
+          </p:style>
+          <p:txBody>
+            <a:bodyPr rtlCol="0" anchor="ctr"/>
+            <a:lstStyle/>
+            <a:p>
+              <a:pPr algn="ctr"/>
+              <a:endParaRPr lang="zh-CN" altLang="en-US" sz="1600" dirty="0">
+                <a:solidFill>
+                  <a:schemeClr val="tx1"/>
+                </a:solidFill>
+              </a:endParaRPr>
+            </a:p>
+          </p:txBody>
+        </p:sp>
+        <p:sp>
+          <p:nvSpPr>
+            <p:cNvPr id="12" name="矩形 11">
+              <a:extLst>
+                <a:ext uri="{FF2B5EF4-FFF2-40B4-BE49-F238E27FC236}">
+                  <a16:creationId xmlns:a16="http://schemas.microsoft.com/office/drawing/2014/main" id="{165F28DF-2B59-FED0-971F-101E44860915}"/>
+                </a:ext>
+              </a:extLst>
+            </p:cNvPr>
+            <p:cNvSpPr/>
+            <p:nvPr/>
+          </p:nvSpPr>
+          <p:spPr>
+            <a:xfrm>
+              <a:off x="5705642" y="1860863"/>
+              <a:ext cx="688470" cy="2213822"/>
+            </a:xfrm>
+            <a:prstGeom prst="rect">
+              <a:avLst/>
+            </a:prstGeom>
+            <a:solidFill>
+              <a:schemeClr val="bg1"/>
+            </a:solidFill>
+            <a:ln>
+              <a:solidFill>
+                <a:schemeClr val="tx1"/>
+              </a:solidFill>
+            </a:ln>
+          </p:spPr>
+          <p:style>
+            <a:lnRef idx="2">
+              <a:schemeClr val="accent1">
+                <a:shade val="50000"/>
+              </a:schemeClr>
+            </a:lnRef>
+            <a:fillRef idx="1">
+              <a:schemeClr val="accent1"/>
+            </a:fillRef>
+            <a:effectRef idx="0">
+              <a:schemeClr val="accent1"/>
+            </a:effectRef>
+            <a:fontRef idx="minor">
+              <a:schemeClr val="lt1"/>
+            </a:fontRef>
+          </p:style>
+          <p:txBody>
+            <a:bodyPr rtlCol="0" anchor="ctr"/>
+            <a:lstStyle/>
+            <a:p>
+              <a:pPr algn="ctr"/>
+              <a:endParaRPr lang="zh-CN" altLang="en-US" sz="1600" dirty="0">
+                <a:solidFill>
+                  <a:schemeClr val="tx1"/>
+                </a:solidFill>
+              </a:endParaRPr>
+            </a:p>
+          </p:txBody>
+        </p:sp>
+        <p:sp>
+          <p:nvSpPr>
+            <p:cNvPr id="16" name="文本框 15">
+              <a:extLst>
+                <a:ext uri="{FF2B5EF4-FFF2-40B4-BE49-F238E27FC236}">
+                  <a16:creationId xmlns:a16="http://schemas.microsoft.com/office/drawing/2014/main" id="{682710F1-F6AD-C8C4-EE26-142E8F97CFEC}"/>
+                </a:ext>
+              </a:extLst>
+            </p:cNvPr>
+            <p:cNvSpPr txBox="1"/>
+            <p:nvPr/>
+          </p:nvSpPr>
+          <p:spPr>
+            <a:xfrm>
+              <a:off x="3165642" y="1230934"/>
+              <a:ext cx="2096169" cy="253916"/>
+            </a:xfrm>
+            <a:prstGeom prst="rect">
+              <a:avLst/>
+            </a:prstGeom>
+            <a:noFill/>
+          </p:spPr>
+          <p:txBody>
+            <a:bodyPr wrap="square" rtlCol="0">
+              <a:spAutoFit/>
+            </a:bodyPr>
+            <a:lstStyle/>
+            <a:p>
+              <a:r>
+                <a:rPr lang="zh-CN" altLang="en-US" sz="1050" dirty="0"/>
+                <a:t>字符串为</a:t>
+              </a:r>
+              <a:r>
+                <a:rPr lang="en-US" altLang="zh-CN" sz="1050" dirty="0"/>
+                <a:t>{ [ ] } ) ,</a:t>
+              </a:r>
+              <a:r>
+                <a:rPr lang="zh-CN" altLang="en-US" sz="1050" dirty="0"/>
+                <a:t>依次输入</a:t>
+              </a:r>
+            </a:p>
+          </p:txBody>
+        </p:sp>
+        <p:sp>
+          <p:nvSpPr>
+            <p:cNvPr id="19" name="矩形 18">
+              <a:extLst>
+                <a:ext uri="{FF2B5EF4-FFF2-40B4-BE49-F238E27FC236}">
+                  <a16:creationId xmlns:a16="http://schemas.microsoft.com/office/drawing/2014/main" id="{CD1ABA7E-78D8-EA06-28E5-C99512A1B487}"/>
+                </a:ext>
+              </a:extLst>
+            </p:cNvPr>
+            <p:cNvSpPr/>
+            <p:nvPr/>
+          </p:nvSpPr>
+          <p:spPr>
+            <a:xfrm>
+              <a:off x="3005221" y="3705718"/>
+              <a:ext cx="688471" cy="368967"/>
+            </a:xfrm>
+            <a:prstGeom prst="rect">
+              <a:avLst/>
+            </a:prstGeom>
+            <a:solidFill>
+              <a:schemeClr val="bg1"/>
+            </a:solidFill>
+            <a:ln>
+              <a:solidFill>
+                <a:schemeClr val="tx1"/>
+              </a:solidFill>
+            </a:ln>
+          </p:spPr>
+          <p:style>
+            <a:lnRef idx="2">
+              <a:schemeClr val="accent1">
+                <a:shade val="50000"/>
+              </a:schemeClr>
+            </a:lnRef>
+            <a:fillRef idx="1">
+              <a:schemeClr val="accent1"/>
+            </a:fillRef>
+            <a:effectRef idx="0">
+              <a:schemeClr val="accent1"/>
+            </a:effectRef>
+            <a:fontRef idx="minor">
+              <a:schemeClr val="lt1"/>
+            </a:fontRef>
+          </p:style>
+          <p:txBody>
+            <a:bodyPr rtlCol="0" anchor="ctr"/>
+            <a:lstStyle/>
+            <a:p>
+              <a:pPr algn="ctr"/>
+              <a:r>
+                <a:rPr lang="en-US" altLang="zh-CN" sz="1600" dirty="0">
+                  <a:solidFill>
+                    <a:schemeClr val="tx1"/>
+                  </a:solidFill>
+                </a:rPr>
+                <a:t>{</a:t>
+              </a:r>
+              <a:endParaRPr lang="zh-CN" altLang="en-US" sz="1600" dirty="0">
+                <a:solidFill>
+                  <a:schemeClr val="tx1"/>
+                </a:solidFill>
+              </a:endParaRPr>
+            </a:p>
+          </p:txBody>
+        </p:sp>
+        <p:sp>
+          <p:nvSpPr>
+            <p:cNvPr id="21" name="矩形 20">
+              <a:extLst>
+                <a:ext uri="{FF2B5EF4-FFF2-40B4-BE49-F238E27FC236}">
+                  <a16:creationId xmlns:a16="http://schemas.microsoft.com/office/drawing/2014/main" id="{EE6E61CE-4CBC-B0BA-8860-ADF0850D7AC1}"/>
+                </a:ext>
+              </a:extLst>
+            </p:cNvPr>
+            <p:cNvSpPr/>
+            <p:nvPr/>
+          </p:nvSpPr>
+          <p:spPr>
+            <a:xfrm>
+              <a:off x="3005220" y="3352788"/>
+              <a:ext cx="688471" cy="368967"/>
+            </a:xfrm>
+            <a:prstGeom prst="rect">
+              <a:avLst/>
+            </a:prstGeom>
+            <a:solidFill>
+              <a:schemeClr val="bg1"/>
+            </a:solidFill>
+            <a:ln>
+              <a:solidFill>
+                <a:schemeClr val="tx1"/>
+              </a:solidFill>
+            </a:ln>
+          </p:spPr>
+          <p:style>
+            <a:lnRef idx="2">
+              <a:schemeClr val="accent1">
+                <a:shade val="50000"/>
+              </a:schemeClr>
+            </a:lnRef>
+            <a:fillRef idx="1">
+              <a:schemeClr val="accent1"/>
+            </a:fillRef>
+            <a:effectRef idx="0">
+              <a:schemeClr val="accent1"/>
+            </a:effectRef>
+            <a:fontRef idx="minor">
+              <a:schemeClr val="lt1"/>
+            </a:fontRef>
+          </p:style>
+          <p:txBody>
+            <a:bodyPr rtlCol="0" anchor="ctr"/>
+            <a:lstStyle/>
+            <a:p>
+              <a:pPr algn="ctr"/>
+              <a:r>
+                <a:rPr lang="en-US" altLang="zh-CN" sz="1600" dirty="0">
+                  <a:solidFill>
+                    <a:schemeClr val="tx1"/>
+                  </a:solidFill>
+                </a:rPr>
+                <a:t>[</a:t>
+              </a:r>
+              <a:endParaRPr lang="zh-CN" altLang="en-US" sz="1600" dirty="0">
+                <a:solidFill>
+                  <a:schemeClr val="tx1"/>
+                </a:solidFill>
+              </a:endParaRPr>
+            </a:p>
+          </p:txBody>
+        </p:sp>
+        <p:sp>
+          <p:nvSpPr>
+            <p:cNvPr id="22" name="矩形 21">
+              <a:extLst>
+                <a:ext uri="{FF2B5EF4-FFF2-40B4-BE49-F238E27FC236}">
+                  <a16:creationId xmlns:a16="http://schemas.microsoft.com/office/drawing/2014/main" id="{9B8FC210-A0A6-694C-E58C-2BEF60DAE507}"/>
+                </a:ext>
+              </a:extLst>
+            </p:cNvPr>
+            <p:cNvSpPr/>
+            <p:nvPr/>
+          </p:nvSpPr>
+          <p:spPr>
+            <a:xfrm>
+              <a:off x="3914273" y="3705717"/>
+              <a:ext cx="688471" cy="368967"/>
+            </a:xfrm>
+            <a:prstGeom prst="rect">
+              <a:avLst/>
+            </a:prstGeom>
+            <a:solidFill>
+              <a:schemeClr val="bg1"/>
+            </a:solidFill>
+            <a:ln>
+              <a:solidFill>
+                <a:schemeClr val="tx1"/>
+              </a:solidFill>
+            </a:ln>
+          </p:spPr>
+          <p:style>
+            <a:lnRef idx="2">
+              <a:schemeClr val="accent1">
+                <a:shade val="50000"/>
+              </a:schemeClr>
+            </a:lnRef>
+            <a:fillRef idx="1">
+              <a:schemeClr val="accent1"/>
+            </a:fillRef>
+            <a:effectRef idx="0">
+              <a:schemeClr val="accent1"/>
+            </a:effectRef>
+            <a:fontRef idx="minor">
+              <a:schemeClr val="lt1"/>
+            </a:fontRef>
+          </p:style>
+          <p:txBody>
+            <a:bodyPr rtlCol="0" anchor="ctr"/>
+            <a:lstStyle/>
+            <a:p>
+              <a:pPr algn="ctr"/>
+              <a:r>
+                <a:rPr lang="en-US" altLang="zh-CN" sz="1600" dirty="0">
+                  <a:solidFill>
+                    <a:schemeClr val="tx1"/>
+                  </a:solidFill>
+                </a:rPr>
+                <a:t>{</a:t>
+              </a:r>
+              <a:endParaRPr lang="zh-CN" altLang="en-US" sz="1600" dirty="0">
+                <a:solidFill>
+                  <a:schemeClr val="tx1"/>
+                </a:solidFill>
+              </a:endParaRPr>
+            </a:p>
+          </p:txBody>
+        </p:sp>
+        <p:sp>
+          <p:nvSpPr>
+            <p:cNvPr id="25" name="文本框 24">
+              <a:extLst>
+                <a:ext uri="{FF2B5EF4-FFF2-40B4-BE49-F238E27FC236}">
+                  <a16:creationId xmlns:a16="http://schemas.microsoft.com/office/drawing/2014/main" id="{9E8EFFE7-AAA4-1A29-1D03-79932528117C}"/>
+                </a:ext>
+              </a:extLst>
+            </p:cNvPr>
+            <p:cNvSpPr txBox="1"/>
+            <p:nvPr/>
+          </p:nvSpPr>
+          <p:spPr>
+            <a:xfrm>
+              <a:off x="1892968" y="1470149"/>
+              <a:ext cx="4930274" cy="369332"/>
+            </a:xfrm>
+            <a:prstGeom prst="rect">
+              <a:avLst/>
+            </a:prstGeom>
+            <a:noFill/>
+          </p:spPr>
+          <p:txBody>
+            <a:bodyPr wrap="square" rtlCol="0">
+              <a:spAutoFit/>
+            </a:bodyPr>
+            <a:lstStyle/>
+            <a:p>
+              <a:r>
+                <a:rPr lang="en-US" altLang="zh-CN" dirty="0"/>
+                <a:t>       {            [              ]               }             )</a:t>
+              </a:r>
+              <a:endParaRPr lang="zh-CN" altLang="en-US" dirty="0"/>
+            </a:p>
+          </p:txBody>
+        </p:sp>
+        <p:sp>
+          <p:nvSpPr>
+            <p:cNvPr id="31" name="文本框 30">
+              <a:extLst>
+                <a:ext uri="{FF2B5EF4-FFF2-40B4-BE49-F238E27FC236}">
+                  <a16:creationId xmlns:a16="http://schemas.microsoft.com/office/drawing/2014/main" id="{BFD78A67-1416-3D81-3707-7F8CC5602E8B}"/>
+                </a:ext>
+              </a:extLst>
+            </p:cNvPr>
+            <p:cNvSpPr txBox="1"/>
+            <p:nvPr/>
+          </p:nvSpPr>
+          <p:spPr>
+            <a:xfrm>
+              <a:off x="6519781" y="1930729"/>
+              <a:ext cx="241969" cy="2031325"/>
+            </a:xfrm>
+            <a:prstGeom prst="rect">
+              <a:avLst/>
+            </a:prstGeom>
+            <a:noFill/>
+          </p:spPr>
+          <p:txBody>
+            <a:bodyPr wrap="square" rtlCol="0">
+              <a:spAutoFit/>
+            </a:bodyPr>
+            <a:lstStyle/>
+            <a:p>
+              <a:r>
+                <a:rPr lang="zh-CN" altLang="en-US" sz="1050" dirty="0"/>
+                <a:t>此时无法匹配到对应</a:t>
+              </a:r>
+              <a:endParaRPr lang="en-US" altLang="zh-CN" sz="1050" dirty="0"/>
+            </a:p>
+            <a:p>
+              <a:r>
+                <a:rPr lang="en-US" altLang="zh-CN" sz="1050" dirty="0"/>
+                <a:t>(</a:t>
+              </a:r>
+              <a:r>
+                <a:rPr lang="zh-CN" altLang="en-US" sz="1050" dirty="0"/>
+                <a:t>，</a:t>
+              </a:r>
+              <a:endParaRPr lang="en-US" altLang="zh-CN" sz="1050" dirty="0"/>
+            </a:p>
+            <a:p>
+              <a:r>
+                <a:rPr lang="zh-CN" altLang="en-US" sz="1050" dirty="0"/>
+                <a:t>退出</a:t>
+              </a:r>
+              <a:endParaRPr lang="en-US" altLang="zh-CN" sz="1050" dirty="0"/>
+            </a:p>
+          </p:txBody>
+        </p:sp>
+      </p:grpSp>
+    </p:spTree>
+    <p:extLst>
+      <p:ext uri="{BB962C8B-B14F-4D97-AF65-F5344CB8AC3E}">
+        <p14:creationId xmlns:p14="http://schemas.microsoft.com/office/powerpoint/2010/main" val="2320497918"/>
+      </p:ext>
+    </p:extLst>
+  </p:cSld>
+  <p:clrMapOvr>
+    <a:masterClrMapping/>
+  </p:clrMapOvr>
+</p:sld>
+</file>
+
+<file path=ppt/slides/slide15.xml><?xml version="1.0" encoding="utf-8"?>
+<p:sld xmlns:a="http://schemas.openxmlformats.org/drawingml/2006/main" xmlns:r="http://schemas.openxmlformats.org/officeDocument/2006/relationships" xmlns:p="http://schemas.openxmlformats.org/presentationml/2006/main">
+  <p:cSld>
+    <p:spTree>
+      <p:nvGrpSpPr>
+        <p:cNvPr id="1" name=""/>
+        <p:cNvGrpSpPr/>
+        <p:nvPr/>
+      </p:nvGrpSpPr>
+      <p:grpSpPr>
+        <a:xfrm>
+          <a:off x="0" y="0"/>
+          <a:ext cx="0" cy="0"/>
+          <a:chOff x="0" y="0"/>
+          <a:chExt cx="0" cy="0"/>
+        </a:xfrm>
+      </p:grpSpPr>
+      <p:grpSp>
+        <p:nvGrpSpPr>
           <p:cNvPr id="2" name="组合 1">
             <a:extLst>
               <a:ext uri="{FF2B5EF4-FFF2-40B4-BE49-F238E27FC236}">

--- a/演示文稿1.pptx
+++ b/演示文稿1.pptx
@@ -20,6 +20,9 @@
     <p:sldId id="268" r:id="rId14"/>
     <p:sldId id="270" r:id="rId15"/>
     <p:sldId id="269" r:id="rId16"/>
+    <p:sldId id="271" r:id="rId17"/>
+    <p:sldId id="272" r:id="rId18"/>
+    <p:sldId id="273" r:id="rId19"/>
   </p:sldIdLst>
   <p:sldSz cx="12192000" cy="6858000"/>
   <p:notesSz cx="6858000" cy="9144000"/>
@@ -273,7 +276,7 @@
           <a:p>
             <a:fld id="{9A639C3A-7901-41EA-886D-5788BBF178E7}" type="datetimeFigureOut">
               <a:rPr lang="zh-CN" altLang="en-US" smtClean="0"/>
-              <a:t>2023/2/26</a:t>
+              <a:t>2023/2/27</a:t>
             </a:fld>
             <a:endParaRPr lang="zh-CN" altLang="en-US"/>
           </a:p>
@@ -471,7 +474,7 @@
           <a:p>
             <a:fld id="{9A639C3A-7901-41EA-886D-5788BBF178E7}" type="datetimeFigureOut">
               <a:rPr lang="zh-CN" altLang="en-US" smtClean="0"/>
-              <a:t>2023/2/26</a:t>
+              <a:t>2023/2/27</a:t>
             </a:fld>
             <a:endParaRPr lang="zh-CN" altLang="en-US"/>
           </a:p>
@@ -679,7 +682,7 @@
           <a:p>
             <a:fld id="{9A639C3A-7901-41EA-886D-5788BBF178E7}" type="datetimeFigureOut">
               <a:rPr lang="zh-CN" altLang="en-US" smtClean="0"/>
-              <a:t>2023/2/26</a:t>
+              <a:t>2023/2/27</a:t>
             </a:fld>
             <a:endParaRPr lang="zh-CN" altLang="en-US"/>
           </a:p>
@@ -877,7 +880,7 @@
           <a:p>
             <a:fld id="{9A639C3A-7901-41EA-886D-5788BBF178E7}" type="datetimeFigureOut">
               <a:rPr lang="zh-CN" altLang="en-US" smtClean="0"/>
-              <a:t>2023/2/26</a:t>
+              <a:t>2023/2/27</a:t>
             </a:fld>
             <a:endParaRPr lang="zh-CN" altLang="en-US"/>
           </a:p>
@@ -1152,7 +1155,7 @@
           <a:p>
             <a:fld id="{9A639C3A-7901-41EA-886D-5788BBF178E7}" type="datetimeFigureOut">
               <a:rPr lang="zh-CN" altLang="en-US" smtClean="0"/>
-              <a:t>2023/2/26</a:t>
+              <a:t>2023/2/27</a:t>
             </a:fld>
             <a:endParaRPr lang="zh-CN" altLang="en-US"/>
           </a:p>
@@ -1417,7 +1420,7 @@
           <a:p>
             <a:fld id="{9A639C3A-7901-41EA-886D-5788BBF178E7}" type="datetimeFigureOut">
               <a:rPr lang="zh-CN" altLang="en-US" smtClean="0"/>
-              <a:t>2023/2/26</a:t>
+              <a:t>2023/2/27</a:t>
             </a:fld>
             <a:endParaRPr lang="zh-CN" altLang="en-US"/>
           </a:p>
@@ -1829,7 +1832,7 @@
           <a:p>
             <a:fld id="{9A639C3A-7901-41EA-886D-5788BBF178E7}" type="datetimeFigureOut">
               <a:rPr lang="zh-CN" altLang="en-US" smtClean="0"/>
-              <a:t>2023/2/26</a:t>
+              <a:t>2023/2/27</a:t>
             </a:fld>
             <a:endParaRPr lang="zh-CN" altLang="en-US"/>
           </a:p>
@@ -1970,7 +1973,7 @@
           <a:p>
             <a:fld id="{9A639C3A-7901-41EA-886D-5788BBF178E7}" type="datetimeFigureOut">
               <a:rPr lang="zh-CN" altLang="en-US" smtClean="0"/>
-              <a:t>2023/2/26</a:t>
+              <a:t>2023/2/27</a:t>
             </a:fld>
             <a:endParaRPr lang="zh-CN" altLang="en-US"/>
           </a:p>
@@ -2083,7 +2086,7 @@
           <a:p>
             <a:fld id="{9A639C3A-7901-41EA-886D-5788BBF178E7}" type="datetimeFigureOut">
               <a:rPr lang="zh-CN" altLang="en-US" smtClean="0"/>
-              <a:t>2023/2/26</a:t>
+              <a:t>2023/2/27</a:t>
             </a:fld>
             <a:endParaRPr lang="zh-CN" altLang="en-US"/>
           </a:p>
@@ -2394,7 +2397,7 @@
           <a:p>
             <a:fld id="{9A639C3A-7901-41EA-886D-5788BBF178E7}" type="datetimeFigureOut">
               <a:rPr lang="zh-CN" altLang="en-US" smtClean="0"/>
-              <a:t>2023/2/26</a:t>
+              <a:t>2023/2/27</a:t>
             </a:fld>
             <a:endParaRPr lang="zh-CN" altLang="en-US"/>
           </a:p>
@@ -2682,7 +2685,7 @@
           <a:p>
             <a:fld id="{9A639C3A-7901-41EA-886D-5788BBF178E7}" type="datetimeFigureOut">
               <a:rPr lang="zh-CN" altLang="en-US" smtClean="0"/>
-              <a:t>2023/2/26</a:t>
+              <a:t>2023/2/27</a:t>
             </a:fld>
             <a:endParaRPr lang="zh-CN" altLang="en-US"/>
           </a:p>
@@ -2923,7 +2926,7 @@
           <a:p>
             <a:fld id="{9A639C3A-7901-41EA-886D-5788BBF178E7}" type="datetimeFigureOut">
               <a:rPr lang="zh-CN" altLang="en-US" smtClean="0"/>
-              <a:t>2023/2/26</a:t>
+              <a:t>2023/2/27</a:t>
             </a:fld>
             <a:endParaRPr lang="zh-CN" altLang="en-US"/>
           </a:p>
@@ -9471,6 +9474,2367 @@
     <p:extLst>
       <p:ext uri="{BB962C8B-B14F-4D97-AF65-F5344CB8AC3E}">
         <p14:creationId xmlns:p14="http://schemas.microsoft.com/office/powerpoint/2010/main" val="1111991081"/>
+      </p:ext>
+    </p:extLst>
+  </p:cSld>
+  <p:clrMapOvr>
+    <a:masterClrMapping/>
+  </p:clrMapOvr>
+</p:sld>
+</file>
+
+<file path=ppt/slides/slide16.xml><?xml version="1.0" encoding="utf-8"?>
+<p:sld xmlns:a="http://schemas.openxmlformats.org/drawingml/2006/main" xmlns:r="http://schemas.openxmlformats.org/officeDocument/2006/relationships" xmlns:p="http://schemas.openxmlformats.org/presentationml/2006/main">
+  <p:cSld>
+    <p:spTree>
+      <p:nvGrpSpPr>
+        <p:cNvPr id="1" name=""/>
+        <p:cNvGrpSpPr/>
+        <p:nvPr/>
+      </p:nvGrpSpPr>
+      <p:grpSpPr>
+        <a:xfrm>
+          <a:off x="0" y="0"/>
+          <a:ext cx="0" cy="0"/>
+          <a:chOff x="0" y="0"/>
+          <a:chExt cx="0" cy="0"/>
+        </a:xfrm>
+      </p:grpSpPr>
+      <p:grpSp>
+        <p:nvGrpSpPr>
+          <p:cNvPr id="48" name="组合 47">
+            <a:extLst>
+              <a:ext uri="{FF2B5EF4-FFF2-40B4-BE49-F238E27FC236}">
+                <a16:creationId xmlns:a16="http://schemas.microsoft.com/office/drawing/2014/main" id="{B2BE9BB2-073E-99C1-3CEE-4EA238C9057A}"/>
+              </a:ext>
+            </a:extLst>
+          </p:cNvPr>
+          <p:cNvGrpSpPr/>
+          <p:nvPr/>
+        </p:nvGrpSpPr>
+        <p:grpSpPr>
+          <a:xfrm>
+            <a:off x="1534695" y="2427705"/>
+            <a:ext cx="3878832" cy="1181295"/>
+            <a:chOff x="1534695" y="2427705"/>
+            <a:chExt cx="3878832" cy="1181295"/>
+          </a:xfrm>
+        </p:grpSpPr>
+        <p:grpSp>
+          <p:nvGrpSpPr>
+            <p:cNvPr id="42" name="组合 41">
+              <a:extLst>
+                <a:ext uri="{FF2B5EF4-FFF2-40B4-BE49-F238E27FC236}">
+                  <a16:creationId xmlns:a16="http://schemas.microsoft.com/office/drawing/2014/main" id="{1504CABE-78F2-7148-553F-2CE2AF61900B}"/>
+                </a:ext>
+              </a:extLst>
+            </p:cNvPr>
+            <p:cNvGrpSpPr/>
+            <p:nvPr/>
+          </p:nvGrpSpPr>
+          <p:grpSpPr>
+            <a:xfrm>
+              <a:off x="1534695" y="2427705"/>
+              <a:ext cx="3878832" cy="1181295"/>
+              <a:chOff x="1534695" y="2427705"/>
+              <a:chExt cx="3878832" cy="1181295"/>
+            </a:xfrm>
+          </p:grpSpPr>
+          <p:sp>
+            <p:nvSpPr>
+              <p:cNvPr id="3" name="椭圆 2">
+                <a:extLst>
+                  <a:ext uri="{FF2B5EF4-FFF2-40B4-BE49-F238E27FC236}">
+                    <a16:creationId xmlns:a16="http://schemas.microsoft.com/office/drawing/2014/main" id="{4363C8F7-2D4F-1A1B-2C7A-7F84C13CB389}"/>
+                  </a:ext>
+                </a:extLst>
+              </p:cNvPr>
+              <p:cNvSpPr/>
+              <p:nvPr/>
+            </p:nvSpPr>
+            <p:spPr>
+              <a:xfrm>
+                <a:off x="1534695" y="2427705"/>
+                <a:ext cx="360000" cy="360000"/>
+              </a:xfrm>
+              <a:prstGeom prst="ellipse">
+                <a:avLst/>
+              </a:prstGeom>
+              <a:solidFill>
+                <a:schemeClr val="bg1"/>
+              </a:solidFill>
+              <a:ln>
+                <a:solidFill>
+                  <a:schemeClr val="tx1"/>
+                </a:solidFill>
+              </a:ln>
+            </p:spPr>
+            <p:style>
+              <a:lnRef idx="2">
+                <a:schemeClr val="accent1">
+                  <a:shade val="50000"/>
+                </a:schemeClr>
+              </a:lnRef>
+              <a:fillRef idx="1">
+                <a:schemeClr val="accent1"/>
+              </a:fillRef>
+              <a:effectRef idx="0">
+                <a:schemeClr val="accent1"/>
+              </a:effectRef>
+              <a:fontRef idx="minor">
+                <a:schemeClr val="lt1"/>
+              </a:fontRef>
+            </p:style>
+            <p:txBody>
+              <a:bodyPr rtlCol="0" anchor="ctr"/>
+              <a:lstStyle/>
+              <a:p>
+                <a:pPr algn="ctr"/>
+                <a:r>
+                  <a:rPr lang="en-US" altLang="zh-CN" dirty="0">
+                    <a:solidFill>
+                      <a:schemeClr val="tx1"/>
+                    </a:solidFill>
+                  </a:rPr>
+                  <a:t>1</a:t>
+                </a:r>
+                <a:endParaRPr lang="zh-CN" altLang="en-US" dirty="0">
+                  <a:solidFill>
+                    <a:schemeClr val="tx1"/>
+                  </a:solidFill>
+                </a:endParaRPr>
+              </a:p>
+            </p:txBody>
+          </p:sp>
+          <p:sp>
+            <p:nvSpPr>
+              <p:cNvPr id="4" name="椭圆 3">
+                <a:extLst>
+                  <a:ext uri="{FF2B5EF4-FFF2-40B4-BE49-F238E27FC236}">
+                    <a16:creationId xmlns:a16="http://schemas.microsoft.com/office/drawing/2014/main" id="{0E30F23C-E218-DE9A-9BB2-4BEC3855D196}"/>
+                  </a:ext>
+                </a:extLst>
+              </p:cNvPr>
+              <p:cNvSpPr/>
+              <p:nvPr/>
+            </p:nvSpPr>
+            <p:spPr>
+              <a:xfrm>
+                <a:off x="2239297" y="2427705"/>
+                <a:ext cx="360000" cy="360000"/>
+              </a:xfrm>
+              <a:prstGeom prst="ellipse">
+                <a:avLst/>
+              </a:prstGeom>
+              <a:solidFill>
+                <a:schemeClr val="bg1"/>
+              </a:solidFill>
+              <a:ln>
+                <a:solidFill>
+                  <a:schemeClr val="tx1"/>
+                </a:solidFill>
+              </a:ln>
+            </p:spPr>
+            <p:style>
+              <a:lnRef idx="2">
+                <a:schemeClr val="accent1">
+                  <a:shade val="50000"/>
+                </a:schemeClr>
+              </a:lnRef>
+              <a:fillRef idx="1">
+                <a:schemeClr val="accent1"/>
+              </a:fillRef>
+              <a:effectRef idx="0">
+                <a:schemeClr val="accent1"/>
+              </a:effectRef>
+              <a:fontRef idx="minor">
+                <a:schemeClr val="lt1"/>
+              </a:fontRef>
+            </p:style>
+            <p:txBody>
+              <a:bodyPr rtlCol="0" anchor="ctr"/>
+              <a:lstStyle/>
+              <a:p>
+                <a:pPr algn="ctr"/>
+                <a:r>
+                  <a:rPr lang="en-US" altLang="zh-CN" dirty="0">
+                    <a:solidFill>
+                      <a:schemeClr val="tx1"/>
+                    </a:solidFill>
+                  </a:rPr>
+                  <a:t>2</a:t>
+                </a:r>
+                <a:endParaRPr lang="zh-CN" altLang="en-US" dirty="0">
+                  <a:solidFill>
+                    <a:schemeClr val="tx1"/>
+                  </a:solidFill>
+                </a:endParaRPr>
+              </a:p>
+            </p:txBody>
+          </p:sp>
+          <p:sp>
+            <p:nvSpPr>
+              <p:cNvPr id="5" name="椭圆 4">
+                <a:extLst>
+                  <a:ext uri="{FF2B5EF4-FFF2-40B4-BE49-F238E27FC236}">
+                    <a16:creationId xmlns:a16="http://schemas.microsoft.com/office/drawing/2014/main" id="{AFB2CE3E-7258-8DAC-EEA8-D5491865841A}"/>
+                  </a:ext>
+                </a:extLst>
+              </p:cNvPr>
+              <p:cNvSpPr/>
+              <p:nvPr/>
+            </p:nvSpPr>
+            <p:spPr>
+              <a:xfrm>
+                <a:off x="2943899" y="2427705"/>
+                <a:ext cx="360000" cy="360000"/>
+              </a:xfrm>
+              <a:prstGeom prst="ellipse">
+                <a:avLst/>
+              </a:prstGeom>
+              <a:solidFill>
+                <a:schemeClr val="bg1"/>
+              </a:solidFill>
+              <a:ln>
+                <a:solidFill>
+                  <a:schemeClr val="tx1"/>
+                </a:solidFill>
+              </a:ln>
+            </p:spPr>
+            <p:style>
+              <a:lnRef idx="2">
+                <a:schemeClr val="accent1">
+                  <a:shade val="50000"/>
+                </a:schemeClr>
+              </a:lnRef>
+              <a:fillRef idx="1">
+                <a:schemeClr val="accent1"/>
+              </a:fillRef>
+              <a:effectRef idx="0">
+                <a:schemeClr val="accent1"/>
+              </a:effectRef>
+              <a:fontRef idx="minor">
+                <a:schemeClr val="lt1"/>
+              </a:fontRef>
+            </p:style>
+            <p:txBody>
+              <a:bodyPr rtlCol="0" anchor="ctr"/>
+              <a:lstStyle/>
+              <a:p>
+                <a:pPr algn="ctr"/>
+                <a:r>
+                  <a:rPr lang="en-US" altLang="zh-CN" dirty="0">
+                    <a:solidFill>
+                      <a:schemeClr val="tx1"/>
+                    </a:solidFill>
+                  </a:rPr>
+                  <a:t>4</a:t>
+                </a:r>
+                <a:endParaRPr lang="zh-CN" altLang="en-US" dirty="0">
+                  <a:solidFill>
+                    <a:schemeClr val="tx1"/>
+                  </a:solidFill>
+                </a:endParaRPr>
+              </a:p>
+            </p:txBody>
+          </p:sp>
+          <p:cxnSp>
+            <p:nvCxnSpPr>
+              <p:cNvPr id="9" name="直接箭头连接符 8">
+                <a:extLst>
+                  <a:ext uri="{FF2B5EF4-FFF2-40B4-BE49-F238E27FC236}">
+                    <a16:creationId xmlns:a16="http://schemas.microsoft.com/office/drawing/2014/main" id="{AB1ED820-2EBA-5E84-57C5-24130F9FACC4}"/>
+                  </a:ext>
+                </a:extLst>
+              </p:cNvPr>
+              <p:cNvCxnSpPr>
+                <a:cxnSpLocks/>
+              </p:cNvCxnSpPr>
+              <p:nvPr/>
+            </p:nvCxnSpPr>
+            <p:spPr>
+              <a:xfrm>
+                <a:off x="1894695" y="2607705"/>
+                <a:ext cx="343803" cy="0"/>
+              </a:xfrm>
+              <a:prstGeom prst="straightConnector1">
+                <a:avLst/>
+              </a:prstGeom>
+              <a:ln w="12700">
+                <a:solidFill>
+                  <a:schemeClr val="tx1"/>
+                </a:solidFill>
+                <a:tailEnd type="triangle"/>
+              </a:ln>
+            </p:spPr>
+            <p:style>
+              <a:lnRef idx="1">
+                <a:schemeClr val="accent1"/>
+              </a:lnRef>
+              <a:fillRef idx="0">
+                <a:schemeClr val="accent1"/>
+              </a:fillRef>
+              <a:effectRef idx="0">
+                <a:schemeClr val="accent1"/>
+              </a:effectRef>
+              <a:fontRef idx="minor">
+                <a:schemeClr val="tx1"/>
+              </a:fontRef>
+            </p:style>
+          </p:cxnSp>
+          <p:cxnSp>
+            <p:nvCxnSpPr>
+              <p:cNvPr id="12" name="直接箭头连接符 11">
+                <a:extLst>
+                  <a:ext uri="{FF2B5EF4-FFF2-40B4-BE49-F238E27FC236}">
+                    <a16:creationId xmlns:a16="http://schemas.microsoft.com/office/drawing/2014/main" id="{3F259510-8CF0-E4E5-76EF-76D678975E62}"/>
+                  </a:ext>
+                </a:extLst>
+              </p:cNvPr>
+              <p:cNvCxnSpPr>
+                <a:cxnSpLocks/>
+              </p:cNvCxnSpPr>
+              <p:nvPr/>
+            </p:nvCxnSpPr>
+            <p:spPr>
+              <a:xfrm>
+                <a:off x="2600096" y="2607705"/>
+                <a:ext cx="343803" cy="0"/>
+              </a:xfrm>
+              <a:prstGeom prst="straightConnector1">
+                <a:avLst/>
+              </a:prstGeom>
+              <a:ln w="12700">
+                <a:solidFill>
+                  <a:schemeClr val="tx1"/>
+                </a:solidFill>
+                <a:tailEnd type="triangle"/>
+              </a:ln>
+            </p:spPr>
+            <p:style>
+              <a:lnRef idx="1">
+                <a:schemeClr val="accent1"/>
+              </a:lnRef>
+              <a:fillRef idx="0">
+                <a:schemeClr val="accent1"/>
+              </a:fillRef>
+              <a:effectRef idx="0">
+                <a:schemeClr val="accent1"/>
+              </a:effectRef>
+              <a:fontRef idx="minor">
+                <a:schemeClr val="tx1"/>
+              </a:fontRef>
+            </p:style>
+          </p:cxnSp>
+          <p:sp>
+            <p:nvSpPr>
+              <p:cNvPr id="16" name="椭圆 15">
+                <a:extLst>
+                  <a:ext uri="{FF2B5EF4-FFF2-40B4-BE49-F238E27FC236}">
+                    <a16:creationId xmlns:a16="http://schemas.microsoft.com/office/drawing/2014/main" id="{2F469F15-2CA0-F43A-E59B-14D1AF2A91A0}"/>
+                  </a:ext>
+                </a:extLst>
+              </p:cNvPr>
+              <p:cNvSpPr/>
+              <p:nvPr/>
+            </p:nvSpPr>
+            <p:spPr>
+              <a:xfrm>
+                <a:off x="3643524" y="2427705"/>
+                <a:ext cx="360000" cy="360000"/>
+              </a:xfrm>
+              <a:prstGeom prst="ellipse">
+                <a:avLst/>
+              </a:prstGeom>
+              <a:solidFill>
+                <a:schemeClr val="bg1"/>
+              </a:solidFill>
+              <a:ln>
+                <a:solidFill>
+                  <a:schemeClr val="tx1"/>
+                </a:solidFill>
+              </a:ln>
+            </p:spPr>
+            <p:style>
+              <a:lnRef idx="2">
+                <a:schemeClr val="accent1">
+                  <a:shade val="50000"/>
+                </a:schemeClr>
+              </a:lnRef>
+              <a:fillRef idx="1">
+                <a:schemeClr val="accent1"/>
+              </a:fillRef>
+              <a:effectRef idx="0">
+                <a:schemeClr val="accent1"/>
+              </a:effectRef>
+              <a:fontRef idx="minor">
+                <a:schemeClr val="lt1"/>
+              </a:fontRef>
+            </p:style>
+            <p:txBody>
+              <a:bodyPr rtlCol="0" anchor="ctr"/>
+              <a:lstStyle/>
+              <a:p>
+                <a:pPr algn="ctr"/>
+                <a:r>
+                  <a:rPr lang="en-US" altLang="zh-CN" dirty="0">
+                    <a:solidFill>
+                      <a:schemeClr val="tx1"/>
+                    </a:solidFill>
+                  </a:rPr>
+                  <a:t>1</a:t>
+                </a:r>
+                <a:endParaRPr lang="zh-CN" altLang="en-US" dirty="0">
+                  <a:solidFill>
+                    <a:schemeClr val="tx1"/>
+                  </a:solidFill>
+                </a:endParaRPr>
+              </a:p>
+            </p:txBody>
+          </p:sp>
+          <p:sp>
+            <p:nvSpPr>
+              <p:cNvPr id="19" name="椭圆 18">
+                <a:extLst>
+                  <a:ext uri="{FF2B5EF4-FFF2-40B4-BE49-F238E27FC236}">
+                    <a16:creationId xmlns:a16="http://schemas.microsoft.com/office/drawing/2014/main" id="{79BDB393-EB23-47BD-04A0-EE19BDCCF578}"/>
+                  </a:ext>
+                </a:extLst>
+              </p:cNvPr>
+              <p:cNvSpPr/>
+              <p:nvPr/>
+            </p:nvSpPr>
+            <p:spPr>
+              <a:xfrm>
+                <a:off x="4348126" y="2427705"/>
+                <a:ext cx="360000" cy="360000"/>
+              </a:xfrm>
+              <a:prstGeom prst="ellipse">
+                <a:avLst/>
+              </a:prstGeom>
+              <a:solidFill>
+                <a:schemeClr val="bg1"/>
+              </a:solidFill>
+              <a:ln>
+                <a:solidFill>
+                  <a:schemeClr val="tx1"/>
+                </a:solidFill>
+              </a:ln>
+            </p:spPr>
+            <p:style>
+              <a:lnRef idx="2">
+                <a:schemeClr val="accent1">
+                  <a:shade val="50000"/>
+                </a:schemeClr>
+              </a:lnRef>
+              <a:fillRef idx="1">
+                <a:schemeClr val="accent1"/>
+              </a:fillRef>
+              <a:effectRef idx="0">
+                <a:schemeClr val="accent1"/>
+              </a:effectRef>
+              <a:fontRef idx="minor">
+                <a:schemeClr val="lt1"/>
+              </a:fontRef>
+            </p:style>
+            <p:txBody>
+              <a:bodyPr rtlCol="0" anchor="ctr"/>
+              <a:lstStyle/>
+              <a:p>
+                <a:pPr algn="ctr"/>
+                <a:r>
+                  <a:rPr lang="en-US" altLang="zh-CN" dirty="0">
+                    <a:solidFill>
+                      <a:schemeClr val="tx1"/>
+                    </a:solidFill>
+                  </a:rPr>
+                  <a:t>3</a:t>
+                </a:r>
+                <a:endParaRPr lang="zh-CN" altLang="en-US" dirty="0">
+                  <a:solidFill>
+                    <a:schemeClr val="tx1"/>
+                  </a:solidFill>
+                </a:endParaRPr>
+              </a:p>
+            </p:txBody>
+          </p:sp>
+          <p:sp>
+            <p:nvSpPr>
+              <p:cNvPr id="21" name="椭圆 20">
+                <a:extLst>
+                  <a:ext uri="{FF2B5EF4-FFF2-40B4-BE49-F238E27FC236}">
+                    <a16:creationId xmlns:a16="http://schemas.microsoft.com/office/drawing/2014/main" id="{BA5B0411-87A6-6FE9-6C32-DFABACEB2315}"/>
+                  </a:ext>
+                </a:extLst>
+              </p:cNvPr>
+              <p:cNvSpPr/>
+              <p:nvPr/>
+            </p:nvSpPr>
+            <p:spPr>
+              <a:xfrm>
+                <a:off x="5052728" y="2427705"/>
+                <a:ext cx="360000" cy="360000"/>
+              </a:xfrm>
+              <a:prstGeom prst="ellipse">
+                <a:avLst/>
+              </a:prstGeom>
+              <a:solidFill>
+                <a:schemeClr val="bg1"/>
+              </a:solidFill>
+              <a:ln>
+                <a:solidFill>
+                  <a:schemeClr val="tx1"/>
+                </a:solidFill>
+              </a:ln>
+            </p:spPr>
+            <p:style>
+              <a:lnRef idx="2">
+                <a:schemeClr val="accent1">
+                  <a:shade val="50000"/>
+                </a:schemeClr>
+              </a:lnRef>
+              <a:fillRef idx="1">
+                <a:schemeClr val="accent1"/>
+              </a:fillRef>
+              <a:effectRef idx="0">
+                <a:schemeClr val="accent1"/>
+              </a:effectRef>
+              <a:fontRef idx="minor">
+                <a:schemeClr val="lt1"/>
+              </a:fontRef>
+            </p:style>
+            <p:txBody>
+              <a:bodyPr rtlCol="0" anchor="ctr"/>
+              <a:lstStyle/>
+              <a:p>
+                <a:pPr algn="ctr"/>
+                <a:r>
+                  <a:rPr lang="en-US" altLang="zh-CN" dirty="0">
+                    <a:solidFill>
+                      <a:schemeClr val="tx1"/>
+                    </a:solidFill>
+                  </a:rPr>
+                  <a:t>4</a:t>
+                </a:r>
+                <a:endParaRPr lang="zh-CN" altLang="en-US" dirty="0">
+                  <a:solidFill>
+                    <a:schemeClr val="tx1"/>
+                  </a:solidFill>
+                </a:endParaRPr>
+              </a:p>
+            </p:txBody>
+          </p:sp>
+          <p:cxnSp>
+            <p:nvCxnSpPr>
+              <p:cNvPr id="22" name="直接箭头连接符 21">
+                <a:extLst>
+                  <a:ext uri="{FF2B5EF4-FFF2-40B4-BE49-F238E27FC236}">
+                    <a16:creationId xmlns:a16="http://schemas.microsoft.com/office/drawing/2014/main" id="{80915AC3-C917-92D6-DA7A-8817B3CAA71A}"/>
+                  </a:ext>
+                </a:extLst>
+              </p:cNvPr>
+              <p:cNvCxnSpPr>
+                <a:cxnSpLocks/>
+              </p:cNvCxnSpPr>
+              <p:nvPr/>
+            </p:nvCxnSpPr>
+            <p:spPr>
+              <a:xfrm>
+                <a:off x="4003524" y="2607705"/>
+                <a:ext cx="343803" cy="0"/>
+              </a:xfrm>
+              <a:prstGeom prst="straightConnector1">
+                <a:avLst/>
+              </a:prstGeom>
+              <a:ln w="12700">
+                <a:solidFill>
+                  <a:schemeClr val="tx1"/>
+                </a:solidFill>
+                <a:tailEnd type="triangle"/>
+              </a:ln>
+            </p:spPr>
+            <p:style>
+              <a:lnRef idx="1">
+                <a:schemeClr val="accent1"/>
+              </a:lnRef>
+              <a:fillRef idx="0">
+                <a:schemeClr val="accent1"/>
+              </a:fillRef>
+              <a:effectRef idx="0">
+                <a:schemeClr val="accent1"/>
+              </a:effectRef>
+              <a:fontRef idx="minor">
+                <a:schemeClr val="tx1"/>
+              </a:fontRef>
+            </p:style>
+          </p:cxnSp>
+          <p:cxnSp>
+            <p:nvCxnSpPr>
+              <p:cNvPr id="24" name="直接箭头连接符 23">
+                <a:extLst>
+                  <a:ext uri="{FF2B5EF4-FFF2-40B4-BE49-F238E27FC236}">
+                    <a16:creationId xmlns:a16="http://schemas.microsoft.com/office/drawing/2014/main" id="{4519791D-D676-CC33-CD30-EAA9B3694091}"/>
+                  </a:ext>
+                </a:extLst>
+              </p:cNvPr>
+              <p:cNvCxnSpPr>
+                <a:cxnSpLocks/>
+              </p:cNvCxnSpPr>
+              <p:nvPr/>
+            </p:nvCxnSpPr>
+            <p:spPr>
+              <a:xfrm>
+                <a:off x="4708925" y="2607705"/>
+                <a:ext cx="343803" cy="0"/>
+              </a:xfrm>
+              <a:prstGeom prst="straightConnector1">
+                <a:avLst/>
+              </a:prstGeom>
+              <a:ln w="12700">
+                <a:solidFill>
+                  <a:schemeClr val="tx1"/>
+                </a:solidFill>
+                <a:tailEnd type="triangle"/>
+              </a:ln>
+            </p:spPr>
+            <p:style>
+              <a:lnRef idx="1">
+                <a:schemeClr val="accent1"/>
+              </a:lnRef>
+              <a:fillRef idx="0">
+                <a:schemeClr val="accent1"/>
+              </a:fillRef>
+              <a:effectRef idx="0">
+                <a:schemeClr val="accent1"/>
+              </a:effectRef>
+              <a:fontRef idx="minor">
+                <a:schemeClr val="tx1"/>
+              </a:fontRef>
+            </p:style>
+          </p:cxnSp>
+          <p:sp>
+            <p:nvSpPr>
+              <p:cNvPr id="25" name="椭圆 24">
+                <a:extLst>
+                  <a:ext uri="{FF2B5EF4-FFF2-40B4-BE49-F238E27FC236}">
+                    <a16:creationId xmlns:a16="http://schemas.microsoft.com/office/drawing/2014/main" id="{8ACE7270-1DDB-4086-DA92-B41A2E7646B6}"/>
+                  </a:ext>
+                </a:extLst>
+              </p:cNvPr>
+              <p:cNvSpPr/>
+              <p:nvPr/>
+            </p:nvSpPr>
+            <p:spPr>
+              <a:xfrm>
+                <a:off x="1534695" y="3249000"/>
+                <a:ext cx="360000" cy="360000"/>
+              </a:xfrm>
+              <a:prstGeom prst="ellipse">
+                <a:avLst/>
+              </a:prstGeom>
+              <a:solidFill>
+                <a:schemeClr val="bg1"/>
+              </a:solidFill>
+              <a:ln>
+                <a:solidFill>
+                  <a:schemeClr val="tx1"/>
+                </a:solidFill>
+              </a:ln>
+            </p:spPr>
+            <p:style>
+              <a:lnRef idx="2">
+                <a:schemeClr val="accent1">
+                  <a:shade val="50000"/>
+                </a:schemeClr>
+              </a:lnRef>
+              <a:fillRef idx="1">
+                <a:schemeClr val="accent1"/>
+              </a:fillRef>
+              <a:effectRef idx="0">
+                <a:schemeClr val="accent1"/>
+              </a:effectRef>
+              <a:fontRef idx="minor">
+                <a:schemeClr val="lt1"/>
+              </a:fontRef>
+            </p:style>
+            <p:txBody>
+              <a:bodyPr rtlCol="0" anchor="ctr"/>
+              <a:lstStyle/>
+              <a:p>
+                <a:pPr algn="ctr"/>
+                <a:r>
+                  <a:rPr lang="en-US" altLang="zh-CN" dirty="0">
+                    <a:solidFill>
+                      <a:schemeClr val="tx1"/>
+                    </a:solidFill>
+                  </a:rPr>
+                  <a:t>1</a:t>
+                </a:r>
+                <a:endParaRPr lang="zh-CN" altLang="en-US" dirty="0">
+                  <a:solidFill>
+                    <a:schemeClr val="tx1"/>
+                  </a:solidFill>
+                </a:endParaRPr>
+              </a:p>
+            </p:txBody>
+          </p:sp>
+          <p:sp>
+            <p:nvSpPr>
+              <p:cNvPr id="27" name="椭圆 26">
+                <a:extLst>
+                  <a:ext uri="{FF2B5EF4-FFF2-40B4-BE49-F238E27FC236}">
+                    <a16:creationId xmlns:a16="http://schemas.microsoft.com/office/drawing/2014/main" id="{5AC07C0F-F81F-7908-D2A8-157C3F4F73AA}"/>
+                  </a:ext>
+                </a:extLst>
+              </p:cNvPr>
+              <p:cNvSpPr/>
+              <p:nvPr/>
+            </p:nvSpPr>
+            <p:spPr>
+              <a:xfrm>
+                <a:off x="2239297" y="3249000"/>
+                <a:ext cx="360000" cy="360000"/>
+              </a:xfrm>
+              <a:prstGeom prst="ellipse">
+                <a:avLst/>
+              </a:prstGeom>
+              <a:solidFill>
+                <a:schemeClr val="bg1"/>
+              </a:solidFill>
+              <a:ln>
+                <a:solidFill>
+                  <a:schemeClr val="tx1"/>
+                </a:solidFill>
+              </a:ln>
+            </p:spPr>
+            <p:style>
+              <a:lnRef idx="2">
+                <a:schemeClr val="accent1">
+                  <a:shade val="50000"/>
+                </a:schemeClr>
+              </a:lnRef>
+              <a:fillRef idx="1">
+                <a:schemeClr val="accent1"/>
+              </a:fillRef>
+              <a:effectRef idx="0">
+                <a:schemeClr val="accent1"/>
+              </a:effectRef>
+              <a:fontRef idx="minor">
+                <a:schemeClr val="lt1"/>
+              </a:fontRef>
+            </p:style>
+            <p:txBody>
+              <a:bodyPr rtlCol="0" anchor="ctr"/>
+              <a:lstStyle/>
+              <a:p>
+                <a:pPr algn="ctr"/>
+                <a:r>
+                  <a:rPr lang="en-US" altLang="zh-CN" dirty="0">
+                    <a:solidFill>
+                      <a:schemeClr val="tx1"/>
+                    </a:solidFill>
+                  </a:rPr>
+                  <a:t>1</a:t>
+                </a:r>
+                <a:endParaRPr lang="zh-CN" altLang="en-US" dirty="0">
+                  <a:solidFill>
+                    <a:schemeClr val="tx1"/>
+                  </a:solidFill>
+                </a:endParaRPr>
+              </a:p>
+            </p:txBody>
+          </p:sp>
+          <p:sp>
+            <p:nvSpPr>
+              <p:cNvPr id="31" name="椭圆 30">
+                <a:extLst>
+                  <a:ext uri="{FF2B5EF4-FFF2-40B4-BE49-F238E27FC236}">
+                    <a16:creationId xmlns:a16="http://schemas.microsoft.com/office/drawing/2014/main" id="{EFAD8081-16D9-6A02-76D1-7D4FB41693B9}"/>
+                  </a:ext>
+                </a:extLst>
+              </p:cNvPr>
+              <p:cNvSpPr/>
+              <p:nvPr/>
+            </p:nvSpPr>
+            <p:spPr>
+              <a:xfrm>
+                <a:off x="2943899" y="3249000"/>
+                <a:ext cx="360000" cy="360000"/>
+              </a:xfrm>
+              <a:prstGeom prst="ellipse">
+                <a:avLst/>
+              </a:prstGeom>
+              <a:solidFill>
+                <a:schemeClr val="bg1"/>
+              </a:solidFill>
+              <a:ln>
+                <a:solidFill>
+                  <a:schemeClr val="tx1"/>
+                </a:solidFill>
+              </a:ln>
+            </p:spPr>
+            <p:style>
+              <a:lnRef idx="2">
+                <a:schemeClr val="accent1">
+                  <a:shade val="50000"/>
+                </a:schemeClr>
+              </a:lnRef>
+              <a:fillRef idx="1">
+                <a:schemeClr val="accent1"/>
+              </a:fillRef>
+              <a:effectRef idx="0">
+                <a:schemeClr val="accent1"/>
+              </a:effectRef>
+              <a:fontRef idx="minor">
+                <a:schemeClr val="lt1"/>
+              </a:fontRef>
+            </p:style>
+            <p:txBody>
+              <a:bodyPr rtlCol="0" anchor="ctr"/>
+              <a:lstStyle/>
+              <a:p>
+                <a:pPr algn="ctr"/>
+                <a:r>
+                  <a:rPr lang="en-US" altLang="zh-CN" dirty="0">
+                    <a:solidFill>
+                      <a:schemeClr val="tx1"/>
+                    </a:solidFill>
+                  </a:rPr>
+                  <a:t>2</a:t>
+                </a:r>
+                <a:endParaRPr lang="zh-CN" altLang="en-US" dirty="0">
+                  <a:solidFill>
+                    <a:schemeClr val="tx1"/>
+                  </a:solidFill>
+                </a:endParaRPr>
+              </a:p>
+            </p:txBody>
+          </p:sp>
+          <p:cxnSp>
+            <p:nvCxnSpPr>
+              <p:cNvPr id="34" name="直接箭头连接符 33">
+                <a:extLst>
+                  <a:ext uri="{FF2B5EF4-FFF2-40B4-BE49-F238E27FC236}">
+                    <a16:creationId xmlns:a16="http://schemas.microsoft.com/office/drawing/2014/main" id="{A01B1A7A-3ADD-4F58-ACF3-649CD311362C}"/>
+                  </a:ext>
+                </a:extLst>
+              </p:cNvPr>
+              <p:cNvCxnSpPr>
+                <a:cxnSpLocks/>
+              </p:cNvCxnSpPr>
+              <p:nvPr/>
+            </p:nvCxnSpPr>
+            <p:spPr>
+              <a:xfrm>
+                <a:off x="1894695" y="3429000"/>
+                <a:ext cx="343803" cy="0"/>
+              </a:xfrm>
+              <a:prstGeom prst="straightConnector1">
+                <a:avLst/>
+              </a:prstGeom>
+              <a:ln w="12700">
+                <a:solidFill>
+                  <a:schemeClr val="tx1"/>
+                </a:solidFill>
+                <a:tailEnd type="triangle"/>
+              </a:ln>
+            </p:spPr>
+            <p:style>
+              <a:lnRef idx="1">
+                <a:schemeClr val="accent1"/>
+              </a:lnRef>
+              <a:fillRef idx="0">
+                <a:schemeClr val="accent1"/>
+              </a:fillRef>
+              <a:effectRef idx="0">
+                <a:schemeClr val="accent1"/>
+              </a:effectRef>
+              <a:fontRef idx="minor">
+                <a:schemeClr val="tx1"/>
+              </a:fontRef>
+            </p:style>
+          </p:cxnSp>
+          <p:cxnSp>
+            <p:nvCxnSpPr>
+              <p:cNvPr id="35" name="直接箭头连接符 34">
+                <a:extLst>
+                  <a:ext uri="{FF2B5EF4-FFF2-40B4-BE49-F238E27FC236}">
+                    <a16:creationId xmlns:a16="http://schemas.microsoft.com/office/drawing/2014/main" id="{0223C515-D448-3D04-606B-1E71910757AB}"/>
+                  </a:ext>
+                </a:extLst>
+              </p:cNvPr>
+              <p:cNvCxnSpPr>
+                <a:cxnSpLocks/>
+              </p:cNvCxnSpPr>
+              <p:nvPr/>
+            </p:nvCxnSpPr>
+            <p:spPr>
+              <a:xfrm>
+                <a:off x="2600096" y="3429000"/>
+                <a:ext cx="343803" cy="0"/>
+              </a:xfrm>
+              <a:prstGeom prst="straightConnector1">
+                <a:avLst/>
+              </a:prstGeom>
+              <a:ln w="12700">
+                <a:solidFill>
+                  <a:schemeClr val="tx1"/>
+                </a:solidFill>
+                <a:tailEnd type="triangle"/>
+              </a:ln>
+            </p:spPr>
+            <p:style>
+              <a:lnRef idx="1">
+                <a:schemeClr val="accent1"/>
+              </a:lnRef>
+              <a:fillRef idx="0">
+                <a:schemeClr val="accent1"/>
+              </a:fillRef>
+              <a:effectRef idx="0">
+                <a:schemeClr val="accent1"/>
+              </a:effectRef>
+              <a:fontRef idx="minor">
+                <a:schemeClr val="tx1"/>
+              </a:fontRef>
+            </p:style>
+          </p:cxnSp>
+          <p:sp>
+            <p:nvSpPr>
+              <p:cNvPr id="36" name="椭圆 35">
+                <a:extLst>
+                  <a:ext uri="{FF2B5EF4-FFF2-40B4-BE49-F238E27FC236}">
+                    <a16:creationId xmlns:a16="http://schemas.microsoft.com/office/drawing/2014/main" id="{23090A45-AFC1-BD01-E47E-8083F1741DFA}"/>
+                  </a:ext>
+                </a:extLst>
+              </p:cNvPr>
+              <p:cNvSpPr/>
+              <p:nvPr/>
+            </p:nvSpPr>
+            <p:spPr>
+              <a:xfrm>
+                <a:off x="3644323" y="3249000"/>
+                <a:ext cx="360000" cy="360000"/>
+              </a:xfrm>
+              <a:prstGeom prst="ellipse">
+                <a:avLst/>
+              </a:prstGeom>
+              <a:solidFill>
+                <a:schemeClr val="bg1"/>
+              </a:solidFill>
+              <a:ln>
+                <a:solidFill>
+                  <a:schemeClr val="tx1"/>
+                </a:solidFill>
+              </a:ln>
+            </p:spPr>
+            <p:style>
+              <a:lnRef idx="2">
+                <a:schemeClr val="accent1">
+                  <a:shade val="50000"/>
+                </a:schemeClr>
+              </a:lnRef>
+              <a:fillRef idx="1">
+                <a:schemeClr val="accent1"/>
+              </a:fillRef>
+              <a:effectRef idx="0">
+                <a:schemeClr val="accent1"/>
+              </a:effectRef>
+              <a:fontRef idx="minor">
+                <a:schemeClr val="lt1"/>
+              </a:fontRef>
+            </p:style>
+            <p:txBody>
+              <a:bodyPr rtlCol="0" anchor="ctr"/>
+              <a:lstStyle/>
+              <a:p>
+                <a:pPr algn="ctr"/>
+                <a:r>
+                  <a:rPr lang="en-US" altLang="zh-CN" dirty="0">
+                    <a:solidFill>
+                      <a:schemeClr val="tx1"/>
+                    </a:solidFill>
+                  </a:rPr>
+                  <a:t>3</a:t>
+                </a:r>
+                <a:endParaRPr lang="zh-CN" altLang="en-US" dirty="0">
+                  <a:solidFill>
+                    <a:schemeClr val="tx1"/>
+                  </a:solidFill>
+                </a:endParaRPr>
+              </a:p>
+            </p:txBody>
+          </p:sp>
+          <p:sp>
+            <p:nvSpPr>
+              <p:cNvPr id="37" name="椭圆 36">
+                <a:extLst>
+                  <a:ext uri="{FF2B5EF4-FFF2-40B4-BE49-F238E27FC236}">
+                    <a16:creationId xmlns:a16="http://schemas.microsoft.com/office/drawing/2014/main" id="{FA4BC985-583C-5457-36C9-C9F231A600F0}"/>
+                  </a:ext>
+                </a:extLst>
+              </p:cNvPr>
+              <p:cNvSpPr/>
+              <p:nvPr/>
+            </p:nvSpPr>
+            <p:spPr>
+              <a:xfrm>
+                <a:off x="4348925" y="3249000"/>
+                <a:ext cx="360000" cy="360000"/>
+              </a:xfrm>
+              <a:prstGeom prst="ellipse">
+                <a:avLst/>
+              </a:prstGeom>
+              <a:solidFill>
+                <a:schemeClr val="bg1"/>
+              </a:solidFill>
+              <a:ln>
+                <a:solidFill>
+                  <a:schemeClr val="tx1"/>
+                </a:solidFill>
+              </a:ln>
+            </p:spPr>
+            <p:style>
+              <a:lnRef idx="2">
+                <a:schemeClr val="accent1">
+                  <a:shade val="50000"/>
+                </a:schemeClr>
+              </a:lnRef>
+              <a:fillRef idx="1">
+                <a:schemeClr val="accent1"/>
+              </a:fillRef>
+              <a:effectRef idx="0">
+                <a:schemeClr val="accent1"/>
+              </a:effectRef>
+              <a:fontRef idx="minor">
+                <a:schemeClr val="lt1"/>
+              </a:fontRef>
+            </p:style>
+            <p:txBody>
+              <a:bodyPr rtlCol="0" anchor="ctr"/>
+              <a:lstStyle/>
+              <a:p>
+                <a:pPr algn="ctr"/>
+                <a:r>
+                  <a:rPr lang="en-US" altLang="zh-CN" dirty="0">
+                    <a:solidFill>
+                      <a:schemeClr val="tx1"/>
+                    </a:solidFill>
+                  </a:rPr>
+                  <a:t>4</a:t>
+                </a:r>
+                <a:endParaRPr lang="zh-CN" altLang="en-US" dirty="0">
+                  <a:solidFill>
+                    <a:schemeClr val="tx1"/>
+                  </a:solidFill>
+                </a:endParaRPr>
+              </a:p>
+            </p:txBody>
+          </p:sp>
+          <p:sp>
+            <p:nvSpPr>
+              <p:cNvPr id="38" name="椭圆 37">
+                <a:extLst>
+                  <a:ext uri="{FF2B5EF4-FFF2-40B4-BE49-F238E27FC236}">
+                    <a16:creationId xmlns:a16="http://schemas.microsoft.com/office/drawing/2014/main" id="{9C98BA1D-1D40-BF5C-A0BA-672990D0C4DC}"/>
+                  </a:ext>
+                </a:extLst>
+              </p:cNvPr>
+              <p:cNvSpPr/>
+              <p:nvPr/>
+            </p:nvSpPr>
+            <p:spPr>
+              <a:xfrm>
+                <a:off x="5053527" y="3249000"/>
+                <a:ext cx="360000" cy="360000"/>
+              </a:xfrm>
+              <a:prstGeom prst="ellipse">
+                <a:avLst/>
+              </a:prstGeom>
+              <a:solidFill>
+                <a:schemeClr val="bg1"/>
+              </a:solidFill>
+              <a:ln>
+                <a:solidFill>
+                  <a:schemeClr val="tx1"/>
+                </a:solidFill>
+              </a:ln>
+            </p:spPr>
+            <p:style>
+              <a:lnRef idx="2">
+                <a:schemeClr val="accent1">
+                  <a:shade val="50000"/>
+                </a:schemeClr>
+              </a:lnRef>
+              <a:fillRef idx="1">
+                <a:schemeClr val="accent1"/>
+              </a:fillRef>
+              <a:effectRef idx="0">
+                <a:schemeClr val="accent1"/>
+              </a:effectRef>
+              <a:fontRef idx="minor">
+                <a:schemeClr val="lt1"/>
+              </a:fontRef>
+            </p:style>
+            <p:txBody>
+              <a:bodyPr rtlCol="0" anchor="ctr"/>
+              <a:lstStyle/>
+              <a:p>
+                <a:pPr algn="ctr"/>
+                <a:r>
+                  <a:rPr lang="en-US" altLang="zh-CN" dirty="0">
+                    <a:solidFill>
+                      <a:schemeClr val="tx1"/>
+                    </a:solidFill>
+                  </a:rPr>
+                  <a:t>4</a:t>
+                </a:r>
+                <a:endParaRPr lang="zh-CN" altLang="en-US" dirty="0">
+                  <a:solidFill>
+                    <a:schemeClr val="tx1"/>
+                  </a:solidFill>
+                </a:endParaRPr>
+              </a:p>
+            </p:txBody>
+          </p:sp>
+          <p:cxnSp>
+            <p:nvCxnSpPr>
+              <p:cNvPr id="39" name="直接箭头连接符 38">
+                <a:extLst>
+                  <a:ext uri="{FF2B5EF4-FFF2-40B4-BE49-F238E27FC236}">
+                    <a16:creationId xmlns:a16="http://schemas.microsoft.com/office/drawing/2014/main" id="{829D8BA4-E4D0-F4F3-DF80-675488DC07B4}"/>
+                  </a:ext>
+                </a:extLst>
+              </p:cNvPr>
+              <p:cNvCxnSpPr>
+                <a:cxnSpLocks/>
+              </p:cNvCxnSpPr>
+              <p:nvPr/>
+            </p:nvCxnSpPr>
+            <p:spPr>
+              <a:xfrm>
+                <a:off x="4004323" y="3429000"/>
+                <a:ext cx="343803" cy="0"/>
+              </a:xfrm>
+              <a:prstGeom prst="straightConnector1">
+                <a:avLst/>
+              </a:prstGeom>
+              <a:ln w="12700">
+                <a:solidFill>
+                  <a:schemeClr val="tx1"/>
+                </a:solidFill>
+                <a:tailEnd type="triangle"/>
+              </a:ln>
+            </p:spPr>
+            <p:style>
+              <a:lnRef idx="1">
+                <a:schemeClr val="accent1"/>
+              </a:lnRef>
+              <a:fillRef idx="0">
+                <a:schemeClr val="accent1"/>
+              </a:fillRef>
+              <a:effectRef idx="0">
+                <a:schemeClr val="accent1"/>
+              </a:effectRef>
+              <a:fontRef idx="minor">
+                <a:schemeClr val="tx1"/>
+              </a:fontRef>
+            </p:style>
+          </p:cxnSp>
+          <p:cxnSp>
+            <p:nvCxnSpPr>
+              <p:cNvPr id="40" name="直接箭头连接符 39">
+                <a:extLst>
+                  <a:ext uri="{FF2B5EF4-FFF2-40B4-BE49-F238E27FC236}">
+                    <a16:creationId xmlns:a16="http://schemas.microsoft.com/office/drawing/2014/main" id="{E08D6F59-2FA2-F1AD-CF78-9A5B05449385}"/>
+                  </a:ext>
+                </a:extLst>
+              </p:cNvPr>
+              <p:cNvCxnSpPr>
+                <a:cxnSpLocks/>
+              </p:cNvCxnSpPr>
+              <p:nvPr/>
+            </p:nvCxnSpPr>
+            <p:spPr>
+              <a:xfrm>
+                <a:off x="4709724" y="3429000"/>
+                <a:ext cx="343803" cy="0"/>
+              </a:xfrm>
+              <a:prstGeom prst="straightConnector1">
+                <a:avLst/>
+              </a:prstGeom>
+              <a:ln w="12700">
+                <a:solidFill>
+                  <a:schemeClr val="tx1"/>
+                </a:solidFill>
+                <a:tailEnd type="triangle"/>
+              </a:ln>
+            </p:spPr>
+            <p:style>
+              <a:lnRef idx="1">
+                <a:schemeClr val="accent1"/>
+              </a:lnRef>
+              <a:fillRef idx="0">
+                <a:schemeClr val="accent1"/>
+              </a:fillRef>
+              <a:effectRef idx="0">
+                <a:schemeClr val="accent1"/>
+              </a:effectRef>
+              <a:fontRef idx="minor">
+                <a:schemeClr val="tx1"/>
+              </a:fontRef>
+            </p:style>
+          </p:cxnSp>
+          <p:cxnSp>
+            <p:nvCxnSpPr>
+              <p:cNvPr id="41" name="直接箭头连接符 40">
+                <a:extLst>
+                  <a:ext uri="{FF2B5EF4-FFF2-40B4-BE49-F238E27FC236}">
+                    <a16:creationId xmlns:a16="http://schemas.microsoft.com/office/drawing/2014/main" id="{D2D9E8F3-24BC-D2C2-3020-9DEFFDAF711A}"/>
+                  </a:ext>
+                </a:extLst>
+              </p:cNvPr>
+              <p:cNvCxnSpPr>
+                <a:cxnSpLocks/>
+              </p:cNvCxnSpPr>
+              <p:nvPr/>
+            </p:nvCxnSpPr>
+            <p:spPr>
+              <a:xfrm>
+                <a:off x="3303899" y="3429000"/>
+                <a:ext cx="343803" cy="0"/>
+              </a:xfrm>
+              <a:prstGeom prst="straightConnector1">
+                <a:avLst/>
+              </a:prstGeom>
+              <a:ln w="12700">
+                <a:solidFill>
+                  <a:schemeClr val="tx1"/>
+                </a:solidFill>
+                <a:tailEnd type="triangle"/>
+              </a:ln>
+            </p:spPr>
+            <p:style>
+              <a:lnRef idx="1">
+                <a:schemeClr val="accent1"/>
+              </a:lnRef>
+              <a:fillRef idx="0">
+                <a:schemeClr val="accent1"/>
+              </a:fillRef>
+              <a:effectRef idx="0">
+                <a:schemeClr val="accent1"/>
+              </a:effectRef>
+              <a:fontRef idx="minor">
+                <a:schemeClr val="tx1"/>
+              </a:fontRef>
+            </p:style>
+          </p:cxnSp>
+        </p:grpSp>
+        <p:cxnSp>
+          <p:nvCxnSpPr>
+            <p:cNvPr id="44" name="直接箭头连接符 43">
+              <a:extLst>
+                <a:ext uri="{FF2B5EF4-FFF2-40B4-BE49-F238E27FC236}">
+                  <a16:creationId xmlns:a16="http://schemas.microsoft.com/office/drawing/2014/main" id="{F10656FC-2595-0479-8CA8-7D11E8BC7281}"/>
+                </a:ext>
+              </a:extLst>
+            </p:cNvPr>
+            <p:cNvCxnSpPr>
+              <a:cxnSpLocks/>
+            </p:cNvCxnSpPr>
+            <p:nvPr/>
+          </p:nvCxnSpPr>
+          <p:spPr>
+            <a:xfrm>
+              <a:off x="3459527" y="2885704"/>
+              <a:ext cx="0" cy="260185"/>
+            </a:xfrm>
+            <a:prstGeom prst="straightConnector1">
+              <a:avLst/>
+            </a:prstGeom>
+            <a:ln w="47625">
+              <a:solidFill>
+                <a:schemeClr val="tx1"/>
+              </a:solidFill>
+              <a:tailEnd type="triangle"/>
+            </a:ln>
+          </p:spPr>
+          <p:style>
+            <a:lnRef idx="1">
+              <a:schemeClr val="accent1"/>
+            </a:lnRef>
+            <a:fillRef idx="0">
+              <a:schemeClr val="accent1"/>
+            </a:fillRef>
+            <a:effectRef idx="0">
+              <a:schemeClr val="accent1"/>
+            </a:effectRef>
+            <a:fontRef idx="minor">
+              <a:schemeClr val="tx1"/>
+            </a:fontRef>
+          </p:style>
+        </p:cxnSp>
+      </p:grpSp>
+    </p:spTree>
+    <p:extLst>
+      <p:ext uri="{BB962C8B-B14F-4D97-AF65-F5344CB8AC3E}">
+        <p14:creationId xmlns:p14="http://schemas.microsoft.com/office/powerpoint/2010/main" val="1588053644"/>
+      </p:ext>
+    </p:extLst>
+  </p:cSld>
+  <p:clrMapOvr>
+    <a:masterClrMapping/>
+  </p:clrMapOvr>
+</p:sld>
+</file>
+
+<file path=ppt/slides/slide17.xml><?xml version="1.0" encoding="utf-8"?>
+<p:sld xmlns:a="http://schemas.openxmlformats.org/drawingml/2006/main" xmlns:r="http://schemas.openxmlformats.org/officeDocument/2006/relationships" xmlns:p="http://schemas.openxmlformats.org/presentationml/2006/main">
+  <p:cSld>
+    <p:spTree>
+      <p:nvGrpSpPr>
+        <p:cNvPr id="1" name=""/>
+        <p:cNvGrpSpPr/>
+        <p:nvPr/>
+      </p:nvGrpSpPr>
+      <p:grpSpPr>
+        <a:xfrm>
+          <a:off x="0" y="0"/>
+          <a:ext cx="0" cy="0"/>
+          <a:chOff x="0" y="0"/>
+          <a:chExt cx="0" cy="0"/>
+        </a:xfrm>
+      </p:grpSpPr>
+      <mc:AlternateContent xmlns:mc="http://schemas.openxmlformats.org/markup-compatibility/2006">
+        <mc:Choice xmlns:a14="http://schemas.microsoft.com/office/drawing/2010/main" Requires="a14">
+          <p:sp>
+            <p:nvSpPr>
+              <p:cNvPr id="6" name="文本框 5">
+                <a:extLst>
+                  <a:ext uri="{FF2B5EF4-FFF2-40B4-BE49-F238E27FC236}">
+                    <a16:creationId xmlns:a16="http://schemas.microsoft.com/office/drawing/2014/main" id="{9191DA1E-8414-8EA9-ED5E-CC4BFF6A7BBC}"/>
+                  </a:ext>
+                </a:extLst>
+              </p:cNvPr>
+              <p:cNvSpPr txBox="1"/>
+              <p:nvPr/>
+            </p:nvSpPr>
+            <p:spPr>
+              <a:xfrm>
+                <a:off x="2223655" y="2989613"/>
+                <a:ext cx="5500417" cy="617861"/>
+              </a:xfrm>
+              <a:prstGeom prst="rect">
+                <a:avLst/>
+              </a:prstGeom>
+              <a:noFill/>
+            </p:spPr>
+            <p:txBody>
+              <a:bodyPr wrap="none" lIns="0" tIns="0" rIns="0" bIns="0" rtlCol="0">
+                <a:spAutoFit/>
+              </a:bodyPr>
+              <a:lstStyle/>
+              <a:p>
+                <a14:m>
+                  <m:oMathPara xmlns:m="http://schemas.openxmlformats.org/officeDocument/2006/math">
+                    <m:oMathParaPr>
+                      <m:jc m:val="centerGroup"/>
+                    </m:oMathParaPr>
+                    <m:oMath xmlns:m="http://schemas.openxmlformats.org/officeDocument/2006/math">
+                      <m:d>
+                        <m:dPr>
+                          <m:begChr m:val="{"/>
+                          <m:endChr m:val=""/>
+                          <m:ctrlPr>
+                            <a:rPr lang="en-US" altLang="zh-CN" i="1" smtClean="0">
+                              <a:latin typeface="Cambria Math" panose="02040503050406030204" pitchFamily="18" charset="0"/>
+                            </a:rPr>
+                          </m:ctrlPr>
+                        </m:dPr>
+                        <m:e>
+                          <m:eqArr>
+                            <m:eqArrPr>
+                              <m:ctrlPr>
+                                <a:rPr lang="en-US" altLang="zh-CN" i="1" smtClean="0">
+                                  <a:latin typeface="Cambria Math" panose="02040503050406030204" pitchFamily="18" charset="0"/>
+                                </a:rPr>
+                              </m:ctrlPr>
+                            </m:eqArrPr>
+                            <m:e>
+                              <m:r>
+                                <a:rPr lang="en-US" altLang="zh-CN" b="0" i="1" smtClean="0">
+                                  <a:latin typeface="Cambria Math" panose="02040503050406030204" pitchFamily="18" charset="0"/>
+                                </a:rPr>
+                                <m:t>𝑙𝑖𝑠𝑡</m:t>
+                              </m:r>
+                              <m:r>
+                                <a:rPr lang="en-US" altLang="zh-CN" b="0" i="1" smtClean="0">
+                                  <a:latin typeface="Cambria Math" panose="02040503050406030204" pitchFamily="18" charset="0"/>
+                                </a:rPr>
+                                <m:t>1</m:t>
+                              </m:r>
+                              <m:d>
+                                <m:dPr>
+                                  <m:begChr m:val="["/>
+                                  <m:endChr m:val="]"/>
+                                  <m:ctrlPr>
+                                    <a:rPr lang="en-US" altLang="zh-CN" b="0" i="1" smtClean="0">
+                                      <a:latin typeface="Cambria Math" panose="02040503050406030204" pitchFamily="18" charset="0"/>
+                                    </a:rPr>
+                                  </m:ctrlPr>
+                                </m:dPr>
+                                <m:e>
+                                  <m:r>
+                                    <a:rPr lang="en-US" altLang="zh-CN" b="0" i="1" smtClean="0">
+                                      <a:latin typeface="Cambria Math" panose="02040503050406030204" pitchFamily="18" charset="0"/>
+                                    </a:rPr>
+                                    <m:t>0</m:t>
+                                  </m:r>
+                                </m:e>
+                              </m:d>
+                              <m:r>
+                                <a:rPr lang="en-US" altLang="zh-CN" b="0" i="1" smtClean="0">
+                                  <a:latin typeface="Cambria Math" panose="02040503050406030204" pitchFamily="18" charset="0"/>
+                                </a:rPr>
+                                <m:t>+</m:t>
+                              </m:r>
+                              <m:r>
+                                <a:rPr lang="en-US" altLang="zh-CN" b="0" i="1" smtClean="0">
+                                  <a:latin typeface="Cambria Math" panose="02040503050406030204" pitchFamily="18" charset="0"/>
+                                </a:rPr>
+                                <m:t>𝑚𝑒𝑟𝑔𝑒</m:t>
+                              </m:r>
+                              <m:d>
+                                <m:dPr>
+                                  <m:ctrlPr>
+                                    <a:rPr lang="en-US" altLang="zh-CN" b="0" i="1" smtClean="0">
+                                      <a:latin typeface="Cambria Math" panose="02040503050406030204" pitchFamily="18" charset="0"/>
+                                    </a:rPr>
+                                  </m:ctrlPr>
+                                </m:dPr>
+                                <m:e>
+                                  <m:r>
+                                    <a:rPr lang="en-US" altLang="zh-CN" b="0" i="1" smtClean="0">
+                                      <a:latin typeface="Cambria Math" panose="02040503050406030204" pitchFamily="18" charset="0"/>
+                                    </a:rPr>
+                                    <m:t> </m:t>
+                                  </m:r>
+                                  <m:r>
+                                    <a:rPr lang="en-US" altLang="zh-CN" b="0" i="1" smtClean="0">
+                                      <a:latin typeface="Cambria Math" panose="02040503050406030204" pitchFamily="18" charset="0"/>
+                                    </a:rPr>
+                                    <m:t>𝑙𝑖𝑠𝑡</m:t>
+                                  </m:r>
+                                  <m:d>
+                                    <m:dPr>
+                                      <m:begChr m:val="["/>
+                                      <m:endChr m:val="]"/>
+                                      <m:ctrlPr>
+                                        <a:rPr lang="en-US" altLang="zh-CN" b="0" i="1" smtClean="0">
+                                          <a:latin typeface="Cambria Math" panose="02040503050406030204" pitchFamily="18" charset="0"/>
+                                        </a:rPr>
+                                      </m:ctrlPr>
+                                    </m:dPr>
+                                    <m:e>
+                                      <m:r>
+                                        <a:rPr lang="en-US" altLang="zh-CN" b="0" i="1" smtClean="0">
+                                          <a:latin typeface="Cambria Math" panose="02040503050406030204" pitchFamily="18" charset="0"/>
+                                        </a:rPr>
+                                        <m:t>1,:</m:t>
+                                      </m:r>
+                                    </m:e>
+                                  </m:d>
+                                  <m:r>
+                                    <a:rPr lang="en-US" altLang="zh-CN" b="0" i="1" smtClean="0">
+                                      <a:latin typeface="Cambria Math" panose="02040503050406030204" pitchFamily="18" charset="0"/>
+                                    </a:rPr>
+                                    <m:t>, </m:t>
+                                  </m:r>
+                                  <m:r>
+                                    <a:rPr lang="en-US" altLang="zh-CN" b="0" i="1" smtClean="0">
+                                      <a:latin typeface="Cambria Math" panose="02040503050406030204" pitchFamily="18" charset="0"/>
+                                    </a:rPr>
+                                    <m:t>𝑙𝑖𝑠𝑡</m:t>
+                                  </m:r>
+                                  <m:r>
+                                    <a:rPr lang="en-US" altLang="zh-CN" b="0" i="1" smtClean="0">
+                                      <a:latin typeface="Cambria Math" panose="02040503050406030204" pitchFamily="18" charset="0"/>
+                                    </a:rPr>
+                                    <m:t>2</m:t>
+                                  </m:r>
+                                </m:e>
+                              </m:d>
+                              <m:r>
+                                <a:rPr lang="en-US" altLang="zh-CN" b="0" i="1" smtClean="0">
+                                  <a:latin typeface="Cambria Math" panose="02040503050406030204" pitchFamily="18" charset="0"/>
+                                </a:rPr>
+                                <m:t>   </m:t>
+                              </m:r>
+                              <m:r>
+                                <a:rPr lang="en-US" altLang="zh-CN" b="0" i="1" smtClean="0">
+                                  <a:latin typeface="Cambria Math" panose="02040503050406030204" pitchFamily="18" charset="0"/>
+                                </a:rPr>
+                                <m:t>𝑙𝑖𝑠𝑡</m:t>
+                              </m:r>
+                              <m:r>
+                                <a:rPr lang="en-US" altLang="zh-CN" b="0" i="1" smtClean="0">
+                                  <a:latin typeface="Cambria Math" panose="02040503050406030204" pitchFamily="18" charset="0"/>
+                                </a:rPr>
+                                <m:t>1</m:t>
+                              </m:r>
+                              <m:d>
+                                <m:dPr>
+                                  <m:begChr m:val="["/>
+                                  <m:endChr m:val="]"/>
+                                  <m:ctrlPr>
+                                    <a:rPr lang="en-US" altLang="zh-CN" b="0" i="1" smtClean="0">
+                                      <a:latin typeface="Cambria Math" panose="02040503050406030204" pitchFamily="18" charset="0"/>
+                                    </a:rPr>
+                                  </m:ctrlPr>
+                                </m:dPr>
+                                <m:e>
+                                  <m:r>
+                                    <a:rPr lang="en-US" altLang="zh-CN" b="0" i="1" smtClean="0">
+                                      <a:latin typeface="Cambria Math" panose="02040503050406030204" pitchFamily="18" charset="0"/>
+                                    </a:rPr>
+                                    <m:t>0</m:t>
+                                  </m:r>
+                                </m:e>
+                              </m:d>
+                              <m:r>
+                                <a:rPr lang="en-US" altLang="zh-CN" b="0" i="1" smtClean="0">
+                                  <a:latin typeface="Cambria Math" panose="02040503050406030204" pitchFamily="18" charset="0"/>
+                                </a:rPr>
+                                <m:t>&lt;</m:t>
+                              </m:r>
+                              <m:r>
+                                <a:rPr lang="en-US" altLang="zh-CN" b="0" i="1" smtClean="0">
+                                  <a:latin typeface="Cambria Math" panose="02040503050406030204" pitchFamily="18" charset="0"/>
+                                </a:rPr>
+                                <m:t>𝑙𝑖𝑠𝑡</m:t>
+                              </m:r>
+                              <m:r>
+                                <a:rPr lang="en-US" altLang="zh-CN" b="0" i="1" smtClean="0">
+                                  <a:latin typeface="Cambria Math" panose="02040503050406030204" pitchFamily="18" charset="0"/>
+                                </a:rPr>
+                                <m:t>2[0]</m:t>
+                              </m:r>
+                            </m:e>
+                            <m:e>
+                              <m:r>
+                                <a:rPr lang="en-US" altLang="zh-CN" b="0" i="1" smtClean="0">
+                                  <a:latin typeface="Cambria Math" panose="02040503050406030204" pitchFamily="18" charset="0"/>
+                                </a:rPr>
+                                <m:t>𝑙𝑖𝑠𝑡</m:t>
+                              </m:r>
+                              <m:r>
+                                <a:rPr lang="en-US" altLang="zh-CN" b="0" i="1" smtClean="0">
+                                  <a:latin typeface="Cambria Math" panose="02040503050406030204" pitchFamily="18" charset="0"/>
+                                </a:rPr>
+                                <m:t>2</m:t>
+                              </m:r>
+                              <m:d>
+                                <m:dPr>
+                                  <m:begChr m:val="["/>
+                                  <m:endChr m:val="]"/>
+                                  <m:ctrlPr>
+                                    <a:rPr lang="en-US" altLang="zh-CN" b="0" i="1" smtClean="0">
+                                      <a:latin typeface="Cambria Math" panose="02040503050406030204" pitchFamily="18" charset="0"/>
+                                    </a:rPr>
+                                  </m:ctrlPr>
+                                </m:dPr>
+                                <m:e>
+                                  <m:r>
+                                    <a:rPr lang="en-US" altLang="zh-CN" b="0" i="1" smtClean="0">
+                                      <a:latin typeface="Cambria Math" panose="02040503050406030204" pitchFamily="18" charset="0"/>
+                                    </a:rPr>
+                                    <m:t>0</m:t>
+                                  </m:r>
+                                </m:e>
+                              </m:d>
+                              <m:r>
+                                <a:rPr lang="en-US" altLang="zh-CN" b="0" i="1" smtClean="0">
+                                  <a:latin typeface="Cambria Math" panose="02040503050406030204" pitchFamily="18" charset="0"/>
+                                </a:rPr>
+                                <m:t>+</m:t>
+                              </m:r>
+                              <m:r>
+                                <a:rPr lang="en-US" altLang="zh-CN" b="0" i="1" smtClean="0">
+                                  <a:latin typeface="Cambria Math" panose="02040503050406030204" pitchFamily="18" charset="0"/>
+                                </a:rPr>
+                                <m:t>𝑚𝑒𝑟𝑔𝑒</m:t>
+                              </m:r>
+                              <m:d>
+                                <m:dPr>
+                                  <m:ctrlPr>
+                                    <a:rPr lang="en-US" altLang="zh-CN" b="0" i="1" smtClean="0">
+                                      <a:latin typeface="Cambria Math" panose="02040503050406030204" pitchFamily="18" charset="0"/>
+                                    </a:rPr>
+                                  </m:ctrlPr>
+                                </m:dPr>
+                                <m:e>
+                                  <m:r>
+                                    <a:rPr lang="en-US" altLang="zh-CN" b="0" i="1" smtClean="0">
+                                      <a:latin typeface="Cambria Math" panose="02040503050406030204" pitchFamily="18" charset="0"/>
+                                    </a:rPr>
+                                    <m:t>𝑙𝑖𝑠𝑡</m:t>
+                                  </m:r>
+                                  <m:r>
+                                    <a:rPr lang="en-US" altLang="zh-CN" b="0" i="1" smtClean="0">
+                                      <a:latin typeface="Cambria Math" panose="02040503050406030204" pitchFamily="18" charset="0"/>
+                                    </a:rPr>
+                                    <m:t>1,</m:t>
+                                  </m:r>
+                                  <m:r>
+                                    <a:rPr lang="en-US" altLang="zh-CN" b="0" i="1" smtClean="0">
+                                      <a:latin typeface="Cambria Math" panose="02040503050406030204" pitchFamily="18" charset="0"/>
+                                    </a:rPr>
+                                    <m:t>𝑙𝑖𝑠𝑡</m:t>
+                                  </m:r>
+                                  <m:d>
+                                    <m:dPr>
+                                      <m:begChr m:val="["/>
+                                      <m:endChr m:val="]"/>
+                                      <m:ctrlPr>
+                                        <a:rPr lang="en-US" altLang="zh-CN" b="0" i="1" smtClean="0">
+                                          <a:latin typeface="Cambria Math" panose="02040503050406030204" pitchFamily="18" charset="0"/>
+                                        </a:rPr>
+                                      </m:ctrlPr>
+                                    </m:dPr>
+                                    <m:e>
+                                      <m:r>
+                                        <a:rPr lang="en-US" altLang="zh-CN" b="0" i="1" smtClean="0">
+                                          <a:latin typeface="Cambria Math" panose="02040503050406030204" pitchFamily="18" charset="0"/>
+                                        </a:rPr>
+                                        <m:t>2</m:t>
+                                      </m:r>
+                                      <m:r>
+                                        <a:rPr lang="en-US" altLang="zh-CN" b="0" i="1" smtClean="0">
+                                          <a:latin typeface="Cambria Math" panose="02040503050406030204" pitchFamily="18" charset="0"/>
+                                        </a:rPr>
+                                        <m:t>,:</m:t>
+                                      </m:r>
+                                    </m:e>
+                                  </m:d>
+                                </m:e>
+                              </m:d>
+                              <m:r>
+                                <a:rPr lang="en-US" altLang="zh-CN" b="0" i="1" smtClean="0">
+                                  <a:latin typeface="Cambria Math" panose="02040503050406030204" pitchFamily="18" charset="0"/>
+                                </a:rPr>
+                                <m:t>                  </m:t>
+                              </m:r>
+                              <m:r>
+                                <a:rPr lang="en-US" altLang="zh-CN" b="0" i="1" smtClean="0">
+                                  <a:latin typeface="Cambria Math" panose="02040503050406030204" pitchFamily="18" charset="0"/>
+                                </a:rPr>
+                                <m:t>𝑜𝑡h𝑒𝑟𝑤𝑖𝑠𝑒</m:t>
+                              </m:r>
+                            </m:e>
+                          </m:eqArr>
+                        </m:e>
+                      </m:d>
+                    </m:oMath>
+                  </m:oMathPara>
+                </a14:m>
+                <a:endParaRPr lang="zh-CN" altLang="en-US" dirty="0"/>
+              </a:p>
+            </p:txBody>
+          </p:sp>
+        </mc:Choice>
+        <mc:Fallback>
+          <p:sp>
+            <p:nvSpPr>
+              <p:cNvPr id="6" name="文本框 5">
+                <a:extLst>
+                  <a:ext uri="{FF2B5EF4-FFF2-40B4-BE49-F238E27FC236}">
+                    <a16:creationId xmlns:a16="http://schemas.microsoft.com/office/drawing/2014/main" id="{9191DA1E-8414-8EA9-ED5E-CC4BFF6A7BBC}"/>
+                  </a:ext>
+                </a:extLst>
+              </p:cNvPr>
+              <p:cNvSpPr txBox="1">
+                <a:spLocks noRot="1" noChangeAspect="1" noMove="1" noResize="1" noEditPoints="1" noAdjustHandles="1" noChangeArrowheads="1" noChangeShapeType="1" noTextEdit="1"/>
+              </p:cNvSpPr>
+              <p:nvPr/>
+            </p:nvSpPr>
+            <p:spPr>
+              <a:xfrm>
+                <a:off x="2223655" y="2989613"/>
+                <a:ext cx="5500417" cy="617861"/>
+              </a:xfrm>
+              <a:prstGeom prst="rect">
+                <a:avLst/>
+              </a:prstGeom>
+              <a:blipFill>
+                <a:blip r:embed="rId2"/>
+                <a:stretch>
+                  <a:fillRect/>
+                </a:stretch>
+              </a:blipFill>
+            </p:spPr>
+            <p:txBody>
+              <a:bodyPr/>
+              <a:lstStyle/>
+              <a:p>
+                <a:r>
+                  <a:rPr lang="zh-CN" altLang="en-US">
+                    <a:noFill/>
+                  </a:rPr>
+                  <a:t> </a:t>
+                </a:r>
+              </a:p>
+            </p:txBody>
+          </p:sp>
+        </mc:Fallback>
+      </mc:AlternateContent>
+    </p:spTree>
+    <p:extLst>
+      <p:ext uri="{BB962C8B-B14F-4D97-AF65-F5344CB8AC3E}">
+        <p14:creationId xmlns:p14="http://schemas.microsoft.com/office/powerpoint/2010/main" val="5435742"/>
+      </p:ext>
+    </p:extLst>
+  </p:cSld>
+  <p:clrMapOvr>
+    <a:masterClrMapping/>
+  </p:clrMapOvr>
+</p:sld>
+</file>
+
+<file path=ppt/slides/slide18.xml><?xml version="1.0" encoding="utf-8"?>
+<p:sld xmlns:a="http://schemas.openxmlformats.org/drawingml/2006/main" xmlns:r="http://schemas.openxmlformats.org/officeDocument/2006/relationships" xmlns:p="http://schemas.openxmlformats.org/presentationml/2006/main">
+  <p:cSld>
+    <p:spTree>
+      <p:nvGrpSpPr>
+        <p:cNvPr id="1" name=""/>
+        <p:cNvGrpSpPr/>
+        <p:nvPr/>
+      </p:nvGrpSpPr>
+      <p:grpSpPr>
+        <a:xfrm>
+          <a:off x="0" y="0"/>
+          <a:ext cx="0" cy="0"/>
+          <a:chOff x="0" y="0"/>
+          <a:chExt cx="0" cy="0"/>
+        </a:xfrm>
+      </p:grpSpPr>
+      <p:grpSp>
+        <p:nvGrpSpPr>
+          <p:cNvPr id="29" name="组合 28">
+            <a:extLst>
+              <a:ext uri="{FF2B5EF4-FFF2-40B4-BE49-F238E27FC236}">
+                <a16:creationId xmlns:a16="http://schemas.microsoft.com/office/drawing/2014/main" id="{D176C835-2E5C-6A5A-DC9D-3C648273A8FB}"/>
+              </a:ext>
+            </a:extLst>
+          </p:cNvPr>
+          <p:cNvGrpSpPr/>
+          <p:nvPr/>
+        </p:nvGrpSpPr>
+        <p:grpSpPr>
+          <a:xfrm>
+            <a:off x="3119031" y="1790395"/>
+            <a:ext cx="3452949" cy="1185570"/>
+            <a:chOff x="3119031" y="1790395"/>
+            <a:chExt cx="3452949" cy="1185570"/>
+          </a:xfrm>
+        </p:grpSpPr>
+        <p:sp>
+          <p:nvSpPr>
+            <p:cNvPr id="6" name="椭圆 5">
+              <a:extLst>
+                <a:ext uri="{FF2B5EF4-FFF2-40B4-BE49-F238E27FC236}">
+                  <a16:creationId xmlns:a16="http://schemas.microsoft.com/office/drawing/2014/main" id="{804822D0-4D57-EFF2-C9BB-FD28594EF007}"/>
+                </a:ext>
+              </a:extLst>
+            </p:cNvPr>
+            <p:cNvSpPr/>
+            <p:nvPr/>
+          </p:nvSpPr>
+          <p:spPr>
+            <a:xfrm>
+              <a:off x="3119031" y="1790395"/>
+              <a:ext cx="576000" cy="576000"/>
+            </a:xfrm>
+            <a:prstGeom prst="ellipse">
+              <a:avLst/>
+            </a:prstGeom>
+            <a:solidFill>
+              <a:schemeClr val="bg1"/>
+            </a:solidFill>
+            <a:ln>
+              <a:solidFill>
+                <a:schemeClr val="tx1"/>
+              </a:solidFill>
+            </a:ln>
+          </p:spPr>
+          <p:style>
+            <a:lnRef idx="2">
+              <a:schemeClr val="accent1">
+                <a:shade val="50000"/>
+              </a:schemeClr>
+            </a:lnRef>
+            <a:fillRef idx="1">
+              <a:schemeClr val="accent1"/>
+            </a:fillRef>
+            <a:effectRef idx="0">
+              <a:schemeClr val="accent1"/>
+            </a:effectRef>
+            <a:fontRef idx="minor">
+              <a:schemeClr val="lt1"/>
+            </a:fontRef>
+          </p:style>
+          <p:txBody>
+            <a:bodyPr rtlCol="0" anchor="ctr"/>
+            <a:lstStyle/>
+            <a:p>
+              <a:pPr algn="ctr"/>
+              <a:r>
+                <a:rPr lang="en-US" altLang="zh-CN" dirty="0">
+                  <a:solidFill>
+                    <a:schemeClr val="tx1"/>
+                  </a:solidFill>
+                </a:rPr>
+                <a:t>3</a:t>
+              </a:r>
+              <a:endParaRPr lang="zh-CN" altLang="en-US" dirty="0">
+                <a:solidFill>
+                  <a:schemeClr val="tx1"/>
+                </a:solidFill>
+              </a:endParaRPr>
+            </a:p>
+          </p:txBody>
+        </p:sp>
+        <p:sp>
+          <p:nvSpPr>
+            <p:cNvPr id="7" name="椭圆 6">
+              <a:extLst>
+                <a:ext uri="{FF2B5EF4-FFF2-40B4-BE49-F238E27FC236}">
+                  <a16:creationId xmlns:a16="http://schemas.microsoft.com/office/drawing/2014/main" id="{293BC3A5-5AF7-929F-733B-5322A41C6651}"/>
+                </a:ext>
+              </a:extLst>
+            </p:cNvPr>
+            <p:cNvSpPr/>
+            <p:nvPr/>
+          </p:nvSpPr>
+          <p:spPr>
+            <a:xfrm>
+              <a:off x="4049265" y="1790395"/>
+              <a:ext cx="576000" cy="576000"/>
+            </a:xfrm>
+            <a:prstGeom prst="ellipse">
+              <a:avLst/>
+            </a:prstGeom>
+            <a:solidFill>
+              <a:schemeClr val="bg1"/>
+            </a:solidFill>
+            <a:ln>
+              <a:solidFill>
+                <a:schemeClr val="tx1"/>
+              </a:solidFill>
+            </a:ln>
+          </p:spPr>
+          <p:style>
+            <a:lnRef idx="2">
+              <a:schemeClr val="accent1">
+                <a:shade val="50000"/>
+              </a:schemeClr>
+            </a:lnRef>
+            <a:fillRef idx="1">
+              <a:schemeClr val="accent1"/>
+            </a:fillRef>
+            <a:effectRef idx="0">
+              <a:schemeClr val="accent1"/>
+            </a:effectRef>
+            <a:fontRef idx="minor">
+              <a:schemeClr val="lt1"/>
+            </a:fontRef>
+          </p:style>
+          <p:txBody>
+            <a:bodyPr rtlCol="0" anchor="ctr"/>
+            <a:lstStyle/>
+            <a:p>
+              <a:pPr algn="ctr"/>
+              <a:r>
+                <a:rPr lang="en-US" altLang="zh-CN" dirty="0">
+                  <a:solidFill>
+                    <a:schemeClr val="tx1"/>
+                  </a:solidFill>
+                </a:rPr>
+                <a:t>4</a:t>
+              </a:r>
+              <a:endParaRPr lang="zh-CN" altLang="en-US" dirty="0">
+                <a:solidFill>
+                  <a:schemeClr val="tx1"/>
+                </a:solidFill>
+              </a:endParaRPr>
+            </a:p>
+          </p:txBody>
+        </p:sp>
+        <p:sp>
+          <p:nvSpPr>
+            <p:cNvPr id="8" name="椭圆 7">
+              <a:extLst>
+                <a:ext uri="{FF2B5EF4-FFF2-40B4-BE49-F238E27FC236}">
+                  <a16:creationId xmlns:a16="http://schemas.microsoft.com/office/drawing/2014/main" id="{12202103-A467-525D-45A1-86B1F1ED873A}"/>
+                </a:ext>
+              </a:extLst>
+            </p:cNvPr>
+            <p:cNvSpPr/>
+            <p:nvPr/>
+          </p:nvSpPr>
+          <p:spPr>
+            <a:xfrm>
+              <a:off x="4979499" y="1790395"/>
+              <a:ext cx="576000" cy="576000"/>
+            </a:xfrm>
+            <a:prstGeom prst="ellipse">
+              <a:avLst/>
+            </a:prstGeom>
+            <a:solidFill>
+              <a:schemeClr val="bg1"/>
+            </a:solidFill>
+            <a:ln>
+              <a:solidFill>
+                <a:schemeClr val="tx1"/>
+              </a:solidFill>
+            </a:ln>
+          </p:spPr>
+          <p:style>
+            <a:lnRef idx="2">
+              <a:schemeClr val="accent1">
+                <a:shade val="50000"/>
+              </a:schemeClr>
+            </a:lnRef>
+            <a:fillRef idx="1">
+              <a:schemeClr val="accent1"/>
+            </a:fillRef>
+            <a:effectRef idx="0">
+              <a:schemeClr val="accent1"/>
+            </a:effectRef>
+            <a:fontRef idx="minor">
+              <a:schemeClr val="lt1"/>
+            </a:fontRef>
+          </p:style>
+          <p:txBody>
+            <a:bodyPr rtlCol="0" anchor="ctr"/>
+            <a:lstStyle/>
+            <a:p>
+              <a:pPr algn="ctr"/>
+              <a:r>
+                <a:rPr lang="en-US" altLang="zh-CN" dirty="0">
+                  <a:solidFill>
+                    <a:schemeClr val="tx1"/>
+                  </a:solidFill>
+                </a:rPr>
+                <a:t>5</a:t>
+              </a:r>
+              <a:endParaRPr lang="zh-CN" altLang="en-US" dirty="0">
+                <a:solidFill>
+                  <a:schemeClr val="tx1"/>
+                </a:solidFill>
+              </a:endParaRPr>
+            </a:p>
+          </p:txBody>
+        </p:sp>
+        <p:sp>
+          <p:nvSpPr>
+            <p:cNvPr id="10" name="椭圆 9">
+              <a:extLst>
+                <a:ext uri="{FF2B5EF4-FFF2-40B4-BE49-F238E27FC236}">
+                  <a16:creationId xmlns:a16="http://schemas.microsoft.com/office/drawing/2014/main" id="{4E92FDB8-8C7E-A3CF-40DB-6EF67705A0DF}"/>
+                </a:ext>
+              </a:extLst>
+            </p:cNvPr>
+            <p:cNvSpPr/>
+            <p:nvPr/>
+          </p:nvSpPr>
+          <p:spPr>
+            <a:xfrm>
+              <a:off x="5909733" y="1790395"/>
+              <a:ext cx="576000" cy="576000"/>
+            </a:xfrm>
+            <a:prstGeom prst="ellipse">
+              <a:avLst/>
+            </a:prstGeom>
+            <a:solidFill>
+              <a:schemeClr val="bg1"/>
+            </a:solidFill>
+            <a:ln>
+              <a:solidFill>
+                <a:schemeClr val="tx1"/>
+              </a:solidFill>
+            </a:ln>
+          </p:spPr>
+          <p:style>
+            <a:lnRef idx="2">
+              <a:schemeClr val="accent1">
+                <a:shade val="50000"/>
+              </a:schemeClr>
+            </a:lnRef>
+            <a:fillRef idx="1">
+              <a:schemeClr val="accent1"/>
+            </a:fillRef>
+            <a:effectRef idx="0">
+              <a:schemeClr val="accent1"/>
+            </a:effectRef>
+            <a:fontRef idx="minor">
+              <a:schemeClr val="lt1"/>
+            </a:fontRef>
+          </p:style>
+          <p:txBody>
+            <a:bodyPr rtlCol="0" anchor="ctr"/>
+            <a:lstStyle/>
+            <a:p>
+              <a:pPr algn="ctr"/>
+              <a:r>
+                <a:rPr lang="en-US" altLang="zh-CN" dirty="0">
+                  <a:solidFill>
+                    <a:schemeClr val="tx1"/>
+                  </a:solidFill>
+                </a:rPr>
+                <a:t>6</a:t>
+              </a:r>
+              <a:endParaRPr lang="zh-CN" altLang="en-US" dirty="0">
+                <a:solidFill>
+                  <a:schemeClr val="tx1"/>
+                </a:solidFill>
+              </a:endParaRPr>
+            </a:p>
+          </p:txBody>
+        </p:sp>
+        <p:cxnSp>
+          <p:nvCxnSpPr>
+            <p:cNvPr id="13" name="直接箭头连接符 12">
+              <a:extLst>
+                <a:ext uri="{FF2B5EF4-FFF2-40B4-BE49-F238E27FC236}">
+                  <a16:creationId xmlns:a16="http://schemas.microsoft.com/office/drawing/2014/main" id="{F7A1C510-5354-40B1-0E70-C510BA0DCF3B}"/>
+                </a:ext>
+              </a:extLst>
+            </p:cNvPr>
+            <p:cNvCxnSpPr>
+              <a:stCxn id="6" idx="7"/>
+              <a:endCxn id="7" idx="1"/>
+            </p:cNvCxnSpPr>
+            <p:nvPr/>
+          </p:nvCxnSpPr>
+          <p:spPr>
+            <a:xfrm>
+              <a:off x="3610678" y="1874748"/>
+              <a:ext cx="522940" cy="0"/>
+            </a:xfrm>
+            <a:prstGeom prst="straightConnector1">
+              <a:avLst/>
+            </a:prstGeom>
+            <a:ln>
+              <a:solidFill>
+                <a:schemeClr val="tx1"/>
+              </a:solidFill>
+              <a:tailEnd type="triangle"/>
+            </a:ln>
+          </p:spPr>
+          <p:style>
+            <a:lnRef idx="1">
+              <a:schemeClr val="accent1"/>
+            </a:lnRef>
+            <a:fillRef idx="0">
+              <a:schemeClr val="accent1"/>
+            </a:fillRef>
+            <a:effectRef idx="0">
+              <a:schemeClr val="accent1"/>
+            </a:effectRef>
+            <a:fontRef idx="minor">
+              <a:schemeClr val="tx1"/>
+            </a:fontRef>
+          </p:style>
+        </p:cxnSp>
+        <p:cxnSp>
+          <p:nvCxnSpPr>
+            <p:cNvPr id="15" name="直接箭头连接符 14">
+              <a:extLst>
+                <a:ext uri="{FF2B5EF4-FFF2-40B4-BE49-F238E27FC236}">
+                  <a16:creationId xmlns:a16="http://schemas.microsoft.com/office/drawing/2014/main" id="{E66CBF21-2071-010C-35B6-13F40E5A1519}"/>
+                </a:ext>
+              </a:extLst>
+            </p:cNvPr>
+            <p:cNvCxnSpPr>
+              <a:stCxn id="7" idx="3"/>
+              <a:endCxn id="6" idx="5"/>
+            </p:cNvCxnSpPr>
+            <p:nvPr/>
+          </p:nvCxnSpPr>
+          <p:spPr>
+            <a:xfrm flipH="1">
+              <a:off x="3610678" y="2282042"/>
+              <a:ext cx="522940" cy="0"/>
+            </a:xfrm>
+            <a:prstGeom prst="straightConnector1">
+              <a:avLst/>
+            </a:prstGeom>
+            <a:ln>
+              <a:solidFill>
+                <a:schemeClr val="tx1"/>
+              </a:solidFill>
+              <a:tailEnd type="triangle"/>
+            </a:ln>
+          </p:spPr>
+          <p:style>
+            <a:lnRef idx="1">
+              <a:schemeClr val="accent1"/>
+            </a:lnRef>
+            <a:fillRef idx="0">
+              <a:schemeClr val="accent1"/>
+            </a:fillRef>
+            <a:effectRef idx="0">
+              <a:schemeClr val="accent1"/>
+            </a:effectRef>
+            <a:fontRef idx="minor">
+              <a:schemeClr val="tx1"/>
+            </a:fontRef>
+          </p:style>
+        </p:cxnSp>
+        <p:cxnSp>
+          <p:nvCxnSpPr>
+            <p:cNvPr id="17" name="直接箭头连接符 16">
+              <a:extLst>
+                <a:ext uri="{FF2B5EF4-FFF2-40B4-BE49-F238E27FC236}">
+                  <a16:creationId xmlns:a16="http://schemas.microsoft.com/office/drawing/2014/main" id="{A023189D-4DBA-7FCA-C59B-1CE95BE62269}"/>
+                </a:ext>
+              </a:extLst>
+            </p:cNvPr>
+            <p:cNvCxnSpPr/>
+            <p:nvPr/>
+          </p:nvCxnSpPr>
+          <p:spPr>
+            <a:xfrm>
+              <a:off x="4534974" y="1874748"/>
+              <a:ext cx="522940" cy="0"/>
+            </a:xfrm>
+            <a:prstGeom prst="straightConnector1">
+              <a:avLst/>
+            </a:prstGeom>
+            <a:ln>
+              <a:solidFill>
+                <a:schemeClr val="tx1"/>
+              </a:solidFill>
+              <a:tailEnd type="triangle"/>
+            </a:ln>
+          </p:spPr>
+          <p:style>
+            <a:lnRef idx="1">
+              <a:schemeClr val="accent1"/>
+            </a:lnRef>
+            <a:fillRef idx="0">
+              <a:schemeClr val="accent1"/>
+            </a:fillRef>
+            <a:effectRef idx="0">
+              <a:schemeClr val="accent1"/>
+            </a:effectRef>
+            <a:fontRef idx="minor">
+              <a:schemeClr val="tx1"/>
+            </a:fontRef>
+          </p:style>
+        </p:cxnSp>
+        <p:cxnSp>
+          <p:nvCxnSpPr>
+            <p:cNvPr id="18" name="直接箭头连接符 17">
+              <a:extLst>
+                <a:ext uri="{FF2B5EF4-FFF2-40B4-BE49-F238E27FC236}">
+                  <a16:creationId xmlns:a16="http://schemas.microsoft.com/office/drawing/2014/main" id="{34C69FD0-4599-A8A0-5187-2548633C0D60}"/>
+                </a:ext>
+              </a:extLst>
+            </p:cNvPr>
+            <p:cNvCxnSpPr/>
+            <p:nvPr/>
+          </p:nvCxnSpPr>
+          <p:spPr>
+            <a:xfrm flipH="1">
+              <a:off x="4534974" y="2282042"/>
+              <a:ext cx="522940" cy="0"/>
+            </a:xfrm>
+            <a:prstGeom prst="straightConnector1">
+              <a:avLst/>
+            </a:prstGeom>
+            <a:ln>
+              <a:solidFill>
+                <a:schemeClr val="tx1"/>
+              </a:solidFill>
+              <a:tailEnd type="triangle"/>
+            </a:ln>
+          </p:spPr>
+          <p:style>
+            <a:lnRef idx="1">
+              <a:schemeClr val="accent1"/>
+            </a:lnRef>
+            <a:fillRef idx="0">
+              <a:schemeClr val="accent1"/>
+            </a:fillRef>
+            <a:effectRef idx="0">
+              <a:schemeClr val="accent1"/>
+            </a:effectRef>
+            <a:fontRef idx="minor">
+              <a:schemeClr val="tx1"/>
+            </a:fontRef>
+          </p:style>
+        </p:cxnSp>
+        <p:cxnSp>
+          <p:nvCxnSpPr>
+            <p:cNvPr id="20" name="直接箭头连接符 19">
+              <a:extLst>
+                <a:ext uri="{FF2B5EF4-FFF2-40B4-BE49-F238E27FC236}">
+                  <a16:creationId xmlns:a16="http://schemas.microsoft.com/office/drawing/2014/main" id="{8679470F-CE93-7FBB-C14E-D624D41FD7B6}"/>
+                </a:ext>
+              </a:extLst>
+            </p:cNvPr>
+            <p:cNvCxnSpPr/>
+            <p:nvPr/>
+          </p:nvCxnSpPr>
+          <p:spPr>
+            <a:xfrm>
+              <a:off x="5465208" y="1874748"/>
+              <a:ext cx="522940" cy="0"/>
+            </a:xfrm>
+            <a:prstGeom prst="straightConnector1">
+              <a:avLst/>
+            </a:prstGeom>
+            <a:ln>
+              <a:solidFill>
+                <a:schemeClr val="tx1"/>
+              </a:solidFill>
+              <a:tailEnd type="triangle"/>
+            </a:ln>
+          </p:spPr>
+          <p:style>
+            <a:lnRef idx="1">
+              <a:schemeClr val="accent1"/>
+            </a:lnRef>
+            <a:fillRef idx="0">
+              <a:schemeClr val="accent1"/>
+            </a:fillRef>
+            <a:effectRef idx="0">
+              <a:schemeClr val="accent1"/>
+            </a:effectRef>
+            <a:fontRef idx="minor">
+              <a:schemeClr val="tx1"/>
+            </a:fontRef>
+          </p:style>
+        </p:cxnSp>
+        <p:cxnSp>
+          <p:nvCxnSpPr>
+            <p:cNvPr id="23" name="直接箭头连接符 22">
+              <a:extLst>
+                <a:ext uri="{FF2B5EF4-FFF2-40B4-BE49-F238E27FC236}">
+                  <a16:creationId xmlns:a16="http://schemas.microsoft.com/office/drawing/2014/main" id="{5256A35B-17A5-D983-CC70-DD9E4F4ACB95}"/>
+                </a:ext>
+              </a:extLst>
+            </p:cNvPr>
+            <p:cNvCxnSpPr/>
+            <p:nvPr/>
+          </p:nvCxnSpPr>
+          <p:spPr>
+            <a:xfrm flipH="1">
+              <a:off x="5465208" y="2282042"/>
+              <a:ext cx="522940" cy="0"/>
+            </a:xfrm>
+            <a:prstGeom prst="straightConnector1">
+              <a:avLst/>
+            </a:prstGeom>
+            <a:ln>
+              <a:solidFill>
+                <a:schemeClr val="tx1"/>
+              </a:solidFill>
+              <a:tailEnd type="triangle"/>
+            </a:ln>
+          </p:spPr>
+          <p:style>
+            <a:lnRef idx="1">
+              <a:schemeClr val="accent1"/>
+            </a:lnRef>
+            <a:fillRef idx="0">
+              <a:schemeClr val="accent1"/>
+            </a:fillRef>
+            <a:effectRef idx="0">
+              <a:schemeClr val="accent1"/>
+            </a:effectRef>
+            <a:fontRef idx="minor">
+              <a:schemeClr val="tx1"/>
+            </a:fontRef>
+          </p:style>
+        </p:cxnSp>
+        <p:sp>
+          <p:nvSpPr>
+            <p:cNvPr id="26" name="文本框 25">
+              <a:extLst>
+                <a:ext uri="{FF2B5EF4-FFF2-40B4-BE49-F238E27FC236}">
+                  <a16:creationId xmlns:a16="http://schemas.microsoft.com/office/drawing/2014/main" id="{74D23B9C-8536-1849-922E-145411C6D59A}"/>
+                </a:ext>
+              </a:extLst>
+            </p:cNvPr>
+            <p:cNvSpPr txBox="1"/>
+            <p:nvPr/>
+          </p:nvSpPr>
+          <p:spPr>
+            <a:xfrm>
+              <a:off x="3119031" y="2606633"/>
+              <a:ext cx="770138" cy="369332"/>
+            </a:xfrm>
+            <a:prstGeom prst="rect">
+              <a:avLst/>
+            </a:prstGeom>
+            <a:noFill/>
+          </p:spPr>
+          <p:txBody>
+            <a:bodyPr wrap="square" rtlCol="0">
+              <a:spAutoFit/>
+            </a:bodyPr>
+            <a:lstStyle/>
+            <a:p>
+              <a:r>
+                <a:rPr lang="en-US" altLang="zh-CN" dirty="0"/>
+                <a:t>Head</a:t>
+              </a:r>
+              <a:endParaRPr lang="zh-CN" altLang="en-US" dirty="0"/>
+            </a:p>
+          </p:txBody>
+        </p:sp>
+        <p:sp>
+          <p:nvSpPr>
+            <p:cNvPr id="28" name="文本框 27">
+              <a:extLst>
+                <a:ext uri="{FF2B5EF4-FFF2-40B4-BE49-F238E27FC236}">
+                  <a16:creationId xmlns:a16="http://schemas.microsoft.com/office/drawing/2014/main" id="{E05CCAF5-5338-9A0C-B042-46345AE5474F}"/>
+                </a:ext>
+              </a:extLst>
+            </p:cNvPr>
+            <p:cNvSpPr txBox="1"/>
+            <p:nvPr/>
+          </p:nvSpPr>
+          <p:spPr>
+            <a:xfrm>
+              <a:off x="5909733" y="2589022"/>
+              <a:ext cx="662247" cy="369332"/>
+            </a:xfrm>
+            <a:prstGeom prst="rect">
+              <a:avLst/>
+            </a:prstGeom>
+            <a:noFill/>
+          </p:spPr>
+          <p:txBody>
+            <a:bodyPr wrap="square" rtlCol="0">
+              <a:spAutoFit/>
+            </a:bodyPr>
+            <a:lstStyle/>
+            <a:p>
+              <a:r>
+                <a:rPr lang="en-US" altLang="zh-CN" dirty="0"/>
+                <a:t>Tail</a:t>
+              </a:r>
+              <a:endParaRPr lang="zh-CN" altLang="en-US" dirty="0"/>
+            </a:p>
+          </p:txBody>
+        </p:sp>
+      </p:grpSp>
+    </p:spTree>
+    <p:extLst>
+      <p:ext uri="{BB962C8B-B14F-4D97-AF65-F5344CB8AC3E}">
+        <p14:creationId xmlns:p14="http://schemas.microsoft.com/office/powerpoint/2010/main" val="3585905405"/>
       </p:ext>
     </p:extLst>
   </p:cSld>

--- a/演示文稿1.pptx
+++ b/演示文稿1.pptx
@@ -23,6 +23,7 @@
     <p:sldId id="271" r:id="rId17"/>
     <p:sldId id="272" r:id="rId18"/>
     <p:sldId id="273" r:id="rId19"/>
+    <p:sldId id="274" r:id="rId20"/>
   </p:sldIdLst>
   <p:sldSz cx="12192000" cy="6858000"/>
   <p:notesSz cx="6858000" cy="9144000"/>
@@ -276,7 +277,7 @@
           <a:p>
             <a:fld id="{9A639C3A-7901-41EA-886D-5788BBF178E7}" type="datetimeFigureOut">
               <a:rPr lang="zh-CN" altLang="en-US" smtClean="0"/>
-              <a:t>2023/2/27</a:t>
+              <a:t>2023/2/28</a:t>
             </a:fld>
             <a:endParaRPr lang="zh-CN" altLang="en-US"/>
           </a:p>
@@ -474,7 +475,7 @@
           <a:p>
             <a:fld id="{9A639C3A-7901-41EA-886D-5788BBF178E7}" type="datetimeFigureOut">
               <a:rPr lang="zh-CN" altLang="en-US" smtClean="0"/>
-              <a:t>2023/2/27</a:t>
+              <a:t>2023/2/28</a:t>
             </a:fld>
             <a:endParaRPr lang="zh-CN" altLang="en-US"/>
           </a:p>
@@ -682,7 +683,7 @@
           <a:p>
             <a:fld id="{9A639C3A-7901-41EA-886D-5788BBF178E7}" type="datetimeFigureOut">
               <a:rPr lang="zh-CN" altLang="en-US" smtClean="0"/>
-              <a:t>2023/2/27</a:t>
+              <a:t>2023/2/28</a:t>
             </a:fld>
             <a:endParaRPr lang="zh-CN" altLang="en-US"/>
           </a:p>
@@ -880,7 +881,7 @@
           <a:p>
             <a:fld id="{9A639C3A-7901-41EA-886D-5788BBF178E7}" type="datetimeFigureOut">
               <a:rPr lang="zh-CN" altLang="en-US" smtClean="0"/>
-              <a:t>2023/2/27</a:t>
+              <a:t>2023/2/28</a:t>
             </a:fld>
             <a:endParaRPr lang="zh-CN" altLang="en-US"/>
           </a:p>
@@ -1155,7 +1156,7 @@
           <a:p>
             <a:fld id="{9A639C3A-7901-41EA-886D-5788BBF178E7}" type="datetimeFigureOut">
               <a:rPr lang="zh-CN" altLang="en-US" smtClean="0"/>
-              <a:t>2023/2/27</a:t>
+              <a:t>2023/2/28</a:t>
             </a:fld>
             <a:endParaRPr lang="zh-CN" altLang="en-US"/>
           </a:p>
@@ -1420,7 +1421,7 @@
           <a:p>
             <a:fld id="{9A639C3A-7901-41EA-886D-5788BBF178E7}" type="datetimeFigureOut">
               <a:rPr lang="zh-CN" altLang="en-US" smtClean="0"/>
-              <a:t>2023/2/27</a:t>
+              <a:t>2023/2/28</a:t>
             </a:fld>
             <a:endParaRPr lang="zh-CN" altLang="en-US"/>
           </a:p>
@@ -1832,7 +1833,7 @@
           <a:p>
             <a:fld id="{9A639C3A-7901-41EA-886D-5788BBF178E7}" type="datetimeFigureOut">
               <a:rPr lang="zh-CN" altLang="en-US" smtClean="0"/>
-              <a:t>2023/2/27</a:t>
+              <a:t>2023/2/28</a:t>
             </a:fld>
             <a:endParaRPr lang="zh-CN" altLang="en-US"/>
           </a:p>
@@ -1973,7 +1974,7 @@
           <a:p>
             <a:fld id="{9A639C3A-7901-41EA-886D-5788BBF178E7}" type="datetimeFigureOut">
               <a:rPr lang="zh-CN" altLang="en-US" smtClean="0"/>
-              <a:t>2023/2/27</a:t>
+              <a:t>2023/2/28</a:t>
             </a:fld>
             <a:endParaRPr lang="zh-CN" altLang="en-US"/>
           </a:p>
@@ -2086,7 +2087,7 @@
           <a:p>
             <a:fld id="{9A639C3A-7901-41EA-886D-5788BBF178E7}" type="datetimeFigureOut">
               <a:rPr lang="zh-CN" altLang="en-US" smtClean="0"/>
-              <a:t>2023/2/27</a:t>
+              <a:t>2023/2/28</a:t>
             </a:fld>
             <a:endParaRPr lang="zh-CN" altLang="en-US"/>
           </a:p>
@@ -2397,7 +2398,7 @@
           <a:p>
             <a:fld id="{9A639C3A-7901-41EA-886D-5788BBF178E7}" type="datetimeFigureOut">
               <a:rPr lang="zh-CN" altLang="en-US" smtClean="0"/>
-              <a:t>2023/2/27</a:t>
+              <a:t>2023/2/28</a:t>
             </a:fld>
             <a:endParaRPr lang="zh-CN" altLang="en-US"/>
           </a:p>
@@ -2685,7 +2686,7 @@
           <a:p>
             <a:fld id="{9A639C3A-7901-41EA-886D-5788BBF178E7}" type="datetimeFigureOut">
               <a:rPr lang="zh-CN" altLang="en-US" smtClean="0"/>
-              <a:t>2023/2/27</a:t>
+              <a:t>2023/2/28</a:t>
             </a:fld>
             <a:endParaRPr lang="zh-CN" altLang="en-US"/>
           </a:p>
@@ -2926,7 +2927,7 @@
           <a:p>
             <a:fld id="{9A639C3A-7901-41EA-886D-5788BBF178E7}" type="datetimeFigureOut">
               <a:rPr lang="zh-CN" altLang="en-US" smtClean="0"/>
-              <a:t>2023/2/27</a:t>
+              <a:t>2023/2/28</a:t>
             </a:fld>
             <a:endParaRPr lang="zh-CN" altLang="en-US"/>
           </a:p>
@@ -10804,8 +10805,8 @@
           <a:chExt cx="0" cy="0"/>
         </a:xfrm>
       </p:grpSpPr>
-      <mc:AlternateContent xmlns:mc="http://schemas.openxmlformats.org/markup-compatibility/2006">
-        <mc:Choice xmlns:a14="http://schemas.microsoft.com/office/drawing/2010/main" Requires="a14">
+      <mc:AlternateContent xmlns:mc="http://schemas.openxmlformats.org/markup-compatibility/2006" xmlns:a14="http://schemas.microsoft.com/office/drawing/2010/main">
+        <mc:Choice Requires="a14">
           <p:sp>
             <p:nvSpPr>
               <p:cNvPr id="6" name="文本框 5">
@@ -10834,6 +10835,7 @@
               </a:bodyPr>
               <a:lstStyle/>
               <a:p>
+                <a:pPr/>
                 <a14:m>
                   <m:oMathPara xmlns:m="http://schemas.openxmlformats.org/officeDocument/2006/math">
                     <m:oMathParaPr>
@@ -11105,13 +11107,7 @@
                                         <a:rPr lang="en-US" altLang="zh-CN" b="0" i="1" smtClean="0">
                                           <a:latin typeface="Cambria Math" panose="02040503050406030204" pitchFamily="18" charset="0"/>
                                         </a:rPr>
-                                        <m:t>2</m:t>
-                                      </m:r>
-                                      <m:r>
-                                        <a:rPr lang="en-US" altLang="zh-CN" b="0" i="1" smtClean="0">
-                                          <a:latin typeface="Cambria Math" panose="02040503050406030204" pitchFamily="18" charset="0"/>
-                                        </a:rPr>
-                                        <m:t>,:</m:t>
+                                        <m:t>2,:</m:t>
                                       </m:r>
                                     </m:e>
                                   </m:d>
@@ -11141,7 +11137,7 @@
             </p:txBody>
           </p:sp>
         </mc:Choice>
-        <mc:Fallback>
+        <mc:Fallback xmlns="">
           <p:sp>
             <p:nvSpPr>
               <p:cNvPr id="6" name="文本框 5">
@@ -11835,6 +11831,467 @@
     <p:extLst>
       <p:ext uri="{BB962C8B-B14F-4D97-AF65-F5344CB8AC3E}">
         <p14:creationId xmlns:p14="http://schemas.microsoft.com/office/powerpoint/2010/main" val="3585905405"/>
+      </p:ext>
+    </p:extLst>
+  </p:cSld>
+  <p:clrMapOvr>
+    <a:masterClrMapping/>
+  </p:clrMapOvr>
+</p:sld>
+</file>
+
+<file path=ppt/slides/slide19.xml><?xml version="1.0" encoding="utf-8"?>
+<p:sld xmlns:a="http://schemas.openxmlformats.org/drawingml/2006/main" xmlns:r="http://schemas.openxmlformats.org/officeDocument/2006/relationships" xmlns:p="http://schemas.openxmlformats.org/presentationml/2006/main">
+  <p:cSld>
+    <p:spTree>
+      <p:nvGrpSpPr>
+        <p:cNvPr id="1" name=""/>
+        <p:cNvGrpSpPr/>
+        <p:nvPr/>
+      </p:nvGrpSpPr>
+      <p:grpSpPr>
+        <a:xfrm>
+          <a:off x="0" y="0"/>
+          <a:ext cx="0" cy="0"/>
+          <a:chOff x="0" y="0"/>
+          <a:chExt cx="0" cy="0"/>
+        </a:xfrm>
+      </p:grpSpPr>
+      <p:grpSp>
+        <p:nvGrpSpPr>
+          <p:cNvPr id="4" name="组合 3">
+            <a:extLst>
+              <a:ext uri="{FF2B5EF4-FFF2-40B4-BE49-F238E27FC236}">
+                <a16:creationId xmlns:a16="http://schemas.microsoft.com/office/drawing/2014/main" id="{58B8258F-5C32-EBEC-533B-9B65C7D9EC7E}"/>
+              </a:ext>
+            </a:extLst>
+          </p:cNvPr>
+          <p:cNvGrpSpPr/>
+          <p:nvPr/>
+        </p:nvGrpSpPr>
+        <p:grpSpPr>
+          <a:xfrm>
+            <a:off x="2553870" y="1514433"/>
+            <a:ext cx="3033763" cy="2168576"/>
+            <a:chOff x="2464595" y="1185863"/>
+            <a:chExt cx="4150518" cy="2771776"/>
+          </a:xfrm>
+        </p:grpSpPr>
+        <p:sp>
+          <p:nvSpPr>
+            <p:cNvPr id="2" name="流程图: 接点 1">
+              <a:extLst>
+                <a:ext uri="{FF2B5EF4-FFF2-40B4-BE49-F238E27FC236}">
+                  <a16:creationId xmlns:a16="http://schemas.microsoft.com/office/drawing/2014/main" id="{C9E3AF43-BE39-D3AC-8B90-7B844B6BCB82}"/>
+                </a:ext>
+              </a:extLst>
+            </p:cNvPr>
+            <p:cNvSpPr/>
+            <p:nvPr/>
+          </p:nvSpPr>
+          <p:spPr>
+            <a:xfrm>
+              <a:off x="4600575" y="1185863"/>
+              <a:ext cx="635793" cy="657225"/>
+            </a:xfrm>
+            <a:prstGeom prst="flowChartConnector">
+              <a:avLst/>
+            </a:prstGeom>
+          </p:spPr>
+          <p:style>
+            <a:lnRef idx="2">
+              <a:schemeClr val="accent1">
+                <a:shade val="50000"/>
+              </a:schemeClr>
+            </a:lnRef>
+            <a:fillRef idx="1">
+              <a:schemeClr val="accent1"/>
+            </a:fillRef>
+            <a:effectRef idx="0">
+              <a:schemeClr val="accent1"/>
+            </a:effectRef>
+            <a:fontRef idx="minor">
+              <a:schemeClr val="lt1"/>
+            </a:fontRef>
+          </p:style>
+          <p:txBody>
+            <a:bodyPr rtlCol="0" anchor="ctr"/>
+            <a:lstStyle/>
+            <a:p>
+              <a:pPr algn="ctr"/>
+              <a:r>
+                <a:rPr lang="en-US" altLang="zh-CN" sz="3600"/>
+                <a:t>1</a:t>
+              </a:r>
+              <a:endParaRPr lang="zh-CN" altLang="en-US" sz="3600"/>
+            </a:p>
+          </p:txBody>
+        </p:sp>
+        <p:sp>
+          <p:nvSpPr>
+            <p:cNvPr id="3" name="流程图: 接点 2">
+              <a:extLst>
+                <a:ext uri="{FF2B5EF4-FFF2-40B4-BE49-F238E27FC236}">
+                  <a16:creationId xmlns:a16="http://schemas.microsoft.com/office/drawing/2014/main" id="{93A4416A-CF9E-B988-38A5-02496F4CC8D7}"/>
+                </a:ext>
+              </a:extLst>
+            </p:cNvPr>
+            <p:cNvSpPr/>
+            <p:nvPr/>
+          </p:nvSpPr>
+          <p:spPr>
+            <a:xfrm>
+              <a:off x="3557588" y="2271713"/>
+              <a:ext cx="635793" cy="657225"/>
+            </a:xfrm>
+            <a:prstGeom prst="flowChartConnector">
+              <a:avLst/>
+            </a:prstGeom>
+          </p:spPr>
+          <p:style>
+            <a:lnRef idx="2">
+              <a:schemeClr val="accent1">
+                <a:shade val="50000"/>
+              </a:schemeClr>
+            </a:lnRef>
+            <a:fillRef idx="1">
+              <a:schemeClr val="accent1"/>
+            </a:fillRef>
+            <a:effectRef idx="0">
+              <a:schemeClr val="accent1"/>
+            </a:effectRef>
+            <a:fontRef idx="minor">
+              <a:schemeClr val="lt1"/>
+            </a:fontRef>
+          </p:style>
+          <p:txBody>
+            <a:bodyPr rtlCol="0" anchor="ctr"/>
+            <a:lstStyle/>
+            <a:p>
+              <a:pPr algn="ctr"/>
+              <a:r>
+                <a:rPr lang="en-US" altLang="zh-CN" sz="3600"/>
+                <a:t>2</a:t>
+              </a:r>
+              <a:endParaRPr lang="zh-CN" altLang="en-US" sz="3600"/>
+            </a:p>
+          </p:txBody>
+        </p:sp>
+        <p:sp>
+          <p:nvSpPr>
+            <p:cNvPr id="10" name="流程图: 接点 9">
+              <a:extLst>
+                <a:ext uri="{FF2B5EF4-FFF2-40B4-BE49-F238E27FC236}">
+                  <a16:creationId xmlns:a16="http://schemas.microsoft.com/office/drawing/2014/main" id="{D5393E2B-2C12-3229-1531-1958BC2540BC}"/>
+                </a:ext>
+              </a:extLst>
+            </p:cNvPr>
+            <p:cNvSpPr/>
+            <p:nvPr/>
+          </p:nvSpPr>
+          <p:spPr>
+            <a:xfrm>
+              <a:off x="5979320" y="2271712"/>
+              <a:ext cx="635793" cy="657225"/>
+            </a:xfrm>
+            <a:prstGeom prst="flowChartConnector">
+              <a:avLst/>
+            </a:prstGeom>
+          </p:spPr>
+          <p:style>
+            <a:lnRef idx="2">
+              <a:schemeClr val="accent1">
+                <a:shade val="50000"/>
+              </a:schemeClr>
+            </a:lnRef>
+            <a:fillRef idx="1">
+              <a:schemeClr val="accent1"/>
+            </a:fillRef>
+            <a:effectRef idx="0">
+              <a:schemeClr val="accent1"/>
+            </a:effectRef>
+            <a:fontRef idx="minor">
+              <a:schemeClr val="lt1"/>
+            </a:fontRef>
+          </p:style>
+          <p:txBody>
+            <a:bodyPr rtlCol="0" anchor="ctr"/>
+            <a:lstStyle/>
+            <a:p>
+              <a:pPr algn="ctr"/>
+              <a:r>
+                <a:rPr lang="en-US" altLang="zh-CN" sz="3600"/>
+                <a:t>3</a:t>
+              </a:r>
+              <a:endParaRPr lang="zh-CN" altLang="en-US" sz="3600"/>
+            </a:p>
+          </p:txBody>
+        </p:sp>
+        <p:cxnSp>
+          <p:nvCxnSpPr>
+            <p:cNvPr id="17" name="直接连接符 16">
+              <a:extLst>
+                <a:ext uri="{FF2B5EF4-FFF2-40B4-BE49-F238E27FC236}">
+                  <a16:creationId xmlns:a16="http://schemas.microsoft.com/office/drawing/2014/main" id="{14FAF2CE-B1F2-0092-402C-8F2024D85880}"/>
+                </a:ext>
+              </a:extLst>
+            </p:cNvPr>
+            <p:cNvCxnSpPr>
+              <a:stCxn id="2" idx="3"/>
+              <a:endCxn id="3" idx="7"/>
+            </p:cNvCxnSpPr>
+            <p:nvPr/>
+          </p:nvCxnSpPr>
+          <p:spPr>
+            <a:xfrm flipH="1">
+              <a:off x="4100271" y="1746840"/>
+              <a:ext cx="593414" cy="621121"/>
+            </a:xfrm>
+            <a:prstGeom prst="line">
+              <a:avLst/>
+            </a:prstGeom>
+            <a:ln w="12700"/>
+          </p:spPr>
+          <p:style>
+            <a:lnRef idx="1">
+              <a:schemeClr val="dk1"/>
+            </a:lnRef>
+            <a:fillRef idx="0">
+              <a:schemeClr val="dk1"/>
+            </a:fillRef>
+            <a:effectRef idx="0">
+              <a:schemeClr val="dk1"/>
+            </a:effectRef>
+            <a:fontRef idx="minor">
+              <a:schemeClr val="tx1"/>
+            </a:fontRef>
+          </p:style>
+        </p:cxnSp>
+        <p:cxnSp>
+          <p:nvCxnSpPr>
+            <p:cNvPr id="23" name="直接连接符 22">
+              <a:extLst>
+                <a:ext uri="{FF2B5EF4-FFF2-40B4-BE49-F238E27FC236}">
+                  <a16:creationId xmlns:a16="http://schemas.microsoft.com/office/drawing/2014/main" id="{71F6EAFF-BA49-4622-FB01-1F53557073A8}"/>
+                </a:ext>
+              </a:extLst>
+            </p:cNvPr>
+            <p:cNvCxnSpPr>
+              <a:stCxn id="2" idx="5"/>
+              <a:endCxn id="10" idx="1"/>
+            </p:cNvCxnSpPr>
+            <p:nvPr/>
+          </p:nvCxnSpPr>
+          <p:spPr>
+            <a:xfrm>
+              <a:off x="5143258" y="1746840"/>
+              <a:ext cx="929172" cy="621120"/>
+            </a:xfrm>
+            <a:prstGeom prst="line">
+              <a:avLst/>
+            </a:prstGeom>
+            <a:ln w="12700"/>
+          </p:spPr>
+          <p:style>
+            <a:lnRef idx="1">
+              <a:schemeClr val="dk1"/>
+            </a:lnRef>
+            <a:fillRef idx="0">
+              <a:schemeClr val="dk1"/>
+            </a:fillRef>
+            <a:effectRef idx="0">
+              <a:schemeClr val="dk1"/>
+            </a:effectRef>
+            <a:fontRef idx="minor">
+              <a:schemeClr val="tx1"/>
+            </a:fontRef>
+          </p:style>
+        </p:cxnSp>
+        <p:sp>
+          <p:nvSpPr>
+            <p:cNvPr id="25" name="流程图: 接点 24">
+              <a:extLst>
+                <a:ext uri="{FF2B5EF4-FFF2-40B4-BE49-F238E27FC236}">
+                  <a16:creationId xmlns:a16="http://schemas.microsoft.com/office/drawing/2014/main" id="{422AFDAA-9411-929C-B053-319695EF4EF8}"/>
+                </a:ext>
+              </a:extLst>
+            </p:cNvPr>
+            <p:cNvSpPr/>
+            <p:nvPr/>
+          </p:nvSpPr>
+          <p:spPr>
+            <a:xfrm>
+              <a:off x="2464595" y="3300414"/>
+              <a:ext cx="635793" cy="657225"/>
+            </a:xfrm>
+            <a:prstGeom prst="flowChartConnector">
+              <a:avLst/>
+            </a:prstGeom>
+          </p:spPr>
+          <p:style>
+            <a:lnRef idx="2">
+              <a:schemeClr val="accent1">
+                <a:shade val="50000"/>
+              </a:schemeClr>
+            </a:lnRef>
+            <a:fillRef idx="1">
+              <a:schemeClr val="accent1"/>
+            </a:fillRef>
+            <a:effectRef idx="0">
+              <a:schemeClr val="accent1"/>
+            </a:effectRef>
+            <a:fontRef idx="minor">
+              <a:schemeClr val="lt1"/>
+            </a:fontRef>
+          </p:style>
+          <p:txBody>
+            <a:bodyPr rtlCol="0" anchor="ctr"/>
+            <a:lstStyle/>
+            <a:p>
+              <a:pPr algn="ctr"/>
+              <a:r>
+                <a:rPr lang="en-US" altLang="zh-CN" sz="3600"/>
+                <a:t>4</a:t>
+              </a:r>
+              <a:endParaRPr lang="zh-CN" altLang="en-US" sz="3600"/>
+            </a:p>
+          </p:txBody>
+        </p:sp>
+        <p:sp>
+          <p:nvSpPr>
+            <p:cNvPr id="26" name="流程图: 接点 25">
+              <a:extLst>
+                <a:ext uri="{FF2B5EF4-FFF2-40B4-BE49-F238E27FC236}">
+                  <a16:creationId xmlns:a16="http://schemas.microsoft.com/office/drawing/2014/main" id="{26197C03-D707-215A-DFC6-0B0C4E361B68}"/>
+                </a:ext>
+              </a:extLst>
+            </p:cNvPr>
+            <p:cNvSpPr/>
+            <p:nvPr/>
+          </p:nvSpPr>
+          <p:spPr>
+            <a:xfrm>
+              <a:off x="3964782" y="3300414"/>
+              <a:ext cx="635793" cy="657225"/>
+            </a:xfrm>
+            <a:prstGeom prst="flowChartConnector">
+              <a:avLst/>
+            </a:prstGeom>
+          </p:spPr>
+          <p:style>
+            <a:lnRef idx="2">
+              <a:schemeClr val="accent1">
+                <a:shade val="50000"/>
+              </a:schemeClr>
+            </a:lnRef>
+            <a:fillRef idx="1">
+              <a:schemeClr val="accent1"/>
+            </a:fillRef>
+            <a:effectRef idx="0">
+              <a:schemeClr val="accent1"/>
+            </a:effectRef>
+            <a:fontRef idx="minor">
+              <a:schemeClr val="lt1"/>
+            </a:fontRef>
+          </p:style>
+          <p:txBody>
+            <a:bodyPr rtlCol="0" anchor="ctr"/>
+            <a:lstStyle/>
+            <a:p>
+              <a:pPr algn="ctr"/>
+              <a:r>
+                <a:rPr lang="en-US" altLang="zh-CN" sz="3600" dirty="0"/>
+                <a:t>5</a:t>
+              </a:r>
+              <a:endParaRPr lang="zh-CN" altLang="en-US" sz="3600" dirty="0"/>
+            </a:p>
+          </p:txBody>
+        </p:sp>
+        <p:cxnSp>
+          <p:nvCxnSpPr>
+            <p:cNvPr id="29" name="直接连接符 28">
+              <a:extLst>
+                <a:ext uri="{FF2B5EF4-FFF2-40B4-BE49-F238E27FC236}">
+                  <a16:creationId xmlns:a16="http://schemas.microsoft.com/office/drawing/2014/main" id="{2FAF4505-0C49-6F85-E05A-F1106C7177EC}"/>
+                </a:ext>
+              </a:extLst>
+            </p:cNvPr>
+            <p:cNvCxnSpPr>
+              <a:stCxn id="3" idx="3"/>
+              <a:endCxn id="25" idx="7"/>
+            </p:cNvCxnSpPr>
+            <p:nvPr/>
+          </p:nvCxnSpPr>
+          <p:spPr>
+            <a:xfrm flipH="1">
+              <a:off x="3007278" y="2832690"/>
+              <a:ext cx="643420" cy="563972"/>
+            </a:xfrm>
+            <a:prstGeom prst="line">
+              <a:avLst/>
+            </a:prstGeom>
+            <a:ln w="12700"/>
+          </p:spPr>
+          <p:style>
+            <a:lnRef idx="1">
+              <a:schemeClr val="dk1"/>
+            </a:lnRef>
+            <a:fillRef idx="0">
+              <a:schemeClr val="dk1"/>
+            </a:fillRef>
+            <a:effectRef idx="0">
+              <a:schemeClr val="dk1"/>
+            </a:effectRef>
+            <a:fontRef idx="minor">
+              <a:schemeClr val="tx1"/>
+            </a:fontRef>
+          </p:style>
+        </p:cxnSp>
+        <p:cxnSp>
+          <p:nvCxnSpPr>
+            <p:cNvPr id="46" name="直接连接符 45">
+              <a:extLst>
+                <a:ext uri="{FF2B5EF4-FFF2-40B4-BE49-F238E27FC236}">
+                  <a16:creationId xmlns:a16="http://schemas.microsoft.com/office/drawing/2014/main" id="{283BE321-D0D2-715E-C172-74B36E510FCF}"/>
+                </a:ext>
+              </a:extLst>
+            </p:cNvPr>
+            <p:cNvCxnSpPr>
+              <a:cxnSpLocks/>
+              <a:endCxn id="26" idx="0"/>
+            </p:cNvCxnSpPr>
+            <p:nvPr/>
+          </p:nvCxnSpPr>
+          <p:spPr>
+            <a:xfrm>
+              <a:off x="3918765" y="2928936"/>
+              <a:ext cx="363914" cy="371478"/>
+            </a:xfrm>
+            <a:prstGeom prst="line">
+              <a:avLst/>
+            </a:prstGeom>
+            <a:ln w="12700"/>
+          </p:spPr>
+          <p:style>
+            <a:lnRef idx="1">
+              <a:schemeClr val="dk1"/>
+            </a:lnRef>
+            <a:fillRef idx="0">
+              <a:schemeClr val="dk1"/>
+            </a:fillRef>
+            <a:effectRef idx="0">
+              <a:schemeClr val="dk1"/>
+            </a:effectRef>
+            <a:fontRef idx="minor">
+              <a:schemeClr val="tx1"/>
+            </a:fontRef>
+          </p:style>
+        </p:cxnSp>
+      </p:grpSp>
+    </p:spTree>
+    <p:extLst>
+      <p:ext uri="{BB962C8B-B14F-4D97-AF65-F5344CB8AC3E}">
+        <p14:creationId xmlns:p14="http://schemas.microsoft.com/office/powerpoint/2010/main" val="2723758443"/>
       </p:ext>
     </p:extLst>
   </p:cSld>
@@ -14728,10 +15185,10 @@
             <a:p>
               <a:pPr algn="ctr"/>
               <a:r>
-                <a:rPr lang="en-US" altLang="zh-CN" sz="3600"/>
+                <a:rPr lang="en-US" altLang="zh-CN" sz="3600" dirty="0"/>
                 <a:t>5</a:t>
               </a:r>
-              <a:endParaRPr lang="zh-CN" altLang="en-US" sz="3600"/>
+              <a:endParaRPr lang="zh-CN" altLang="en-US" sz="3600" dirty="0"/>
             </a:p>
           </p:txBody>
         </p:sp>

--- a/演示文稿1.pptx
+++ b/演示文稿1.pptx
@@ -24,6 +24,7 @@
     <p:sldId id="272" r:id="rId18"/>
     <p:sldId id="273" r:id="rId19"/>
     <p:sldId id="274" r:id="rId20"/>
+    <p:sldId id="275" r:id="rId21"/>
   </p:sldIdLst>
   <p:sldSz cx="12192000" cy="6858000"/>
   <p:notesSz cx="6858000" cy="9144000"/>
@@ -13520,6 +13521,1198 @@
 </p:sld>
 </file>
 
+<file path=ppt/slides/slide20.xml><?xml version="1.0" encoding="utf-8"?>
+<p:sld xmlns:a="http://schemas.openxmlformats.org/drawingml/2006/main" xmlns:r="http://schemas.openxmlformats.org/officeDocument/2006/relationships" xmlns:p="http://schemas.openxmlformats.org/presentationml/2006/main">
+  <p:cSld>
+    <p:spTree>
+      <p:nvGrpSpPr>
+        <p:cNvPr id="1" name=""/>
+        <p:cNvGrpSpPr/>
+        <p:nvPr/>
+      </p:nvGrpSpPr>
+      <p:grpSpPr>
+        <a:xfrm>
+          <a:off x="0" y="0"/>
+          <a:ext cx="0" cy="0"/>
+          <a:chOff x="0" y="0"/>
+          <a:chExt cx="0" cy="0"/>
+        </a:xfrm>
+      </p:grpSpPr>
+      <p:cxnSp>
+        <p:nvCxnSpPr>
+          <p:cNvPr id="40" name="直接连接符 39">
+            <a:extLst>
+              <a:ext uri="{FF2B5EF4-FFF2-40B4-BE49-F238E27FC236}">
+                <a16:creationId xmlns:a16="http://schemas.microsoft.com/office/drawing/2014/main" id="{2DC1F159-A815-9769-68BB-6FC658567376}"/>
+              </a:ext>
+            </a:extLst>
+          </p:cNvPr>
+          <p:cNvCxnSpPr/>
+          <p:nvPr/>
+        </p:nvCxnSpPr>
+        <p:spPr>
+          <a:xfrm flipH="1">
+            <a:off x="8425709" y="1204607"/>
+            <a:ext cx="444771" cy="463929"/>
+          </a:xfrm>
+          <a:prstGeom prst="line">
+            <a:avLst/>
+          </a:prstGeom>
+          <a:ln w="12700"/>
+        </p:spPr>
+        <p:style>
+          <a:lnRef idx="1">
+            <a:schemeClr val="dk1"/>
+          </a:lnRef>
+          <a:fillRef idx="0">
+            <a:schemeClr val="dk1"/>
+          </a:fillRef>
+          <a:effectRef idx="0">
+            <a:schemeClr val="dk1"/>
+          </a:effectRef>
+          <a:fontRef idx="minor">
+            <a:schemeClr val="tx1"/>
+          </a:fontRef>
+        </p:style>
+      </p:cxnSp>
+      <p:cxnSp>
+        <p:nvCxnSpPr>
+          <p:cNvPr id="41" name="直接连接符 40">
+            <a:extLst>
+              <a:ext uri="{FF2B5EF4-FFF2-40B4-BE49-F238E27FC236}">
+                <a16:creationId xmlns:a16="http://schemas.microsoft.com/office/drawing/2014/main" id="{BF78AA9C-2897-1068-85C6-590FE421C556}"/>
+              </a:ext>
+            </a:extLst>
+          </p:cNvPr>
+          <p:cNvCxnSpPr/>
+          <p:nvPr/>
+        </p:nvCxnSpPr>
+        <p:spPr>
+          <a:xfrm flipH="1">
+            <a:off x="8578109" y="1357007"/>
+            <a:ext cx="444771" cy="463929"/>
+          </a:xfrm>
+          <a:prstGeom prst="line">
+            <a:avLst/>
+          </a:prstGeom>
+          <a:ln w="12700"/>
+        </p:spPr>
+        <p:style>
+          <a:lnRef idx="1">
+            <a:schemeClr val="dk1"/>
+          </a:lnRef>
+          <a:fillRef idx="0">
+            <a:schemeClr val="dk1"/>
+          </a:fillRef>
+          <a:effectRef idx="0">
+            <a:schemeClr val="dk1"/>
+          </a:effectRef>
+          <a:fontRef idx="minor">
+            <a:schemeClr val="tx1"/>
+          </a:fontRef>
+        </p:style>
+      </p:cxnSp>
+      <p:cxnSp>
+        <p:nvCxnSpPr>
+          <p:cNvPr id="42" name="直接连接符 41">
+            <a:extLst>
+              <a:ext uri="{FF2B5EF4-FFF2-40B4-BE49-F238E27FC236}">
+                <a16:creationId xmlns:a16="http://schemas.microsoft.com/office/drawing/2014/main" id="{D79B3B0E-79D2-E174-EE8B-04EF22BA51E3}"/>
+              </a:ext>
+            </a:extLst>
+          </p:cNvPr>
+          <p:cNvCxnSpPr/>
+          <p:nvPr/>
+        </p:nvCxnSpPr>
+        <p:spPr>
+          <a:xfrm flipH="1">
+            <a:off x="8730509" y="1509407"/>
+            <a:ext cx="444771" cy="463929"/>
+          </a:xfrm>
+          <a:prstGeom prst="line">
+            <a:avLst/>
+          </a:prstGeom>
+          <a:ln w="12700"/>
+        </p:spPr>
+        <p:style>
+          <a:lnRef idx="1">
+            <a:schemeClr val="dk1"/>
+          </a:lnRef>
+          <a:fillRef idx="0">
+            <a:schemeClr val="dk1"/>
+          </a:fillRef>
+          <a:effectRef idx="0">
+            <a:schemeClr val="dk1"/>
+          </a:effectRef>
+          <a:fontRef idx="minor">
+            <a:schemeClr val="tx1"/>
+          </a:fontRef>
+        </p:style>
+      </p:cxnSp>
+      <p:cxnSp>
+        <p:nvCxnSpPr>
+          <p:cNvPr id="43" name="直接连接符 42">
+            <a:extLst>
+              <a:ext uri="{FF2B5EF4-FFF2-40B4-BE49-F238E27FC236}">
+                <a16:creationId xmlns:a16="http://schemas.microsoft.com/office/drawing/2014/main" id="{37D61DB0-83D9-9757-910B-423022A80F81}"/>
+              </a:ext>
+            </a:extLst>
+          </p:cNvPr>
+          <p:cNvCxnSpPr/>
+          <p:nvPr/>
+        </p:nvCxnSpPr>
+        <p:spPr>
+          <a:xfrm flipH="1">
+            <a:off x="8882909" y="1661807"/>
+            <a:ext cx="444771" cy="463929"/>
+          </a:xfrm>
+          <a:prstGeom prst="line">
+            <a:avLst/>
+          </a:prstGeom>
+          <a:ln w="12700"/>
+        </p:spPr>
+        <p:style>
+          <a:lnRef idx="1">
+            <a:schemeClr val="dk1"/>
+          </a:lnRef>
+          <a:fillRef idx="0">
+            <a:schemeClr val="dk1"/>
+          </a:fillRef>
+          <a:effectRef idx="0">
+            <a:schemeClr val="dk1"/>
+          </a:effectRef>
+          <a:fontRef idx="minor">
+            <a:schemeClr val="tx1"/>
+          </a:fontRef>
+        </p:style>
+      </p:cxnSp>
+      <p:cxnSp>
+        <p:nvCxnSpPr>
+          <p:cNvPr id="47" name="直接连接符 46">
+            <a:extLst>
+              <a:ext uri="{FF2B5EF4-FFF2-40B4-BE49-F238E27FC236}">
+                <a16:creationId xmlns:a16="http://schemas.microsoft.com/office/drawing/2014/main" id="{4C3CA19B-6F1D-C501-ED21-0E83D0A2B0A9}"/>
+              </a:ext>
+            </a:extLst>
+          </p:cNvPr>
+          <p:cNvCxnSpPr/>
+          <p:nvPr/>
+        </p:nvCxnSpPr>
+        <p:spPr>
+          <a:xfrm>
+            <a:off x="11091055" y="926727"/>
+            <a:ext cx="679165" cy="485950"/>
+          </a:xfrm>
+          <a:prstGeom prst="line">
+            <a:avLst/>
+          </a:prstGeom>
+          <a:ln w="12700"/>
+        </p:spPr>
+        <p:style>
+          <a:lnRef idx="1">
+            <a:schemeClr val="dk1"/>
+          </a:lnRef>
+          <a:fillRef idx="0">
+            <a:schemeClr val="dk1"/>
+          </a:fillRef>
+          <a:effectRef idx="0">
+            <a:schemeClr val="dk1"/>
+          </a:effectRef>
+          <a:fontRef idx="minor">
+            <a:schemeClr val="tx1"/>
+          </a:fontRef>
+        </p:style>
+      </p:cxnSp>
+      <p:cxnSp>
+        <p:nvCxnSpPr>
+          <p:cNvPr id="48" name="直接连接符 47">
+            <a:extLst>
+              <a:ext uri="{FF2B5EF4-FFF2-40B4-BE49-F238E27FC236}">
+                <a16:creationId xmlns:a16="http://schemas.microsoft.com/office/drawing/2014/main" id="{278CF451-D45A-8D2F-7F2F-D9495EA437F1}"/>
+              </a:ext>
+            </a:extLst>
+          </p:cNvPr>
+          <p:cNvCxnSpPr/>
+          <p:nvPr/>
+        </p:nvCxnSpPr>
+        <p:spPr>
+          <a:xfrm>
+            <a:off x="11243455" y="1079127"/>
+            <a:ext cx="679165" cy="485950"/>
+          </a:xfrm>
+          <a:prstGeom prst="line">
+            <a:avLst/>
+          </a:prstGeom>
+          <a:ln w="12700"/>
+        </p:spPr>
+        <p:style>
+          <a:lnRef idx="1">
+            <a:schemeClr val="dk1"/>
+          </a:lnRef>
+          <a:fillRef idx="0">
+            <a:schemeClr val="dk1"/>
+          </a:fillRef>
+          <a:effectRef idx="0">
+            <a:schemeClr val="dk1"/>
+          </a:effectRef>
+          <a:fontRef idx="minor">
+            <a:schemeClr val="tx1"/>
+          </a:fontRef>
+        </p:style>
+      </p:cxnSp>
+      <p:grpSp>
+        <p:nvGrpSpPr>
+          <p:cNvPr id="75" name="组合 74">
+            <a:extLst>
+              <a:ext uri="{FF2B5EF4-FFF2-40B4-BE49-F238E27FC236}">
+                <a16:creationId xmlns:a16="http://schemas.microsoft.com/office/drawing/2014/main" id="{29C98B2A-DDC8-3960-FA97-418E7687ADE8}"/>
+              </a:ext>
+            </a:extLst>
+          </p:cNvPr>
+          <p:cNvGrpSpPr/>
+          <p:nvPr/>
+        </p:nvGrpSpPr>
+        <p:grpSpPr>
+          <a:xfrm>
+            <a:off x="1188608" y="1758959"/>
+            <a:ext cx="4352304" cy="3833023"/>
+            <a:chOff x="1188608" y="1758959"/>
+            <a:chExt cx="4352304" cy="3833023"/>
+          </a:xfrm>
+        </p:grpSpPr>
+        <p:sp>
+          <p:nvSpPr>
+            <p:cNvPr id="9" name="流程图: 接点 8">
+              <a:extLst>
+                <a:ext uri="{FF2B5EF4-FFF2-40B4-BE49-F238E27FC236}">
+                  <a16:creationId xmlns:a16="http://schemas.microsoft.com/office/drawing/2014/main" id="{60EAF6BC-EB17-0EBF-F7CB-BBD1276DB2C0}"/>
+                </a:ext>
+              </a:extLst>
+            </p:cNvPr>
+            <p:cNvSpPr/>
+            <p:nvPr/>
+          </p:nvSpPr>
+          <p:spPr>
+            <a:xfrm>
+              <a:off x="1994029" y="1758959"/>
+              <a:ext cx="540000" cy="540000"/>
+            </a:xfrm>
+            <a:prstGeom prst="flowChartConnector">
+              <a:avLst/>
+            </a:prstGeom>
+          </p:spPr>
+          <p:style>
+            <a:lnRef idx="2">
+              <a:schemeClr val="accent1">
+                <a:shade val="50000"/>
+              </a:schemeClr>
+            </a:lnRef>
+            <a:fillRef idx="1">
+              <a:schemeClr val="accent1"/>
+            </a:fillRef>
+            <a:effectRef idx="0">
+              <a:schemeClr val="accent1"/>
+            </a:effectRef>
+            <a:fontRef idx="minor">
+              <a:schemeClr val="lt1"/>
+            </a:fontRef>
+          </p:style>
+          <p:txBody>
+            <a:bodyPr rtlCol="0" anchor="ctr"/>
+            <a:lstStyle/>
+            <a:p>
+              <a:pPr algn="ctr"/>
+              <a:endParaRPr lang="zh-CN" altLang="en-US" sz="3600" dirty="0"/>
+            </a:p>
+          </p:txBody>
+        </p:sp>
+        <p:cxnSp>
+          <p:nvCxnSpPr>
+            <p:cNvPr id="11" name="直接连接符 10">
+              <a:extLst>
+                <a:ext uri="{FF2B5EF4-FFF2-40B4-BE49-F238E27FC236}">
+                  <a16:creationId xmlns:a16="http://schemas.microsoft.com/office/drawing/2014/main" id="{2A5313EE-EA0F-D12F-6D19-15CA18DF8FED}"/>
+                </a:ext>
+              </a:extLst>
+            </p:cNvPr>
+            <p:cNvCxnSpPr>
+              <a:cxnSpLocks/>
+              <a:stCxn id="9" idx="3"/>
+            </p:cNvCxnSpPr>
+            <p:nvPr/>
+          </p:nvCxnSpPr>
+          <p:spPr>
+            <a:xfrm flipH="1">
+              <a:off x="1616639" y="2219878"/>
+              <a:ext cx="456471" cy="376745"/>
+            </a:xfrm>
+            <a:prstGeom prst="line">
+              <a:avLst/>
+            </a:prstGeom>
+            <a:ln w="12700"/>
+          </p:spPr>
+          <p:style>
+            <a:lnRef idx="1">
+              <a:schemeClr val="dk1"/>
+            </a:lnRef>
+            <a:fillRef idx="0">
+              <a:schemeClr val="dk1"/>
+            </a:fillRef>
+            <a:effectRef idx="0">
+              <a:schemeClr val="dk1"/>
+            </a:effectRef>
+            <a:fontRef idx="minor">
+              <a:schemeClr val="tx1"/>
+            </a:fontRef>
+          </p:style>
+        </p:cxnSp>
+        <p:sp>
+          <p:nvSpPr>
+            <p:cNvPr id="24" name="流程图: 接点 23">
+              <a:extLst>
+                <a:ext uri="{FF2B5EF4-FFF2-40B4-BE49-F238E27FC236}">
+                  <a16:creationId xmlns:a16="http://schemas.microsoft.com/office/drawing/2014/main" id="{DDE0009D-E9D5-DCD0-F398-5A01B700554A}"/>
+                </a:ext>
+              </a:extLst>
+            </p:cNvPr>
+            <p:cNvSpPr/>
+            <p:nvPr/>
+          </p:nvSpPr>
+          <p:spPr>
+            <a:xfrm>
+              <a:off x="1188608" y="2532244"/>
+              <a:ext cx="540000" cy="540000"/>
+            </a:xfrm>
+            <a:prstGeom prst="flowChartConnector">
+              <a:avLst/>
+            </a:prstGeom>
+          </p:spPr>
+          <p:style>
+            <a:lnRef idx="2">
+              <a:schemeClr val="accent1">
+                <a:shade val="50000"/>
+              </a:schemeClr>
+            </a:lnRef>
+            <a:fillRef idx="1">
+              <a:schemeClr val="accent1"/>
+            </a:fillRef>
+            <a:effectRef idx="0">
+              <a:schemeClr val="accent1"/>
+            </a:effectRef>
+            <a:fontRef idx="minor">
+              <a:schemeClr val="lt1"/>
+            </a:fontRef>
+          </p:style>
+          <p:txBody>
+            <a:bodyPr rtlCol="0" anchor="ctr"/>
+            <a:lstStyle/>
+            <a:p>
+              <a:pPr algn="ctr"/>
+              <a:r>
+                <a:rPr lang="en-US" altLang="zh-CN" sz="1500" dirty="0"/>
+                <a:t>15</a:t>
+              </a:r>
+              <a:endParaRPr lang="zh-CN" altLang="en-US" sz="1500" dirty="0"/>
+            </a:p>
+          </p:txBody>
+        </p:sp>
+        <p:sp>
+          <p:nvSpPr>
+            <p:cNvPr id="27" name="流程图: 接点 26">
+              <a:extLst>
+                <a:ext uri="{FF2B5EF4-FFF2-40B4-BE49-F238E27FC236}">
+                  <a16:creationId xmlns:a16="http://schemas.microsoft.com/office/drawing/2014/main" id="{985E1609-808E-DCB8-6912-CD991FC5955D}"/>
+                </a:ext>
+              </a:extLst>
+            </p:cNvPr>
+            <p:cNvSpPr/>
+            <p:nvPr/>
+          </p:nvSpPr>
+          <p:spPr>
+            <a:xfrm>
+              <a:off x="1877488" y="5051982"/>
+              <a:ext cx="540000" cy="540000"/>
+            </a:xfrm>
+            <a:prstGeom prst="flowChartConnector">
+              <a:avLst/>
+            </a:prstGeom>
+          </p:spPr>
+          <p:style>
+            <a:lnRef idx="2">
+              <a:schemeClr val="accent1">
+                <a:shade val="50000"/>
+              </a:schemeClr>
+            </a:lnRef>
+            <a:fillRef idx="1">
+              <a:schemeClr val="accent1"/>
+            </a:fillRef>
+            <a:effectRef idx="0">
+              <a:schemeClr val="accent1"/>
+            </a:effectRef>
+            <a:fontRef idx="minor">
+              <a:schemeClr val="lt1"/>
+            </a:fontRef>
+          </p:style>
+          <p:txBody>
+            <a:bodyPr rtlCol="0" anchor="ctr"/>
+            <a:lstStyle/>
+            <a:p>
+              <a:pPr algn="ctr"/>
+              <a:r>
+                <a:rPr lang="en-US" altLang="zh-CN" sz="3600" dirty="0"/>
+                <a:t>2</a:t>
+              </a:r>
+              <a:endParaRPr lang="zh-CN" altLang="en-US" sz="3600" dirty="0"/>
+            </a:p>
+          </p:txBody>
+        </p:sp>
+        <p:sp>
+          <p:nvSpPr>
+            <p:cNvPr id="28" name="流程图: 接点 27">
+              <a:extLst>
+                <a:ext uri="{FF2B5EF4-FFF2-40B4-BE49-F238E27FC236}">
+                  <a16:creationId xmlns:a16="http://schemas.microsoft.com/office/drawing/2014/main" id="{14474661-1FE6-2F0D-9322-91008C5D7F07}"/>
+                </a:ext>
+              </a:extLst>
+            </p:cNvPr>
+            <p:cNvSpPr/>
+            <p:nvPr/>
+          </p:nvSpPr>
+          <p:spPr>
+            <a:xfrm>
+              <a:off x="3310194" y="5051982"/>
+              <a:ext cx="540000" cy="540000"/>
+            </a:xfrm>
+            <a:prstGeom prst="flowChartConnector">
+              <a:avLst/>
+            </a:prstGeom>
+          </p:spPr>
+          <p:style>
+            <a:lnRef idx="2">
+              <a:schemeClr val="accent1">
+                <a:shade val="50000"/>
+              </a:schemeClr>
+            </a:lnRef>
+            <a:fillRef idx="1">
+              <a:schemeClr val="accent1"/>
+            </a:fillRef>
+            <a:effectRef idx="0">
+              <a:schemeClr val="accent1"/>
+            </a:effectRef>
+            <a:fontRef idx="minor">
+              <a:schemeClr val="lt1"/>
+            </a:fontRef>
+          </p:style>
+          <p:txBody>
+            <a:bodyPr rtlCol="0" anchor="ctr"/>
+            <a:lstStyle/>
+            <a:p>
+              <a:pPr algn="ctr"/>
+              <a:r>
+                <a:rPr lang="en-US" altLang="zh-CN" sz="3600" dirty="0"/>
+                <a:t>3</a:t>
+              </a:r>
+              <a:endParaRPr lang="zh-CN" altLang="en-US" sz="3600" dirty="0"/>
+            </a:p>
+          </p:txBody>
+        </p:sp>
+        <p:sp>
+          <p:nvSpPr>
+            <p:cNvPr id="30" name="流程图: 接点 29">
+              <a:extLst>
+                <a:ext uri="{FF2B5EF4-FFF2-40B4-BE49-F238E27FC236}">
+                  <a16:creationId xmlns:a16="http://schemas.microsoft.com/office/drawing/2014/main" id="{CE0F4CEA-57E1-7B38-2C61-C10B722562E7}"/>
+                </a:ext>
+              </a:extLst>
+            </p:cNvPr>
+            <p:cNvSpPr/>
+            <p:nvPr/>
+          </p:nvSpPr>
+          <p:spPr>
+            <a:xfrm>
+              <a:off x="5000912" y="4164730"/>
+              <a:ext cx="540000" cy="540000"/>
+            </a:xfrm>
+            <a:prstGeom prst="flowChartConnector">
+              <a:avLst/>
+            </a:prstGeom>
+          </p:spPr>
+          <p:style>
+            <a:lnRef idx="2">
+              <a:schemeClr val="accent1">
+                <a:shade val="50000"/>
+              </a:schemeClr>
+            </a:lnRef>
+            <a:fillRef idx="1">
+              <a:schemeClr val="accent1"/>
+            </a:fillRef>
+            <a:effectRef idx="0">
+              <a:schemeClr val="accent1"/>
+            </a:effectRef>
+            <a:fontRef idx="minor">
+              <a:schemeClr val="lt1"/>
+            </a:fontRef>
+          </p:style>
+          <p:txBody>
+            <a:bodyPr rtlCol="0" anchor="ctr"/>
+            <a:lstStyle/>
+            <a:p>
+              <a:pPr algn="ctr"/>
+              <a:r>
+                <a:rPr lang="en-US" altLang="zh-CN" sz="3600" dirty="0"/>
+                <a:t>8</a:t>
+              </a:r>
+              <a:endParaRPr lang="zh-CN" altLang="en-US" sz="3600" dirty="0"/>
+            </a:p>
+          </p:txBody>
+        </p:sp>
+        <p:sp>
+          <p:nvSpPr>
+            <p:cNvPr id="31" name="流程图: 接点 30">
+              <a:extLst>
+                <a:ext uri="{FF2B5EF4-FFF2-40B4-BE49-F238E27FC236}">
+                  <a16:creationId xmlns:a16="http://schemas.microsoft.com/office/drawing/2014/main" id="{4608AF71-044F-4211-4F10-1C0DCEE713B9}"/>
+                </a:ext>
+              </a:extLst>
+            </p:cNvPr>
+            <p:cNvSpPr/>
+            <p:nvPr/>
+          </p:nvSpPr>
+          <p:spPr>
+            <a:xfrm>
+              <a:off x="2959585" y="2524511"/>
+              <a:ext cx="540000" cy="540000"/>
+            </a:xfrm>
+            <a:prstGeom prst="flowChartConnector">
+              <a:avLst/>
+            </a:prstGeom>
+          </p:spPr>
+          <p:style>
+            <a:lnRef idx="2">
+              <a:schemeClr val="accent1">
+                <a:shade val="50000"/>
+              </a:schemeClr>
+            </a:lnRef>
+            <a:fillRef idx="1">
+              <a:schemeClr val="accent1"/>
+            </a:fillRef>
+            <a:effectRef idx="0">
+              <a:schemeClr val="accent1"/>
+            </a:effectRef>
+            <a:fontRef idx="minor">
+              <a:schemeClr val="lt1"/>
+            </a:fontRef>
+          </p:style>
+          <p:txBody>
+            <a:bodyPr rtlCol="0" anchor="ctr"/>
+            <a:lstStyle/>
+            <a:p>
+              <a:pPr algn="ctr"/>
+              <a:endParaRPr lang="zh-CN" altLang="en-US" sz="3600" dirty="0"/>
+            </a:p>
+          </p:txBody>
+        </p:sp>
+        <p:sp>
+          <p:nvSpPr>
+            <p:cNvPr id="32" name="流程图: 接点 31">
+              <a:extLst>
+                <a:ext uri="{FF2B5EF4-FFF2-40B4-BE49-F238E27FC236}">
+                  <a16:creationId xmlns:a16="http://schemas.microsoft.com/office/drawing/2014/main" id="{0A090065-85EE-A19C-3FC3-5DE10402E26E}"/>
+                </a:ext>
+              </a:extLst>
+            </p:cNvPr>
+            <p:cNvSpPr/>
+            <p:nvPr/>
+          </p:nvSpPr>
+          <p:spPr>
+            <a:xfrm>
+              <a:off x="2023662" y="3298809"/>
+              <a:ext cx="540000" cy="540000"/>
+            </a:xfrm>
+            <a:prstGeom prst="flowChartConnector">
+              <a:avLst/>
+            </a:prstGeom>
+          </p:spPr>
+          <p:style>
+            <a:lnRef idx="2">
+              <a:schemeClr val="accent1">
+                <a:shade val="50000"/>
+              </a:schemeClr>
+            </a:lnRef>
+            <a:fillRef idx="1">
+              <a:schemeClr val="accent1"/>
+            </a:fillRef>
+            <a:effectRef idx="0">
+              <a:schemeClr val="accent1"/>
+            </a:effectRef>
+            <a:fontRef idx="minor">
+              <a:schemeClr val="lt1"/>
+            </a:fontRef>
+          </p:style>
+          <p:txBody>
+            <a:bodyPr rtlCol="0" anchor="ctr"/>
+            <a:lstStyle/>
+            <a:p>
+              <a:pPr algn="ctr"/>
+              <a:endParaRPr lang="zh-CN" altLang="en-US" sz="3600" dirty="0"/>
+            </a:p>
+          </p:txBody>
+        </p:sp>
+        <p:sp>
+          <p:nvSpPr>
+            <p:cNvPr id="33" name="流程图: 接点 32">
+              <a:extLst>
+                <a:ext uri="{FF2B5EF4-FFF2-40B4-BE49-F238E27FC236}">
+                  <a16:creationId xmlns:a16="http://schemas.microsoft.com/office/drawing/2014/main" id="{8C1BC95D-3B6E-8C11-989C-EC14FCEF945E}"/>
+                </a:ext>
+              </a:extLst>
+            </p:cNvPr>
+            <p:cNvSpPr/>
+            <p:nvPr/>
+          </p:nvSpPr>
+          <p:spPr>
+            <a:xfrm>
+              <a:off x="4048228" y="3239962"/>
+              <a:ext cx="540000" cy="540000"/>
+            </a:xfrm>
+            <a:prstGeom prst="flowChartConnector">
+              <a:avLst/>
+            </a:prstGeom>
+          </p:spPr>
+          <p:style>
+            <a:lnRef idx="2">
+              <a:schemeClr val="accent1">
+                <a:shade val="50000"/>
+              </a:schemeClr>
+            </a:lnRef>
+            <a:fillRef idx="1">
+              <a:schemeClr val="accent1"/>
+            </a:fillRef>
+            <a:effectRef idx="0">
+              <a:schemeClr val="accent1"/>
+            </a:effectRef>
+            <a:fontRef idx="minor">
+              <a:schemeClr val="lt1"/>
+            </a:fontRef>
+          </p:style>
+          <p:txBody>
+            <a:bodyPr rtlCol="0" anchor="ctr"/>
+            <a:lstStyle/>
+            <a:p>
+              <a:pPr algn="ctr"/>
+              <a:endParaRPr lang="zh-CN" altLang="en-US" sz="3600" dirty="0"/>
+            </a:p>
+          </p:txBody>
+        </p:sp>
+        <p:sp>
+          <p:nvSpPr>
+            <p:cNvPr id="34" name="流程图: 接点 33">
+              <a:extLst>
+                <a:ext uri="{FF2B5EF4-FFF2-40B4-BE49-F238E27FC236}">
+                  <a16:creationId xmlns:a16="http://schemas.microsoft.com/office/drawing/2014/main" id="{81AEE322-4E47-3DD4-9133-863F23543DA7}"/>
+                </a:ext>
+              </a:extLst>
+            </p:cNvPr>
+            <p:cNvSpPr/>
+            <p:nvPr/>
+          </p:nvSpPr>
+          <p:spPr>
+            <a:xfrm>
+              <a:off x="1201636" y="4179866"/>
+              <a:ext cx="540000" cy="540000"/>
+            </a:xfrm>
+            <a:prstGeom prst="flowChartConnector">
+              <a:avLst/>
+            </a:prstGeom>
+          </p:spPr>
+          <p:style>
+            <a:lnRef idx="2">
+              <a:schemeClr val="accent1">
+                <a:shade val="50000"/>
+              </a:schemeClr>
+            </a:lnRef>
+            <a:fillRef idx="1">
+              <a:schemeClr val="accent1"/>
+            </a:fillRef>
+            <a:effectRef idx="0">
+              <a:schemeClr val="accent1"/>
+            </a:effectRef>
+            <a:fontRef idx="minor">
+              <a:schemeClr val="lt1"/>
+            </a:fontRef>
+          </p:style>
+          <p:txBody>
+            <a:bodyPr rtlCol="0" anchor="ctr"/>
+            <a:lstStyle/>
+            <a:p>
+              <a:pPr algn="ctr"/>
+              <a:r>
+                <a:rPr lang="en-US" altLang="zh-CN" sz="3600" dirty="0"/>
+                <a:t>4</a:t>
+              </a:r>
+              <a:endParaRPr lang="zh-CN" altLang="en-US" sz="3600" dirty="0"/>
+            </a:p>
+          </p:txBody>
+        </p:sp>
+        <p:sp>
+          <p:nvSpPr>
+            <p:cNvPr id="35" name="流程图: 接点 34">
+              <a:extLst>
+                <a:ext uri="{FF2B5EF4-FFF2-40B4-BE49-F238E27FC236}">
+                  <a16:creationId xmlns:a16="http://schemas.microsoft.com/office/drawing/2014/main" id="{A0C6DC86-F438-687B-081D-FF7A163767C5}"/>
+                </a:ext>
+              </a:extLst>
+            </p:cNvPr>
+            <p:cNvSpPr/>
+            <p:nvPr/>
+          </p:nvSpPr>
+          <p:spPr>
+            <a:xfrm>
+              <a:off x="2660149" y="4164730"/>
+              <a:ext cx="540000" cy="540000"/>
+            </a:xfrm>
+            <a:prstGeom prst="flowChartConnector">
+              <a:avLst/>
+            </a:prstGeom>
+          </p:spPr>
+          <p:style>
+            <a:lnRef idx="2">
+              <a:schemeClr val="accent1">
+                <a:shade val="50000"/>
+              </a:schemeClr>
+            </a:lnRef>
+            <a:fillRef idx="1">
+              <a:schemeClr val="accent1"/>
+            </a:fillRef>
+            <a:effectRef idx="0">
+              <a:schemeClr val="accent1"/>
+            </a:effectRef>
+            <a:fontRef idx="minor">
+              <a:schemeClr val="lt1"/>
+            </a:fontRef>
+          </p:style>
+          <p:txBody>
+            <a:bodyPr rtlCol="0" anchor="ctr"/>
+            <a:lstStyle/>
+            <a:p>
+              <a:pPr algn="ctr"/>
+              <a:endParaRPr lang="zh-CN" altLang="en-US" sz="3600" dirty="0"/>
+            </a:p>
+          </p:txBody>
+        </p:sp>
+        <p:cxnSp>
+          <p:nvCxnSpPr>
+            <p:cNvPr id="36" name="直接连接符 35">
+              <a:extLst>
+                <a:ext uri="{FF2B5EF4-FFF2-40B4-BE49-F238E27FC236}">
+                  <a16:creationId xmlns:a16="http://schemas.microsoft.com/office/drawing/2014/main" id="{90C4E1BB-DF1E-704B-0E59-BD05032DF5EB}"/>
+                </a:ext>
+              </a:extLst>
+            </p:cNvPr>
+            <p:cNvCxnSpPr>
+              <a:cxnSpLocks/>
+              <a:endCxn id="32" idx="7"/>
+            </p:cNvCxnSpPr>
+            <p:nvPr/>
+          </p:nvCxnSpPr>
+          <p:spPr>
+            <a:xfrm flipH="1">
+              <a:off x="2484581" y="2941737"/>
+              <a:ext cx="521625" cy="436153"/>
+            </a:xfrm>
+            <a:prstGeom prst="line">
+              <a:avLst/>
+            </a:prstGeom>
+            <a:ln w="12700"/>
+          </p:spPr>
+          <p:style>
+            <a:lnRef idx="1">
+              <a:schemeClr val="dk1"/>
+            </a:lnRef>
+            <a:fillRef idx="0">
+              <a:schemeClr val="dk1"/>
+            </a:fillRef>
+            <a:effectRef idx="0">
+              <a:schemeClr val="dk1"/>
+            </a:effectRef>
+            <a:fontRef idx="minor">
+              <a:schemeClr val="tx1"/>
+            </a:fontRef>
+          </p:style>
+        </p:cxnSp>
+        <p:cxnSp>
+          <p:nvCxnSpPr>
+            <p:cNvPr id="37" name="直接连接符 36">
+              <a:extLst>
+                <a:ext uri="{FF2B5EF4-FFF2-40B4-BE49-F238E27FC236}">
+                  <a16:creationId xmlns:a16="http://schemas.microsoft.com/office/drawing/2014/main" id="{69466D16-B3DB-2C62-9208-9DBB953EDAA0}"/>
+                </a:ext>
+              </a:extLst>
+            </p:cNvPr>
+            <p:cNvCxnSpPr/>
+            <p:nvPr/>
+          </p:nvCxnSpPr>
+          <p:spPr>
+            <a:xfrm flipH="1">
+              <a:off x="1661367" y="3774430"/>
+              <a:ext cx="444771" cy="463929"/>
+            </a:xfrm>
+            <a:prstGeom prst="line">
+              <a:avLst/>
+            </a:prstGeom>
+            <a:ln w="12700"/>
+          </p:spPr>
+          <p:style>
+            <a:lnRef idx="1">
+              <a:schemeClr val="dk1"/>
+            </a:lnRef>
+            <a:fillRef idx="0">
+              <a:schemeClr val="dk1"/>
+            </a:fillRef>
+            <a:effectRef idx="0">
+              <a:schemeClr val="dk1"/>
+            </a:effectRef>
+            <a:fontRef idx="minor">
+              <a:schemeClr val="tx1"/>
+            </a:fontRef>
+          </p:style>
+        </p:cxnSp>
+        <p:cxnSp>
+          <p:nvCxnSpPr>
+            <p:cNvPr id="38" name="直接连接符 37">
+              <a:extLst>
+                <a:ext uri="{FF2B5EF4-FFF2-40B4-BE49-F238E27FC236}">
+                  <a16:creationId xmlns:a16="http://schemas.microsoft.com/office/drawing/2014/main" id="{3D3782D2-92E0-5A07-557E-904C752B9C5A}"/>
+                </a:ext>
+              </a:extLst>
+            </p:cNvPr>
+            <p:cNvCxnSpPr/>
+            <p:nvPr/>
+          </p:nvCxnSpPr>
+          <p:spPr>
+            <a:xfrm flipH="1">
+              <a:off x="2289824" y="4640160"/>
+              <a:ext cx="444771" cy="463929"/>
+            </a:xfrm>
+            <a:prstGeom prst="line">
+              <a:avLst/>
+            </a:prstGeom>
+            <a:ln w="12700"/>
+          </p:spPr>
+          <p:style>
+            <a:lnRef idx="1">
+              <a:schemeClr val="dk1"/>
+            </a:lnRef>
+            <a:fillRef idx="0">
+              <a:schemeClr val="dk1"/>
+            </a:fillRef>
+            <a:effectRef idx="0">
+              <a:schemeClr val="dk1"/>
+            </a:effectRef>
+            <a:fontRef idx="minor">
+              <a:schemeClr val="tx1"/>
+            </a:fontRef>
+          </p:style>
+        </p:cxnSp>
+        <p:cxnSp>
+          <p:nvCxnSpPr>
+            <p:cNvPr id="39" name="直接连接符 38">
+              <a:extLst>
+                <a:ext uri="{FF2B5EF4-FFF2-40B4-BE49-F238E27FC236}">
+                  <a16:creationId xmlns:a16="http://schemas.microsoft.com/office/drawing/2014/main" id="{2EE41C63-DBE5-7916-D6D1-545FF90267B9}"/>
+                </a:ext>
+              </a:extLst>
+            </p:cNvPr>
+            <p:cNvCxnSpPr>
+              <a:cxnSpLocks/>
+              <a:stCxn id="33" idx="4"/>
+              <a:endCxn id="60" idx="0"/>
+            </p:cNvCxnSpPr>
+            <p:nvPr/>
+          </p:nvCxnSpPr>
+          <p:spPr>
+            <a:xfrm flipH="1">
+              <a:off x="3923108" y="3779962"/>
+              <a:ext cx="395120" cy="415444"/>
+            </a:xfrm>
+            <a:prstGeom prst="line">
+              <a:avLst/>
+            </a:prstGeom>
+            <a:ln w="12700"/>
+          </p:spPr>
+          <p:style>
+            <a:lnRef idx="1">
+              <a:schemeClr val="dk1"/>
+            </a:lnRef>
+            <a:fillRef idx="0">
+              <a:schemeClr val="dk1"/>
+            </a:fillRef>
+            <a:effectRef idx="0">
+              <a:schemeClr val="dk1"/>
+            </a:effectRef>
+            <a:fontRef idx="minor">
+              <a:schemeClr val="tx1"/>
+            </a:fontRef>
+          </p:style>
+        </p:cxnSp>
+        <p:cxnSp>
+          <p:nvCxnSpPr>
+            <p:cNvPr id="44" name="直接连接符 43">
+              <a:extLst>
+                <a:ext uri="{FF2B5EF4-FFF2-40B4-BE49-F238E27FC236}">
+                  <a16:creationId xmlns:a16="http://schemas.microsoft.com/office/drawing/2014/main" id="{FF223E04-0F31-77C3-2B43-0A07C59F54B3}"/>
+                </a:ext>
+              </a:extLst>
+            </p:cNvPr>
+            <p:cNvCxnSpPr/>
+            <p:nvPr/>
+          </p:nvCxnSpPr>
+          <p:spPr>
+            <a:xfrm>
+              <a:off x="4504779" y="3693916"/>
+              <a:ext cx="679165" cy="485950"/>
+            </a:xfrm>
+            <a:prstGeom prst="line">
+              <a:avLst/>
+            </a:prstGeom>
+            <a:ln w="12700"/>
+          </p:spPr>
+          <p:style>
+            <a:lnRef idx="1">
+              <a:schemeClr val="dk1"/>
+            </a:lnRef>
+            <a:fillRef idx="0">
+              <a:schemeClr val="dk1"/>
+            </a:fillRef>
+            <a:effectRef idx="0">
+              <a:schemeClr val="dk1"/>
+            </a:effectRef>
+            <a:fontRef idx="minor">
+              <a:schemeClr val="tx1"/>
+            </a:fontRef>
+          </p:style>
+        </p:cxnSp>
+        <p:cxnSp>
+          <p:nvCxnSpPr>
+            <p:cNvPr id="45" name="直接连接符 44">
+              <a:extLst>
+                <a:ext uri="{FF2B5EF4-FFF2-40B4-BE49-F238E27FC236}">
+                  <a16:creationId xmlns:a16="http://schemas.microsoft.com/office/drawing/2014/main" id="{6FBA6F58-41AC-FDD1-7D5A-A7B7F7FFA9B8}"/>
+                </a:ext>
+              </a:extLst>
+            </p:cNvPr>
+            <p:cNvCxnSpPr>
+              <a:cxnSpLocks/>
+            </p:cNvCxnSpPr>
+            <p:nvPr/>
+          </p:nvCxnSpPr>
+          <p:spPr>
+            <a:xfrm>
+              <a:off x="3134224" y="4605020"/>
+              <a:ext cx="365361" cy="446962"/>
+            </a:xfrm>
+            <a:prstGeom prst="line">
+              <a:avLst/>
+            </a:prstGeom>
+            <a:ln w="12700"/>
+          </p:spPr>
+          <p:style>
+            <a:lnRef idx="1">
+              <a:schemeClr val="dk1"/>
+            </a:lnRef>
+            <a:fillRef idx="0">
+              <a:schemeClr val="dk1"/>
+            </a:fillRef>
+            <a:effectRef idx="0">
+              <a:schemeClr val="dk1"/>
+            </a:effectRef>
+            <a:fontRef idx="minor">
+              <a:schemeClr val="tx1"/>
+            </a:fontRef>
+          </p:style>
+        </p:cxnSp>
+        <p:cxnSp>
+          <p:nvCxnSpPr>
+            <p:cNvPr id="49" name="直接连接符 48">
+              <a:extLst>
+                <a:ext uri="{FF2B5EF4-FFF2-40B4-BE49-F238E27FC236}">
+                  <a16:creationId xmlns:a16="http://schemas.microsoft.com/office/drawing/2014/main" id="{60ADAD93-64E0-6B33-58E8-802CEE19B190}"/>
+                </a:ext>
+              </a:extLst>
+            </p:cNvPr>
+            <p:cNvCxnSpPr>
+              <a:cxnSpLocks/>
+            </p:cNvCxnSpPr>
+            <p:nvPr/>
+          </p:nvCxnSpPr>
+          <p:spPr>
+            <a:xfrm>
+              <a:off x="2484581" y="3769916"/>
+              <a:ext cx="351223" cy="409950"/>
+            </a:xfrm>
+            <a:prstGeom prst="line">
+              <a:avLst/>
+            </a:prstGeom>
+            <a:ln w="12700"/>
+          </p:spPr>
+          <p:style>
+            <a:lnRef idx="1">
+              <a:schemeClr val="dk1"/>
+            </a:lnRef>
+            <a:fillRef idx="0">
+              <a:schemeClr val="dk1"/>
+            </a:fillRef>
+            <a:effectRef idx="0">
+              <a:schemeClr val="dk1"/>
+            </a:effectRef>
+            <a:fontRef idx="minor">
+              <a:schemeClr val="tx1"/>
+            </a:fontRef>
+          </p:style>
+        </p:cxnSp>
+        <p:cxnSp>
+          <p:nvCxnSpPr>
+            <p:cNvPr id="50" name="直接连接符 49">
+              <a:extLst>
+                <a:ext uri="{FF2B5EF4-FFF2-40B4-BE49-F238E27FC236}">
+                  <a16:creationId xmlns:a16="http://schemas.microsoft.com/office/drawing/2014/main" id="{0862C54E-CD2D-A870-EB6D-2E1FE8B19BA8}"/>
+                </a:ext>
+              </a:extLst>
+            </p:cNvPr>
+            <p:cNvCxnSpPr>
+              <a:cxnSpLocks/>
+            </p:cNvCxnSpPr>
+            <p:nvPr/>
+          </p:nvCxnSpPr>
+          <p:spPr>
+            <a:xfrm>
+              <a:off x="3452512" y="2916034"/>
+              <a:ext cx="619334" cy="461856"/>
+            </a:xfrm>
+            <a:prstGeom prst="line">
+              <a:avLst/>
+            </a:prstGeom>
+            <a:ln w="12700"/>
+          </p:spPr>
+          <p:style>
+            <a:lnRef idx="1">
+              <a:schemeClr val="dk1"/>
+            </a:lnRef>
+            <a:fillRef idx="0">
+              <a:schemeClr val="dk1"/>
+            </a:fillRef>
+            <a:effectRef idx="0">
+              <a:schemeClr val="dk1"/>
+            </a:effectRef>
+            <a:fontRef idx="minor">
+              <a:schemeClr val="tx1"/>
+            </a:fontRef>
+          </p:style>
+        </p:cxnSp>
+        <p:cxnSp>
+          <p:nvCxnSpPr>
+            <p:cNvPr id="51" name="直接连接符 50">
+              <a:extLst>
+                <a:ext uri="{FF2B5EF4-FFF2-40B4-BE49-F238E27FC236}">
+                  <a16:creationId xmlns:a16="http://schemas.microsoft.com/office/drawing/2014/main" id="{889EB924-4101-018C-60C2-492B8B5D581A}"/>
+                </a:ext>
+              </a:extLst>
+            </p:cNvPr>
+            <p:cNvCxnSpPr>
+              <a:cxnSpLocks/>
+              <a:endCxn id="31" idx="1"/>
+            </p:cNvCxnSpPr>
+            <p:nvPr/>
+          </p:nvCxnSpPr>
+          <p:spPr>
+            <a:xfrm>
+              <a:off x="2495869" y="2137782"/>
+              <a:ext cx="542797" cy="465810"/>
+            </a:xfrm>
+            <a:prstGeom prst="line">
+              <a:avLst/>
+            </a:prstGeom>
+            <a:ln w="12700"/>
+          </p:spPr>
+          <p:style>
+            <a:lnRef idx="1">
+              <a:schemeClr val="dk1"/>
+            </a:lnRef>
+            <a:fillRef idx="0">
+              <a:schemeClr val="dk1"/>
+            </a:fillRef>
+            <a:effectRef idx="0">
+              <a:schemeClr val="dk1"/>
+            </a:effectRef>
+            <a:fontRef idx="minor">
+              <a:schemeClr val="tx1"/>
+            </a:fontRef>
+          </p:style>
+        </p:cxnSp>
+        <p:sp>
+          <p:nvSpPr>
+            <p:cNvPr id="60" name="流程图: 接点 59">
+              <a:extLst>
+                <a:ext uri="{FF2B5EF4-FFF2-40B4-BE49-F238E27FC236}">
+                  <a16:creationId xmlns:a16="http://schemas.microsoft.com/office/drawing/2014/main" id="{C6CE6D81-2FE2-E0C1-E2EF-BF178C12ABE6}"/>
+                </a:ext>
+              </a:extLst>
+            </p:cNvPr>
+            <p:cNvSpPr/>
+            <p:nvPr/>
+          </p:nvSpPr>
+          <p:spPr>
+            <a:xfrm>
+              <a:off x="3653108" y="4195406"/>
+              <a:ext cx="540000" cy="540000"/>
+            </a:xfrm>
+            <a:prstGeom prst="flowChartConnector">
+              <a:avLst/>
+            </a:prstGeom>
+          </p:spPr>
+          <p:style>
+            <a:lnRef idx="2">
+              <a:schemeClr val="accent1">
+                <a:shade val="50000"/>
+              </a:schemeClr>
+            </a:lnRef>
+            <a:fillRef idx="1">
+              <a:schemeClr val="accent1"/>
+            </a:fillRef>
+            <a:effectRef idx="0">
+              <a:schemeClr val="accent1"/>
+            </a:effectRef>
+            <a:fontRef idx="minor">
+              <a:schemeClr val="lt1"/>
+            </a:fontRef>
+          </p:style>
+          <p:txBody>
+            <a:bodyPr rtlCol="0" anchor="ctr"/>
+            <a:lstStyle/>
+            <a:p>
+              <a:pPr algn="ctr"/>
+              <a:r>
+                <a:rPr lang="en-US" altLang="zh-CN" sz="3600" dirty="0"/>
+                <a:t>5</a:t>
+              </a:r>
+              <a:endParaRPr lang="zh-CN" altLang="en-US" sz="3600" dirty="0"/>
+            </a:p>
+          </p:txBody>
+        </p:sp>
+      </p:grpSp>
+    </p:spTree>
+    <p:extLst>
+      <p:ext uri="{BB962C8B-B14F-4D97-AF65-F5344CB8AC3E}">
+        <p14:creationId xmlns:p14="http://schemas.microsoft.com/office/powerpoint/2010/main" val="812174159"/>
+      </p:ext>
+    </p:extLst>
+  </p:cSld>
+  <p:clrMapOvr>
+    <a:masterClrMapping/>
+  </p:clrMapOvr>
+</p:sld>
+</file>
+
 <file path=ppt/slides/slide3.xml><?xml version="1.0" encoding="utf-8"?>
 <p:sld xmlns:a="http://schemas.openxmlformats.org/drawingml/2006/main" xmlns:r="http://schemas.openxmlformats.org/officeDocument/2006/relationships" xmlns:p="http://schemas.openxmlformats.org/presentationml/2006/main">
   <p:cSld>

--- a/演示文稿1.pptx
+++ b/演示文稿1.pptx
@@ -25,6 +25,11 @@
     <p:sldId id="273" r:id="rId19"/>
     <p:sldId id="274" r:id="rId20"/>
     <p:sldId id="275" r:id="rId21"/>
+    <p:sldId id="276" r:id="rId22"/>
+    <p:sldId id="277" r:id="rId23"/>
+    <p:sldId id="278" r:id="rId24"/>
+    <p:sldId id="279" r:id="rId25"/>
+    <p:sldId id="280" r:id="rId26"/>
   </p:sldIdLst>
   <p:sldSz cx="12192000" cy="6858000"/>
   <p:notesSz cx="6858000" cy="9144000"/>
@@ -278,7 +283,7 @@
           <a:p>
             <a:fld id="{9A639C3A-7901-41EA-886D-5788BBF178E7}" type="datetimeFigureOut">
               <a:rPr lang="zh-CN" altLang="en-US" smtClean="0"/>
-              <a:t>2023/2/28</a:t>
+              <a:t>2023/3/1</a:t>
             </a:fld>
             <a:endParaRPr lang="zh-CN" altLang="en-US"/>
           </a:p>
@@ -476,7 +481,7 @@
           <a:p>
             <a:fld id="{9A639C3A-7901-41EA-886D-5788BBF178E7}" type="datetimeFigureOut">
               <a:rPr lang="zh-CN" altLang="en-US" smtClean="0"/>
-              <a:t>2023/2/28</a:t>
+              <a:t>2023/3/1</a:t>
             </a:fld>
             <a:endParaRPr lang="zh-CN" altLang="en-US"/>
           </a:p>
@@ -684,7 +689,7 @@
           <a:p>
             <a:fld id="{9A639C3A-7901-41EA-886D-5788BBF178E7}" type="datetimeFigureOut">
               <a:rPr lang="zh-CN" altLang="en-US" smtClean="0"/>
-              <a:t>2023/2/28</a:t>
+              <a:t>2023/3/1</a:t>
             </a:fld>
             <a:endParaRPr lang="zh-CN" altLang="en-US"/>
           </a:p>
@@ -882,7 +887,7 @@
           <a:p>
             <a:fld id="{9A639C3A-7901-41EA-886D-5788BBF178E7}" type="datetimeFigureOut">
               <a:rPr lang="zh-CN" altLang="en-US" smtClean="0"/>
-              <a:t>2023/2/28</a:t>
+              <a:t>2023/3/1</a:t>
             </a:fld>
             <a:endParaRPr lang="zh-CN" altLang="en-US"/>
           </a:p>
@@ -1157,7 +1162,7 @@
           <a:p>
             <a:fld id="{9A639C3A-7901-41EA-886D-5788BBF178E7}" type="datetimeFigureOut">
               <a:rPr lang="zh-CN" altLang="en-US" smtClean="0"/>
-              <a:t>2023/2/28</a:t>
+              <a:t>2023/3/1</a:t>
             </a:fld>
             <a:endParaRPr lang="zh-CN" altLang="en-US"/>
           </a:p>
@@ -1422,7 +1427,7 @@
           <a:p>
             <a:fld id="{9A639C3A-7901-41EA-886D-5788BBF178E7}" type="datetimeFigureOut">
               <a:rPr lang="zh-CN" altLang="en-US" smtClean="0"/>
-              <a:t>2023/2/28</a:t>
+              <a:t>2023/3/1</a:t>
             </a:fld>
             <a:endParaRPr lang="zh-CN" altLang="en-US"/>
           </a:p>
@@ -1834,7 +1839,7 @@
           <a:p>
             <a:fld id="{9A639C3A-7901-41EA-886D-5788BBF178E7}" type="datetimeFigureOut">
               <a:rPr lang="zh-CN" altLang="en-US" smtClean="0"/>
-              <a:t>2023/2/28</a:t>
+              <a:t>2023/3/1</a:t>
             </a:fld>
             <a:endParaRPr lang="zh-CN" altLang="en-US"/>
           </a:p>
@@ -1975,7 +1980,7 @@
           <a:p>
             <a:fld id="{9A639C3A-7901-41EA-886D-5788BBF178E7}" type="datetimeFigureOut">
               <a:rPr lang="zh-CN" altLang="en-US" smtClean="0"/>
-              <a:t>2023/2/28</a:t>
+              <a:t>2023/3/1</a:t>
             </a:fld>
             <a:endParaRPr lang="zh-CN" altLang="en-US"/>
           </a:p>
@@ -2088,7 +2093,7 @@
           <a:p>
             <a:fld id="{9A639C3A-7901-41EA-886D-5788BBF178E7}" type="datetimeFigureOut">
               <a:rPr lang="zh-CN" altLang="en-US" smtClean="0"/>
-              <a:t>2023/2/28</a:t>
+              <a:t>2023/3/1</a:t>
             </a:fld>
             <a:endParaRPr lang="zh-CN" altLang="en-US"/>
           </a:p>
@@ -2399,7 +2404,7 @@
           <a:p>
             <a:fld id="{9A639C3A-7901-41EA-886D-5788BBF178E7}" type="datetimeFigureOut">
               <a:rPr lang="zh-CN" altLang="en-US" smtClean="0"/>
-              <a:t>2023/2/28</a:t>
+              <a:t>2023/3/1</a:t>
             </a:fld>
             <a:endParaRPr lang="zh-CN" altLang="en-US"/>
           </a:p>
@@ -2687,7 +2692,7 @@
           <a:p>
             <a:fld id="{9A639C3A-7901-41EA-886D-5788BBF178E7}" type="datetimeFigureOut">
               <a:rPr lang="zh-CN" altLang="en-US" smtClean="0"/>
-              <a:t>2023/2/28</a:t>
+              <a:t>2023/3/1</a:t>
             </a:fld>
             <a:endParaRPr lang="zh-CN" altLang="en-US"/>
           </a:p>
@@ -2928,7 +2933,7 @@
           <a:p>
             <a:fld id="{9A639C3A-7901-41EA-886D-5788BBF178E7}" type="datetimeFigureOut">
               <a:rPr lang="zh-CN" altLang="en-US" smtClean="0"/>
-              <a:t>2023/2/28</a:t>
+              <a:t>2023/3/1</a:t>
             </a:fld>
             <a:endParaRPr lang="zh-CN" altLang="en-US"/>
           </a:p>
@@ -3668,7 +3673,7 @@
               <a:t>顺序栈，存储大小</a:t>
             </a:r>
             <a:r>
-              <a:rPr lang="en-US" altLang="zh-CN" b="1"/>
+              <a:rPr lang="en-US" altLang="zh-CN" b="1" dirty="0"/>
               <a:t>4</a:t>
             </a:r>
             <a:r>
@@ -3875,7 +3880,7 @@
               <a:t>0x6ffd</a:t>
             </a:r>
             <a:r>
-              <a:rPr lang="en-US" altLang="zh-CN"/>
+              <a:rPr lang="en-US" altLang="zh-CN" dirty="0"/>
               <a:t>e</a:t>
             </a:r>
             <a:r>
@@ -3883,7 +3888,7 @@
               <a:t>0 </a:t>
             </a:r>
             <a:r>
-              <a:rPr lang="en-US" altLang="zh-CN"/>
+              <a:rPr lang="en-US" altLang="zh-CN" dirty="0"/>
               <a:t>—— </a:t>
             </a:r>
             <a:r>
@@ -3891,7 +3896,7 @@
               <a:t>0x6ffd</a:t>
             </a:r>
             <a:r>
-              <a:rPr lang="en-US" altLang="zh-CN"/>
+              <a:rPr lang="en-US" altLang="zh-CN" dirty="0"/>
               <a:t>e3</a:t>
             </a:r>
             <a:endParaRPr lang="zh-CN" altLang="en-US"/>
@@ -3931,7 +3936,7 @@
               <a:t>0x6ffd</a:t>
             </a:r>
             <a:r>
-              <a:rPr lang="en-US" altLang="zh-CN"/>
+              <a:rPr lang="en-US" altLang="zh-CN" dirty="0"/>
               <a:t>e4</a:t>
             </a:r>
             <a:r>
@@ -3939,7 +3944,7 @@
               <a:t> </a:t>
             </a:r>
             <a:r>
-              <a:rPr lang="en-US" altLang="zh-CN"/>
+              <a:rPr lang="en-US" altLang="zh-CN" dirty="0"/>
               <a:t>—— </a:t>
             </a:r>
             <a:r>
@@ -3947,7 +3952,7 @@
               <a:t>0x6ffd</a:t>
             </a:r>
             <a:r>
-              <a:rPr lang="en-US" altLang="zh-CN"/>
+              <a:rPr lang="en-US" altLang="zh-CN" dirty="0"/>
               <a:t>e7</a:t>
             </a:r>
             <a:endParaRPr lang="zh-CN" altLang="en-US"/>
@@ -3983,30 +3988,30 @@
           <a:lstStyle/>
           <a:p>
             <a:r>
-              <a:rPr lang="zh-CN" altLang="en-US"/>
+              <a:rPr lang="zh-CN" altLang="en-US" dirty="0"/>
               <a:t>0x6ffd</a:t>
             </a:r>
             <a:r>
-              <a:rPr lang="en-US" altLang="zh-CN"/>
+              <a:rPr lang="en-US" altLang="zh-CN" dirty="0"/>
               <a:t>e8</a:t>
             </a:r>
             <a:r>
-              <a:rPr lang="zh-CN" altLang="en-US"/>
+              <a:rPr lang="zh-CN" altLang="en-US" dirty="0"/>
               <a:t> </a:t>
             </a:r>
             <a:r>
-              <a:rPr lang="en-US" altLang="zh-CN"/>
+              <a:rPr lang="en-US" altLang="zh-CN" dirty="0"/>
               <a:t>—— </a:t>
             </a:r>
             <a:r>
-              <a:rPr lang="zh-CN" altLang="en-US"/>
+              <a:rPr lang="zh-CN" altLang="en-US" dirty="0"/>
               <a:t>0x6ffd</a:t>
             </a:r>
             <a:r>
-              <a:rPr lang="en-US" altLang="zh-CN"/>
+              <a:rPr lang="en-US" altLang="zh-CN" dirty="0" err="1"/>
               <a:t>eb</a:t>
             </a:r>
-            <a:endParaRPr lang="zh-CN" altLang="en-US"/>
+            <a:endParaRPr lang="zh-CN" altLang="en-US" dirty="0"/>
           </a:p>
         </p:txBody>
       </p:sp>
@@ -14713,6 +14718,6608 @@
 </p:sld>
 </file>
 
+<file path=ppt/slides/slide21.xml><?xml version="1.0" encoding="utf-8"?>
+<p:sld xmlns:a="http://schemas.openxmlformats.org/drawingml/2006/main" xmlns:r="http://schemas.openxmlformats.org/officeDocument/2006/relationships" xmlns:p="http://schemas.openxmlformats.org/presentationml/2006/main">
+  <p:cSld>
+    <p:spTree>
+      <p:nvGrpSpPr>
+        <p:cNvPr id="1" name=""/>
+        <p:cNvGrpSpPr/>
+        <p:nvPr/>
+      </p:nvGrpSpPr>
+      <p:grpSpPr>
+        <a:xfrm>
+          <a:off x="0" y="0"/>
+          <a:ext cx="0" cy="0"/>
+          <a:chOff x="0" y="0"/>
+          <a:chExt cx="0" cy="0"/>
+        </a:xfrm>
+      </p:grpSpPr>
+      <p:grpSp>
+        <p:nvGrpSpPr>
+          <p:cNvPr id="60" name="组合 59">
+            <a:extLst>
+              <a:ext uri="{FF2B5EF4-FFF2-40B4-BE49-F238E27FC236}">
+                <a16:creationId xmlns:a16="http://schemas.microsoft.com/office/drawing/2014/main" id="{EDFB0FB7-328C-ADC3-720A-DD96477F770E}"/>
+              </a:ext>
+            </a:extLst>
+          </p:cNvPr>
+          <p:cNvGrpSpPr/>
+          <p:nvPr/>
+        </p:nvGrpSpPr>
+        <p:grpSpPr>
+          <a:xfrm>
+            <a:off x="1167522" y="1731049"/>
+            <a:ext cx="2201775" cy="2188580"/>
+            <a:chOff x="1167522" y="1731049"/>
+            <a:chExt cx="2201775" cy="2188580"/>
+          </a:xfrm>
+        </p:grpSpPr>
+        <p:sp>
+          <p:nvSpPr>
+            <p:cNvPr id="2" name="椭圆 1">
+              <a:extLst>
+                <a:ext uri="{FF2B5EF4-FFF2-40B4-BE49-F238E27FC236}">
+                  <a16:creationId xmlns:a16="http://schemas.microsoft.com/office/drawing/2014/main" id="{E7781782-33EB-D2DB-E17C-8E1A99163427}"/>
+                </a:ext>
+              </a:extLst>
+            </p:cNvPr>
+            <p:cNvSpPr/>
+            <p:nvPr/>
+          </p:nvSpPr>
+          <p:spPr>
+            <a:xfrm>
+              <a:off x="2009737" y="2645339"/>
+              <a:ext cx="360000" cy="360000"/>
+            </a:xfrm>
+            <a:prstGeom prst="ellipse">
+              <a:avLst/>
+            </a:prstGeom>
+            <a:solidFill>
+              <a:schemeClr val="bg1"/>
+            </a:solidFill>
+            <a:ln>
+              <a:solidFill>
+                <a:schemeClr val="tx1"/>
+              </a:solidFill>
+            </a:ln>
+          </p:spPr>
+          <p:style>
+            <a:lnRef idx="2">
+              <a:schemeClr val="accent1">
+                <a:shade val="50000"/>
+              </a:schemeClr>
+            </a:lnRef>
+            <a:fillRef idx="1">
+              <a:schemeClr val="accent1"/>
+            </a:fillRef>
+            <a:effectRef idx="0">
+              <a:schemeClr val="accent1"/>
+            </a:effectRef>
+            <a:fontRef idx="minor">
+              <a:schemeClr val="lt1"/>
+            </a:fontRef>
+          </p:style>
+          <p:txBody>
+            <a:bodyPr rtlCol="0" anchor="ctr"/>
+            <a:lstStyle/>
+            <a:p>
+              <a:pPr algn="ctr"/>
+              <a:r>
+                <a:rPr lang="en-US" altLang="zh-CN" dirty="0">
+                  <a:solidFill>
+                    <a:schemeClr val="tx1"/>
+                  </a:solidFill>
+                </a:rPr>
+                <a:t>E</a:t>
+              </a:r>
+              <a:endParaRPr lang="zh-CN" altLang="en-US" dirty="0">
+                <a:solidFill>
+                  <a:schemeClr val="tx1"/>
+                </a:solidFill>
+              </a:endParaRPr>
+            </a:p>
+          </p:txBody>
+        </p:sp>
+        <p:sp>
+          <p:nvSpPr>
+            <p:cNvPr id="6" name="椭圆 5">
+              <a:extLst>
+                <a:ext uri="{FF2B5EF4-FFF2-40B4-BE49-F238E27FC236}">
+                  <a16:creationId xmlns:a16="http://schemas.microsoft.com/office/drawing/2014/main" id="{D37E534F-0F92-FC0B-F626-ECCBCC8CC0CA}"/>
+                </a:ext>
+              </a:extLst>
+            </p:cNvPr>
+            <p:cNvSpPr/>
+            <p:nvPr/>
+          </p:nvSpPr>
+          <p:spPr>
+            <a:xfrm>
+              <a:off x="2110678" y="1731049"/>
+              <a:ext cx="360000" cy="360000"/>
+            </a:xfrm>
+            <a:prstGeom prst="ellipse">
+              <a:avLst/>
+            </a:prstGeom>
+            <a:solidFill>
+              <a:schemeClr val="bg1"/>
+            </a:solidFill>
+            <a:ln>
+              <a:solidFill>
+                <a:schemeClr val="tx1"/>
+              </a:solidFill>
+            </a:ln>
+          </p:spPr>
+          <p:style>
+            <a:lnRef idx="2">
+              <a:schemeClr val="accent1">
+                <a:shade val="50000"/>
+              </a:schemeClr>
+            </a:lnRef>
+            <a:fillRef idx="1">
+              <a:schemeClr val="accent1"/>
+            </a:fillRef>
+            <a:effectRef idx="0">
+              <a:schemeClr val="accent1"/>
+            </a:effectRef>
+            <a:fontRef idx="minor">
+              <a:schemeClr val="lt1"/>
+            </a:fontRef>
+          </p:style>
+          <p:txBody>
+            <a:bodyPr rtlCol="0" anchor="ctr"/>
+            <a:lstStyle/>
+            <a:p>
+              <a:pPr algn="ctr"/>
+              <a:r>
+                <a:rPr lang="en-US" altLang="zh-CN" dirty="0">
+                  <a:solidFill>
+                    <a:schemeClr val="tx1"/>
+                  </a:solidFill>
+                </a:rPr>
+                <a:t>A</a:t>
+              </a:r>
+              <a:endParaRPr lang="zh-CN" altLang="en-US" dirty="0">
+                <a:solidFill>
+                  <a:schemeClr val="tx1"/>
+                </a:solidFill>
+              </a:endParaRPr>
+            </a:p>
+          </p:txBody>
+        </p:sp>
+        <p:sp>
+          <p:nvSpPr>
+            <p:cNvPr id="7" name="椭圆 6">
+              <a:extLst>
+                <a:ext uri="{FF2B5EF4-FFF2-40B4-BE49-F238E27FC236}">
+                  <a16:creationId xmlns:a16="http://schemas.microsoft.com/office/drawing/2014/main" id="{406ABFA3-041D-6E75-1FBE-49935E2121AB}"/>
+                </a:ext>
+              </a:extLst>
+            </p:cNvPr>
+            <p:cNvSpPr/>
+            <p:nvPr/>
+          </p:nvSpPr>
+          <p:spPr>
+            <a:xfrm>
+              <a:off x="3009297" y="2645339"/>
+              <a:ext cx="360000" cy="360000"/>
+            </a:xfrm>
+            <a:prstGeom prst="ellipse">
+              <a:avLst/>
+            </a:prstGeom>
+            <a:solidFill>
+              <a:schemeClr val="bg1"/>
+            </a:solidFill>
+            <a:ln>
+              <a:solidFill>
+                <a:schemeClr val="tx1"/>
+              </a:solidFill>
+            </a:ln>
+          </p:spPr>
+          <p:style>
+            <a:lnRef idx="2">
+              <a:schemeClr val="accent1">
+                <a:shade val="50000"/>
+              </a:schemeClr>
+            </a:lnRef>
+            <a:fillRef idx="1">
+              <a:schemeClr val="accent1"/>
+            </a:fillRef>
+            <a:effectRef idx="0">
+              <a:schemeClr val="accent1"/>
+            </a:effectRef>
+            <a:fontRef idx="minor">
+              <a:schemeClr val="lt1"/>
+            </a:fontRef>
+          </p:style>
+          <p:txBody>
+            <a:bodyPr rtlCol="0" anchor="ctr"/>
+            <a:lstStyle/>
+            <a:p>
+              <a:pPr algn="ctr"/>
+              <a:r>
+                <a:rPr lang="en-US" altLang="zh-CN" dirty="0">
+                  <a:solidFill>
+                    <a:schemeClr val="tx1"/>
+                  </a:solidFill>
+                </a:rPr>
+                <a:t>C</a:t>
+              </a:r>
+              <a:endParaRPr lang="zh-CN" altLang="en-US" dirty="0">
+                <a:solidFill>
+                  <a:schemeClr val="tx1"/>
+                </a:solidFill>
+              </a:endParaRPr>
+            </a:p>
+          </p:txBody>
+        </p:sp>
+        <p:sp>
+          <p:nvSpPr>
+            <p:cNvPr id="10" name="椭圆 9">
+              <a:extLst>
+                <a:ext uri="{FF2B5EF4-FFF2-40B4-BE49-F238E27FC236}">
+                  <a16:creationId xmlns:a16="http://schemas.microsoft.com/office/drawing/2014/main" id="{034990FB-DAE9-C067-B5C0-AE1BA2174CB5}"/>
+                </a:ext>
+              </a:extLst>
+            </p:cNvPr>
+            <p:cNvSpPr/>
+            <p:nvPr/>
+          </p:nvSpPr>
+          <p:spPr>
+            <a:xfrm>
+              <a:off x="1167522" y="2550997"/>
+              <a:ext cx="360000" cy="360000"/>
+            </a:xfrm>
+            <a:prstGeom prst="ellipse">
+              <a:avLst/>
+            </a:prstGeom>
+            <a:solidFill>
+              <a:schemeClr val="bg1"/>
+            </a:solidFill>
+            <a:ln>
+              <a:solidFill>
+                <a:schemeClr val="tx1"/>
+              </a:solidFill>
+            </a:ln>
+          </p:spPr>
+          <p:style>
+            <a:lnRef idx="2">
+              <a:schemeClr val="accent1">
+                <a:shade val="50000"/>
+              </a:schemeClr>
+            </a:lnRef>
+            <a:fillRef idx="1">
+              <a:schemeClr val="accent1"/>
+            </a:fillRef>
+            <a:effectRef idx="0">
+              <a:schemeClr val="accent1"/>
+            </a:effectRef>
+            <a:fontRef idx="minor">
+              <a:schemeClr val="lt1"/>
+            </a:fontRef>
+          </p:style>
+          <p:txBody>
+            <a:bodyPr rtlCol="0" anchor="ctr"/>
+            <a:lstStyle/>
+            <a:p>
+              <a:pPr algn="ctr"/>
+              <a:r>
+                <a:rPr lang="en-US" altLang="zh-CN" dirty="0">
+                  <a:solidFill>
+                    <a:schemeClr val="tx1"/>
+                  </a:solidFill>
+                </a:rPr>
+                <a:t>B</a:t>
+              </a:r>
+              <a:endParaRPr lang="zh-CN" altLang="en-US" dirty="0">
+                <a:solidFill>
+                  <a:schemeClr val="tx1"/>
+                </a:solidFill>
+              </a:endParaRPr>
+            </a:p>
+          </p:txBody>
+        </p:sp>
+        <p:sp>
+          <p:nvSpPr>
+            <p:cNvPr id="13" name="椭圆 12">
+              <a:extLst>
+                <a:ext uri="{FF2B5EF4-FFF2-40B4-BE49-F238E27FC236}">
+                  <a16:creationId xmlns:a16="http://schemas.microsoft.com/office/drawing/2014/main" id="{0475C08F-9AD9-6B1A-7BEF-030E2F010FF7}"/>
+                </a:ext>
+              </a:extLst>
+            </p:cNvPr>
+            <p:cNvSpPr/>
+            <p:nvPr/>
+          </p:nvSpPr>
+          <p:spPr>
+            <a:xfrm>
+              <a:off x="2009737" y="3559629"/>
+              <a:ext cx="360000" cy="360000"/>
+            </a:xfrm>
+            <a:prstGeom prst="ellipse">
+              <a:avLst/>
+            </a:prstGeom>
+            <a:solidFill>
+              <a:schemeClr val="bg1"/>
+            </a:solidFill>
+            <a:ln>
+              <a:solidFill>
+                <a:schemeClr val="tx1"/>
+              </a:solidFill>
+            </a:ln>
+          </p:spPr>
+          <p:style>
+            <a:lnRef idx="2">
+              <a:schemeClr val="accent1">
+                <a:shade val="50000"/>
+              </a:schemeClr>
+            </a:lnRef>
+            <a:fillRef idx="1">
+              <a:schemeClr val="accent1"/>
+            </a:fillRef>
+            <a:effectRef idx="0">
+              <a:schemeClr val="accent1"/>
+            </a:effectRef>
+            <a:fontRef idx="minor">
+              <a:schemeClr val="lt1"/>
+            </a:fontRef>
+          </p:style>
+          <p:txBody>
+            <a:bodyPr rtlCol="0" anchor="ctr"/>
+            <a:lstStyle/>
+            <a:p>
+              <a:pPr algn="ctr"/>
+              <a:r>
+                <a:rPr lang="en-US" altLang="zh-CN" dirty="0">
+                  <a:solidFill>
+                    <a:schemeClr val="tx1"/>
+                  </a:solidFill>
+                </a:rPr>
+                <a:t>D</a:t>
+              </a:r>
+              <a:endParaRPr lang="zh-CN" altLang="en-US" dirty="0">
+                <a:solidFill>
+                  <a:schemeClr val="tx1"/>
+                </a:solidFill>
+              </a:endParaRPr>
+            </a:p>
+          </p:txBody>
+        </p:sp>
+        <p:cxnSp>
+          <p:nvCxnSpPr>
+            <p:cNvPr id="15" name="直接连接符 14">
+              <a:extLst>
+                <a:ext uri="{FF2B5EF4-FFF2-40B4-BE49-F238E27FC236}">
+                  <a16:creationId xmlns:a16="http://schemas.microsoft.com/office/drawing/2014/main" id="{6C0C3F95-36F5-D51C-07FE-D6AF4590C737}"/>
+                </a:ext>
+              </a:extLst>
+            </p:cNvPr>
+            <p:cNvCxnSpPr>
+              <a:cxnSpLocks/>
+              <a:stCxn id="2" idx="6"/>
+              <a:endCxn id="7" idx="2"/>
+            </p:cNvCxnSpPr>
+            <p:nvPr/>
+          </p:nvCxnSpPr>
+          <p:spPr>
+            <a:xfrm>
+              <a:off x="2369737" y="2825339"/>
+              <a:ext cx="639560" cy="0"/>
+            </a:xfrm>
+            <a:prstGeom prst="line">
+              <a:avLst/>
+            </a:prstGeom>
+            <a:ln w="15875">
+              <a:solidFill>
+                <a:schemeClr val="tx1"/>
+              </a:solidFill>
+            </a:ln>
+          </p:spPr>
+          <p:style>
+            <a:lnRef idx="1">
+              <a:schemeClr val="accent1"/>
+            </a:lnRef>
+            <a:fillRef idx="0">
+              <a:schemeClr val="accent1"/>
+            </a:fillRef>
+            <a:effectRef idx="0">
+              <a:schemeClr val="accent1"/>
+            </a:effectRef>
+            <a:fontRef idx="minor">
+              <a:schemeClr val="tx1"/>
+            </a:fontRef>
+          </p:style>
+        </p:cxnSp>
+        <p:cxnSp>
+          <p:nvCxnSpPr>
+            <p:cNvPr id="18" name="直接连接符 17">
+              <a:extLst>
+                <a:ext uri="{FF2B5EF4-FFF2-40B4-BE49-F238E27FC236}">
+                  <a16:creationId xmlns:a16="http://schemas.microsoft.com/office/drawing/2014/main" id="{8D1B25FF-6E4E-3125-195E-17EF878A65DA}"/>
+                </a:ext>
+              </a:extLst>
+            </p:cNvPr>
+            <p:cNvCxnSpPr>
+              <a:cxnSpLocks/>
+              <a:endCxn id="2" idx="2"/>
+            </p:cNvCxnSpPr>
+            <p:nvPr/>
+          </p:nvCxnSpPr>
+          <p:spPr>
+            <a:xfrm>
+              <a:off x="1527522" y="2730997"/>
+              <a:ext cx="482215" cy="94342"/>
+            </a:xfrm>
+            <a:prstGeom prst="line">
+              <a:avLst/>
+            </a:prstGeom>
+            <a:ln w="15875">
+              <a:solidFill>
+                <a:schemeClr val="tx1"/>
+              </a:solidFill>
+            </a:ln>
+          </p:spPr>
+          <p:style>
+            <a:lnRef idx="1">
+              <a:schemeClr val="accent1"/>
+            </a:lnRef>
+            <a:fillRef idx="0">
+              <a:schemeClr val="accent1"/>
+            </a:fillRef>
+            <a:effectRef idx="0">
+              <a:schemeClr val="accent1"/>
+            </a:effectRef>
+            <a:fontRef idx="minor">
+              <a:schemeClr val="tx1"/>
+            </a:fontRef>
+          </p:style>
+        </p:cxnSp>
+        <p:cxnSp>
+          <p:nvCxnSpPr>
+            <p:cNvPr id="23" name="直接连接符 22">
+              <a:extLst>
+                <a:ext uri="{FF2B5EF4-FFF2-40B4-BE49-F238E27FC236}">
+                  <a16:creationId xmlns:a16="http://schemas.microsoft.com/office/drawing/2014/main" id="{867DD570-CB09-82AD-6BCB-7A3EF2D62C6A}"/>
+                </a:ext>
+              </a:extLst>
+            </p:cNvPr>
+            <p:cNvCxnSpPr>
+              <a:cxnSpLocks/>
+              <a:stCxn id="6" idx="4"/>
+              <a:endCxn id="2" idx="0"/>
+            </p:cNvCxnSpPr>
+            <p:nvPr/>
+          </p:nvCxnSpPr>
+          <p:spPr>
+            <a:xfrm flipH="1">
+              <a:off x="2189737" y="2091049"/>
+              <a:ext cx="100941" cy="554290"/>
+            </a:xfrm>
+            <a:prstGeom prst="line">
+              <a:avLst/>
+            </a:prstGeom>
+            <a:ln w="15875">
+              <a:solidFill>
+                <a:schemeClr val="tx1"/>
+              </a:solidFill>
+            </a:ln>
+          </p:spPr>
+          <p:style>
+            <a:lnRef idx="1">
+              <a:schemeClr val="accent1"/>
+            </a:lnRef>
+            <a:fillRef idx="0">
+              <a:schemeClr val="accent1"/>
+            </a:fillRef>
+            <a:effectRef idx="0">
+              <a:schemeClr val="accent1"/>
+            </a:effectRef>
+            <a:fontRef idx="minor">
+              <a:schemeClr val="tx1"/>
+            </a:fontRef>
+          </p:style>
+        </p:cxnSp>
+        <p:cxnSp>
+          <p:nvCxnSpPr>
+            <p:cNvPr id="29" name="直接连接符 28">
+              <a:extLst>
+                <a:ext uri="{FF2B5EF4-FFF2-40B4-BE49-F238E27FC236}">
+                  <a16:creationId xmlns:a16="http://schemas.microsoft.com/office/drawing/2014/main" id="{E0161D09-EAD9-7B95-DE70-CCB692D87EBF}"/>
+                </a:ext>
+              </a:extLst>
+            </p:cNvPr>
+            <p:cNvCxnSpPr>
+              <a:cxnSpLocks/>
+              <a:stCxn id="13" idx="0"/>
+              <a:endCxn id="2" idx="4"/>
+            </p:cNvCxnSpPr>
+            <p:nvPr/>
+          </p:nvCxnSpPr>
+          <p:spPr>
+            <a:xfrm flipV="1">
+              <a:off x="2189737" y="3005339"/>
+              <a:ext cx="0" cy="554290"/>
+            </a:xfrm>
+            <a:prstGeom prst="line">
+              <a:avLst/>
+            </a:prstGeom>
+            <a:ln w="15875">
+              <a:solidFill>
+                <a:schemeClr val="tx1"/>
+              </a:solidFill>
+            </a:ln>
+          </p:spPr>
+          <p:style>
+            <a:lnRef idx="1">
+              <a:schemeClr val="accent1"/>
+            </a:lnRef>
+            <a:fillRef idx="0">
+              <a:schemeClr val="accent1"/>
+            </a:fillRef>
+            <a:effectRef idx="0">
+              <a:schemeClr val="accent1"/>
+            </a:effectRef>
+            <a:fontRef idx="minor">
+              <a:schemeClr val="tx1"/>
+            </a:fontRef>
+          </p:style>
+        </p:cxnSp>
+        <p:cxnSp>
+          <p:nvCxnSpPr>
+            <p:cNvPr id="33" name="直接连接符 32">
+              <a:extLst>
+                <a:ext uri="{FF2B5EF4-FFF2-40B4-BE49-F238E27FC236}">
+                  <a16:creationId xmlns:a16="http://schemas.microsoft.com/office/drawing/2014/main" id="{F4AF4119-67DE-4831-5D77-DA13F9CE2D27}"/>
+                </a:ext>
+              </a:extLst>
+            </p:cNvPr>
+            <p:cNvCxnSpPr>
+              <a:cxnSpLocks/>
+              <a:endCxn id="6" idx="2"/>
+            </p:cNvCxnSpPr>
+            <p:nvPr/>
+          </p:nvCxnSpPr>
+          <p:spPr>
+            <a:xfrm flipV="1">
+              <a:off x="1387742" y="1911049"/>
+              <a:ext cx="722936" cy="639948"/>
+            </a:xfrm>
+            <a:prstGeom prst="line">
+              <a:avLst/>
+            </a:prstGeom>
+            <a:ln w="15875">
+              <a:solidFill>
+                <a:schemeClr val="tx1"/>
+              </a:solidFill>
+            </a:ln>
+          </p:spPr>
+          <p:style>
+            <a:lnRef idx="1">
+              <a:schemeClr val="accent1"/>
+            </a:lnRef>
+            <a:fillRef idx="0">
+              <a:schemeClr val="accent1"/>
+            </a:fillRef>
+            <a:effectRef idx="0">
+              <a:schemeClr val="accent1"/>
+            </a:effectRef>
+            <a:fontRef idx="minor">
+              <a:schemeClr val="tx1"/>
+            </a:fontRef>
+          </p:style>
+        </p:cxnSp>
+        <p:cxnSp>
+          <p:nvCxnSpPr>
+            <p:cNvPr id="45" name="直接连接符 44">
+              <a:extLst>
+                <a:ext uri="{FF2B5EF4-FFF2-40B4-BE49-F238E27FC236}">
+                  <a16:creationId xmlns:a16="http://schemas.microsoft.com/office/drawing/2014/main" id="{672FA199-4818-D672-8082-67614A896515}"/>
+                </a:ext>
+              </a:extLst>
+            </p:cNvPr>
+            <p:cNvCxnSpPr>
+              <a:cxnSpLocks/>
+              <a:endCxn id="13" idx="2"/>
+            </p:cNvCxnSpPr>
+            <p:nvPr/>
+          </p:nvCxnSpPr>
+          <p:spPr>
+            <a:xfrm>
+              <a:off x="1347522" y="2902313"/>
+              <a:ext cx="662215" cy="837316"/>
+            </a:xfrm>
+            <a:prstGeom prst="line">
+              <a:avLst/>
+            </a:prstGeom>
+            <a:ln w="15875">
+              <a:solidFill>
+                <a:schemeClr val="tx1"/>
+              </a:solidFill>
+            </a:ln>
+          </p:spPr>
+          <p:style>
+            <a:lnRef idx="1">
+              <a:schemeClr val="accent1"/>
+            </a:lnRef>
+            <a:fillRef idx="0">
+              <a:schemeClr val="accent1"/>
+            </a:fillRef>
+            <a:effectRef idx="0">
+              <a:schemeClr val="accent1"/>
+            </a:effectRef>
+            <a:fontRef idx="minor">
+              <a:schemeClr val="tx1"/>
+            </a:fontRef>
+          </p:style>
+        </p:cxnSp>
+        <p:cxnSp>
+          <p:nvCxnSpPr>
+            <p:cNvPr id="47" name="直接连接符 46">
+              <a:extLst>
+                <a:ext uri="{FF2B5EF4-FFF2-40B4-BE49-F238E27FC236}">
+                  <a16:creationId xmlns:a16="http://schemas.microsoft.com/office/drawing/2014/main" id="{D8672A43-0E2B-8B61-0387-1BCCC37AA328}"/>
+                </a:ext>
+              </a:extLst>
+            </p:cNvPr>
+            <p:cNvCxnSpPr>
+              <a:cxnSpLocks/>
+              <a:endCxn id="7" idx="3"/>
+            </p:cNvCxnSpPr>
+            <p:nvPr/>
+          </p:nvCxnSpPr>
+          <p:spPr>
+            <a:xfrm flipV="1">
+              <a:off x="2369737" y="2952618"/>
+              <a:ext cx="692281" cy="805702"/>
+            </a:xfrm>
+            <a:prstGeom prst="line">
+              <a:avLst/>
+            </a:prstGeom>
+            <a:ln w="15875">
+              <a:solidFill>
+                <a:schemeClr val="tx1"/>
+              </a:solidFill>
+            </a:ln>
+          </p:spPr>
+          <p:style>
+            <a:lnRef idx="1">
+              <a:schemeClr val="accent1"/>
+            </a:lnRef>
+            <a:fillRef idx="0">
+              <a:schemeClr val="accent1"/>
+            </a:fillRef>
+            <a:effectRef idx="0">
+              <a:schemeClr val="accent1"/>
+            </a:effectRef>
+            <a:fontRef idx="minor">
+              <a:schemeClr val="tx1"/>
+            </a:fontRef>
+          </p:style>
+        </p:cxnSp>
+        <p:cxnSp>
+          <p:nvCxnSpPr>
+            <p:cNvPr id="51" name="直接连接符 50">
+              <a:extLst>
+                <a:ext uri="{FF2B5EF4-FFF2-40B4-BE49-F238E27FC236}">
+                  <a16:creationId xmlns:a16="http://schemas.microsoft.com/office/drawing/2014/main" id="{FB6E0598-B013-4A73-8B71-033C200EA06A}"/>
+                </a:ext>
+              </a:extLst>
+            </p:cNvPr>
+            <p:cNvCxnSpPr>
+              <a:cxnSpLocks/>
+              <a:endCxn id="7" idx="1"/>
+            </p:cNvCxnSpPr>
+            <p:nvPr/>
+          </p:nvCxnSpPr>
+          <p:spPr>
+            <a:xfrm>
+              <a:off x="2470678" y="1912649"/>
+              <a:ext cx="591340" cy="785411"/>
+            </a:xfrm>
+            <a:prstGeom prst="line">
+              <a:avLst/>
+            </a:prstGeom>
+            <a:ln w="15875">
+              <a:solidFill>
+                <a:schemeClr val="tx1"/>
+              </a:solidFill>
+            </a:ln>
+          </p:spPr>
+          <p:style>
+            <a:lnRef idx="1">
+              <a:schemeClr val="accent1"/>
+            </a:lnRef>
+            <a:fillRef idx="0">
+              <a:schemeClr val="accent1"/>
+            </a:fillRef>
+            <a:effectRef idx="0">
+              <a:schemeClr val="accent1"/>
+            </a:effectRef>
+            <a:fontRef idx="minor">
+              <a:schemeClr val="tx1"/>
+            </a:fontRef>
+          </p:style>
+        </p:cxnSp>
+        <p:sp>
+          <p:nvSpPr>
+            <p:cNvPr id="53" name="文本框 52">
+              <a:extLst>
+                <a:ext uri="{FF2B5EF4-FFF2-40B4-BE49-F238E27FC236}">
+                  <a16:creationId xmlns:a16="http://schemas.microsoft.com/office/drawing/2014/main" id="{73F707B5-5414-CEBC-1BD5-8649DCE0128F}"/>
+                </a:ext>
+              </a:extLst>
+            </p:cNvPr>
+            <p:cNvSpPr txBox="1"/>
+            <p:nvPr/>
+          </p:nvSpPr>
+          <p:spPr>
+            <a:xfrm>
+              <a:off x="1450532" y="2006257"/>
+              <a:ext cx="259714" cy="369332"/>
+            </a:xfrm>
+            <a:prstGeom prst="rect">
+              <a:avLst/>
+            </a:prstGeom>
+            <a:noFill/>
+          </p:spPr>
+          <p:txBody>
+            <a:bodyPr wrap="square" rtlCol="0">
+              <a:spAutoFit/>
+            </a:bodyPr>
+            <a:lstStyle/>
+            <a:p>
+              <a:r>
+                <a:rPr lang="en-US" altLang="zh-CN" dirty="0"/>
+                <a:t>3</a:t>
+              </a:r>
+              <a:endParaRPr lang="zh-CN" altLang="en-US" dirty="0"/>
+            </a:p>
+          </p:txBody>
+        </p:sp>
+        <p:sp>
+          <p:nvSpPr>
+            <p:cNvPr id="54" name="文本框 53">
+              <a:extLst>
+                <a:ext uri="{FF2B5EF4-FFF2-40B4-BE49-F238E27FC236}">
+                  <a16:creationId xmlns:a16="http://schemas.microsoft.com/office/drawing/2014/main" id="{E3D32945-CB6F-92C5-EE58-4AC29911065A}"/>
+                </a:ext>
+              </a:extLst>
+            </p:cNvPr>
+            <p:cNvSpPr txBox="1"/>
+            <p:nvPr/>
+          </p:nvSpPr>
+          <p:spPr>
+            <a:xfrm>
+              <a:off x="2239880" y="2262920"/>
+              <a:ext cx="259714" cy="369332"/>
+            </a:xfrm>
+            <a:prstGeom prst="rect">
+              <a:avLst/>
+            </a:prstGeom>
+            <a:noFill/>
+          </p:spPr>
+          <p:txBody>
+            <a:bodyPr wrap="square" rtlCol="0">
+              <a:spAutoFit/>
+            </a:bodyPr>
+            <a:lstStyle/>
+            <a:p>
+              <a:r>
+                <a:rPr lang="en-US" altLang="zh-CN" dirty="0"/>
+                <a:t>1</a:t>
+              </a:r>
+              <a:endParaRPr lang="zh-CN" altLang="en-US" dirty="0"/>
+            </a:p>
+          </p:txBody>
+        </p:sp>
+        <p:sp>
+          <p:nvSpPr>
+            <p:cNvPr id="55" name="文本框 54">
+              <a:extLst>
+                <a:ext uri="{FF2B5EF4-FFF2-40B4-BE49-F238E27FC236}">
+                  <a16:creationId xmlns:a16="http://schemas.microsoft.com/office/drawing/2014/main" id="{23153C84-0EFF-E48A-0AD4-CDFD5571EB3F}"/>
+                </a:ext>
+              </a:extLst>
+            </p:cNvPr>
+            <p:cNvSpPr txBox="1"/>
+            <p:nvPr/>
+          </p:nvSpPr>
+          <p:spPr>
+            <a:xfrm>
+              <a:off x="2765654" y="2046357"/>
+              <a:ext cx="259714" cy="369332"/>
+            </a:xfrm>
+            <a:prstGeom prst="rect">
+              <a:avLst/>
+            </a:prstGeom>
+            <a:noFill/>
+          </p:spPr>
+          <p:txBody>
+            <a:bodyPr wrap="square" rtlCol="0">
+              <a:spAutoFit/>
+            </a:bodyPr>
+            <a:lstStyle/>
+            <a:p>
+              <a:r>
+                <a:rPr lang="en-US" altLang="zh-CN" dirty="0"/>
+                <a:t>4</a:t>
+              </a:r>
+              <a:endParaRPr lang="zh-CN" altLang="en-US" dirty="0"/>
+            </a:p>
+          </p:txBody>
+        </p:sp>
+        <p:sp>
+          <p:nvSpPr>
+            <p:cNvPr id="56" name="文本框 55">
+              <a:extLst>
+                <a:ext uri="{FF2B5EF4-FFF2-40B4-BE49-F238E27FC236}">
+                  <a16:creationId xmlns:a16="http://schemas.microsoft.com/office/drawing/2014/main" id="{C06F1176-2D64-49AC-D984-465203192DBB}"/>
+                </a:ext>
+              </a:extLst>
+            </p:cNvPr>
+            <p:cNvSpPr txBox="1"/>
+            <p:nvPr/>
+          </p:nvSpPr>
+          <p:spPr>
+            <a:xfrm>
+              <a:off x="1615815" y="2767952"/>
+              <a:ext cx="259714" cy="369332"/>
+            </a:xfrm>
+            <a:prstGeom prst="rect">
+              <a:avLst/>
+            </a:prstGeom>
+            <a:noFill/>
+          </p:spPr>
+          <p:txBody>
+            <a:bodyPr wrap="square" rtlCol="0">
+              <a:spAutoFit/>
+            </a:bodyPr>
+            <a:lstStyle/>
+            <a:p>
+              <a:r>
+                <a:rPr lang="en-US" altLang="zh-CN" dirty="0"/>
+                <a:t>1</a:t>
+              </a:r>
+              <a:endParaRPr lang="zh-CN" altLang="en-US" dirty="0"/>
+            </a:p>
+          </p:txBody>
+        </p:sp>
+        <p:sp>
+          <p:nvSpPr>
+            <p:cNvPr id="57" name="文本框 56">
+              <a:extLst>
+                <a:ext uri="{FF2B5EF4-FFF2-40B4-BE49-F238E27FC236}">
+                  <a16:creationId xmlns:a16="http://schemas.microsoft.com/office/drawing/2014/main" id="{D26687C2-304E-B32D-E01A-2A4E61EFE1BA}"/>
+                </a:ext>
+              </a:extLst>
+            </p:cNvPr>
+            <p:cNvSpPr txBox="1"/>
+            <p:nvPr/>
+          </p:nvSpPr>
+          <p:spPr>
+            <a:xfrm>
+              <a:off x="2393519" y="2791309"/>
+              <a:ext cx="259714" cy="369332"/>
+            </a:xfrm>
+            <a:prstGeom prst="rect">
+              <a:avLst/>
+            </a:prstGeom>
+            <a:noFill/>
+          </p:spPr>
+          <p:txBody>
+            <a:bodyPr wrap="square" rtlCol="0">
+              <a:spAutoFit/>
+            </a:bodyPr>
+            <a:lstStyle/>
+            <a:p>
+              <a:r>
+                <a:rPr lang="en-US" altLang="zh-CN" dirty="0"/>
+                <a:t>2</a:t>
+              </a:r>
+              <a:endParaRPr lang="zh-CN" altLang="en-US" dirty="0"/>
+            </a:p>
+          </p:txBody>
+        </p:sp>
+        <p:sp>
+          <p:nvSpPr>
+            <p:cNvPr id="58" name="文本框 57">
+              <a:extLst>
+                <a:ext uri="{FF2B5EF4-FFF2-40B4-BE49-F238E27FC236}">
+                  <a16:creationId xmlns:a16="http://schemas.microsoft.com/office/drawing/2014/main" id="{812EB251-5803-5812-CE48-9A8EA53C6962}"/>
+                </a:ext>
+              </a:extLst>
+            </p:cNvPr>
+            <p:cNvSpPr txBox="1"/>
+            <p:nvPr/>
+          </p:nvSpPr>
+          <p:spPr>
+            <a:xfrm>
+              <a:off x="2749583" y="3201511"/>
+              <a:ext cx="259714" cy="369332"/>
+            </a:xfrm>
+            <a:prstGeom prst="rect">
+              <a:avLst/>
+            </a:prstGeom>
+            <a:noFill/>
+          </p:spPr>
+          <p:txBody>
+            <a:bodyPr wrap="square" rtlCol="0">
+              <a:spAutoFit/>
+            </a:bodyPr>
+            <a:lstStyle/>
+            <a:p>
+              <a:r>
+                <a:rPr lang="en-US" altLang="zh-CN" dirty="0"/>
+                <a:t>2</a:t>
+              </a:r>
+              <a:endParaRPr lang="zh-CN" altLang="en-US" dirty="0"/>
+            </a:p>
+          </p:txBody>
+        </p:sp>
+        <p:sp>
+          <p:nvSpPr>
+            <p:cNvPr id="59" name="文本框 58">
+              <a:extLst>
+                <a:ext uri="{FF2B5EF4-FFF2-40B4-BE49-F238E27FC236}">
+                  <a16:creationId xmlns:a16="http://schemas.microsoft.com/office/drawing/2014/main" id="{7A7133A7-FDA1-4532-47A4-8702B6403C1C}"/>
+                </a:ext>
+              </a:extLst>
+            </p:cNvPr>
+            <p:cNvSpPr txBox="1"/>
+            <p:nvPr/>
+          </p:nvSpPr>
+          <p:spPr>
+            <a:xfrm>
+              <a:off x="1390023" y="3214258"/>
+              <a:ext cx="259714" cy="369332"/>
+            </a:xfrm>
+            <a:prstGeom prst="rect">
+              <a:avLst/>
+            </a:prstGeom>
+            <a:noFill/>
+          </p:spPr>
+          <p:txBody>
+            <a:bodyPr wrap="square" rtlCol="0">
+              <a:spAutoFit/>
+            </a:bodyPr>
+            <a:lstStyle/>
+            <a:p>
+              <a:r>
+                <a:rPr lang="en-US" altLang="zh-CN" dirty="0"/>
+                <a:t>5</a:t>
+              </a:r>
+              <a:endParaRPr lang="zh-CN" altLang="en-US" dirty="0"/>
+            </a:p>
+          </p:txBody>
+        </p:sp>
+      </p:grpSp>
+      <p:sp>
+        <p:nvSpPr>
+          <p:cNvPr id="61" name="椭圆 60">
+            <a:extLst>
+              <a:ext uri="{FF2B5EF4-FFF2-40B4-BE49-F238E27FC236}">
+                <a16:creationId xmlns:a16="http://schemas.microsoft.com/office/drawing/2014/main" id="{F56C2CE5-E81B-AD43-89D0-FD45382736EC}"/>
+              </a:ext>
+            </a:extLst>
+          </p:cNvPr>
+          <p:cNvSpPr/>
+          <p:nvPr/>
+        </p:nvSpPr>
+        <p:spPr>
+          <a:xfrm>
+            <a:off x="5710238" y="3801204"/>
+            <a:ext cx="360000" cy="360000"/>
+          </a:xfrm>
+          <a:prstGeom prst="ellipse">
+            <a:avLst/>
+          </a:prstGeom>
+          <a:solidFill>
+            <a:schemeClr val="bg1"/>
+          </a:solidFill>
+          <a:ln>
+            <a:solidFill>
+              <a:schemeClr val="tx1"/>
+            </a:solidFill>
+          </a:ln>
+        </p:spPr>
+        <p:style>
+          <a:lnRef idx="2">
+            <a:schemeClr val="accent1">
+              <a:shade val="50000"/>
+            </a:schemeClr>
+          </a:lnRef>
+          <a:fillRef idx="1">
+            <a:schemeClr val="accent1"/>
+          </a:fillRef>
+          <a:effectRef idx="0">
+            <a:schemeClr val="accent1"/>
+          </a:effectRef>
+          <a:fontRef idx="minor">
+            <a:schemeClr val="lt1"/>
+          </a:fontRef>
+        </p:style>
+        <p:txBody>
+          <a:bodyPr rtlCol="0" anchor="ctr"/>
+          <a:lstStyle/>
+          <a:p>
+            <a:pPr algn="ctr"/>
+            <a:r>
+              <a:rPr lang="en-US" altLang="zh-CN" dirty="0">
+                <a:solidFill>
+                  <a:schemeClr val="tx1"/>
+                </a:solidFill>
+              </a:rPr>
+              <a:t>C</a:t>
+            </a:r>
+            <a:endParaRPr lang="zh-CN" altLang="en-US" dirty="0">
+              <a:solidFill>
+                <a:schemeClr val="tx1"/>
+              </a:solidFill>
+            </a:endParaRPr>
+          </a:p>
+        </p:txBody>
+      </p:sp>
+      <p:sp>
+        <p:nvSpPr>
+          <p:cNvPr id="62" name="椭圆 61">
+            <a:extLst>
+              <a:ext uri="{FF2B5EF4-FFF2-40B4-BE49-F238E27FC236}">
+                <a16:creationId xmlns:a16="http://schemas.microsoft.com/office/drawing/2014/main" id="{B4F66C67-59E5-4476-7BA4-8F3BDF725BA0}"/>
+              </a:ext>
+            </a:extLst>
+          </p:cNvPr>
+          <p:cNvSpPr/>
+          <p:nvPr/>
+        </p:nvSpPr>
+        <p:spPr>
+          <a:xfrm>
+            <a:off x="7228995" y="3801204"/>
+            <a:ext cx="360000" cy="360000"/>
+          </a:xfrm>
+          <a:prstGeom prst="ellipse">
+            <a:avLst/>
+          </a:prstGeom>
+          <a:solidFill>
+            <a:schemeClr val="bg1"/>
+          </a:solidFill>
+          <a:ln>
+            <a:solidFill>
+              <a:schemeClr val="tx1"/>
+            </a:solidFill>
+          </a:ln>
+        </p:spPr>
+        <p:style>
+          <a:lnRef idx="2">
+            <a:schemeClr val="accent1">
+              <a:shade val="50000"/>
+            </a:schemeClr>
+          </a:lnRef>
+          <a:fillRef idx="1">
+            <a:schemeClr val="accent1"/>
+          </a:fillRef>
+          <a:effectRef idx="0">
+            <a:schemeClr val="accent1"/>
+          </a:effectRef>
+          <a:fontRef idx="minor">
+            <a:schemeClr val="lt1"/>
+          </a:fontRef>
+        </p:style>
+        <p:txBody>
+          <a:bodyPr rtlCol="0" anchor="ctr"/>
+          <a:lstStyle/>
+          <a:p>
+            <a:pPr algn="ctr"/>
+            <a:r>
+              <a:rPr lang="en-US" altLang="zh-CN" dirty="0">
+                <a:solidFill>
+                  <a:schemeClr val="tx1"/>
+                </a:solidFill>
+              </a:rPr>
+              <a:t>C</a:t>
+            </a:r>
+            <a:endParaRPr lang="zh-CN" altLang="en-US" dirty="0">
+              <a:solidFill>
+                <a:schemeClr val="tx1"/>
+              </a:solidFill>
+            </a:endParaRPr>
+          </a:p>
+        </p:txBody>
+      </p:sp>
+      <p:sp>
+        <p:nvSpPr>
+          <p:cNvPr id="63" name="椭圆 62">
+            <a:extLst>
+              <a:ext uri="{FF2B5EF4-FFF2-40B4-BE49-F238E27FC236}">
+                <a16:creationId xmlns:a16="http://schemas.microsoft.com/office/drawing/2014/main" id="{787B3A88-34CD-65A2-94D7-0C114EE27EFC}"/>
+              </a:ext>
+            </a:extLst>
+          </p:cNvPr>
+          <p:cNvSpPr/>
+          <p:nvPr/>
+        </p:nvSpPr>
+        <p:spPr>
+          <a:xfrm>
+            <a:off x="6505698" y="4442471"/>
+            <a:ext cx="360000" cy="360000"/>
+          </a:xfrm>
+          <a:prstGeom prst="ellipse">
+            <a:avLst/>
+          </a:prstGeom>
+          <a:solidFill>
+            <a:schemeClr val="bg1"/>
+          </a:solidFill>
+          <a:ln>
+            <a:solidFill>
+              <a:schemeClr val="tx1"/>
+            </a:solidFill>
+          </a:ln>
+        </p:spPr>
+        <p:style>
+          <a:lnRef idx="2">
+            <a:schemeClr val="accent1">
+              <a:shade val="50000"/>
+            </a:schemeClr>
+          </a:lnRef>
+          <a:fillRef idx="1">
+            <a:schemeClr val="accent1"/>
+          </a:fillRef>
+          <a:effectRef idx="0">
+            <a:schemeClr val="accent1"/>
+          </a:effectRef>
+          <a:fontRef idx="minor">
+            <a:schemeClr val="lt1"/>
+          </a:fontRef>
+        </p:style>
+        <p:txBody>
+          <a:bodyPr rtlCol="0" anchor="ctr"/>
+          <a:lstStyle/>
+          <a:p>
+            <a:pPr algn="ctr"/>
+            <a:r>
+              <a:rPr lang="en-US" altLang="zh-CN" dirty="0">
+                <a:solidFill>
+                  <a:schemeClr val="tx1"/>
+                </a:solidFill>
+              </a:rPr>
+              <a:t>C</a:t>
+            </a:r>
+            <a:endParaRPr lang="zh-CN" altLang="en-US" dirty="0">
+              <a:solidFill>
+                <a:schemeClr val="tx1"/>
+              </a:solidFill>
+            </a:endParaRPr>
+          </a:p>
+        </p:txBody>
+      </p:sp>
+    </p:spTree>
+    <p:extLst>
+      <p:ext uri="{BB962C8B-B14F-4D97-AF65-F5344CB8AC3E}">
+        <p14:creationId xmlns:p14="http://schemas.microsoft.com/office/powerpoint/2010/main" val="4070251093"/>
+      </p:ext>
+    </p:extLst>
+  </p:cSld>
+  <p:clrMapOvr>
+    <a:masterClrMapping/>
+  </p:clrMapOvr>
+</p:sld>
+</file>
+
+<file path=ppt/slides/slide22.xml><?xml version="1.0" encoding="utf-8"?>
+<p:sld xmlns:a="http://schemas.openxmlformats.org/drawingml/2006/main" xmlns:r="http://schemas.openxmlformats.org/officeDocument/2006/relationships" xmlns:p="http://schemas.openxmlformats.org/presentationml/2006/main">
+  <p:cSld>
+    <p:spTree>
+      <p:nvGrpSpPr>
+        <p:cNvPr id="1" name=""/>
+        <p:cNvGrpSpPr/>
+        <p:nvPr/>
+      </p:nvGrpSpPr>
+      <p:grpSpPr>
+        <a:xfrm>
+          <a:off x="0" y="0"/>
+          <a:ext cx="0" cy="0"/>
+          <a:chOff x="0" y="0"/>
+          <a:chExt cx="0" cy="0"/>
+        </a:xfrm>
+      </p:grpSpPr>
+      <p:grpSp>
+        <p:nvGrpSpPr>
+          <p:cNvPr id="60" name="组合 59">
+            <a:extLst>
+              <a:ext uri="{FF2B5EF4-FFF2-40B4-BE49-F238E27FC236}">
+                <a16:creationId xmlns:a16="http://schemas.microsoft.com/office/drawing/2014/main" id="{EDFB0FB7-328C-ADC3-720A-DD96477F770E}"/>
+              </a:ext>
+            </a:extLst>
+          </p:cNvPr>
+          <p:cNvGrpSpPr/>
+          <p:nvPr/>
+        </p:nvGrpSpPr>
+        <p:grpSpPr>
+          <a:xfrm>
+            <a:off x="1167522" y="1731049"/>
+            <a:ext cx="2201775" cy="2188580"/>
+            <a:chOff x="1167522" y="1731049"/>
+            <a:chExt cx="2201775" cy="2188580"/>
+          </a:xfrm>
+        </p:grpSpPr>
+        <p:sp>
+          <p:nvSpPr>
+            <p:cNvPr id="2" name="椭圆 1">
+              <a:extLst>
+                <a:ext uri="{FF2B5EF4-FFF2-40B4-BE49-F238E27FC236}">
+                  <a16:creationId xmlns:a16="http://schemas.microsoft.com/office/drawing/2014/main" id="{E7781782-33EB-D2DB-E17C-8E1A99163427}"/>
+                </a:ext>
+              </a:extLst>
+            </p:cNvPr>
+            <p:cNvSpPr/>
+            <p:nvPr/>
+          </p:nvSpPr>
+          <p:spPr>
+            <a:xfrm>
+              <a:off x="2009737" y="2645339"/>
+              <a:ext cx="360000" cy="360000"/>
+            </a:xfrm>
+            <a:prstGeom prst="ellipse">
+              <a:avLst/>
+            </a:prstGeom>
+            <a:solidFill>
+              <a:schemeClr val="bg1"/>
+            </a:solidFill>
+            <a:ln>
+              <a:solidFill>
+                <a:schemeClr val="tx1"/>
+              </a:solidFill>
+            </a:ln>
+          </p:spPr>
+          <p:style>
+            <a:lnRef idx="2">
+              <a:schemeClr val="accent1">
+                <a:shade val="50000"/>
+              </a:schemeClr>
+            </a:lnRef>
+            <a:fillRef idx="1">
+              <a:schemeClr val="accent1"/>
+            </a:fillRef>
+            <a:effectRef idx="0">
+              <a:schemeClr val="accent1"/>
+            </a:effectRef>
+            <a:fontRef idx="minor">
+              <a:schemeClr val="lt1"/>
+            </a:fontRef>
+          </p:style>
+          <p:txBody>
+            <a:bodyPr rtlCol="0" anchor="ctr"/>
+            <a:lstStyle/>
+            <a:p>
+              <a:pPr algn="ctr"/>
+              <a:r>
+                <a:rPr lang="en-US" altLang="zh-CN" dirty="0">
+                  <a:solidFill>
+                    <a:schemeClr val="tx1"/>
+                  </a:solidFill>
+                </a:rPr>
+                <a:t>E</a:t>
+              </a:r>
+              <a:endParaRPr lang="zh-CN" altLang="en-US" dirty="0">
+                <a:solidFill>
+                  <a:schemeClr val="tx1"/>
+                </a:solidFill>
+              </a:endParaRPr>
+            </a:p>
+          </p:txBody>
+        </p:sp>
+        <p:sp>
+          <p:nvSpPr>
+            <p:cNvPr id="6" name="椭圆 5">
+              <a:extLst>
+                <a:ext uri="{FF2B5EF4-FFF2-40B4-BE49-F238E27FC236}">
+                  <a16:creationId xmlns:a16="http://schemas.microsoft.com/office/drawing/2014/main" id="{D37E534F-0F92-FC0B-F626-ECCBCC8CC0CA}"/>
+                </a:ext>
+              </a:extLst>
+            </p:cNvPr>
+            <p:cNvSpPr/>
+            <p:nvPr/>
+          </p:nvSpPr>
+          <p:spPr>
+            <a:xfrm>
+              <a:off x="2110678" y="1731049"/>
+              <a:ext cx="360000" cy="360000"/>
+            </a:xfrm>
+            <a:prstGeom prst="ellipse">
+              <a:avLst/>
+            </a:prstGeom>
+            <a:solidFill>
+              <a:schemeClr val="bg1"/>
+            </a:solidFill>
+            <a:ln>
+              <a:solidFill>
+                <a:schemeClr val="tx1"/>
+              </a:solidFill>
+            </a:ln>
+          </p:spPr>
+          <p:style>
+            <a:lnRef idx="2">
+              <a:schemeClr val="accent1">
+                <a:shade val="50000"/>
+              </a:schemeClr>
+            </a:lnRef>
+            <a:fillRef idx="1">
+              <a:schemeClr val="accent1"/>
+            </a:fillRef>
+            <a:effectRef idx="0">
+              <a:schemeClr val="accent1"/>
+            </a:effectRef>
+            <a:fontRef idx="minor">
+              <a:schemeClr val="lt1"/>
+            </a:fontRef>
+          </p:style>
+          <p:txBody>
+            <a:bodyPr rtlCol="0" anchor="ctr"/>
+            <a:lstStyle/>
+            <a:p>
+              <a:pPr algn="ctr"/>
+              <a:r>
+                <a:rPr lang="en-US" altLang="zh-CN" dirty="0">
+                  <a:solidFill>
+                    <a:schemeClr val="tx1"/>
+                  </a:solidFill>
+                </a:rPr>
+                <a:t>A</a:t>
+              </a:r>
+              <a:endParaRPr lang="zh-CN" altLang="en-US" dirty="0">
+                <a:solidFill>
+                  <a:schemeClr val="tx1"/>
+                </a:solidFill>
+              </a:endParaRPr>
+            </a:p>
+          </p:txBody>
+        </p:sp>
+        <p:sp>
+          <p:nvSpPr>
+            <p:cNvPr id="7" name="椭圆 6">
+              <a:extLst>
+                <a:ext uri="{FF2B5EF4-FFF2-40B4-BE49-F238E27FC236}">
+                  <a16:creationId xmlns:a16="http://schemas.microsoft.com/office/drawing/2014/main" id="{406ABFA3-041D-6E75-1FBE-49935E2121AB}"/>
+                </a:ext>
+              </a:extLst>
+            </p:cNvPr>
+            <p:cNvSpPr/>
+            <p:nvPr/>
+          </p:nvSpPr>
+          <p:spPr>
+            <a:xfrm>
+              <a:off x="3009297" y="2645339"/>
+              <a:ext cx="360000" cy="360000"/>
+            </a:xfrm>
+            <a:prstGeom prst="ellipse">
+              <a:avLst/>
+            </a:prstGeom>
+            <a:solidFill>
+              <a:schemeClr val="bg1"/>
+            </a:solidFill>
+            <a:ln>
+              <a:solidFill>
+                <a:schemeClr val="tx1"/>
+              </a:solidFill>
+            </a:ln>
+          </p:spPr>
+          <p:style>
+            <a:lnRef idx="2">
+              <a:schemeClr val="accent1">
+                <a:shade val="50000"/>
+              </a:schemeClr>
+            </a:lnRef>
+            <a:fillRef idx="1">
+              <a:schemeClr val="accent1"/>
+            </a:fillRef>
+            <a:effectRef idx="0">
+              <a:schemeClr val="accent1"/>
+            </a:effectRef>
+            <a:fontRef idx="minor">
+              <a:schemeClr val="lt1"/>
+            </a:fontRef>
+          </p:style>
+          <p:txBody>
+            <a:bodyPr rtlCol="0" anchor="ctr"/>
+            <a:lstStyle/>
+            <a:p>
+              <a:pPr algn="ctr"/>
+              <a:r>
+                <a:rPr lang="en-US" altLang="zh-CN" dirty="0">
+                  <a:solidFill>
+                    <a:schemeClr val="tx1"/>
+                  </a:solidFill>
+                </a:rPr>
+                <a:t>C</a:t>
+              </a:r>
+              <a:endParaRPr lang="zh-CN" altLang="en-US" dirty="0">
+                <a:solidFill>
+                  <a:schemeClr val="tx1"/>
+                </a:solidFill>
+              </a:endParaRPr>
+            </a:p>
+          </p:txBody>
+        </p:sp>
+        <p:sp>
+          <p:nvSpPr>
+            <p:cNvPr id="10" name="椭圆 9">
+              <a:extLst>
+                <a:ext uri="{FF2B5EF4-FFF2-40B4-BE49-F238E27FC236}">
+                  <a16:creationId xmlns:a16="http://schemas.microsoft.com/office/drawing/2014/main" id="{034990FB-DAE9-C067-B5C0-AE1BA2174CB5}"/>
+                </a:ext>
+              </a:extLst>
+            </p:cNvPr>
+            <p:cNvSpPr/>
+            <p:nvPr/>
+          </p:nvSpPr>
+          <p:spPr>
+            <a:xfrm>
+              <a:off x="1167522" y="2550997"/>
+              <a:ext cx="360000" cy="360000"/>
+            </a:xfrm>
+            <a:prstGeom prst="ellipse">
+              <a:avLst/>
+            </a:prstGeom>
+            <a:solidFill>
+              <a:schemeClr val="bg1"/>
+            </a:solidFill>
+            <a:ln>
+              <a:solidFill>
+                <a:schemeClr val="tx1"/>
+              </a:solidFill>
+            </a:ln>
+          </p:spPr>
+          <p:style>
+            <a:lnRef idx="2">
+              <a:schemeClr val="accent1">
+                <a:shade val="50000"/>
+              </a:schemeClr>
+            </a:lnRef>
+            <a:fillRef idx="1">
+              <a:schemeClr val="accent1"/>
+            </a:fillRef>
+            <a:effectRef idx="0">
+              <a:schemeClr val="accent1"/>
+            </a:effectRef>
+            <a:fontRef idx="minor">
+              <a:schemeClr val="lt1"/>
+            </a:fontRef>
+          </p:style>
+          <p:txBody>
+            <a:bodyPr rtlCol="0" anchor="ctr"/>
+            <a:lstStyle/>
+            <a:p>
+              <a:pPr algn="ctr"/>
+              <a:r>
+                <a:rPr lang="en-US" altLang="zh-CN" dirty="0">
+                  <a:solidFill>
+                    <a:schemeClr val="tx1"/>
+                  </a:solidFill>
+                </a:rPr>
+                <a:t>B</a:t>
+              </a:r>
+              <a:endParaRPr lang="zh-CN" altLang="en-US" dirty="0">
+                <a:solidFill>
+                  <a:schemeClr val="tx1"/>
+                </a:solidFill>
+              </a:endParaRPr>
+            </a:p>
+          </p:txBody>
+        </p:sp>
+        <p:sp>
+          <p:nvSpPr>
+            <p:cNvPr id="13" name="椭圆 12">
+              <a:extLst>
+                <a:ext uri="{FF2B5EF4-FFF2-40B4-BE49-F238E27FC236}">
+                  <a16:creationId xmlns:a16="http://schemas.microsoft.com/office/drawing/2014/main" id="{0475C08F-9AD9-6B1A-7BEF-030E2F010FF7}"/>
+                </a:ext>
+              </a:extLst>
+            </p:cNvPr>
+            <p:cNvSpPr/>
+            <p:nvPr/>
+          </p:nvSpPr>
+          <p:spPr>
+            <a:xfrm>
+              <a:off x="2009737" y="3559629"/>
+              <a:ext cx="360000" cy="360000"/>
+            </a:xfrm>
+            <a:prstGeom prst="ellipse">
+              <a:avLst/>
+            </a:prstGeom>
+            <a:solidFill>
+              <a:schemeClr val="bg1"/>
+            </a:solidFill>
+            <a:ln>
+              <a:solidFill>
+                <a:schemeClr val="tx1"/>
+              </a:solidFill>
+            </a:ln>
+          </p:spPr>
+          <p:style>
+            <a:lnRef idx="2">
+              <a:schemeClr val="accent1">
+                <a:shade val="50000"/>
+              </a:schemeClr>
+            </a:lnRef>
+            <a:fillRef idx="1">
+              <a:schemeClr val="accent1"/>
+            </a:fillRef>
+            <a:effectRef idx="0">
+              <a:schemeClr val="accent1"/>
+            </a:effectRef>
+            <a:fontRef idx="minor">
+              <a:schemeClr val="lt1"/>
+            </a:fontRef>
+          </p:style>
+          <p:txBody>
+            <a:bodyPr rtlCol="0" anchor="ctr"/>
+            <a:lstStyle/>
+            <a:p>
+              <a:pPr algn="ctr"/>
+              <a:r>
+                <a:rPr lang="en-US" altLang="zh-CN" dirty="0">
+                  <a:solidFill>
+                    <a:schemeClr val="tx1"/>
+                  </a:solidFill>
+                </a:rPr>
+                <a:t>D</a:t>
+              </a:r>
+              <a:endParaRPr lang="zh-CN" altLang="en-US" dirty="0">
+                <a:solidFill>
+                  <a:schemeClr val="tx1"/>
+                </a:solidFill>
+              </a:endParaRPr>
+            </a:p>
+          </p:txBody>
+        </p:sp>
+        <p:cxnSp>
+          <p:nvCxnSpPr>
+            <p:cNvPr id="15" name="直接连接符 14">
+              <a:extLst>
+                <a:ext uri="{FF2B5EF4-FFF2-40B4-BE49-F238E27FC236}">
+                  <a16:creationId xmlns:a16="http://schemas.microsoft.com/office/drawing/2014/main" id="{6C0C3F95-36F5-D51C-07FE-D6AF4590C737}"/>
+                </a:ext>
+              </a:extLst>
+            </p:cNvPr>
+            <p:cNvCxnSpPr>
+              <a:cxnSpLocks/>
+              <a:stCxn id="2" idx="6"/>
+              <a:endCxn id="7" idx="2"/>
+            </p:cNvCxnSpPr>
+            <p:nvPr/>
+          </p:nvCxnSpPr>
+          <p:spPr>
+            <a:xfrm>
+              <a:off x="2369737" y="2825339"/>
+              <a:ext cx="639560" cy="0"/>
+            </a:xfrm>
+            <a:prstGeom prst="line">
+              <a:avLst/>
+            </a:prstGeom>
+            <a:ln w="15875">
+              <a:solidFill>
+                <a:schemeClr val="tx1"/>
+              </a:solidFill>
+            </a:ln>
+          </p:spPr>
+          <p:style>
+            <a:lnRef idx="1">
+              <a:schemeClr val="accent1"/>
+            </a:lnRef>
+            <a:fillRef idx="0">
+              <a:schemeClr val="accent1"/>
+            </a:fillRef>
+            <a:effectRef idx="0">
+              <a:schemeClr val="accent1"/>
+            </a:effectRef>
+            <a:fontRef idx="minor">
+              <a:schemeClr val="tx1"/>
+            </a:fontRef>
+          </p:style>
+        </p:cxnSp>
+        <p:cxnSp>
+          <p:nvCxnSpPr>
+            <p:cNvPr id="18" name="直接连接符 17">
+              <a:extLst>
+                <a:ext uri="{FF2B5EF4-FFF2-40B4-BE49-F238E27FC236}">
+                  <a16:creationId xmlns:a16="http://schemas.microsoft.com/office/drawing/2014/main" id="{8D1B25FF-6E4E-3125-195E-17EF878A65DA}"/>
+                </a:ext>
+              </a:extLst>
+            </p:cNvPr>
+            <p:cNvCxnSpPr>
+              <a:cxnSpLocks/>
+              <a:endCxn id="2" idx="2"/>
+            </p:cNvCxnSpPr>
+            <p:nvPr/>
+          </p:nvCxnSpPr>
+          <p:spPr>
+            <a:xfrm>
+              <a:off x="1527522" y="2730997"/>
+              <a:ext cx="482215" cy="94342"/>
+            </a:xfrm>
+            <a:prstGeom prst="line">
+              <a:avLst/>
+            </a:prstGeom>
+            <a:ln w="15875">
+              <a:solidFill>
+                <a:schemeClr val="tx1"/>
+              </a:solidFill>
+            </a:ln>
+          </p:spPr>
+          <p:style>
+            <a:lnRef idx="1">
+              <a:schemeClr val="accent1"/>
+            </a:lnRef>
+            <a:fillRef idx="0">
+              <a:schemeClr val="accent1"/>
+            </a:fillRef>
+            <a:effectRef idx="0">
+              <a:schemeClr val="accent1"/>
+            </a:effectRef>
+            <a:fontRef idx="minor">
+              <a:schemeClr val="tx1"/>
+            </a:fontRef>
+          </p:style>
+        </p:cxnSp>
+        <p:cxnSp>
+          <p:nvCxnSpPr>
+            <p:cNvPr id="23" name="直接连接符 22">
+              <a:extLst>
+                <a:ext uri="{FF2B5EF4-FFF2-40B4-BE49-F238E27FC236}">
+                  <a16:creationId xmlns:a16="http://schemas.microsoft.com/office/drawing/2014/main" id="{867DD570-CB09-82AD-6BCB-7A3EF2D62C6A}"/>
+                </a:ext>
+              </a:extLst>
+            </p:cNvPr>
+            <p:cNvCxnSpPr>
+              <a:cxnSpLocks/>
+              <a:stCxn id="6" idx="4"/>
+              <a:endCxn id="2" idx="0"/>
+            </p:cNvCxnSpPr>
+            <p:nvPr/>
+          </p:nvCxnSpPr>
+          <p:spPr>
+            <a:xfrm flipH="1">
+              <a:off x="2189737" y="2091049"/>
+              <a:ext cx="100941" cy="554290"/>
+            </a:xfrm>
+            <a:prstGeom prst="line">
+              <a:avLst/>
+            </a:prstGeom>
+            <a:ln w="15875">
+              <a:solidFill>
+                <a:schemeClr val="tx1"/>
+              </a:solidFill>
+            </a:ln>
+          </p:spPr>
+          <p:style>
+            <a:lnRef idx="1">
+              <a:schemeClr val="accent1"/>
+            </a:lnRef>
+            <a:fillRef idx="0">
+              <a:schemeClr val="accent1"/>
+            </a:fillRef>
+            <a:effectRef idx="0">
+              <a:schemeClr val="accent1"/>
+            </a:effectRef>
+            <a:fontRef idx="minor">
+              <a:schemeClr val="tx1"/>
+            </a:fontRef>
+          </p:style>
+        </p:cxnSp>
+        <p:cxnSp>
+          <p:nvCxnSpPr>
+            <p:cNvPr id="29" name="直接连接符 28">
+              <a:extLst>
+                <a:ext uri="{FF2B5EF4-FFF2-40B4-BE49-F238E27FC236}">
+                  <a16:creationId xmlns:a16="http://schemas.microsoft.com/office/drawing/2014/main" id="{E0161D09-EAD9-7B95-DE70-CCB692D87EBF}"/>
+                </a:ext>
+              </a:extLst>
+            </p:cNvPr>
+            <p:cNvCxnSpPr>
+              <a:cxnSpLocks/>
+              <a:stCxn id="13" idx="0"/>
+              <a:endCxn id="2" idx="4"/>
+            </p:cNvCxnSpPr>
+            <p:nvPr/>
+          </p:nvCxnSpPr>
+          <p:spPr>
+            <a:xfrm flipV="1">
+              <a:off x="2189737" y="3005339"/>
+              <a:ext cx="0" cy="554290"/>
+            </a:xfrm>
+            <a:prstGeom prst="line">
+              <a:avLst/>
+            </a:prstGeom>
+            <a:ln w="15875">
+              <a:solidFill>
+                <a:schemeClr val="tx1"/>
+              </a:solidFill>
+            </a:ln>
+          </p:spPr>
+          <p:style>
+            <a:lnRef idx="1">
+              <a:schemeClr val="accent1"/>
+            </a:lnRef>
+            <a:fillRef idx="0">
+              <a:schemeClr val="accent1"/>
+            </a:fillRef>
+            <a:effectRef idx="0">
+              <a:schemeClr val="accent1"/>
+            </a:effectRef>
+            <a:fontRef idx="minor">
+              <a:schemeClr val="tx1"/>
+            </a:fontRef>
+          </p:style>
+        </p:cxnSp>
+        <p:cxnSp>
+          <p:nvCxnSpPr>
+            <p:cNvPr id="33" name="直接连接符 32">
+              <a:extLst>
+                <a:ext uri="{FF2B5EF4-FFF2-40B4-BE49-F238E27FC236}">
+                  <a16:creationId xmlns:a16="http://schemas.microsoft.com/office/drawing/2014/main" id="{F4AF4119-67DE-4831-5D77-DA13F9CE2D27}"/>
+                </a:ext>
+              </a:extLst>
+            </p:cNvPr>
+            <p:cNvCxnSpPr>
+              <a:cxnSpLocks/>
+              <a:endCxn id="6" idx="2"/>
+            </p:cNvCxnSpPr>
+            <p:nvPr/>
+          </p:nvCxnSpPr>
+          <p:spPr>
+            <a:xfrm flipV="1">
+              <a:off x="1387742" y="1911049"/>
+              <a:ext cx="722936" cy="639948"/>
+            </a:xfrm>
+            <a:prstGeom prst="line">
+              <a:avLst/>
+            </a:prstGeom>
+            <a:ln w="15875">
+              <a:solidFill>
+                <a:schemeClr val="tx1"/>
+              </a:solidFill>
+            </a:ln>
+          </p:spPr>
+          <p:style>
+            <a:lnRef idx="1">
+              <a:schemeClr val="accent1"/>
+            </a:lnRef>
+            <a:fillRef idx="0">
+              <a:schemeClr val="accent1"/>
+            </a:fillRef>
+            <a:effectRef idx="0">
+              <a:schemeClr val="accent1"/>
+            </a:effectRef>
+            <a:fontRef idx="minor">
+              <a:schemeClr val="tx1"/>
+            </a:fontRef>
+          </p:style>
+        </p:cxnSp>
+        <p:cxnSp>
+          <p:nvCxnSpPr>
+            <p:cNvPr id="45" name="直接连接符 44">
+              <a:extLst>
+                <a:ext uri="{FF2B5EF4-FFF2-40B4-BE49-F238E27FC236}">
+                  <a16:creationId xmlns:a16="http://schemas.microsoft.com/office/drawing/2014/main" id="{672FA199-4818-D672-8082-67614A896515}"/>
+                </a:ext>
+              </a:extLst>
+            </p:cNvPr>
+            <p:cNvCxnSpPr>
+              <a:cxnSpLocks/>
+              <a:endCxn id="13" idx="2"/>
+            </p:cNvCxnSpPr>
+            <p:nvPr/>
+          </p:nvCxnSpPr>
+          <p:spPr>
+            <a:xfrm>
+              <a:off x="1347522" y="2902313"/>
+              <a:ext cx="662215" cy="837316"/>
+            </a:xfrm>
+            <a:prstGeom prst="line">
+              <a:avLst/>
+            </a:prstGeom>
+            <a:ln w="15875">
+              <a:solidFill>
+                <a:schemeClr val="tx1"/>
+              </a:solidFill>
+            </a:ln>
+          </p:spPr>
+          <p:style>
+            <a:lnRef idx="1">
+              <a:schemeClr val="accent1"/>
+            </a:lnRef>
+            <a:fillRef idx="0">
+              <a:schemeClr val="accent1"/>
+            </a:fillRef>
+            <a:effectRef idx="0">
+              <a:schemeClr val="accent1"/>
+            </a:effectRef>
+            <a:fontRef idx="minor">
+              <a:schemeClr val="tx1"/>
+            </a:fontRef>
+          </p:style>
+        </p:cxnSp>
+        <p:cxnSp>
+          <p:nvCxnSpPr>
+            <p:cNvPr id="47" name="直接连接符 46">
+              <a:extLst>
+                <a:ext uri="{FF2B5EF4-FFF2-40B4-BE49-F238E27FC236}">
+                  <a16:creationId xmlns:a16="http://schemas.microsoft.com/office/drawing/2014/main" id="{D8672A43-0E2B-8B61-0387-1BCCC37AA328}"/>
+                </a:ext>
+              </a:extLst>
+            </p:cNvPr>
+            <p:cNvCxnSpPr>
+              <a:cxnSpLocks/>
+              <a:endCxn id="7" idx="3"/>
+            </p:cNvCxnSpPr>
+            <p:nvPr/>
+          </p:nvCxnSpPr>
+          <p:spPr>
+            <a:xfrm flipV="1">
+              <a:off x="2369737" y="2952618"/>
+              <a:ext cx="692281" cy="805702"/>
+            </a:xfrm>
+            <a:prstGeom prst="line">
+              <a:avLst/>
+            </a:prstGeom>
+            <a:ln w="15875">
+              <a:solidFill>
+                <a:schemeClr val="tx1"/>
+              </a:solidFill>
+            </a:ln>
+          </p:spPr>
+          <p:style>
+            <a:lnRef idx="1">
+              <a:schemeClr val="accent1"/>
+            </a:lnRef>
+            <a:fillRef idx="0">
+              <a:schemeClr val="accent1"/>
+            </a:fillRef>
+            <a:effectRef idx="0">
+              <a:schemeClr val="accent1"/>
+            </a:effectRef>
+            <a:fontRef idx="minor">
+              <a:schemeClr val="tx1"/>
+            </a:fontRef>
+          </p:style>
+        </p:cxnSp>
+        <p:cxnSp>
+          <p:nvCxnSpPr>
+            <p:cNvPr id="51" name="直接连接符 50">
+              <a:extLst>
+                <a:ext uri="{FF2B5EF4-FFF2-40B4-BE49-F238E27FC236}">
+                  <a16:creationId xmlns:a16="http://schemas.microsoft.com/office/drawing/2014/main" id="{FB6E0598-B013-4A73-8B71-033C200EA06A}"/>
+                </a:ext>
+              </a:extLst>
+            </p:cNvPr>
+            <p:cNvCxnSpPr>
+              <a:cxnSpLocks/>
+              <a:endCxn id="7" idx="1"/>
+            </p:cNvCxnSpPr>
+            <p:nvPr/>
+          </p:nvCxnSpPr>
+          <p:spPr>
+            <a:xfrm>
+              <a:off x="2470678" y="1912649"/>
+              <a:ext cx="591340" cy="785411"/>
+            </a:xfrm>
+            <a:prstGeom prst="line">
+              <a:avLst/>
+            </a:prstGeom>
+            <a:ln w="15875">
+              <a:solidFill>
+                <a:schemeClr val="tx1"/>
+              </a:solidFill>
+            </a:ln>
+          </p:spPr>
+          <p:style>
+            <a:lnRef idx="1">
+              <a:schemeClr val="accent1"/>
+            </a:lnRef>
+            <a:fillRef idx="0">
+              <a:schemeClr val="accent1"/>
+            </a:fillRef>
+            <a:effectRef idx="0">
+              <a:schemeClr val="accent1"/>
+            </a:effectRef>
+            <a:fontRef idx="minor">
+              <a:schemeClr val="tx1"/>
+            </a:fontRef>
+          </p:style>
+        </p:cxnSp>
+        <p:sp>
+          <p:nvSpPr>
+            <p:cNvPr id="53" name="文本框 52">
+              <a:extLst>
+                <a:ext uri="{FF2B5EF4-FFF2-40B4-BE49-F238E27FC236}">
+                  <a16:creationId xmlns:a16="http://schemas.microsoft.com/office/drawing/2014/main" id="{73F707B5-5414-CEBC-1BD5-8649DCE0128F}"/>
+                </a:ext>
+              </a:extLst>
+            </p:cNvPr>
+            <p:cNvSpPr txBox="1"/>
+            <p:nvPr/>
+          </p:nvSpPr>
+          <p:spPr>
+            <a:xfrm>
+              <a:off x="1450532" y="2006257"/>
+              <a:ext cx="259714" cy="369332"/>
+            </a:xfrm>
+            <a:prstGeom prst="rect">
+              <a:avLst/>
+            </a:prstGeom>
+            <a:noFill/>
+          </p:spPr>
+          <p:txBody>
+            <a:bodyPr wrap="square" rtlCol="0">
+              <a:spAutoFit/>
+            </a:bodyPr>
+            <a:lstStyle/>
+            <a:p>
+              <a:r>
+                <a:rPr lang="en-US" altLang="zh-CN" dirty="0"/>
+                <a:t>3</a:t>
+              </a:r>
+              <a:endParaRPr lang="zh-CN" altLang="en-US" dirty="0"/>
+            </a:p>
+          </p:txBody>
+        </p:sp>
+        <p:sp>
+          <p:nvSpPr>
+            <p:cNvPr id="54" name="文本框 53">
+              <a:extLst>
+                <a:ext uri="{FF2B5EF4-FFF2-40B4-BE49-F238E27FC236}">
+                  <a16:creationId xmlns:a16="http://schemas.microsoft.com/office/drawing/2014/main" id="{E3D32945-CB6F-92C5-EE58-4AC29911065A}"/>
+                </a:ext>
+              </a:extLst>
+            </p:cNvPr>
+            <p:cNvSpPr txBox="1"/>
+            <p:nvPr/>
+          </p:nvSpPr>
+          <p:spPr>
+            <a:xfrm>
+              <a:off x="2239880" y="2262920"/>
+              <a:ext cx="259714" cy="369332"/>
+            </a:xfrm>
+            <a:prstGeom prst="rect">
+              <a:avLst/>
+            </a:prstGeom>
+            <a:noFill/>
+          </p:spPr>
+          <p:txBody>
+            <a:bodyPr wrap="square" rtlCol="0">
+              <a:spAutoFit/>
+            </a:bodyPr>
+            <a:lstStyle/>
+            <a:p>
+              <a:r>
+                <a:rPr lang="en-US" altLang="zh-CN" dirty="0"/>
+                <a:t>1</a:t>
+              </a:r>
+              <a:endParaRPr lang="zh-CN" altLang="en-US" dirty="0"/>
+            </a:p>
+          </p:txBody>
+        </p:sp>
+        <p:sp>
+          <p:nvSpPr>
+            <p:cNvPr id="55" name="文本框 54">
+              <a:extLst>
+                <a:ext uri="{FF2B5EF4-FFF2-40B4-BE49-F238E27FC236}">
+                  <a16:creationId xmlns:a16="http://schemas.microsoft.com/office/drawing/2014/main" id="{23153C84-0EFF-E48A-0AD4-CDFD5571EB3F}"/>
+                </a:ext>
+              </a:extLst>
+            </p:cNvPr>
+            <p:cNvSpPr txBox="1"/>
+            <p:nvPr/>
+          </p:nvSpPr>
+          <p:spPr>
+            <a:xfrm>
+              <a:off x="2765654" y="2046357"/>
+              <a:ext cx="259714" cy="369332"/>
+            </a:xfrm>
+            <a:prstGeom prst="rect">
+              <a:avLst/>
+            </a:prstGeom>
+            <a:noFill/>
+          </p:spPr>
+          <p:txBody>
+            <a:bodyPr wrap="square" rtlCol="0">
+              <a:spAutoFit/>
+            </a:bodyPr>
+            <a:lstStyle/>
+            <a:p>
+              <a:r>
+                <a:rPr lang="en-US" altLang="zh-CN" dirty="0"/>
+                <a:t>4</a:t>
+              </a:r>
+              <a:endParaRPr lang="zh-CN" altLang="en-US" dirty="0"/>
+            </a:p>
+          </p:txBody>
+        </p:sp>
+        <p:sp>
+          <p:nvSpPr>
+            <p:cNvPr id="56" name="文本框 55">
+              <a:extLst>
+                <a:ext uri="{FF2B5EF4-FFF2-40B4-BE49-F238E27FC236}">
+                  <a16:creationId xmlns:a16="http://schemas.microsoft.com/office/drawing/2014/main" id="{C06F1176-2D64-49AC-D984-465203192DBB}"/>
+                </a:ext>
+              </a:extLst>
+            </p:cNvPr>
+            <p:cNvSpPr txBox="1"/>
+            <p:nvPr/>
+          </p:nvSpPr>
+          <p:spPr>
+            <a:xfrm>
+              <a:off x="1615815" y="2767952"/>
+              <a:ext cx="259714" cy="369332"/>
+            </a:xfrm>
+            <a:prstGeom prst="rect">
+              <a:avLst/>
+            </a:prstGeom>
+            <a:noFill/>
+          </p:spPr>
+          <p:txBody>
+            <a:bodyPr wrap="square" rtlCol="0">
+              <a:spAutoFit/>
+            </a:bodyPr>
+            <a:lstStyle/>
+            <a:p>
+              <a:r>
+                <a:rPr lang="en-US" altLang="zh-CN" dirty="0"/>
+                <a:t>1</a:t>
+              </a:r>
+              <a:endParaRPr lang="zh-CN" altLang="en-US" dirty="0"/>
+            </a:p>
+          </p:txBody>
+        </p:sp>
+        <p:sp>
+          <p:nvSpPr>
+            <p:cNvPr id="57" name="文本框 56">
+              <a:extLst>
+                <a:ext uri="{FF2B5EF4-FFF2-40B4-BE49-F238E27FC236}">
+                  <a16:creationId xmlns:a16="http://schemas.microsoft.com/office/drawing/2014/main" id="{D26687C2-304E-B32D-E01A-2A4E61EFE1BA}"/>
+                </a:ext>
+              </a:extLst>
+            </p:cNvPr>
+            <p:cNvSpPr txBox="1"/>
+            <p:nvPr/>
+          </p:nvSpPr>
+          <p:spPr>
+            <a:xfrm>
+              <a:off x="2393519" y="2791309"/>
+              <a:ext cx="259714" cy="369332"/>
+            </a:xfrm>
+            <a:prstGeom prst="rect">
+              <a:avLst/>
+            </a:prstGeom>
+            <a:noFill/>
+          </p:spPr>
+          <p:txBody>
+            <a:bodyPr wrap="square" rtlCol="0">
+              <a:spAutoFit/>
+            </a:bodyPr>
+            <a:lstStyle/>
+            <a:p>
+              <a:r>
+                <a:rPr lang="en-US" altLang="zh-CN" dirty="0"/>
+                <a:t>2</a:t>
+              </a:r>
+              <a:endParaRPr lang="zh-CN" altLang="en-US" dirty="0"/>
+            </a:p>
+          </p:txBody>
+        </p:sp>
+        <p:sp>
+          <p:nvSpPr>
+            <p:cNvPr id="58" name="文本框 57">
+              <a:extLst>
+                <a:ext uri="{FF2B5EF4-FFF2-40B4-BE49-F238E27FC236}">
+                  <a16:creationId xmlns:a16="http://schemas.microsoft.com/office/drawing/2014/main" id="{812EB251-5803-5812-CE48-9A8EA53C6962}"/>
+                </a:ext>
+              </a:extLst>
+            </p:cNvPr>
+            <p:cNvSpPr txBox="1"/>
+            <p:nvPr/>
+          </p:nvSpPr>
+          <p:spPr>
+            <a:xfrm>
+              <a:off x="2749583" y="3201511"/>
+              <a:ext cx="259714" cy="369332"/>
+            </a:xfrm>
+            <a:prstGeom prst="rect">
+              <a:avLst/>
+            </a:prstGeom>
+            <a:noFill/>
+          </p:spPr>
+          <p:txBody>
+            <a:bodyPr wrap="square" rtlCol="0">
+              <a:spAutoFit/>
+            </a:bodyPr>
+            <a:lstStyle/>
+            <a:p>
+              <a:r>
+                <a:rPr lang="en-US" altLang="zh-CN" dirty="0"/>
+                <a:t>2</a:t>
+              </a:r>
+              <a:endParaRPr lang="zh-CN" altLang="en-US" dirty="0"/>
+            </a:p>
+          </p:txBody>
+        </p:sp>
+        <p:sp>
+          <p:nvSpPr>
+            <p:cNvPr id="59" name="文本框 58">
+              <a:extLst>
+                <a:ext uri="{FF2B5EF4-FFF2-40B4-BE49-F238E27FC236}">
+                  <a16:creationId xmlns:a16="http://schemas.microsoft.com/office/drawing/2014/main" id="{7A7133A7-FDA1-4532-47A4-8702B6403C1C}"/>
+                </a:ext>
+              </a:extLst>
+            </p:cNvPr>
+            <p:cNvSpPr txBox="1"/>
+            <p:nvPr/>
+          </p:nvSpPr>
+          <p:spPr>
+            <a:xfrm>
+              <a:off x="1390023" y="3214258"/>
+              <a:ext cx="259714" cy="369332"/>
+            </a:xfrm>
+            <a:prstGeom prst="rect">
+              <a:avLst/>
+            </a:prstGeom>
+            <a:noFill/>
+          </p:spPr>
+          <p:txBody>
+            <a:bodyPr wrap="square" rtlCol="0">
+              <a:spAutoFit/>
+            </a:bodyPr>
+            <a:lstStyle/>
+            <a:p>
+              <a:r>
+                <a:rPr lang="en-US" altLang="zh-CN" dirty="0"/>
+                <a:t>5</a:t>
+              </a:r>
+              <a:endParaRPr lang="zh-CN" altLang="en-US" dirty="0"/>
+            </a:p>
+          </p:txBody>
+        </p:sp>
+      </p:grpSp>
+      <p:grpSp>
+        <p:nvGrpSpPr>
+          <p:cNvPr id="36" name="组合 35">
+            <a:extLst>
+              <a:ext uri="{FF2B5EF4-FFF2-40B4-BE49-F238E27FC236}">
+                <a16:creationId xmlns:a16="http://schemas.microsoft.com/office/drawing/2014/main" id="{534A5923-F416-3E2E-8A44-E6E6617FF6AF}"/>
+              </a:ext>
+            </a:extLst>
+          </p:cNvPr>
+          <p:cNvGrpSpPr/>
+          <p:nvPr/>
+        </p:nvGrpSpPr>
+        <p:grpSpPr>
+          <a:xfrm>
+            <a:off x="5710238" y="2811320"/>
+            <a:ext cx="4292025" cy="2536442"/>
+            <a:chOff x="5710238" y="2811320"/>
+            <a:chExt cx="4292025" cy="2536442"/>
+          </a:xfrm>
+        </p:grpSpPr>
+        <p:sp>
+          <p:nvSpPr>
+            <p:cNvPr id="61" name="椭圆 60">
+              <a:extLst>
+                <a:ext uri="{FF2B5EF4-FFF2-40B4-BE49-F238E27FC236}">
+                  <a16:creationId xmlns:a16="http://schemas.microsoft.com/office/drawing/2014/main" id="{F56C2CE5-E81B-AD43-89D0-FD45382736EC}"/>
+                </a:ext>
+              </a:extLst>
+            </p:cNvPr>
+            <p:cNvSpPr/>
+            <p:nvPr/>
+          </p:nvSpPr>
+          <p:spPr>
+            <a:xfrm>
+              <a:off x="5710238" y="3801204"/>
+              <a:ext cx="360000" cy="360000"/>
+            </a:xfrm>
+            <a:prstGeom prst="ellipse">
+              <a:avLst/>
+            </a:prstGeom>
+            <a:solidFill>
+              <a:schemeClr val="bg1"/>
+            </a:solidFill>
+            <a:ln>
+              <a:solidFill>
+                <a:schemeClr val="tx1"/>
+              </a:solidFill>
+            </a:ln>
+          </p:spPr>
+          <p:style>
+            <a:lnRef idx="2">
+              <a:schemeClr val="accent1">
+                <a:shade val="50000"/>
+              </a:schemeClr>
+            </a:lnRef>
+            <a:fillRef idx="1">
+              <a:schemeClr val="accent1"/>
+            </a:fillRef>
+            <a:effectRef idx="0">
+              <a:schemeClr val="accent1"/>
+            </a:effectRef>
+            <a:fontRef idx="minor">
+              <a:schemeClr val="lt1"/>
+            </a:fontRef>
+          </p:style>
+          <p:txBody>
+            <a:bodyPr rtlCol="0" anchor="ctr"/>
+            <a:lstStyle/>
+            <a:p>
+              <a:pPr algn="ctr"/>
+              <a:r>
+                <a:rPr lang="en-US" altLang="zh-CN" dirty="0">
+                  <a:solidFill>
+                    <a:schemeClr val="tx1"/>
+                  </a:solidFill>
+                </a:rPr>
+                <a:t>A</a:t>
+              </a:r>
+              <a:endParaRPr lang="zh-CN" altLang="en-US" dirty="0">
+                <a:solidFill>
+                  <a:schemeClr val="tx1"/>
+                </a:solidFill>
+              </a:endParaRPr>
+            </a:p>
+          </p:txBody>
+        </p:sp>
+        <p:sp>
+          <p:nvSpPr>
+            <p:cNvPr id="63" name="椭圆 62">
+              <a:extLst>
+                <a:ext uri="{FF2B5EF4-FFF2-40B4-BE49-F238E27FC236}">
+                  <a16:creationId xmlns:a16="http://schemas.microsoft.com/office/drawing/2014/main" id="{787B3A88-34CD-65A2-94D7-0C114EE27EFC}"/>
+                </a:ext>
+              </a:extLst>
+            </p:cNvPr>
+            <p:cNvSpPr/>
+            <p:nvPr/>
+          </p:nvSpPr>
+          <p:spPr>
+            <a:xfrm>
+              <a:off x="6588825" y="3801204"/>
+              <a:ext cx="360000" cy="360000"/>
+            </a:xfrm>
+            <a:prstGeom prst="ellipse">
+              <a:avLst/>
+            </a:prstGeom>
+            <a:solidFill>
+              <a:schemeClr val="bg1"/>
+            </a:solidFill>
+            <a:ln>
+              <a:solidFill>
+                <a:schemeClr val="tx1"/>
+              </a:solidFill>
+            </a:ln>
+          </p:spPr>
+          <p:style>
+            <a:lnRef idx="2">
+              <a:schemeClr val="accent1">
+                <a:shade val="50000"/>
+              </a:schemeClr>
+            </a:lnRef>
+            <a:fillRef idx="1">
+              <a:schemeClr val="accent1"/>
+            </a:fillRef>
+            <a:effectRef idx="0">
+              <a:schemeClr val="accent1"/>
+            </a:effectRef>
+            <a:fontRef idx="minor">
+              <a:schemeClr val="lt1"/>
+            </a:fontRef>
+          </p:style>
+          <p:txBody>
+            <a:bodyPr rtlCol="0" anchor="ctr"/>
+            <a:lstStyle/>
+            <a:p>
+              <a:pPr algn="ctr"/>
+              <a:r>
+                <a:rPr lang="en-US" altLang="zh-CN" dirty="0">
+                  <a:solidFill>
+                    <a:schemeClr val="tx1"/>
+                  </a:solidFill>
+                </a:rPr>
+                <a:t>B</a:t>
+              </a:r>
+              <a:endParaRPr lang="zh-CN" altLang="en-US" dirty="0">
+                <a:solidFill>
+                  <a:schemeClr val="tx1"/>
+                </a:solidFill>
+              </a:endParaRPr>
+            </a:p>
+          </p:txBody>
+        </p:sp>
+        <p:cxnSp>
+          <p:nvCxnSpPr>
+            <p:cNvPr id="3" name="直接连接符 2">
+              <a:extLst>
+                <a:ext uri="{FF2B5EF4-FFF2-40B4-BE49-F238E27FC236}">
+                  <a16:creationId xmlns:a16="http://schemas.microsoft.com/office/drawing/2014/main" id="{BFEE97AF-CF1D-FCD6-1BC5-80A6A7C6357F}"/>
+                </a:ext>
+              </a:extLst>
+            </p:cNvPr>
+            <p:cNvCxnSpPr>
+              <a:cxnSpLocks/>
+              <a:endCxn id="63" idx="2"/>
+            </p:cNvCxnSpPr>
+            <p:nvPr/>
+          </p:nvCxnSpPr>
+          <p:spPr>
+            <a:xfrm flipV="1">
+              <a:off x="6070238" y="3981204"/>
+              <a:ext cx="518587" cy="8526"/>
+            </a:xfrm>
+            <a:prstGeom prst="line">
+              <a:avLst/>
+            </a:prstGeom>
+            <a:ln w="15875">
+              <a:solidFill>
+                <a:schemeClr val="tx1"/>
+              </a:solidFill>
+              <a:tailEnd type="triangle"/>
+            </a:ln>
+          </p:spPr>
+          <p:style>
+            <a:lnRef idx="1">
+              <a:schemeClr val="accent1"/>
+            </a:lnRef>
+            <a:fillRef idx="0">
+              <a:schemeClr val="accent1"/>
+            </a:fillRef>
+            <a:effectRef idx="0">
+              <a:schemeClr val="accent1"/>
+            </a:effectRef>
+            <a:fontRef idx="minor">
+              <a:schemeClr val="tx1"/>
+            </a:fontRef>
+          </p:style>
+        </p:cxnSp>
+        <p:sp>
+          <p:nvSpPr>
+            <p:cNvPr id="9" name="椭圆 8">
+              <a:extLst>
+                <a:ext uri="{FF2B5EF4-FFF2-40B4-BE49-F238E27FC236}">
+                  <a16:creationId xmlns:a16="http://schemas.microsoft.com/office/drawing/2014/main" id="{A9095652-C426-4096-A239-7188143B9658}"/>
+                </a:ext>
+              </a:extLst>
+            </p:cNvPr>
+            <p:cNvSpPr/>
+            <p:nvPr/>
+          </p:nvSpPr>
+          <p:spPr>
+            <a:xfrm>
+              <a:off x="8690739" y="2811320"/>
+              <a:ext cx="360000" cy="360000"/>
+            </a:xfrm>
+            <a:prstGeom prst="ellipse">
+              <a:avLst/>
+            </a:prstGeom>
+            <a:solidFill>
+              <a:schemeClr val="bg1"/>
+            </a:solidFill>
+            <a:ln>
+              <a:solidFill>
+                <a:schemeClr val="tx1"/>
+              </a:solidFill>
+            </a:ln>
+          </p:spPr>
+          <p:style>
+            <a:lnRef idx="2">
+              <a:schemeClr val="accent1">
+                <a:shade val="50000"/>
+              </a:schemeClr>
+            </a:lnRef>
+            <a:fillRef idx="1">
+              <a:schemeClr val="accent1"/>
+            </a:fillRef>
+            <a:effectRef idx="0">
+              <a:schemeClr val="accent1"/>
+            </a:effectRef>
+            <a:fontRef idx="minor">
+              <a:schemeClr val="lt1"/>
+            </a:fontRef>
+          </p:style>
+          <p:txBody>
+            <a:bodyPr rtlCol="0" anchor="ctr"/>
+            <a:lstStyle/>
+            <a:p>
+              <a:pPr algn="ctr"/>
+              <a:r>
+                <a:rPr lang="en-US" altLang="zh-CN" dirty="0">
+                  <a:solidFill>
+                    <a:schemeClr val="tx1"/>
+                  </a:solidFill>
+                </a:rPr>
+                <a:t>A</a:t>
+              </a:r>
+              <a:endParaRPr lang="zh-CN" altLang="en-US" dirty="0">
+                <a:solidFill>
+                  <a:schemeClr val="tx1"/>
+                </a:solidFill>
+              </a:endParaRPr>
+            </a:p>
+          </p:txBody>
+        </p:sp>
+        <p:sp>
+          <p:nvSpPr>
+            <p:cNvPr id="11" name="椭圆 10">
+              <a:extLst>
+                <a:ext uri="{FF2B5EF4-FFF2-40B4-BE49-F238E27FC236}">
+                  <a16:creationId xmlns:a16="http://schemas.microsoft.com/office/drawing/2014/main" id="{E836DAA5-65C2-1CD9-F614-4A37C1C278FD}"/>
+                </a:ext>
+              </a:extLst>
+            </p:cNvPr>
+            <p:cNvSpPr/>
+            <p:nvPr/>
+          </p:nvSpPr>
+          <p:spPr>
+            <a:xfrm>
+              <a:off x="7735658" y="3583590"/>
+              <a:ext cx="360000" cy="360000"/>
+            </a:xfrm>
+            <a:prstGeom prst="ellipse">
+              <a:avLst/>
+            </a:prstGeom>
+            <a:solidFill>
+              <a:schemeClr val="bg1"/>
+            </a:solidFill>
+            <a:ln>
+              <a:solidFill>
+                <a:schemeClr val="tx1"/>
+              </a:solidFill>
+            </a:ln>
+          </p:spPr>
+          <p:style>
+            <a:lnRef idx="2">
+              <a:schemeClr val="accent1">
+                <a:shade val="50000"/>
+              </a:schemeClr>
+            </a:lnRef>
+            <a:fillRef idx="1">
+              <a:schemeClr val="accent1"/>
+            </a:fillRef>
+            <a:effectRef idx="0">
+              <a:schemeClr val="accent1"/>
+            </a:effectRef>
+            <a:fontRef idx="minor">
+              <a:schemeClr val="lt1"/>
+            </a:fontRef>
+          </p:style>
+          <p:txBody>
+            <a:bodyPr rtlCol="0" anchor="ctr"/>
+            <a:lstStyle/>
+            <a:p>
+              <a:pPr algn="ctr"/>
+              <a:r>
+                <a:rPr lang="en-US" altLang="zh-CN" dirty="0">
+                  <a:solidFill>
+                    <a:schemeClr val="tx1"/>
+                  </a:solidFill>
+                </a:rPr>
+                <a:t>B</a:t>
+              </a:r>
+              <a:endParaRPr lang="zh-CN" altLang="en-US" dirty="0">
+                <a:solidFill>
+                  <a:schemeClr val="tx1"/>
+                </a:solidFill>
+              </a:endParaRPr>
+            </a:p>
+          </p:txBody>
+        </p:sp>
+        <p:sp>
+          <p:nvSpPr>
+            <p:cNvPr id="12" name="椭圆 11">
+              <a:extLst>
+                <a:ext uri="{FF2B5EF4-FFF2-40B4-BE49-F238E27FC236}">
+                  <a16:creationId xmlns:a16="http://schemas.microsoft.com/office/drawing/2014/main" id="{FE7B62B1-1920-2FF8-A004-54F71E356935}"/>
+                </a:ext>
+              </a:extLst>
+            </p:cNvPr>
+            <p:cNvSpPr/>
+            <p:nvPr/>
+          </p:nvSpPr>
+          <p:spPr>
+            <a:xfrm>
+              <a:off x="8677746" y="4204640"/>
+              <a:ext cx="360000" cy="360000"/>
+            </a:xfrm>
+            <a:prstGeom prst="ellipse">
+              <a:avLst/>
+            </a:prstGeom>
+            <a:solidFill>
+              <a:schemeClr val="bg1"/>
+            </a:solidFill>
+            <a:ln>
+              <a:solidFill>
+                <a:schemeClr val="tx1"/>
+              </a:solidFill>
+            </a:ln>
+          </p:spPr>
+          <p:style>
+            <a:lnRef idx="2">
+              <a:schemeClr val="accent1">
+                <a:shade val="50000"/>
+              </a:schemeClr>
+            </a:lnRef>
+            <a:fillRef idx="1">
+              <a:schemeClr val="accent1"/>
+            </a:fillRef>
+            <a:effectRef idx="0">
+              <a:schemeClr val="accent1"/>
+            </a:effectRef>
+            <a:fontRef idx="minor">
+              <a:schemeClr val="lt1"/>
+            </a:fontRef>
+          </p:style>
+          <p:txBody>
+            <a:bodyPr rtlCol="0" anchor="ctr"/>
+            <a:lstStyle/>
+            <a:p>
+              <a:pPr algn="ctr"/>
+              <a:r>
+                <a:rPr lang="en-US" altLang="zh-CN" dirty="0">
+                  <a:solidFill>
+                    <a:schemeClr val="tx1"/>
+                  </a:solidFill>
+                </a:rPr>
+                <a:t>C</a:t>
+              </a:r>
+              <a:endParaRPr lang="zh-CN" altLang="en-US" dirty="0">
+                <a:solidFill>
+                  <a:schemeClr val="tx1"/>
+                </a:solidFill>
+              </a:endParaRPr>
+            </a:p>
+          </p:txBody>
+        </p:sp>
+        <p:sp>
+          <p:nvSpPr>
+            <p:cNvPr id="14" name="椭圆 13">
+              <a:extLst>
+                <a:ext uri="{FF2B5EF4-FFF2-40B4-BE49-F238E27FC236}">
+                  <a16:creationId xmlns:a16="http://schemas.microsoft.com/office/drawing/2014/main" id="{4960B802-FD58-C76B-8A26-06720020BD5D}"/>
+                </a:ext>
+              </a:extLst>
+            </p:cNvPr>
+            <p:cNvSpPr/>
+            <p:nvPr/>
+          </p:nvSpPr>
+          <p:spPr>
+            <a:xfrm>
+              <a:off x="9642263" y="3626534"/>
+              <a:ext cx="360000" cy="360000"/>
+            </a:xfrm>
+            <a:prstGeom prst="ellipse">
+              <a:avLst/>
+            </a:prstGeom>
+            <a:solidFill>
+              <a:schemeClr val="bg1"/>
+            </a:solidFill>
+            <a:ln>
+              <a:solidFill>
+                <a:schemeClr val="tx1"/>
+              </a:solidFill>
+            </a:ln>
+          </p:spPr>
+          <p:style>
+            <a:lnRef idx="2">
+              <a:schemeClr val="accent1">
+                <a:shade val="50000"/>
+              </a:schemeClr>
+            </a:lnRef>
+            <a:fillRef idx="1">
+              <a:schemeClr val="accent1"/>
+            </a:fillRef>
+            <a:effectRef idx="0">
+              <a:schemeClr val="accent1"/>
+            </a:effectRef>
+            <a:fontRef idx="minor">
+              <a:schemeClr val="lt1"/>
+            </a:fontRef>
+          </p:style>
+          <p:txBody>
+            <a:bodyPr rtlCol="0" anchor="ctr"/>
+            <a:lstStyle/>
+            <a:p>
+              <a:pPr algn="ctr"/>
+              <a:r>
+                <a:rPr lang="en-US" altLang="zh-CN" dirty="0">
+                  <a:solidFill>
+                    <a:schemeClr val="tx1"/>
+                  </a:solidFill>
+                </a:rPr>
+                <a:t>D</a:t>
+              </a:r>
+              <a:endParaRPr lang="zh-CN" altLang="en-US" dirty="0">
+                <a:solidFill>
+                  <a:schemeClr val="tx1"/>
+                </a:solidFill>
+              </a:endParaRPr>
+            </a:p>
+          </p:txBody>
+        </p:sp>
+        <p:sp>
+          <p:nvSpPr>
+            <p:cNvPr id="16" name="椭圆 15">
+              <a:extLst>
+                <a:ext uri="{FF2B5EF4-FFF2-40B4-BE49-F238E27FC236}">
+                  <a16:creationId xmlns:a16="http://schemas.microsoft.com/office/drawing/2014/main" id="{BBE8EA9F-E9F5-9F23-AB00-A48C406CCEA3}"/>
+                </a:ext>
+              </a:extLst>
+            </p:cNvPr>
+            <p:cNvSpPr/>
+            <p:nvPr/>
+          </p:nvSpPr>
+          <p:spPr>
+            <a:xfrm>
+              <a:off x="9037746" y="3521878"/>
+              <a:ext cx="360000" cy="360000"/>
+            </a:xfrm>
+            <a:prstGeom prst="ellipse">
+              <a:avLst/>
+            </a:prstGeom>
+            <a:solidFill>
+              <a:schemeClr val="bg1"/>
+            </a:solidFill>
+            <a:ln>
+              <a:solidFill>
+                <a:schemeClr val="tx1"/>
+              </a:solidFill>
+            </a:ln>
+          </p:spPr>
+          <p:style>
+            <a:lnRef idx="2">
+              <a:schemeClr val="accent1">
+                <a:shade val="50000"/>
+              </a:schemeClr>
+            </a:lnRef>
+            <a:fillRef idx="1">
+              <a:schemeClr val="accent1"/>
+            </a:fillRef>
+            <a:effectRef idx="0">
+              <a:schemeClr val="accent1"/>
+            </a:effectRef>
+            <a:fontRef idx="minor">
+              <a:schemeClr val="lt1"/>
+            </a:fontRef>
+          </p:style>
+          <p:txBody>
+            <a:bodyPr rtlCol="0" anchor="ctr"/>
+            <a:lstStyle/>
+            <a:p>
+              <a:pPr algn="ctr"/>
+              <a:r>
+                <a:rPr lang="en-US" altLang="zh-CN" dirty="0">
+                  <a:solidFill>
+                    <a:schemeClr val="tx1"/>
+                  </a:solidFill>
+                </a:rPr>
+                <a:t>F</a:t>
+              </a:r>
+              <a:endParaRPr lang="zh-CN" altLang="en-US" dirty="0">
+                <a:solidFill>
+                  <a:schemeClr val="tx1"/>
+                </a:solidFill>
+              </a:endParaRPr>
+            </a:p>
+          </p:txBody>
+        </p:sp>
+        <p:sp>
+          <p:nvSpPr>
+            <p:cNvPr id="17" name="椭圆 16">
+              <a:extLst>
+                <a:ext uri="{FF2B5EF4-FFF2-40B4-BE49-F238E27FC236}">
+                  <a16:creationId xmlns:a16="http://schemas.microsoft.com/office/drawing/2014/main" id="{C27B0899-9664-6D76-4CFB-D0C8128690A8}"/>
+                </a:ext>
+              </a:extLst>
+            </p:cNvPr>
+            <p:cNvSpPr/>
+            <p:nvPr/>
+          </p:nvSpPr>
+          <p:spPr>
+            <a:xfrm>
+              <a:off x="8455658" y="3511534"/>
+              <a:ext cx="360000" cy="360000"/>
+            </a:xfrm>
+            <a:prstGeom prst="ellipse">
+              <a:avLst/>
+            </a:prstGeom>
+            <a:solidFill>
+              <a:schemeClr val="bg1"/>
+            </a:solidFill>
+            <a:ln>
+              <a:solidFill>
+                <a:schemeClr val="tx1"/>
+              </a:solidFill>
+            </a:ln>
+          </p:spPr>
+          <p:style>
+            <a:lnRef idx="2">
+              <a:schemeClr val="accent1">
+                <a:shade val="50000"/>
+              </a:schemeClr>
+            </a:lnRef>
+            <a:fillRef idx="1">
+              <a:schemeClr val="accent1"/>
+            </a:fillRef>
+            <a:effectRef idx="0">
+              <a:schemeClr val="accent1"/>
+            </a:effectRef>
+            <a:fontRef idx="minor">
+              <a:schemeClr val="lt1"/>
+            </a:fontRef>
+          </p:style>
+          <p:txBody>
+            <a:bodyPr rtlCol="0" anchor="ctr"/>
+            <a:lstStyle/>
+            <a:p>
+              <a:pPr algn="ctr"/>
+              <a:r>
+                <a:rPr lang="en-US" altLang="zh-CN" dirty="0">
+                  <a:solidFill>
+                    <a:schemeClr val="tx1"/>
+                  </a:solidFill>
+                </a:rPr>
+                <a:t>E</a:t>
+              </a:r>
+              <a:endParaRPr lang="zh-CN" altLang="en-US" dirty="0">
+                <a:solidFill>
+                  <a:schemeClr val="tx1"/>
+                </a:solidFill>
+              </a:endParaRPr>
+            </a:p>
+          </p:txBody>
+        </p:sp>
+        <p:cxnSp>
+          <p:nvCxnSpPr>
+            <p:cNvPr id="19" name="直接连接符 18">
+              <a:extLst>
+                <a:ext uri="{FF2B5EF4-FFF2-40B4-BE49-F238E27FC236}">
+                  <a16:creationId xmlns:a16="http://schemas.microsoft.com/office/drawing/2014/main" id="{5C02BA24-2FF8-73EF-4472-2DAD96E1B016}"/>
+                </a:ext>
+              </a:extLst>
+            </p:cNvPr>
+            <p:cNvCxnSpPr>
+              <a:cxnSpLocks/>
+              <a:endCxn id="14" idx="3"/>
+            </p:cNvCxnSpPr>
+            <p:nvPr/>
+          </p:nvCxnSpPr>
+          <p:spPr>
+            <a:xfrm flipV="1">
+              <a:off x="9037746" y="3933813"/>
+              <a:ext cx="657238" cy="450827"/>
+            </a:xfrm>
+            <a:prstGeom prst="line">
+              <a:avLst/>
+            </a:prstGeom>
+            <a:ln w="15875">
+              <a:solidFill>
+                <a:schemeClr val="tx1"/>
+              </a:solidFill>
+            </a:ln>
+          </p:spPr>
+          <p:style>
+            <a:lnRef idx="1">
+              <a:schemeClr val="accent1"/>
+            </a:lnRef>
+            <a:fillRef idx="0">
+              <a:schemeClr val="accent1"/>
+            </a:fillRef>
+            <a:effectRef idx="0">
+              <a:schemeClr val="accent1"/>
+            </a:effectRef>
+            <a:fontRef idx="minor">
+              <a:schemeClr val="tx1"/>
+            </a:fontRef>
+          </p:style>
+        </p:cxnSp>
+        <p:cxnSp>
+          <p:nvCxnSpPr>
+            <p:cNvPr id="20" name="直接连接符 19">
+              <a:extLst>
+                <a:ext uri="{FF2B5EF4-FFF2-40B4-BE49-F238E27FC236}">
+                  <a16:creationId xmlns:a16="http://schemas.microsoft.com/office/drawing/2014/main" id="{71A5A986-A330-C6FB-B911-77FAF2908C27}"/>
+                </a:ext>
+              </a:extLst>
+            </p:cNvPr>
+            <p:cNvCxnSpPr>
+              <a:cxnSpLocks/>
+              <a:endCxn id="12" idx="2"/>
+            </p:cNvCxnSpPr>
+            <p:nvPr/>
+          </p:nvCxnSpPr>
+          <p:spPr>
+            <a:xfrm>
+              <a:off x="8038186" y="3899583"/>
+              <a:ext cx="639560" cy="485057"/>
+            </a:xfrm>
+            <a:prstGeom prst="line">
+              <a:avLst/>
+            </a:prstGeom>
+            <a:ln w="15875">
+              <a:solidFill>
+                <a:schemeClr val="tx1"/>
+              </a:solidFill>
+            </a:ln>
+          </p:spPr>
+          <p:style>
+            <a:lnRef idx="1">
+              <a:schemeClr val="accent1"/>
+            </a:lnRef>
+            <a:fillRef idx="0">
+              <a:schemeClr val="accent1"/>
+            </a:fillRef>
+            <a:effectRef idx="0">
+              <a:schemeClr val="accent1"/>
+            </a:effectRef>
+            <a:fontRef idx="minor">
+              <a:schemeClr val="tx1"/>
+            </a:fontRef>
+          </p:style>
+        </p:cxnSp>
+        <p:cxnSp>
+          <p:nvCxnSpPr>
+            <p:cNvPr id="21" name="直接连接符 20">
+              <a:extLst>
+                <a:ext uri="{FF2B5EF4-FFF2-40B4-BE49-F238E27FC236}">
+                  <a16:creationId xmlns:a16="http://schemas.microsoft.com/office/drawing/2014/main" id="{ECB761AE-CC19-43F4-1EC5-B4F68677F65A}"/>
+                </a:ext>
+              </a:extLst>
+            </p:cNvPr>
+            <p:cNvCxnSpPr>
+              <a:cxnSpLocks/>
+              <a:endCxn id="9" idx="3"/>
+            </p:cNvCxnSpPr>
+            <p:nvPr/>
+          </p:nvCxnSpPr>
+          <p:spPr>
+            <a:xfrm flipV="1">
+              <a:off x="8044940" y="3118599"/>
+              <a:ext cx="698520" cy="519826"/>
+            </a:xfrm>
+            <a:prstGeom prst="line">
+              <a:avLst/>
+            </a:prstGeom>
+            <a:ln w="15875">
+              <a:solidFill>
+                <a:schemeClr val="tx1"/>
+              </a:solidFill>
+            </a:ln>
+          </p:spPr>
+          <p:style>
+            <a:lnRef idx="1">
+              <a:schemeClr val="accent1"/>
+            </a:lnRef>
+            <a:fillRef idx="0">
+              <a:schemeClr val="accent1"/>
+            </a:fillRef>
+            <a:effectRef idx="0">
+              <a:schemeClr val="accent1"/>
+            </a:effectRef>
+            <a:fontRef idx="minor">
+              <a:schemeClr val="tx1"/>
+            </a:fontRef>
+          </p:style>
+        </p:cxnSp>
+        <p:cxnSp>
+          <p:nvCxnSpPr>
+            <p:cNvPr id="22" name="直接连接符 21">
+              <a:extLst>
+                <a:ext uri="{FF2B5EF4-FFF2-40B4-BE49-F238E27FC236}">
+                  <a16:creationId xmlns:a16="http://schemas.microsoft.com/office/drawing/2014/main" id="{53FBA29A-F66E-3F29-FB21-8D7BF8509723}"/>
+                </a:ext>
+              </a:extLst>
+            </p:cNvPr>
+            <p:cNvCxnSpPr>
+              <a:cxnSpLocks/>
+              <a:endCxn id="16" idx="2"/>
+            </p:cNvCxnSpPr>
+            <p:nvPr/>
+          </p:nvCxnSpPr>
+          <p:spPr>
+            <a:xfrm>
+              <a:off x="8815658" y="3691534"/>
+              <a:ext cx="222088" cy="10344"/>
+            </a:xfrm>
+            <a:prstGeom prst="line">
+              <a:avLst/>
+            </a:prstGeom>
+            <a:ln w="15875">
+              <a:solidFill>
+                <a:schemeClr val="tx1"/>
+              </a:solidFill>
+            </a:ln>
+          </p:spPr>
+          <p:style>
+            <a:lnRef idx="1">
+              <a:schemeClr val="accent1"/>
+            </a:lnRef>
+            <a:fillRef idx="0">
+              <a:schemeClr val="accent1"/>
+            </a:fillRef>
+            <a:effectRef idx="0">
+              <a:schemeClr val="accent1"/>
+            </a:effectRef>
+            <a:fontRef idx="minor">
+              <a:schemeClr val="tx1"/>
+            </a:fontRef>
+          </p:style>
+        </p:cxnSp>
+        <p:cxnSp>
+          <p:nvCxnSpPr>
+            <p:cNvPr id="30" name="直接连接符 29">
+              <a:extLst>
+                <a:ext uri="{FF2B5EF4-FFF2-40B4-BE49-F238E27FC236}">
+                  <a16:creationId xmlns:a16="http://schemas.microsoft.com/office/drawing/2014/main" id="{2FF0FBBF-4F77-BAEA-2649-5EF904D21CBB}"/>
+                </a:ext>
+              </a:extLst>
+            </p:cNvPr>
+            <p:cNvCxnSpPr>
+              <a:cxnSpLocks/>
+              <a:stCxn id="9" idx="5"/>
+              <a:endCxn id="14" idx="1"/>
+            </p:cNvCxnSpPr>
+            <p:nvPr/>
+          </p:nvCxnSpPr>
+          <p:spPr>
+            <a:xfrm>
+              <a:off x="8998018" y="3118599"/>
+              <a:ext cx="696966" cy="560656"/>
+            </a:xfrm>
+            <a:prstGeom prst="line">
+              <a:avLst/>
+            </a:prstGeom>
+            <a:ln w="15875">
+              <a:solidFill>
+                <a:schemeClr val="tx1"/>
+              </a:solidFill>
+            </a:ln>
+          </p:spPr>
+          <p:style>
+            <a:lnRef idx="1">
+              <a:schemeClr val="accent1"/>
+            </a:lnRef>
+            <a:fillRef idx="0">
+              <a:schemeClr val="accent1"/>
+            </a:fillRef>
+            <a:effectRef idx="0">
+              <a:schemeClr val="accent1"/>
+            </a:effectRef>
+            <a:fontRef idx="minor">
+              <a:schemeClr val="tx1"/>
+            </a:fontRef>
+          </p:style>
+        </p:cxnSp>
+        <p:sp>
+          <p:nvSpPr>
+            <p:cNvPr id="34" name="文本框 33">
+              <a:extLst>
+                <a:ext uri="{FF2B5EF4-FFF2-40B4-BE49-F238E27FC236}">
+                  <a16:creationId xmlns:a16="http://schemas.microsoft.com/office/drawing/2014/main" id="{EC7351FB-7BFB-321C-6E09-419026DB6761}"/>
+                </a:ext>
+              </a:extLst>
+            </p:cNvPr>
+            <p:cNvSpPr txBox="1"/>
+            <p:nvPr/>
+          </p:nvSpPr>
+          <p:spPr>
+            <a:xfrm>
+              <a:off x="6070238" y="5070763"/>
+              <a:ext cx="704635" cy="276999"/>
+            </a:xfrm>
+            <a:prstGeom prst="rect">
+              <a:avLst/>
+            </a:prstGeom>
+            <a:noFill/>
+          </p:spPr>
+          <p:txBody>
+            <a:bodyPr wrap="square" rtlCol="0">
+              <a:spAutoFit/>
+            </a:bodyPr>
+            <a:lstStyle/>
+            <a:p>
+              <a:r>
+                <a:rPr lang="zh-CN" altLang="en-US" sz="1200" dirty="0"/>
+                <a:t>有向图</a:t>
+              </a:r>
+            </a:p>
+          </p:txBody>
+        </p:sp>
+        <p:sp>
+          <p:nvSpPr>
+            <p:cNvPr id="35" name="文本框 34">
+              <a:extLst>
+                <a:ext uri="{FF2B5EF4-FFF2-40B4-BE49-F238E27FC236}">
+                  <a16:creationId xmlns:a16="http://schemas.microsoft.com/office/drawing/2014/main" id="{C04CD81E-F8AB-FD93-7B99-82F5D6716174}"/>
+                </a:ext>
+              </a:extLst>
+            </p:cNvPr>
+            <p:cNvSpPr txBox="1"/>
+            <p:nvPr/>
+          </p:nvSpPr>
+          <p:spPr>
+            <a:xfrm>
+              <a:off x="8463340" y="5067402"/>
+              <a:ext cx="840977" cy="276999"/>
+            </a:xfrm>
+            <a:prstGeom prst="rect">
+              <a:avLst/>
+            </a:prstGeom>
+            <a:noFill/>
+          </p:spPr>
+          <p:txBody>
+            <a:bodyPr wrap="square" rtlCol="0">
+              <a:spAutoFit/>
+            </a:bodyPr>
+            <a:lstStyle/>
+            <a:p>
+              <a:r>
+                <a:rPr lang="zh-CN" altLang="en-US" sz="1200" dirty="0"/>
+                <a:t>非连通图</a:t>
+              </a:r>
+            </a:p>
+          </p:txBody>
+        </p:sp>
+      </p:grpSp>
+    </p:spTree>
+    <p:extLst>
+      <p:ext uri="{BB962C8B-B14F-4D97-AF65-F5344CB8AC3E}">
+        <p14:creationId xmlns:p14="http://schemas.microsoft.com/office/powerpoint/2010/main" val="4029220607"/>
+      </p:ext>
+    </p:extLst>
+  </p:cSld>
+  <p:clrMapOvr>
+    <a:masterClrMapping/>
+  </p:clrMapOvr>
+</p:sld>
+</file>
+
+<file path=ppt/slides/slide23.xml><?xml version="1.0" encoding="utf-8"?>
+<p:sld xmlns:a="http://schemas.openxmlformats.org/drawingml/2006/main" xmlns:r="http://schemas.openxmlformats.org/officeDocument/2006/relationships" xmlns:p="http://schemas.openxmlformats.org/presentationml/2006/main">
+  <p:cSld>
+    <p:spTree>
+      <p:nvGrpSpPr>
+        <p:cNvPr id="1" name=""/>
+        <p:cNvGrpSpPr/>
+        <p:nvPr/>
+      </p:nvGrpSpPr>
+      <p:grpSpPr>
+        <a:xfrm>
+          <a:off x="0" y="0"/>
+          <a:ext cx="0" cy="0"/>
+          <a:chOff x="0" y="0"/>
+          <a:chExt cx="0" cy="0"/>
+        </a:xfrm>
+      </p:grpSpPr>
+      <p:grpSp>
+        <p:nvGrpSpPr>
+          <p:cNvPr id="60" name="组合 59">
+            <a:extLst>
+              <a:ext uri="{FF2B5EF4-FFF2-40B4-BE49-F238E27FC236}">
+                <a16:creationId xmlns:a16="http://schemas.microsoft.com/office/drawing/2014/main" id="{EDFB0FB7-328C-ADC3-720A-DD96477F770E}"/>
+              </a:ext>
+            </a:extLst>
+          </p:cNvPr>
+          <p:cNvGrpSpPr/>
+          <p:nvPr/>
+        </p:nvGrpSpPr>
+        <p:grpSpPr>
+          <a:xfrm>
+            <a:off x="1167522" y="1731049"/>
+            <a:ext cx="2201775" cy="2188580"/>
+            <a:chOff x="1167522" y="1731049"/>
+            <a:chExt cx="2201775" cy="2188580"/>
+          </a:xfrm>
+        </p:grpSpPr>
+        <p:sp>
+          <p:nvSpPr>
+            <p:cNvPr id="2" name="椭圆 1">
+              <a:extLst>
+                <a:ext uri="{FF2B5EF4-FFF2-40B4-BE49-F238E27FC236}">
+                  <a16:creationId xmlns:a16="http://schemas.microsoft.com/office/drawing/2014/main" id="{E7781782-33EB-D2DB-E17C-8E1A99163427}"/>
+                </a:ext>
+              </a:extLst>
+            </p:cNvPr>
+            <p:cNvSpPr/>
+            <p:nvPr/>
+          </p:nvSpPr>
+          <p:spPr>
+            <a:xfrm>
+              <a:off x="2009737" y="2645339"/>
+              <a:ext cx="360000" cy="360000"/>
+            </a:xfrm>
+            <a:prstGeom prst="ellipse">
+              <a:avLst/>
+            </a:prstGeom>
+            <a:solidFill>
+              <a:schemeClr val="bg1"/>
+            </a:solidFill>
+            <a:ln>
+              <a:solidFill>
+                <a:schemeClr val="tx1"/>
+              </a:solidFill>
+            </a:ln>
+          </p:spPr>
+          <p:style>
+            <a:lnRef idx="2">
+              <a:schemeClr val="accent1">
+                <a:shade val="50000"/>
+              </a:schemeClr>
+            </a:lnRef>
+            <a:fillRef idx="1">
+              <a:schemeClr val="accent1"/>
+            </a:fillRef>
+            <a:effectRef idx="0">
+              <a:schemeClr val="accent1"/>
+            </a:effectRef>
+            <a:fontRef idx="minor">
+              <a:schemeClr val="lt1"/>
+            </a:fontRef>
+          </p:style>
+          <p:txBody>
+            <a:bodyPr rtlCol="0" anchor="ctr"/>
+            <a:lstStyle/>
+            <a:p>
+              <a:pPr algn="ctr"/>
+              <a:r>
+                <a:rPr lang="en-US" altLang="zh-CN" dirty="0">
+                  <a:solidFill>
+                    <a:schemeClr val="tx1"/>
+                  </a:solidFill>
+                </a:rPr>
+                <a:t>E</a:t>
+              </a:r>
+              <a:endParaRPr lang="zh-CN" altLang="en-US" dirty="0">
+                <a:solidFill>
+                  <a:schemeClr val="tx1"/>
+                </a:solidFill>
+              </a:endParaRPr>
+            </a:p>
+          </p:txBody>
+        </p:sp>
+        <p:sp>
+          <p:nvSpPr>
+            <p:cNvPr id="6" name="椭圆 5">
+              <a:extLst>
+                <a:ext uri="{FF2B5EF4-FFF2-40B4-BE49-F238E27FC236}">
+                  <a16:creationId xmlns:a16="http://schemas.microsoft.com/office/drawing/2014/main" id="{D37E534F-0F92-FC0B-F626-ECCBCC8CC0CA}"/>
+                </a:ext>
+              </a:extLst>
+            </p:cNvPr>
+            <p:cNvSpPr/>
+            <p:nvPr/>
+          </p:nvSpPr>
+          <p:spPr>
+            <a:xfrm>
+              <a:off x="2110678" y="1731049"/>
+              <a:ext cx="360000" cy="360000"/>
+            </a:xfrm>
+            <a:prstGeom prst="ellipse">
+              <a:avLst/>
+            </a:prstGeom>
+            <a:solidFill>
+              <a:schemeClr val="bg1"/>
+            </a:solidFill>
+            <a:ln>
+              <a:solidFill>
+                <a:schemeClr val="tx1"/>
+              </a:solidFill>
+            </a:ln>
+          </p:spPr>
+          <p:style>
+            <a:lnRef idx="2">
+              <a:schemeClr val="accent1">
+                <a:shade val="50000"/>
+              </a:schemeClr>
+            </a:lnRef>
+            <a:fillRef idx="1">
+              <a:schemeClr val="accent1"/>
+            </a:fillRef>
+            <a:effectRef idx="0">
+              <a:schemeClr val="accent1"/>
+            </a:effectRef>
+            <a:fontRef idx="minor">
+              <a:schemeClr val="lt1"/>
+            </a:fontRef>
+          </p:style>
+          <p:txBody>
+            <a:bodyPr rtlCol="0" anchor="ctr"/>
+            <a:lstStyle/>
+            <a:p>
+              <a:pPr algn="ctr"/>
+              <a:r>
+                <a:rPr lang="en-US" altLang="zh-CN" dirty="0">
+                  <a:solidFill>
+                    <a:schemeClr val="tx1"/>
+                  </a:solidFill>
+                </a:rPr>
+                <a:t>A</a:t>
+              </a:r>
+              <a:endParaRPr lang="zh-CN" altLang="en-US" dirty="0">
+                <a:solidFill>
+                  <a:schemeClr val="tx1"/>
+                </a:solidFill>
+              </a:endParaRPr>
+            </a:p>
+          </p:txBody>
+        </p:sp>
+        <p:sp>
+          <p:nvSpPr>
+            <p:cNvPr id="7" name="椭圆 6">
+              <a:extLst>
+                <a:ext uri="{FF2B5EF4-FFF2-40B4-BE49-F238E27FC236}">
+                  <a16:creationId xmlns:a16="http://schemas.microsoft.com/office/drawing/2014/main" id="{406ABFA3-041D-6E75-1FBE-49935E2121AB}"/>
+                </a:ext>
+              </a:extLst>
+            </p:cNvPr>
+            <p:cNvSpPr/>
+            <p:nvPr/>
+          </p:nvSpPr>
+          <p:spPr>
+            <a:xfrm>
+              <a:off x="3009297" y="2645339"/>
+              <a:ext cx="360000" cy="360000"/>
+            </a:xfrm>
+            <a:prstGeom prst="ellipse">
+              <a:avLst/>
+            </a:prstGeom>
+            <a:solidFill>
+              <a:schemeClr val="bg1"/>
+            </a:solidFill>
+            <a:ln>
+              <a:solidFill>
+                <a:schemeClr val="tx1"/>
+              </a:solidFill>
+            </a:ln>
+          </p:spPr>
+          <p:style>
+            <a:lnRef idx="2">
+              <a:schemeClr val="accent1">
+                <a:shade val="50000"/>
+              </a:schemeClr>
+            </a:lnRef>
+            <a:fillRef idx="1">
+              <a:schemeClr val="accent1"/>
+            </a:fillRef>
+            <a:effectRef idx="0">
+              <a:schemeClr val="accent1"/>
+            </a:effectRef>
+            <a:fontRef idx="minor">
+              <a:schemeClr val="lt1"/>
+            </a:fontRef>
+          </p:style>
+          <p:txBody>
+            <a:bodyPr rtlCol="0" anchor="ctr"/>
+            <a:lstStyle/>
+            <a:p>
+              <a:pPr algn="ctr"/>
+              <a:r>
+                <a:rPr lang="en-US" altLang="zh-CN" dirty="0">
+                  <a:solidFill>
+                    <a:schemeClr val="tx1"/>
+                  </a:solidFill>
+                </a:rPr>
+                <a:t>C</a:t>
+              </a:r>
+              <a:endParaRPr lang="zh-CN" altLang="en-US" dirty="0">
+                <a:solidFill>
+                  <a:schemeClr val="tx1"/>
+                </a:solidFill>
+              </a:endParaRPr>
+            </a:p>
+          </p:txBody>
+        </p:sp>
+        <p:sp>
+          <p:nvSpPr>
+            <p:cNvPr id="10" name="椭圆 9">
+              <a:extLst>
+                <a:ext uri="{FF2B5EF4-FFF2-40B4-BE49-F238E27FC236}">
+                  <a16:creationId xmlns:a16="http://schemas.microsoft.com/office/drawing/2014/main" id="{034990FB-DAE9-C067-B5C0-AE1BA2174CB5}"/>
+                </a:ext>
+              </a:extLst>
+            </p:cNvPr>
+            <p:cNvSpPr/>
+            <p:nvPr/>
+          </p:nvSpPr>
+          <p:spPr>
+            <a:xfrm>
+              <a:off x="1167522" y="2550997"/>
+              <a:ext cx="360000" cy="360000"/>
+            </a:xfrm>
+            <a:prstGeom prst="ellipse">
+              <a:avLst/>
+            </a:prstGeom>
+            <a:solidFill>
+              <a:schemeClr val="bg1"/>
+            </a:solidFill>
+            <a:ln>
+              <a:solidFill>
+                <a:schemeClr val="tx1"/>
+              </a:solidFill>
+            </a:ln>
+          </p:spPr>
+          <p:style>
+            <a:lnRef idx="2">
+              <a:schemeClr val="accent1">
+                <a:shade val="50000"/>
+              </a:schemeClr>
+            </a:lnRef>
+            <a:fillRef idx="1">
+              <a:schemeClr val="accent1"/>
+            </a:fillRef>
+            <a:effectRef idx="0">
+              <a:schemeClr val="accent1"/>
+            </a:effectRef>
+            <a:fontRef idx="minor">
+              <a:schemeClr val="lt1"/>
+            </a:fontRef>
+          </p:style>
+          <p:txBody>
+            <a:bodyPr rtlCol="0" anchor="ctr"/>
+            <a:lstStyle/>
+            <a:p>
+              <a:pPr algn="ctr"/>
+              <a:r>
+                <a:rPr lang="en-US" altLang="zh-CN" dirty="0">
+                  <a:solidFill>
+                    <a:schemeClr val="tx1"/>
+                  </a:solidFill>
+                </a:rPr>
+                <a:t>B</a:t>
+              </a:r>
+              <a:endParaRPr lang="zh-CN" altLang="en-US" dirty="0">
+                <a:solidFill>
+                  <a:schemeClr val="tx1"/>
+                </a:solidFill>
+              </a:endParaRPr>
+            </a:p>
+          </p:txBody>
+        </p:sp>
+        <p:sp>
+          <p:nvSpPr>
+            <p:cNvPr id="13" name="椭圆 12">
+              <a:extLst>
+                <a:ext uri="{FF2B5EF4-FFF2-40B4-BE49-F238E27FC236}">
+                  <a16:creationId xmlns:a16="http://schemas.microsoft.com/office/drawing/2014/main" id="{0475C08F-9AD9-6B1A-7BEF-030E2F010FF7}"/>
+                </a:ext>
+              </a:extLst>
+            </p:cNvPr>
+            <p:cNvSpPr/>
+            <p:nvPr/>
+          </p:nvSpPr>
+          <p:spPr>
+            <a:xfrm>
+              <a:off x="2009737" y="3559629"/>
+              <a:ext cx="360000" cy="360000"/>
+            </a:xfrm>
+            <a:prstGeom prst="ellipse">
+              <a:avLst/>
+            </a:prstGeom>
+            <a:solidFill>
+              <a:schemeClr val="bg1"/>
+            </a:solidFill>
+            <a:ln>
+              <a:solidFill>
+                <a:schemeClr val="tx1"/>
+              </a:solidFill>
+            </a:ln>
+          </p:spPr>
+          <p:style>
+            <a:lnRef idx="2">
+              <a:schemeClr val="accent1">
+                <a:shade val="50000"/>
+              </a:schemeClr>
+            </a:lnRef>
+            <a:fillRef idx="1">
+              <a:schemeClr val="accent1"/>
+            </a:fillRef>
+            <a:effectRef idx="0">
+              <a:schemeClr val="accent1"/>
+            </a:effectRef>
+            <a:fontRef idx="minor">
+              <a:schemeClr val="lt1"/>
+            </a:fontRef>
+          </p:style>
+          <p:txBody>
+            <a:bodyPr rtlCol="0" anchor="ctr"/>
+            <a:lstStyle/>
+            <a:p>
+              <a:pPr algn="ctr"/>
+              <a:r>
+                <a:rPr lang="en-US" altLang="zh-CN" dirty="0">
+                  <a:solidFill>
+                    <a:schemeClr val="tx1"/>
+                  </a:solidFill>
+                </a:rPr>
+                <a:t>D</a:t>
+              </a:r>
+              <a:endParaRPr lang="zh-CN" altLang="en-US" dirty="0">
+                <a:solidFill>
+                  <a:schemeClr val="tx1"/>
+                </a:solidFill>
+              </a:endParaRPr>
+            </a:p>
+          </p:txBody>
+        </p:sp>
+        <p:cxnSp>
+          <p:nvCxnSpPr>
+            <p:cNvPr id="15" name="直接连接符 14">
+              <a:extLst>
+                <a:ext uri="{FF2B5EF4-FFF2-40B4-BE49-F238E27FC236}">
+                  <a16:creationId xmlns:a16="http://schemas.microsoft.com/office/drawing/2014/main" id="{6C0C3F95-36F5-D51C-07FE-D6AF4590C737}"/>
+                </a:ext>
+              </a:extLst>
+            </p:cNvPr>
+            <p:cNvCxnSpPr>
+              <a:cxnSpLocks/>
+              <a:stCxn id="2" idx="6"/>
+              <a:endCxn id="7" idx="2"/>
+            </p:cNvCxnSpPr>
+            <p:nvPr/>
+          </p:nvCxnSpPr>
+          <p:spPr>
+            <a:xfrm>
+              <a:off x="2369737" y="2825339"/>
+              <a:ext cx="639560" cy="0"/>
+            </a:xfrm>
+            <a:prstGeom prst="line">
+              <a:avLst/>
+            </a:prstGeom>
+            <a:ln w="15875">
+              <a:solidFill>
+                <a:schemeClr val="tx1"/>
+              </a:solidFill>
+            </a:ln>
+          </p:spPr>
+          <p:style>
+            <a:lnRef idx="1">
+              <a:schemeClr val="accent1"/>
+            </a:lnRef>
+            <a:fillRef idx="0">
+              <a:schemeClr val="accent1"/>
+            </a:fillRef>
+            <a:effectRef idx="0">
+              <a:schemeClr val="accent1"/>
+            </a:effectRef>
+            <a:fontRef idx="minor">
+              <a:schemeClr val="tx1"/>
+            </a:fontRef>
+          </p:style>
+        </p:cxnSp>
+        <p:cxnSp>
+          <p:nvCxnSpPr>
+            <p:cNvPr id="18" name="直接连接符 17">
+              <a:extLst>
+                <a:ext uri="{FF2B5EF4-FFF2-40B4-BE49-F238E27FC236}">
+                  <a16:creationId xmlns:a16="http://schemas.microsoft.com/office/drawing/2014/main" id="{8D1B25FF-6E4E-3125-195E-17EF878A65DA}"/>
+                </a:ext>
+              </a:extLst>
+            </p:cNvPr>
+            <p:cNvCxnSpPr>
+              <a:cxnSpLocks/>
+              <a:endCxn id="2" idx="2"/>
+            </p:cNvCxnSpPr>
+            <p:nvPr/>
+          </p:nvCxnSpPr>
+          <p:spPr>
+            <a:xfrm>
+              <a:off x="1527522" y="2730997"/>
+              <a:ext cx="482215" cy="94342"/>
+            </a:xfrm>
+            <a:prstGeom prst="line">
+              <a:avLst/>
+            </a:prstGeom>
+            <a:ln w="15875">
+              <a:solidFill>
+                <a:schemeClr val="tx1"/>
+              </a:solidFill>
+            </a:ln>
+          </p:spPr>
+          <p:style>
+            <a:lnRef idx="1">
+              <a:schemeClr val="accent1"/>
+            </a:lnRef>
+            <a:fillRef idx="0">
+              <a:schemeClr val="accent1"/>
+            </a:fillRef>
+            <a:effectRef idx="0">
+              <a:schemeClr val="accent1"/>
+            </a:effectRef>
+            <a:fontRef idx="minor">
+              <a:schemeClr val="tx1"/>
+            </a:fontRef>
+          </p:style>
+        </p:cxnSp>
+        <p:cxnSp>
+          <p:nvCxnSpPr>
+            <p:cNvPr id="23" name="直接连接符 22">
+              <a:extLst>
+                <a:ext uri="{FF2B5EF4-FFF2-40B4-BE49-F238E27FC236}">
+                  <a16:creationId xmlns:a16="http://schemas.microsoft.com/office/drawing/2014/main" id="{867DD570-CB09-82AD-6BCB-7A3EF2D62C6A}"/>
+                </a:ext>
+              </a:extLst>
+            </p:cNvPr>
+            <p:cNvCxnSpPr>
+              <a:cxnSpLocks/>
+              <a:stCxn id="6" idx="4"/>
+              <a:endCxn id="2" idx="0"/>
+            </p:cNvCxnSpPr>
+            <p:nvPr/>
+          </p:nvCxnSpPr>
+          <p:spPr>
+            <a:xfrm flipH="1">
+              <a:off x="2189737" y="2091049"/>
+              <a:ext cx="100941" cy="554290"/>
+            </a:xfrm>
+            <a:prstGeom prst="line">
+              <a:avLst/>
+            </a:prstGeom>
+            <a:ln w="15875">
+              <a:solidFill>
+                <a:schemeClr val="tx1"/>
+              </a:solidFill>
+            </a:ln>
+          </p:spPr>
+          <p:style>
+            <a:lnRef idx="1">
+              <a:schemeClr val="accent1"/>
+            </a:lnRef>
+            <a:fillRef idx="0">
+              <a:schemeClr val="accent1"/>
+            </a:fillRef>
+            <a:effectRef idx="0">
+              <a:schemeClr val="accent1"/>
+            </a:effectRef>
+            <a:fontRef idx="minor">
+              <a:schemeClr val="tx1"/>
+            </a:fontRef>
+          </p:style>
+        </p:cxnSp>
+        <p:cxnSp>
+          <p:nvCxnSpPr>
+            <p:cNvPr id="29" name="直接连接符 28">
+              <a:extLst>
+                <a:ext uri="{FF2B5EF4-FFF2-40B4-BE49-F238E27FC236}">
+                  <a16:creationId xmlns:a16="http://schemas.microsoft.com/office/drawing/2014/main" id="{E0161D09-EAD9-7B95-DE70-CCB692D87EBF}"/>
+                </a:ext>
+              </a:extLst>
+            </p:cNvPr>
+            <p:cNvCxnSpPr>
+              <a:cxnSpLocks/>
+              <a:stCxn id="13" idx="0"/>
+              <a:endCxn id="2" idx="4"/>
+            </p:cNvCxnSpPr>
+            <p:nvPr/>
+          </p:nvCxnSpPr>
+          <p:spPr>
+            <a:xfrm flipV="1">
+              <a:off x="2189737" y="3005339"/>
+              <a:ext cx="0" cy="554290"/>
+            </a:xfrm>
+            <a:prstGeom prst="line">
+              <a:avLst/>
+            </a:prstGeom>
+            <a:ln w="15875">
+              <a:solidFill>
+                <a:schemeClr val="tx1"/>
+              </a:solidFill>
+            </a:ln>
+          </p:spPr>
+          <p:style>
+            <a:lnRef idx="1">
+              <a:schemeClr val="accent1"/>
+            </a:lnRef>
+            <a:fillRef idx="0">
+              <a:schemeClr val="accent1"/>
+            </a:fillRef>
+            <a:effectRef idx="0">
+              <a:schemeClr val="accent1"/>
+            </a:effectRef>
+            <a:fontRef idx="minor">
+              <a:schemeClr val="tx1"/>
+            </a:fontRef>
+          </p:style>
+        </p:cxnSp>
+        <p:cxnSp>
+          <p:nvCxnSpPr>
+            <p:cNvPr id="33" name="直接连接符 32">
+              <a:extLst>
+                <a:ext uri="{FF2B5EF4-FFF2-40B4-BE49-F238E27FC236}">
+                  <a16:creationId xmlns:a16="http://schemas.microsoft.com/office/drawing/2014/main" id="{F4AF4119-67DE-4831-5D77-DA13F9CE2D27}"/>
+                </a:ext>
+              </a:extLst>
+            </p:cNvPr>
+            <p:cNvCxnSpPr>
+              <a:cxnSpLocks/>
+              <a:endCxn id="6" idx="2"/>
+            </p:cNvCxnSpPr>
+            <p:nvPr/>
+          </p:nvCxnSpPr>
+          <p:spPr>
+            <a:xfrm flipV="1">
+              <a:off x="1387742" y="1911049"/>
+              <a:ext cx="722936" cy="639948"/>
+            </a:xfrm>
+            <a:prstGeom prst="line">
+              <a:avLst/>
+            </a:prstGeom>
+            <a:ln w="15875">
+              <a:solidFill>
+                <a:schemeClr val="tx1"/>
+              </a:solidFill>
+            </a:ln>
+          </p:spPr>
+          <p:style>
+            <a:lnRef idx="1">
+              <a:schemeClr val="accent1"/>
+            </a:lnRef>
+            <a:fillRef idx="0">
+              <a:schemeClr val="accent1"/>
+            </a:fillRef>
+            <a:effectRef idx="0">
+              <a:schemeClr val="accent1"/>
+            </a:effectRef>
+            <a:fontRef idx="minor">
+              <a:schemeClr val="tx1"/>
+            </a:fontRef>
+          </p:style>
+        </p:cxnSp>
+        <p:cxnSp>
+          <p:nvCxnSpPr>
+            <p:cNvPr id="45" name="直接连接符 44">
+              <a:extLst>
+                <a:ext uri="{FF2B5EF4-FFF2-40B4-BE49-F238E27FC236}">
+                  <a16:creationId xmlns:a16="http://schemas.microsoft.com/office/drawing/2014/main" id="{672FA199-4818-D672-8082-67614A896515}"/>
+                </a:ext>
+              </a:extLst>
+            </p:cNvPr>
+            <p:cNvCxnSpPr>
+              <a:cxnSpLocks/>
+              <a:endCxn id="13" idx="2"/>
+            </p:cNvCxnSpPr>
+            <p:nvPr/>
+          </p:nvCxnSpPr>
+          <p:spPr>
+            <a:xfrm>
+              <a:off x="1347522" y="2902313"/>
+              <a:ext cx="662215" cy="837316"/>
+            </a:xfrm>
+            <a:prstGeom prst="line">
+              <a:avLst/>
+            </a:prstGeom>
+            <a:ln w="15875">
+              <a:solidFill>
+                <a:schemeClr val="tx1"/>
+              </a:solidFill>
+            </a:ln>
+          </p:spPr>
+          <p:style>
+            <a:lnRef idx="1">
+              <a:schemeClr val="accent1"/>
+            </a:lnRef>
+            <a:fillRef idx="0">
+              <a:schemeClr val="accent1"/>
+            </a:fillRef>
+            <a:effectRef idx="0">
+              <a:schemeClr val="accent1"/>
+            </a:effectRef>
+            <a:fontRef idx="minor">
+              <a:schemeClr val="tx1"/>
+            </a:fontRef>
+          </p:style>
+        </p:cxnSp>
+        <p:cxnSp>
+          <p:nvCxnSpPr>
+            <p:cNvPr id="47" name="直接连接符 46">
+              <a:extLst>
+                <a:ext uri="{FF2B5EF4-FFF2-40B4-BE49-F238E27FC236}">
+                  <a16:creationId xmlns:a16="http://schemas.microsoft.com/office/drawing/2014/main" id="{D8672A43-0E2B-8B61-0387-1BCCC37AA328}"/>
+                </a:ext>
+              </a:extLst>
+            </p:cNvPr>
+            <p:cNvCxnSpPr>
+              <a:cxnSpLocks/>
+              <a:endCxn id="7" idx="3"/>
+            </p:cNvCxnSpPr>
+            <p:nvPr/>
+          </p:nvCxnSpPr>
+          <p:spPr>
+            <a:xfrm flipV="1">
+              <a:off x="2369737" y="2952618"/>
+              <a:ext cx="692281" cy="805702"/>
+            </a:xfrm>
+            <a:prstGeom prst="line">
+              <a:avLst/>
+            </a:prstGeom>
+            <a:ln w="15875">
+              <a:solidFill>
+                <a:schemeClr val="tx1"/>
+              </a:solidFill>
+            </a:ln>
+          </p:spPr>
+          <p:style>
+            <a:lnRef idx="1">
+              <a:schemeClr val="accent1"/>
+            </a:lnRef>
+            <a:fillRef idx="0">
+              <a:schemeClr val="accent1"/>
+            </a:fillRef>
+            <a:effectRef idx="0">
+              <a:schemeClr val="accent1"/>
+            </a:effectRef>
+            <a:fontRef idx="minor">
+              <a:schemeClr val="tx1"/>
+            </a:fontRef>
+          </p:style>
+        </p:cxnSp>
+        <p:cxnSp>
+          <p:nvCxnSpPr>
+            <p:cNvPr id="51" name="直接连接符 50">
+              <a:extLst>
+                <a:ext uri="{FF2B5EF4-FFF2-40B4-BE49-F238E27FC236}">
+                  <a16:creationId xmlns:a16="http://schemas.microsoft.com/office/drawing/2014/main" id="{FB6E0598-B013-4A73-8B71-033C200EA06A}"/>
+                </a:ext>
+              </a:extLst>
+            </p:cNvPr>
+            <p:cNvCxnSpPr>
+              <a:cxnSpLocks/>
+              <a:endCxn id="7" idx="1"/>
+            </p:cNvCxnSpPr>
+            <p:nvPr/>
+          </p:nvCxnSpPr>
+          <p:spPr>
+            <a:xfrm>
+              <a:off x="2470678" y="1912649"/>
+              <a:ext cx="591340" cy="785411"/>
+            </a:xfrm>
+            <a:prstGeom prst="line">
+              <a:avLst/>
+            </a:prstGeom>
+            <a:ln w="15875">
+              <a:solidFill>
+                <a:schemeClr val="tx1"/>
+              </a:solidFill>
+            </a:ln>
+          </p:spPr>
+          <p:style>
+            <a:lnRef idx="1">
+              <a:schemeClr val="accent1"/>
+            </a:lnRef>
+            <a:fillRef idx="0">
+              <a:schemeClr val="accent1"/>
+            </a:fillRef>
+            <a:effectRef idx="0">
+              <a:schemeClr val="accent1"/>
+            </a:effectRef>
+            <a:fontRef idx="minor">
+              <a:schemeClr val="tx1"/>
+            </a:fontRef>
+          </p:style>
+        </p:cxnSp>
+        <p:sp>
+          <p:nvSpPr>
+            <p:cNvPr id="53" name="文本框 52">
+              <a:extLst>
+                <a:ext uri="{FF2B5EF4-FFF2-40B4-BE49-F238E27FC236}">
+                  <a16:creationId xmlns:a16="http://schemas.microsoft.com/office/drawing/2014/main" id="{73F707B5-5414-CEBC-1BD5-8649DCE0128F}"/>
+                </a:ext>
+              </a:extLst>
+            </p:cNvPr>
+            <p:cNvSpPr txBox="1"/>
+            <p:nvPr/>
+          </p:nvSpPr>
+          <p:spPr>
+            <a:xfrm>
+              <a:off x="1450532" y="2006257"/>
+              <a:ext cx="259714" cy="369332"/>
+            </a:xfrm>
+            <a:prstGeom prst="rect">
+              <a:avLst/>
+            </a:prstGeom>
+            <a:noFill/>
+          </p:spPr>
+          <p:txBody>
+            <a:bodyPr wrap="square" rtlCol="0">
+              <a:spAutoFit/>
+            </a:bodyPr>
+            <a:lstStyle/>
+            <a:p>
+              <a:r>
+                <a:rPr lang="en-US" altLang="zh-CN" dirty="0"/>
+                <a:t>3</a:t>
+              </a:r>
+              <a:endParaRPr lang="zh-CN" altLang="en-US" dirty="0"/>
+            </a:p>
+          </p:txBody>
+        </p:sp>
+        <p:sp>
+          <p:nvSpPr>
+            <p:cNvPr id="54" name="文本框 53">
+              <a:extLst>
+                <a:ext uri="{FF2B5EF4-FFF2-40B4-BE49-F238E27FC236}">
+                  <a16:creationId xmlns:a16="http://schemas.microsoft.com/office/drawing/2014/main" id="{E3D32945-CB6F-92C5-EE58-4AC29911065A}"/>
+                </a:ext>
+              </a:extLst>
+            </p:cNvPr>
+            <p:cNvSpPr txBox="1"/>
+            <p:nvPr/>
+          </p:nvSpPr>
+          <p:spPr>
+            <a:xfrm>
+              <a:off x="2239880" y="2262920"/>
+              <a:ext cx="259714" cy="369332"/>
+            </a:xfrm>
+            <a:prstGeom prst="rect">
+              <a:avLst/>
+            </a:prstGeom>
+            <a:noFill/>
+          </p:spPr>
+          <p:txBody>
+            <a:bodyPr wrap="square" rtlCol="0">
+              <a:spAutoFit/>
+            </a:bodyPr>
+            <a:lstStyle/>
+            <a:p>
+              <a:r>
+                <a:rPr lang="en-US" altLang="zh-CN" dirty="0"/>
+                <a:t>1</a:t>
+              </a:r>
+              <a:endParaRPr lang="zh-CN" altLang="en-US" dirty="0"/>
+            </a:p>
+          </p:txBody>
+        </p:sp>
+        <p:sp>
+          <p:nvSpPr>
+            <p:cNvPr id="55" name="文本框 54">
+              <a:extLst>
+                <a:ext uri="{FF2B5EF4-FFF2-40B4-BE49-F238E27FC236}">
+                  <a16:creationId xmlns:a16="http://schemas.microsoft.com/office/drawing/2014/main" id="{23153C84-0EFF-E48A-0AD4-CDFD5571EB3F}"/>
+                </a:ext>
+              </a:extLst>
+            </p:cNvPr>
+            <p:cNvSpPr txBox="1"/>
+            <p:nvPr/>
+          </p:nvSpPr>
+          <p:spPr>
+            <a:xfrm>
+              <a:off x="2765654" y="2046357"/>
+              <a:ext cx="259714" cy="369332"/>
+            </a:xfrm>
+            <a:prstGeom prst="rect">
+              <a:avLst/>
+            </a:prstGeom>
+            <a:noFill/>
+          </p:spPr>
+          <p:txBody>
+            <a:bodyPr wrap="square" rtlCol="0">
+              <a:spAutoFit/>
+            </a:bodyPr>
+            <a:lstStyle/>
+            <a:p>
+              <a:r>
+                <a:rPr lang="en-US" altLang="zh-CN" dirty="0"/>
+                <a:t>4</a:t>
+              </a:r>
+              <a:endParaRPr lang="zh-CN" altLang="en-US" dirty="0"/>
+            </a:p>
+          </p:txBody>
+        </p:sp>
+        <p:sp>
+          <p:nvSpPr>
+            <p:cNvPr id="56" name="文本框 55">
+              <a:extLst>
+                <a:ext uri="{FF2B5EF4-FFF2-40B4-BE49-F238E27FC236}">
+                  <a16:creationId xmlns:a16="http://schemas.microsoft.com/office/drawing/2014/main" id="{C06F1176-2D64-49AC-D984-465203192DBB}"/>
+                </a:ext>
+              </a:extLst>
+            </p:cNvPr>
+            <p:cNvSpPr txBox="1"/>
+            <p:nvPr/>
+          </p:nvSpPr>
+          <p:spPr>
+            <a:xfrm>
+              <a:off x="1615815" y="2767952"/>
+              <a:ext cx="259714" cy="369332"/>
+            </a:xfrm>
+            <a:prstGeom prst="rect">
+              <a:avLst/>
+            </a:prstGeom>
+            <a:noFill/>
+          </p:spPr>
+          <p:txBody>
+            <a:bodyPr wrap="square" rtlCol="0">
+              <a:spAutoFit/>
+            </a:bodyPr>
+            <a:lstStyle/>
+            <a:p>
+              <a:r>
+                <a:rPr lang="en-US" altLang="zh-CN" dirty="0"/>
+                <a:t>1</a:t>
+              </a:r>
+              <a:endParaRPr lang="zh-CN" altLang="en-US" dirty="0"/>
+            </a:p>
+          </p:txBody>
+        </p:sp>
+        <p:sp>
+          <p:nvSpPr>
+            <p:cNvPr id="57" name="文本框 56">
+              <a:extLst>
+                <a:ext uri="{FF2B5EF4-FFF2-40B4-BE49-F238E27FC236}">
+                  <a16:creationId xmlns:a16="http://schemas.microsoft.com/office/drawing/2014/main" id="{D26687C2-304E-B32D-E01A-2A4E61EFE1BA}"/>
+                </a:ext>
+              </a:extLst>
+            </p:cNvPr>
+            <p:cNvSpPr txBox="1"/>
+            <p:nvPr/>
+          </p:nvSpPr>
+          <p:spPr>
+            <a:xfrm>
+              <a:off x="2393519" y="2791309"/>
+              <a:ext cx="259714" cy="369332"/>
+            </a:xfrm>
+            <a:prstGeom prst="rect">
+              <a:avLst/>
+            </a:prstGeom>
+            <a:noFill/>
+          </p:spPr>
+          <p:txBody>
+            <a:bodyPr wrap="square" rtlCol="0">
+              <a:spAutoFit/>
+            </a:bodyPr>
+            <a:lstStyle/>
+            <a:p>
+              <a:r>
+                <a:rPr lang="en-US" altLang="zh-CN" dirty="0"/>
+                <a:t>2</a:t>
+              </a:r>
+              <a:endParaRPr lang="zh-CN" altLang="en-US" dirty="0"/>
+            </a:p>
+          </p:txBody>
+        </p:sp>
+        <p:sp>
+          <p:nvSpPr>
+            <p:cNvPr id="58" name="文本框 57">
+              <a:extLst>
+                <a:ext uri="{FF2B5EF4-FFF2-40B4-BE49-F238E27FC236}">
+                  <a16:creationId xmlns:a16="http://schemas.microsoft.com/office/drawing/2014/main" id="{812EB251-5803-5812-CE48-9A8EA53C6962}"/>
+                </a:ext>
+              </a:extLst>
+            </p:cNvPr>
+            <p:cNvSpPr txBox="1"/>
+            <p:nvPr/>
+          </p:nvSpPr>
+          <p:spPr>
+            <a:xfrm>
+              <a:off x="2749583" y="3201511"/>
+              <a:ext cx="259714" cy="369332"/>
+            </a:xfrm>
+            <a:prstGeom prst="rect">
+              <a:avLst/>
+            </a:prstGeom>
+            <a:noFill/>
+          </p:spPr>
+          <p:txBody>
+            <a:bodyPr wrap="square" rtlCol="0">
+              <a:spAutoFit/>
+            </a:bodyPr>
+            <a:lstStyle/>
+            <a:p>
+              <a:r>
+                <a:rPr lang="en-US" altLang="zh-CN" dirty="0"/>
+                <a:t>2</a:t>
+              </a:r>
+              <a:endParaRPr lang="zh-CN" altLang="en-US" dirty="0"/>
+            </a:p>
+          </p:txBody>
+        </p:sp>
+        <p:sp>
+          <p:nvSpPr>
+            <p:cNvPr id="59" name="文本框 58">
+              <a:extLst>
+                <a:ext uri="{FF2B5EF4-FFF2-40B4-BE49-F238E27FC236}">
+                  <a16:creationId xmlns:a16="http://schemas.microsoft.com/office/drawing/2014/main" id="{7A7133A7-FDA1-4532-47A4-8702B6403C1C}"/>
+                </a:ext>
+              </a:extLst>
+            </p:cNvPr>
+            <p:cNvSpPr txBox="1"/>
+            <p:nvPr/>
+          </p:nvSpPr>
+          <p:spPr>
+            <a:xfrm>
+              <a:off x="1390023" y="3214258"/>
+              <a:ext cx="259714" cy="369332"/>
+            </a:xfrm>
+            <a:prstGeom prst="rect">
+              <a:avLst/>
+            </a:prstGeom>
+            <a:noFill/>
+          </p:spPr>
+          <p:txBody>
+            <a:bodyPr wrap="square" rtlCol="0">
+              <a:spAutoFit/>
+            </a:bodyPr>
+            <a:lstStyle/>
+            <a:p>
+              <a:r>
+                <a:rPr lang="en-US" altLang="zh-CN" dirty="0"/>
+                <a:t>5</a:t>
+              </a:r>
+              <a:endParaRPr lang="zh-CN" altLang="en-US" dirty="0"/>
+            </a:p>
+          </p:txBody>
+        </p:sp>
+      </p:grpSp>
+      <p:grpSp>
+        <p:nvGrpSpPr>
+          <p:cNvPr id="40" name="组合 39">
+            <a:extLst>
+              <a:ext uri="{FF2B5EF4-FFF2-40B4-BE49-F238E27FC236}">
+                <a16:creationId xmlns:a16="http://schemas.microsoft.com/office/drawing/2014/main" id="{6FF93B80-D852-DD30-8624-FF1A20FD433A}"/>
+              </a:ext>
+            </a:extLst>
+          </p:cNvPr>
+          <p:cNvGrpSpPr/>
+          <p:nvPr/>
+        </p:nvGrpSpPr>
+        <p:grpSpPr>
+          <a:xfrm>
+            <a:off x="4756068" y="3734963"/>
+            <a:ext cx="3261756" cy="1252065"/>
+            <a:chOff x="4756068" y="3734963"/>
+            <a:chExt cx="3261756" cy="1252065"/>
+          </a:xfrm>
+        </p:grpSpPr>
+        <p:sp>
+          <p:nvSpPr>
+            <p:cNvPr id="4" name="文本框 3">
+              <a:extLst>
+                <a:ext uri="{FF2B5EF4-FFF2-40B4-BE49-F238E27FC236}">
+                  <a16:creationId xmlns:a16="http://schemas.microsoft.com/office/drawing/2014/main" id="{525EEBB4-BA5F-0588-793E-FB457A593D45}"/>
+                </a:ext>
+              </a:extLst>
+            </p:cNvPr>
+            <p:cNvSpPr txBox="1"/>
+            <p:nvPr/>
+          </p:nvSpPr>
+          <p:spPr>
+            <a:xfrm>
+              <a:off x="4756068" y="4191990"/>
+              <a:ext cx="1816924" cy="369332"/>
+            </a:xfrm>
+            <a:prstGeom prst="rect">
+              <a:avLst/>
+            </a:prstGeom>
+            <a:noFill/>
+          </p:spPr>
+          <p:txBody>
+            <a:bodyPr wrap="square" rtlCol="0">
+              <a:spAutoFit/>
+            </a:bodyPr>
+            <a:lstStyle/>
+            <a:p>
+              <a:r>
+                <a:rPr lang="en-US" altLang="zh-CN" dirty="0"/>
+                <a:t>A[ i ][ j ]= </a:t>
+              </a:r>
+              <a:endParaRPr lang="zh-CN" altLang="en-US" dirty="0"/>
+            </a:p>
+          </p:txBody>
+        </p:sp>
+        <p:cxnSp>
+          <p:nvCxnSpPr>
+            <p:cNvPr id="24" name="直接连接符 23">
+              <a:extLst>
+                <a:ext uri="{FF2B5EF4-FFF2-40B4-BE49-F238E27FC236}">
+                  <a16:creationId xmlns:a16="http://schemas.microsoft.com/office/drawing/2014/main" id="{E8A7FC4C-7255-ED0E-57E8-C793A28A5951}"/>
+                </a:ext>
+              </a:extLst>
+            </p:cNvPr>
+            <p:cNvCxnSpPr>
+              <a:cxnSpLocks/>
+            </p:cNvCxnSpPr>
+            <p:nvPr/>
+          </p:nvCxnSpPr>
+          <p:spPr>
+            <a:xfrm>
+              <a:off x="5842660" y="3919629"/>
+              <a:ext cx="0" cy="882733"/>
+            </a:xfrm>
+            <a:prstGeom prst="line">
+              <a:avLst/>
+            </a:prstGeom>
+            <a:ln w="15875">
+              <a:solidFill>
+                <a:schemeClr val="tx1"/>
+              </a:solidFill>
+            </a:ln>
+          </p:spPr>
+          <p:style>
+            <a:lnRef idx="1">
+              <a:schemeClr val="accent1"/>
+            </a:lnRef>
+            <a:fillRef idx="0">
+              <a:schemeClr val="accent1"/>
+            </a:fillRef>
+            <a:effectRef idx="0">
+              <a:schemeClr val="accent1"/>
+            </a:effectRef>
+            <a:fontRef idx="minor">
+              <a:schemeClr val="tx1"/>
+            </a:fontRef>
+          </p:style>
+        </p:cxnSp>
+        <p:cxnSp>
+          <p:nvCxnSpPr>
+            <p:cNvPr id="25" name="直接连接符 24">
+              <a:extLst>
+                <a:ext uri="{FF2B5EF4-FFF2-40B4-BE49-F238E27FC236}">
+                  <a16:creationId xmlns:a16="http://schemas.microsoft.com/office/drawing/2014/main" id="{86C19591-AB8F-947C-CBE6-ABBB7531060D}"/>
+                </a:ext>
+              </a:extLst>
+            </p:cNvPr>
+            <p:cNvCxnSpPr>
+              <a:cxnSpLocks/>
+            </p:cNvCxnSpPr>
+            <p:nvPr/>
+          </p:nvCxnSpPr>
+          <p:spPr>
+            <a:xfrm>
+              <a:off x="5842660" y="3919629"/>
+              <a:ext cx="296883" cy="0"/>
+            </a:xfrm>
+            <a:prstGeom prst="line">
+              <a:avLst/>
+            </a:prstGeom>
+            <a:ln w="15875">
+              <a:solidFill>
+                <a:schemeClr val="tx1"/>
+              </a:solidFill>
+            </a:ln>
+          </p:spPr>
+          <p:style>
+            <a:lnRef idx="1">
+              <a:schemeClr val="accent1"/>
+            </a:lnRef>
+            <a:fillRef idx="0">
+              <a:schemeClr val="accent1"/>
+            </a:fillRef>
+            <a:effectRef idx="0">
+              <a:schemeClr val="accent1"/>
+            </a:effectRef>
+            <a:fontRef idx="minor">
+              <a:schemeClr val="tx1"/>
+            </a:fontRef>
+          </p:style>
+        </p:cxnSp>
+        <p:cxnSp>
+          <p:nvCxnSpPr>
+            <p:cNvPr id="28" name="直接连接符 27">
+              <a:extLst>
+                <a:ext uri="{FF2B5EF4-FFF2-40B4-BE49-F238E27FC236}">
+                  <a16:creationId xmlns:a16="http://schemas.microsoft.com/office/drawing/2014/main" id="{C5DB0F3E-CF3A-03CC-BCA9-D9C1440D2A76}"/>
+                </a:ext>
+              </a:extLst>
+            </p:cNvPr>
+            <p:cNvCxnSpPr>
+              <a:cxnSpLocks/>
+            </p:cNvCxnSpPr>
+            <p:nvPr/>
+          </p:nvCxnSpPr>
+          <p:spPr>
+            <a:xfrm>
+              <a:off x="5842660" y="4802362"/>
+              <a:ext cx="296883" cy="0"/>
+            </a:xfrm>
+            <a:prstGeom prst="line">
+              <a:avLst/>
+            </a:prstGeom>
+            <a:ln w="15875">
+              <a:solidFill>
+                <a:schemeClr val="tx1"/>
+              </a:solidFill>
+            </a:ln>
+          </p:spPr>
+          <p:style>
+            <a:lnRef idx="1">
+              <a:schemeClr val="accent1"/>
+            </a:lnRef>
+            <a:fillRef idx="0">
+              <a:schemeClr val="accent1"/>
+            </a:fillRef>
+            <a:effectRef idx="0">
+              <a:schemeClr val="accent1"/>
+            </a:effectRef>
+            <a:fontRef idx="minor">
+              <a:schemeClr val="tx1"/>
+            </a:fontRef>
+          </p:style>
+        </p:cxnSp>
+        <p:sp>
+          <p:nvSpPr>
+            <p:cNvPr id="37" name="文本框 36">
+              <a:extLst>
+                <a:ext uri="{FF2B5EF4-FFF2-40B4-BE49-F238E27FC236}">
+                  <a16:creationId xmlns:a16="http://schemas.microsoft.com/office/drawing/2014/main" id="{CF8067BE-5570-BDFD-400B-199E06CB9F57}"/>
+                </a:ext>
+              </a:extLst>
+            </p:cNvPr>
+            <p:cNvSpPr txBox="1"/>
+            <p:nvPr/>
+          </p:nvSpPr>
+          <p:spPr>
+            <a:xfrm>
+              <a:off x="6159334" y="3734963"/>
+              <a:ext cx="1725094" cy="369332"/>
+            </a:xfrm>
+            <a:prstGeom prst="rect">
+              <a:avLst/>
+            </a:prstGeom>
+            <a:noFill/>
+          </p:spPr>
+          <p:txBody>
+            <a:bodyPr wrap="square" rtlCol="0">
+              <a:spAutoFit/>
+            </a:bodyPr>
+            <a:lstStyle/>
+            <a:p>
+              <a:r>
+                <a:rPr lang="en-US" altLang="zh-CN" dirty="0"/>
+                <a:t>1   </a:t>
+              </a:r>
+              <a:r>
+                <a:rPr lang="zh-CN" altLang="en-US" sz="1200" dirty="0"/>
+                <a:t>（若</a:t>
+              </a:r>
+              <a:r>
+                <a:rPr lang="en-US" altLang="zh-CN" sz="1200" dirty="0"/>
+                <a:t>i</a:t>
+              </a:r>
+              <a:r>
+                <a:rPr lang="zh-CN" altLang="en-US" sz="1200" dirty="0"/>
+                <a:t>、</a:t>
+              </a:r>
+              <a:r>
+                <a:rPr lang="en-US" altLang="zh-CN" sz="1200" dirty="0"/>
+                <a:t>j</a:t>
+              </a:r>
+              <a:r>
+                <a:rPr lang="zh-CN" altLang="en-US" sz="1200" dirty="0"/>
+                <a:t>之间有边）</a:t>
+              </a:r>
+              <a:r>
+                <a:rPr lang="en-US" altLang="zh-CN" dirty="0"/>
+                <a:t>  </a:t>
+              </a:r>
+              <a:endParaRPr lang="zh-CN" altLang="en-US" dirty="0"/>
+            </a:p>
+          </p:txBody>
+        </p:sp>
+        <p:sp>
+          <p:nvSpPr>
+            <p:cNvPr id="38" name="文本框 37">
+              <a:extLst>
+                <a:ext uri="{FF2B5EF4-FFF2-40B4-BE49-F238E27FC236}">
+                  <a16:creationId xmlns:a16="http://schemas.microsoft.com/office/drawing/2014/main" id="{C26DE413-86B7-47F5-EA61-E2DAF070BE76}"/>
+                </a:ext>
+              </a:extLst>
+            </p:cNvPr>
+            <p:cNvSpPr txBox="1"/>
+            <p:nvPr/>
+          </p:nvSpPr>
+          <p:spPr>
+            <a:xfrm>
+              <a:off x="6200900" y="4617696"/>
+              <a:ext cx="1816924" cy="369332"/>
+            </a:xfrm>
+            <a:prstGeom prst="rect">
+              <a:avLst/>
+            </a:prstGeom>
+            <a:noFill/>
+          </p:spPr>
+          <p:txBody>
+            <a:bodyPr wrap="square" rtlCol="0">
+              <a:spAutoFit/>
+            </a:bodyPr>
+            <a:lstStyle/>
+            <a:p>
+              <a:r>
+                <a:rPr lang="en-US" altLang="zh-CN" dirty="0"/>
+                <a:t>0  </a:t>
+              </a:r>
+              <a:r>
+                <a:rPr lang="zh-CN" altLang="en-US" sz="1200" dirty="0"/>
+                <a:t>（若</a:t>
+              </a:r>
+              <a:r>
+                <a:rPr lang="en-US" altLang="zh-CN" sz="1200" dirty="0"/>
+                <a:t>i</a:t>
+              </a:r>
+              <a:r>
+                <a:rPr lang="zh-CN" altLang="en-US" sz="1200" dirty="0"/>
+                <a:t>、</a:t>
+              </a:r>
+              <a:r>
+                <a:rPr lang="en-US" altLang="zh-CN" sz="1200" dirty="0"/>
+                <a:t>j</a:t>
+              </a:r>
+              <a:r>
+                <a:rPr lang="zh-CN" altLang="en-US" sz="1200" dirty="0"/>
+                <a:t>之间无边）</a:t>
+              </a:r>
+              <a:r>
+                <a:rPr lang="en-US" altLang="zh-CN" sz="1200" dirty="0"/>
+                <a:t> </a:t>
+              </a:r>
+              <a:endParaRPr lang="zh-CN" altLang="en-US" sz="1200" dirty="0"/>
+            </a:p>
+          </p:txBody>
+        </p:sp>
+      </p:grpSp>
+    </p:spTree>
+    <p:extLst>
+      <p:ext uri="{BB962C8B-B14F-4D97-AF65-F5344CB8AC3E}">
+        <p14:creationId xmlns:p14="http://schemas.microsoft.com/office/powerpoint/2010/main" val="2680975356"/>
+      </p:ext>
+    </p:extLst>
+  </p:cSld>
+  <p:clrMapOvr>
+    <a:masterClrMapping/>
+  </p:clrMapOvr>
+</p:sld>
+</file>
+
+<file path=ppt/slides/slide24.xml><?xml version="1.0" encoding="utf-8"?>
+<p:sld xmlns:a="http://schemas.openxmlformats.org/drawingml/2006/main" xmlns:r="http://schemas.openxmlformats.org/officeDocument/2006/relationships" xmlns:p="http://schemas.openxmlformats.org/presentationml/2006/main">
+  <p:cSld>
+    <p:spTree>
+      <p:nvGrpSpPr>
+        <p:cNvPr id="1" name=""/>
+        <p:cNvGrpSpPr/>
+        <p:nvPr/>
+      </p:nvGrpSpPr>
+      <p:grpSpPr>
+        <a:xfrm>
+          <a:off x="0" y="0"/>
+          <a:ext cx="0" cy="0"/>
+          <a:chOff x="0" y="0"/>
+          <a:chExt cx="0" cy="0"/>
+        </a:xfrm>
+      </p:grpSpPr>
+      <p:grpSp>
+        <p:nvGrpSpPr>
+          <p:cNvPr id="31" name="组合 30">
+            <a:extLst>
+              <a:ext uri="{FF2B5EF4-FFF2-40B4-BE49-F238E27FC236}">
+                <a16:creationId xmlns:a16="http://schemas.microsoft.com/office/drawing/2014/main" id="{7992C6AD-45C2-5EAE-23F9-2FF60D30CC57}"/>
+              </a:ext>
+            </a:extLst>
+          </p:cNvPr>
+          <p:cNvGrpSpPr/>
+          <p:nvPr/>
+        </p:nvGrpSpPr>
+        <p:grpSpPr>
+          <a:xfrm>
+            <a:off x="2294863" y="3069000"/>
+            <a:ext cx="4051436" cy="2231508"/>
+            <a:chOff x="2294863" y="3069000"/>
+            <a:chExt cx="4051436" cy="2231508"/>
+          </a:xfrm>
+        </p:grpSpPr>
+        <p:sp>
+          <p:nvSpPr>
+            <p:cNvPr id="9" name="文本框 8">
+              <a:extLst>
+                <a:ext uri="{FF2B5EF4-FFF2-40B4-BE49-F238E27FC236}">
+                  <a16:creationId xmlns:a16="http://schemas.microsoft.com/office/drawing/2014/main" id="{7463B980-6169-06A5-6F4B-82EDF80212E7}"/>
+                </a:ext>
+              </a:extLst>
+            </p:cNvPr>
+            <p:cNvSpPr txBox="1"/>
+            <p:nvPr/>
+          </p:nvSpPr>
+          <p:spPr>
+            <a:xfrm>
+              <a:off x="4172328" y="3069000"/>
+              <a:ext cx="2173971" cy="2231508"/>
+            </a:xfrm>
+            <a:prstGeom prst="rect">
+              <a:avLst/>
+            </a:prstGeom>
+            <a:noFill/>
+          </p:spPr>
+          <p:txBody>
+            <a:bodyPr wrap="square" rtlCol="0">
+              <a:spAutoFit/>
+            </a:bodyPr>
+            <a:lstStyle/>
+            <a:p>
+              <a:pPr>
+                <a:lnSpc>
+                  <a:spcPct val="200000"/>
+                </a:lnSpc>
+              </a:pPr>
+              <a:r>
+                <a:rPr lang="en-US" altLang="zh-CN" dirty="0"/>
+                <a:t>       A      B      C</a:t>
+              </a:r>
+            </a:p>
+            <a:p>
+              <a:pPr>
+                <a:lnSpc>
+                  <a:spcPct val="200000"/>
+                </a:lnSpc>
+              </a:pPr>
+              <a:r>
+                <a:rPr lang="en-US" altLang="zh-CN" dirty="0"/>
+                <a:t>A     0      3      1 </a:t>
+              </a:r>
+            </a:p>
+            <a:p>
+              <a:pPr>
+                <a:lnSpc>
+                  <a:spcPct val="200000"/>
+                </a:lnSpc>
+              </a:pPr>
+              <a:r>
+                <a:rPr lang="en-US" altLang="zh-CN" dirty="0"/>
+                <a:t>B     0      0      0</a:t>
+              </a:r>
+            </a:p>
+            <a:p>
+              <a:pPr>
+                <a:lnSpc>
+                  <a:spcPct val="200000"/>
+                </a:lnSpc>
+              </a:pPr>
+              <a:r>
+                <a:rPr lang="en-US" altLang="zh-CN" dirty="0"/>
+                <a:t>C     0      2      0</a:t>
+              </a:r>
+              <a:endParaRPr lang="zh-CN" altLang="en-US" dirty="0"/>
+            </a:p>
+          </p:txBody>
+        </p:sp>
+        <p:grpSp>
+          <p:nvGrpSpPr>
+            <p:cNvPr id="30" name="组合 29">
+              <a:extLst>
+                <a:ext uri="{FF2B5EF4-FFF2-40B4-BE49-F238E27FC236}">
+                  <a16:creationId xmlns:a16="http://schemas.microsoft.com/office/drawing/2014/main" id="{AA8B0B32-8D9B-F1F0-9D73-5A1E11116626}"/>
+                </a:ext>
+              </a:extLst>
+            </p:cNvPr>
+            <p:cNvGrpSpPr/>
+            <p:nvPr/>
+          </p:nvGrpSpPr>
+          <p:grpSpPr>
+            <a:xfrm>
+              <a:off x="2294863" y="3631325"/>
+              <a:ext cx="1219900" cy="1238388"/>
+              <a:chOff x="2294863" y="3631325"/>
+              <a:chExt cx="1219900" cy="1238388"/>
+            </a:xfrm>
+          </p:grpSpPr>
+          <p:grpSp>
+            <p:nvGrpSpPr>
+              <p:cNvPr id="21" name="组合 20">
+                <a:extLst>
+                  <a:ext uri="{FF2B5EF4-FFF2-40B4-BE49-F238E27FC236}">
+                    <a16:creationId xmlns:a16="http://schemas.microsoft.com/office/drawing/2014/main" id="{CFAE33CC-58EB-C054-5707-0D93BD5F7F10}"/>
+                  </a:ext>
+                </a:extLst>
+              </p:cNvPr>
+              <p:cNvGrpSpPr/>
+              <p:nvPr/>
+            </p:nvGrpSpPr>
+            <p:grpSpPr>
+              <a:xfrm>
+                <a:off x="2294863" y="3747231"/>
+                <a:ext cx="1219900" cy="1122482"/>
+                <a:chOff x="2252473" y="3069000"/>
+                <a:chExt cx="1219900" cy="1122482"/>
+              </a:xfrm>
+            </p:grpSpPr>
+            <p:sp>
+              <p:nvSpPr>
+                <p:cNvPr id="3" name="椭圆 2">
+                  <a:extLst>
+                    <a:ext uri="{FF2B5EF4-FFF2-40B4-BE49-F238E27FC236}">
+                      <a16:creationId xmlns:a16="http://schemas.microsoft.com/office/drawing/2014/main" id="{203A1950-83E0-948B-8D93-C2729AE7D25E}"/>
+                    </a:ext>
+                  </a:extLst>
+                </p:cNvPr>
+                <p:cNvSpPr/>
+                <p:nvPr/>
+              </p:nvSpPr>
+              <p:spPr>
+                <a:xfrm>
+                  <a:off x="2252473" y="3069000"/>
+                  <a:ext cx="360000" cy="360000"/>
+                </a:xfrm>
+                <a:prstGeom prst="ellipse">
+                  <a:avLst/>
+                </a:prstGeom>
+                <a:solidFill>
+                  <a:schemeClr val="bg1"/>
+                </a:solidFill>
+                <a:ln>
+                  <a:solidFill>
+                    <a:schemeClr val="tx1"/>
+                  </a:solidFill>
+                </a:ln>
+              </p:spPr>
+              <p:style>
+                <a:lnRef idx="2">
+                  <a:schemeClr val="accent1">
+                    <a:shade val="50000"/>
+                  </a:schemeClr>
+                </a:lnRef>
+                <a:fillRef idx="1">
+                  <a:schemeClr val="accent1"/>
+                </a:fillRef>
+                <a:effectRef idx="0">
+                  <a:schemeClr val="accent1"/>
+                </a:effectRef>
+                <a:fontRef idx="minor">
+                  <a:schemeClr val="lt1"/>
+                </a:fontRef>
+              </p:style>
+              <p:txBody>
+                <a:bodyPr rtlCol="0" anchor="ctr"/>
+                <a:lstStyle/>
+                <a:p>
+                  <a:pPr algn="ctr"/>
+                  <a:r>
+                    <a:rPr lang="en-US" altLang="zh-CN" dirty="0">
+                      <a:solidFill>
+                        <a:schemeClr val="tx1"/>
+                      </a:solidFill>
+                    </a:rPr>
+                    <a:t>A</a:t>
+                  </a:r>
+                  <a:endParaRPr lang="zh-CN" altLang="en-US" dirty="0">
+                    <a:solidFill>
+                      <a:schemeClr val="tx1"/>
+                    </a:solidFill>
+                  </a:endParaRPr>
+                </a:p>
+              </p:txBody>
+            </p:sp>
+            <p:sp>
+              <p:nvSpPr>
+                <p:cNvPr id="5" name="椭圆 4">
+                  <a:extLst>
+                    <a:ext uri="{FF2B5EF4-FFF2-40B4-BE49-F238E27FC236}">
+                      <a16:creationId xmlns:a16="http://schemas.microsoft.com/office/drawing/2014/main" id="{62D0E2CB-7BA3-A1A5-5BC3-AEB0EEA12CBB}"/>
+                    </a:ext>
+                  </a:extLst>
+                </p:cNvPr>
+                <p:cNvSpPr/>
+                <p:nvPr/>
+              </p:nvSpPr>
+              <p:spPr>
+                <a:xfrm>
+                  <a:off x="3112373" y="3069000"/>
+                  <a:ext cx="360000" cy="360000"/>
+                </a:xfrm>
+                <a:prstGeom prst="ellipse">
+                  <a:avLst/>
+                </a:prstGeom>
+                <a:solidFill>
+                  <a:schemeClr val="bg1"/>
+                </a:solidFill>
+                <a:ln>
+                  <a:solidFill>
+                    <a:schemeClr val="tx1"/>
+                  </a:solidFill>
+                </a:ln>
+              </p:spPr>
+              <p:style>
+                <a:lnRef idx="2">
+                  <a:schemeClr val="accent1">
+                    <a:shade val="50000"/>
+                  </a:schemeClr>
+                </a:lnRef>
+                <a:fillRef idx="1">
+                  <a:schemeClr val="accent1"/>
+                </a:fillRef>
+                <a:effectRef idx="0">
+                  <a:schemeClr val="accent1"/>
+                </a:effectRef>
+                <a:fontRef idx="minor">
+                  <a:schemeClr val="lt1"/>
+                </a:fontRef>
+              </p:style>
+              <p:txBody>
+                <a:bodyPr rtlCol="0" anchor="ctr"/>
+                <a:lstStyle/>
+                <a:p>
+                  <a:pPr algn="ctr"/>
+                  <a:r>
+                    <a:rPr lang="en-US" altLang="zh-CN" dirty="0">
+                      <a:solidFill>
+                        <a:schemeClr val="tx1"/>
+                      </a:solidFill>
+                    </a:rPr>
+                    <a:t>B</a:t>
+                  </a:r>
+                  <a:endParaRPr lang="zh-CN" altLang="en-US" dirty="0">
+                    <a:solidFill>
+                      <a:schemeClr val="tx1"/>
+                    </a:solidFill>
+                  </a:endParaRPr>
+                </a:p>
+              </p:txBody>
+            </p:sp>
+            <p:sp>
+              <p:nvSpPr>
+                <p:cNvPr id="8" name="椭圆 7">
+                  <a:extLst>
+                    <a:ext uri="{FF2B5EF4-FFF2-40B4-BE49-F238E27FC236}">
+                      <a16:creationId xmlns:a16="http://schemas.microsoft.com/office/drawing/2014/main" id="{0890767E-A847-8A1B-F1A0-4BEB8B6317DA}"/>
+                    </a:ext>
+                  </a:extLst>
+                </p:cNvPr>
+                <p:cNvSpPr/>
+                <p:nvPr/>
+              </p:nvSpPr>
+              <p:spPr>
+                <a:xfrm>
+                  <a:off x="2670312" y="3831482"/>
+                  <a:ext cx="360000" cy="360000"/>
+                </a:xfrm>
+                <a:prstGeom prst="ellipse">
+                  <a:avLst/>
+                </a:prstGeom>
+                <a:solidFill>
+                  <a:schemeClr val="bg1"/>
+                </a:solidFill>
+                <a:ln>
+                  <a:solidFill>
+                    <a:schemeClr val="tx1"/>
+                  </a:solidFill>
+                </a:ln>
+              </p:spPr>
+              <p:style>
+                <a:lnRef idx="2">
+                  <a:schemeClr val="accent1">
+                    <a:shade val="50000"/>
+                  </a:schemeClr>
+                </a:lnRef>
+                <a:fillRef idx="1">
+                  <a:schemeClr val="accent1"/>
+                </a:fillRef>
+                <a:effectRef idx="0">
+                  <a:schemeClr val="accent1"/>
+                </a:effectRef>
+                <a:fontRef idx="minor">
+                  <a:schemeClr val="lt1"/>
+                </a:fontRef>
+              </p:style>
+              <p:txBody>
+                <a:bodyPr rtlCol="0" anchor="ctr"/>
+                <a:lstStyle/>
+                <a:p>
+                  <a:pPr algn="ctr"/>
+                  <a:r>
+                    <a:rPr lang="en-US" altLang="zh-CN" dirty="0">
+                      <a:solidFill>
+                        <a:schemeClr val="tx1"/>
+                      </a:solidFill>
+                    </a:rPr>
+                    <a:t>C</a:t>
+                  </a:r>
+                  <a:endParaRPr lang="zh-CN" altLang="en-US" dirty="0">
+                    <a:solidFill>
+                      <a:schemeClr val="tx1"/>
+                    </a:solidFill>
+                  </a:endParaRPr>
+                </a:p>
+              </p:txBody>
+            </p:sp>
+            <p:cxnSp>
+              <p:nvCxnSpPr>
+                <p:cNvPr id="12" name="直接箭头连接符 11">
+                  <a:extLst>
+                    <a:ext uri="{FF2B5EF4-FFF2-40B4-BE49-F238E27FC236}">
+                      <a16:creationId xmlns:a16="http://schemas.microsoft.com/office/drawing/2014/main" id="{5CEE91BC-AF26-B7F7-81F6-6763F878FCC5}"/>
+                    </a:ext>
+                  </a:extLst>
+                </p:cNvPr>
+                <p:cNvCxnSpPr>
+                  <a:stCxn id="3" idx="6"/>
+                  <a:endCxn id="5" idx="2"/>
+                </p:cNvCxnSpPr>
+                <p:nvPr/>
+              </p:nvCxnSpPr>
+              <p:spPr>
+                <a:xfrm>
+                  <a:off x="2612473" y="3249000"/>
+                  <a:ext cx="499900" cy="0"/>
+                </a:xfrm>
+                <a:prstGeom prst="straightConnector1">
+                  <a:avLst/>
+                </a:prstGeom>
+                <a:ln w="12700">
+                  <a:solidFill>
+                    <a:schemeClr val="tx1"/>
+                  </a:solidFill>
+                  <a:tailEnd type="triangle"/>
+                </a:ln>
+              </p:spPr>
+              <p:style>
+                <a:lnRef idx="1">
+                  <a:schemeClr val="accent1"/>
+                </a:lnRef>
+                <a:fillRef idx="0">
+                  <a:schemeClr val="accent1"/>
+                </a:fillRef>
+                <a:effectRef idx="0">
+                  <a:schemeClr val="accent1"/>
+                </a:effectRef>
+                <a:fontRef idx="minor">
+                  <a:schemeClr val="tx1"/>
+                </a:fontRef>
+              </p:style>
+            </p:cxnSp>
+            <p:cxnSp>
+              <p:nvCxnSpPr>
+                <p:cNvPr id="14" name="直接箭头连接符 13">
+                  <a:extLst>
+                    <a:ext uri="{FF2B5EF4-FFF2-40B4-BE49-F238E27FC236}">
+                      <a16:creationId xmlns:a16="http://schemas.microsoft.com/office/drawing/2014/main" id="{F247C85C-D8BD-4625-5AE9-F3A4D91896EF}"/>
+                    </a:ext>
+                  </a:extLst>
+                </p:cNvPr>
+                <p:cNvCxnSpPr>
+                  <a:cxnSpLocks/>
+                  <a:endCxn id="8" idx="1"/>
+                </p:cNvCxnSpPr>
+                <p:nvPr/>
+              </p:nvCxnSpPr>
+              <p:spPr>
+                <a:xfrm>
+                  <a:off x="2471653" y="3429000"/>
+                  <a:ext cx="251380" cy="455203"/>
+                </a:xfrm>
+                <a:prstGeom prst="straightConnector1">
+                  <a:avLst/>
+                </a:prstGeom>
+                <a:ln w="12700">
+                  <a:solidFill>
+                    <a:schemeClr val="tx1"/>
+                  </a:solidFill>
+                  <a:tailEnd type="triangle"/>
+                </a:ln>
+              </p:spPr>
+              <p:style>
+                <a:lnRef idx="1">
+                  <a:schemeClr val="accent1"/>
+                </a:lnRef>
+                <a:fillRef idx="0">
+                  <a:schemeClr val="accent1"/>
+                </a:fillRef>
+                <a:effectRef idx="0">
+                  <a:schemeClr val="accent1"/>
+                </a:effectRef>
+                <a:fontRef idx="minor">
+                  <a:schemeClr val="tx1"/>
+                </a:fontRef>
+              </p:style>
+            </p:cxnSp>
+            <p:cxnSp>
+              <p:nvCxnSpPr>
+                <p:cNvPr id="17" name="直接箭头连接符 16">
+                  <a:extLst>
+                    <a:ext uri="{FF2B5EF4-FFF2-40B4-BE49-F238E27FC236}">
+                      <a16:creationId xmlns:a16="http://schemas.microsoft.com/office/drawing/2014/main" id="{98D34896-72C2-5ED3-9F98-FE65F7674C27}"/>
+                    </a:ext>
+                  </a:extLst>
+                </p:cNvPr>
+                <p:cNvCxnSpPr>
+                  <a:cxnSpLocks/>
+                  <a:stCxn id="8" idx="7"/>
+                </p:cNvCxnSpPr>
+                <p:nvPr/>
+              </p:nvCxnSpPr>
+              <p:spPr>
+                <a:xfrm flipV="1">
+                  <a:off x="2977591" y="3407281"/>
+                  <a:ext cx="272007" cy="476922"/>
+                </a:xfrm>
+                <a:prstGeom prst="straightConnector1">
+                  <a:avLst/>
+                </a:prstGeom>
+                <a:ln w="12700">
+                  <a:solidFill>
+                    <a:schemeClr val="tx1"/>
+                  </a:solidFill>
+                  <a:tailEnd type="triangle"/>
+                </a:ln>
+              </p:spPr>
+              <p:style>
+                <a:lnRef idx="1">
+                  <a:schemeClr val="accent1"/>
+                </a:lnRef>
+                <a:fillRef idx="0">
+                  <a:schemeClr val="accent1"/>
+                </a:fillRef>
+                <a:effectRef idx="0">
+                  <a:schemeClr val="accent1"/>
+                </a:effectRef>
+                <a:fontRef idx="minor">
+                  <a:schemeClr val="tx1"/>
+                </a:fontRef>
+              </p:style>
+            </p:cxnSp>
+          </p:grpSp>
+          <p:sp>
+            <p:nvSpPr>
+              <p:cNvPr id="22" name="文本框 21">
+                <a:extLst>
+                  <a:ext uri="{FF2B5EF4-FFF2-40B4-BE49-F238E27FC236}">
+                    <a16:creationId xmlns:a16="http://schemas.microsoft.com/office/drawing/2014/main" id="{697879B9-1E94-2FAB-F8C1-A6035294B6C8}"/>
+                  </a:ext>
+                </a:extLst>
+              </p:cNvPr>
+              <p:cNvSpPr txBox="1"/>
+              <p:nvPr/>
+            </p:nvSpPr>
+            <p:spPr>
+              <a:xfrm>
+                <a:off x="2757926" y="3631325"/>
+                <a:ext cx="254556" cy="369332"/>
+              </a:xfrm>
+              <a:prstGeom prst="rect">
+                <a:avLst/>
+              </a:prstGeom>
+              <a:noFill/>
+            </p:spPr>
+            <p:txBody>
+              <a:bodyPr wrap="square" rtlCol="0">
+                <a:spAutoFit/>
+              </a:bodyPr>
+              <a:lstStyle/>
+              <a:p>
+                <a:r>
+                  <a:rPr lang="en-US" altLang="zh-CN" dirty="0"/>
+                  <a:t>3</a:t>
+                </a:r>
+                <a:endParaRPr lang="zh-CN" altLang="en-US" dirty="0"/>
+              </a:p>
+            </p:txBody>
+          </p:sp>
+          <p:sp>
+            <p:nvSpPr>
+              <p:cNvPr id="26" name="文本框 25">
+                <a:extLst>
+                  <a:ext uri="{FF2B5EF4-FFF2-40B4-BE49-F238E27FC236}">
+                    <a16:creationId xmlns:a16="http://schemas.microsoft.com/office/drawing/2014/main" id="{39A2C5D1-F53D-C5AC-0DB6-B228FA8B1640}"/>
+                  </a:ext>
+                </a:extLst>
+              </p:cNvPr>
+              <p:cNvSpPr txBox="1"/>
+              <p:nvPr/>
+            </p:nvSpPr>
+            <p:spPr>
+              <a:xfrm>
+                <a:off x="3125765" y="4260846"/>
+                <a:ext cx="204114" cy="369332"/>
+              </a:xfrm>
+              <a:prstGeom prst="rect">
+                <a:avLst/>
+              </a:prstGeom>
+              <a:noFill/>
+            </p:spPr>
+            <p:txBody>
+              <a:bodyPr wrap="square" rtlCol="0">
+                <a:spAutoFit/>
+              </a:bodyPr>
+              <a:lstStyle/>
+              <a:p>
+                <a:r>
+                  <a:rPr lang="en-US" altLang="zh-CN" dirty="0"/>
+                  <a:t>2</a:t>
+                </a:r>
+                <a:endParaRPr lang="zh-CN" altLang="en-US" dirty="0"/>
+              </a:p>
+            </p:txBody>
+          </p:sp>
+          <p:sp>
+            <p:nvSpPr>
+              <p:cNvPr id="27" name="文本框 26">
+                <a:extLst>
+                  <a:ext uri="{FF2B5EF4-FFF2-40B4-BE49-F238E27FC236}">
+                    <a16:creationId xmlns:a16="http://schemas.microsoft.com/office/drawing/2014/main" id="{101C0BCE-2453-027A-6358-DF19C32D276D}"/>
+                  </a:ext>
+                </a:extLst>
+              </p:cNvPr>
+              <p:cNvSpPr txBox="1"/>
+              <p:nvPr/>
+            </p:nvSpPr>
+            <p:spPr>
+              <a:xfrm>
+                <a:off x="2341728" y="4184754"/>
+                <a:ext cx="204114" cy="369332"/>
+              </a:xfrm>
+              <a:prstGeom prst="rect">
+                <a:avLst/>
+              </a:prstGeom>
+              <a:noFill/>
+            </p:spPr>
+            <p:txBody>
+              <a:bodyPr wrap="square" rtlCol="0">
+                <a:spAutoFit/>
+              </a:bodyPr>
+              <a:lstStyle/>
+              <a:p>
+                <a:r>
+                  <a:rPr lang="en-US" altLang="zh-CN" dirty="0"/>
+                  <a:t>1</a:t>
+                </a:r>
+                <a:endParaRPr lang="zh-CN" altLang="en-US" dirty="0"/>
+              </a:p>
+            </p:txBody>
+          </p:sp>
+        </p:grpSp>
+      </p:grpSp>
+    </p:spTree>
+    <p:extLst>
+      <p:ext uri="{BB962C8B-B14F-4D97-AF65-F5344CB8AC3E}">
+        <p14:creationId xmlns:p14="http://schemas.microsoft.com/office/powerpoint/2010/main" val="2460859282"/>
+      </p:ext>
+    </p:extLst>
+  </p:cSld>
+  <p:clrMapOvr>
+    <a:masterClrMapping/>
+  </p:clrMapOvr>
+</p:sld>
+</file>
+
+<file path=ppt/slides/slide25.xml><?xml version="1.0" encoding="utf-8"?>
+<p:sld xmlns:a="http://schemas.openxmlformats.org/drawingml/2006/main" xmlns:r="http://schemas.openxmlformats.org/officeDocument/2006/relationships" xmlns:p="http://schemas.openxmlformats.org/presentationml/2006/main">
+  <p:cSld>
+    <p:spTree>
+      <p:nvGrpSpPr>
+        <p:cNvPr id="1" name=""/>
+        <p:cNvGrpSpPr/>
+        <p:nvPr/>
+      </p:nvGrpSpPr>
+      <p:grpSpPr>
+        <a:xfrm>
+          <a:off x="0" y="0"/>
+          <a:ext cx="0" cy="0"/>
+          <a:chOff x="0" y="0"/>
+          <a:chExt cx="0" cy="0"/>
+        </a:xfrm>
+      </p:grpSpPr>
+      <p:grpSp>
+        <p:nvGrpSpPr>
+          <p:cNvPr id="31" name="组合 30">
+            <a:extLst>
+              <a:ext uri="{FF2B5EF4-FFF2-40B4-BE49-F238E27FC236}">
+                <a16:creationId xmlns:a16="http://schemas.microsoft.com/office/drawing/2014/main" id="{7992C6AD-45C2-5EAE-23F9-2FF60D30CC57}"/>
+              </a:ext>
+            </a:extLst>
+          </p:cNvPr>
+          <p:cNvGrpSpPr/>
+          <p:nvPr/>
+        </p:nvGrpSpPr>
+        <p:grpSpPr>
+          <a:xfrm>
+            <a:off x="2294863" y="3069000"/>
+            <a:ext cx="4051436" cy="2231508"/>
+            <a:chOff x="2294863" y="3069000"/>
+            <a:chExt cx="4051436" cy="2231508"/>
+          </a:xfrm>
+        </p:grpSpPr>
+        <p:sp>
+          <p:nvSpPr>
+            <p:cNvPr id="9" name="文本框 8">
+              <a:extLst>
+                <a:ext uri="{FF2B5EF4-FFF2-40B4-BE49-F238E27FC236}">
+                  <a16:creationId xmlns:a16="http://schemas.microsoft.com/office/drawing/2014/main" id="{7463B980-6169-06A5-6F4B-82EDF80212E7}"/>
+                </a:ext>
+              </a:extLst>
+            </p:cNvPr>
+            <p:cNvSpPr txBox="1"/>
+            <p:nvPr/>
+          </p:nvSpPr>
+          <p:spPr>
+            <a:xfrm>
+              <a:off x="4172328" y="3069000"/>
+              <a:ext cx="2173971" cy="2231508"/>
+            </a:xfrm>
+            <a:prstGeom prst="rect">
+              <a:avLst/>
+            </a:prstGeom>
+            <a:noFill/>
+          </p:spPr>
+          <p:txBody>
+            <a:bodyPr wrap="square" rtlCol="0">
+              <a:spAutoFit/>
+            </a:bodyPr>
+            <a:lstStyle/>
+            <a:p>
+              <a:pPr>
+                <a:lnSpc>
+                  <a:spcPct val="200000"/>
+                </a:lnSpc>
+              </a:pPr>
+              <a:r>
+                <a:rPr lang="en-US" altLang="zh-CN" dirty="0"/>
+                <a:t>       A      B      C</a:t>
+              </a:r>
+            </a:p>
+            <a:p>
+              <a:pPr>
+                <a:lnSpc>
+                  <a:spcPct val="200000"/>
+                </a:lnSpc>
+              </a:pPr>
+              <a:r>
+                <a:rPr lang="en-US" altLang="zh-CN" dirty="0"/>
+                <a:t>A     0      3      1 </a:t>
+              </a:r>
+            </a:p>
+            <a:p>
+              <a:pPr>
+                <a:lnSpc>
+                  <a:spcPct val="200000"/>
+                </a:lnSpc>
+              </a:pPr>
+              <a:r>
+                <a:rPr lang="en-US" altLang="zh-CN" dirty="0"/>
+                <a:t>B     0      0      0</a:t>
+              </a:r>
+            </a:p>
+            <a:p>
+              <a:pPr>
+                <a:lnSpc>
+                  <a:spcPct val="200000"/>
+                </a:lnSpc>
+              </a:pPr>
+              <a:r>
+                <a:rPr lang="en-US" altLang="zh-CN" dirty="0"/>
+                <a:t>C     0      2      0</a:t>
+              </a:r>
+              <a:endParaRPr lang="zh-CN" altLang="en-US" dirty="0"/>
+            </a:p>
+          </p:txBody>
+        </p:sp>
+        <p:grpSp>
+          <p:nvGrpSpPr>
+            <p:cNvPr id="30" name="组合 29">
+              <a:extLst>
+                <a:ext uri="{FF2B5EF4-FFF2-40B4-BE49-F238E27FC236}">
+                  <a16:creationId xmlns:a16="http://schemas.microsoft.com/office/drawing/2014/main" id="{AA8B0B32-8D9B-F1F0-9D73-5A1E11116626}"/>
+                </a:ext>
+              </a:extLst>
+            </p:cNvPr>
+            <p:cNvGrpSpPr/>
+            <p:nvPr/>
+          </p:nvGrpSpPr>
+          <p:grpSpPr>
+            <a:xfrm>
+              <a:off x="2294863" y="3631325"/>
+              <a:ext cx="1219900" cy="1238388"/>
+              <a:chOff x="2294863" y="3631325"/>
+              <a:chExt cx="1219900" cy="1238388"/>
+            </a:xfrm>
+          </p:grpSpPr>
+          <p:grpSp>
+            <p:nvGrpSpPr>
+              <p:cNvPr id="21" name="组合 20">
+                <a:extLst>
+                  <a:ext uri="{FF2B5EF4-FFF2-40B4-BE49-F238E27FC236}">
+                    <a16:creationId xmlns:a16="http://schemas.microsoft.com/office/drawing/2014/main" id="{CFAE33CC-58EB-C054-5707-0D93BD5F7F10}"/>
+                  </a:ext>
+                </a:extLst>
+              </p:cNvPr>
+              <p:cNvGrpSpPr/>
+              <p:nvPr/>
+            </p:nvGrpSpPr>
+            <p:grpSpPr>
+              <a:xfrm>
+                <a:off x="2294863" y="3747231"/>
+                <a:ext cx="1219900" cy="1122482"/>
+                <a:chOff x="2252473" y="3069000"/>
+                <a:chExt cx="1219900" cy="1122482"/>
+              </a:xfrm>
+            </p:grpSpPr>
+            <p:sp>
+              <p:nvSpPr>
+                <p:cNvPr id="3" name="椭圆 2">
+                  <a:extLst>
+                    <a:ext uri="{FF2B5EF4-FFF2-40B4-BE49-F238E27FC236}">
+                      <a16:creationId xmlns:a16="http://schemas.microsoft.com/office/drawing/2014/main" id="{203A1950-83E0-948B-8D93-C2729AE7D25E}"/>
+                    </a:ext>
+                  </a:extLst>
+                </p:cNvPr>
+                <p:cNvSpPr/>
+                <p:nvPr/>
+              </p:nvSpPr>
+              <p:spPr>
+                <a:xfrm>
+                  <a:off x="2252473" y="3069000"/>
+                  <a:ext cx="360000" cy="360000"/>
+                </a:xfrm>
+                <a:prstGeom prst="ellipse">
+                  <a:avLst/>
+                </a:prstGeom>
+                <a:solidFill>
+                  <a:schemeClr val="bg1"/>
+                </a:solidFill>
+                <a:ln>
+                  <a:solidFill>
+                    <a:schemeClr val="tx1"/>
+                  </a:solidFill>
+                </a:ln>
+              </p:spPr>
+              <p:style>
+                <a:lnRef idx="2">
+                  <a:schemeClr val="accent1">
+                    <a:shade val="50000"/>
+                  </a:schemeClr>
+                </a:lnRef>
+                <a:fillRef idx="1">
+                  <a:schemeClr val="accent1"/>
+                </a:fillRef>
+                <a:effectRef idx="0">
+                  <a:schemeClr val="accent1"/>
+                </a:effectRef>
+                <a:fontRef idx="minor">
+                  <a:schemeClr val="lt1"/>
+                </a:fontRef>
+              </p:style>
+              <p:txBody>
+                <a:bodyPr rtlCol="0" anchor="ctr"/>
+                <a:lstStyle/>
+                <a:p>
+                  <a:pPr algn="ctr"/>
+                  <a:r>
+                    <a:rPr lang="en-US" altLang="zh-CN" dirty="0">
+                      <a:solidFill>
+                        <a:schemeClr val="tx1"/>
+                      </a:solidFill>
+                    </a:rPr>
+                    <a:t>A</a:t>
+                  </a:r>
+                  <a:endParaRPr lang="zh-CN" altLang="en-US" dirty="0">
+                    <a:solidFill>
+                      <a:schemeClr val="tx1"/>
+                    </a:solidFill>
+                  </a:endParaRPr>
+                </a:p>
+              </p:txBody>
+            </p:sp>
+            <p:sp>
+              <p:nvSpPr>
+                <p:cNvPr id="5" name="椭圆 4">
+                  <a:extLst>
+                    <a:ext uri="{FF2B5EF4-FFF2-40B4-BE49-F238E27FC236}">
+                      <a16:creationId xmlns:a16="http://schemas.microsoft.com/office/drawing/2014/main" id="{62D0E2CB-7BA3-A1A5-5BC3-AEB0EEA12CBB}"/>
+                    </a:ext>
+                  </a:extLst>
+                </p:cNvPr>
+                <p:cNvSpPr/>
+                <p:nvPr/>
+              </p:nvSpPr>
+              <p:spPr>
+                <a:xfrm>
+                  <a:off x="3112373" y="3069000"/>
+                  <a:ext cx="360000" cy="360000"/>
+                </a:xfrm>
+                <a:prstGeom prst="ellipse">
+                  <a:avLst/>
+                </a:prstGeom>
+                <a:solidFill>
+                  <a:schemeClr val="bg1"/>
+                </a:solidFill>
+                <a:ln>
+                  <a:solidFill>
+                    <a:schemeClr val="tx1"/>
+                  </a:solidFill>
+                </a:ln>
+              </p:spPr>
+              <p:style>
+                <a:lnRef idx="2">
+                  <a:schemeClr val="accent1">
+                    <a:shade val="50000"/>
+                  </a:schemeClr>
+                </a:lnRef>
+                <a:fillRef idx="1">
+                  <a:schemeClr val="accent1"/>
+                </a:fillRef>
+                <a:effectRef idx="0">
+                  <a:schemeClr val="accent1"/>
+                </a:effectRef>
+                <a:fontRef idx="minor">
+                  <a:schemeClr val="lt1"/>
+                </a:fontRef>
+              </p:style>
+              <p:txBody>
+                <a:bodyPr rtlCol="0" anchor="ctr"/>
+                <a:lstStyle/>
+                <a:p>
+                  <a:pPr algn="ctr"/>
+                  <a:r>
+                    <a:rPr lang="en-US" altLang="zh-CN" dirty="0">
+                      <a:solidFill>
+                        <a:schemeClr val="tx1"/>
+                      </a:solidFill>
+                    </a:rPr>
+                    <a:t>B</a:t>
+                  </a:r>
+                  <a:endParaRPr lang="zh-CN" altLang="en-US" dirty="0">
+                    <a:solidFill>
+                      <a:schemeClr val="tx1"/>
+                    </a:solidFill>
+                  </a:endParaRPr>
+                </a:p>
+              </p:txBody>
+            </p:sp>
+            <p:sp>
+              <p:nvSpPr>
+                <p:cNvPr id="8" name="椭圆 7">
+                  <a:extLst>
+                    <a:ext uri="{FF2B5EF4-FFF2-40B4-BE49-F238E27FC236}">
+                      <a16:creationId xmlns:a16="http://schemas.microsoft.com/office/drawing/2014/main" id="{0890767E-A847-8A1B-F1A0-4BEB8B6317DA}"/>
+                    </a:ext>
+                  </a:extLst>
+                </p:cNvPr>
+                <p:cNvSpPr/>
+                <p:nvPr/>
+              </p:nvSpPr>
+              <p:spPr>
+                <a:xfrm>
+                  <a:off x="2670312" y="3831482"/>
+                  <a:ext cx="360000" cy="360000"/>
+                </a:xfrm>
+                <a:prstGeom prst="ellipse">
+                  <a:avLst/>
+                </a:prstGeom>
+                <a:solidFill>
+                  <a:schemeClr val="bg1"/>
+                </a:solidFill>
+                <a:ln>
+                  <a:solidFill>
+                    <a:schemeClr val="tx1"/>
+                  </a:solidFill>
+                </a:ln>
+              </p:spPr>
+              <p:style>
+                <a:lnRef idx="2">
+                  <a:schemeClr val="accent1">
+                    <a:shade val="50000"/>
+                  </a:schemeClr>
+                </a:lnRef>
+                <a:fillRef idx="1">
+                  <a:schemeClr val="accent1"/>
+                </a:fillRef>
+                <a:effectRef idx="0">
+                  <a:schemeClr val="accent1"/>
+                </a:effectRef>
+                <a:fontRef idx="minor">
+                  <a:schemeClr val="lt1"/>
+                </a:fontRef>
+              </p:style>
+              <p:txBody>
+                <a:bodyPr rtlCol="0" anchor="ctr"/>
+                <a:lstStyle/>
+                <a:p>
+                  <a:pPr algn="ctr"/>
+                  <a:r>
+                    <a:rPr lang="en-US" altLang="zh-CN" dirty="0">
+                      <a:solidFill>
+                        <a:schemeClr val="tx1"/>
+                      </a:solidFill>
+                    </a:rPr>
+                    <a:t>C</a:t>
+                  </a:r>
+                  <a:endParaRPr lang="zh-CN" altLang="en-US" dirty="0">
+                    <a:solidFill>
+                      <a:schemeClr val="tx1"/>
+                    </a:solidFill>
+                  </a:endParaRPr>
+                </a:p>
+              </p:txBody>
+            </p:sp>
+            <p:cxnSp>
+              <p:nvCxnSpPr>
+                <p:cNvPr id="12" name="直接箭头连接符 11">
+                  <a:extLst>
+                    <a:ext uri="{FF2B5EF4-FFF2-40B4-BE49-F238E27FC236}">
+                      <a16:creationId xmlns:a16="http://schemas.microsoft.com/office/drawing/2014/main" id="{5CEE91BC-AF26-B7F7-81F6-6763F878FCC5}"/>
+                    </a:ext>
+                  </a:extLst>
+                </p:cNvPr>
+                <p:cNvCxnSpPr>
+                  <a:stCxn id="3" idx="6"/>
+                  <a:endCxn id="5" idx="2"/>
+                </p:cNvCxnSpPr>
+                <p:nvPr/>
+              </p:nvCxnSpPr>
+              <p:spPr>
+                <a:xfrm>
+                  <a:off x="2612473" y="3249000"/>
+                  <a:ext cx="499900" cy="0"/>
+                </a:xfrm>
+                <a:prstGeom prst="straightConnector1">
+                  <a:avLst/>
+                </a:prstGeom>
+                <a:ln w="12700">
+                  <a:solidFill>
+                    <a:schemeClr val="tx1"/>
+                  </a:solidFill>
+                  <a:tailEnd type="triangle"/>
+                </a:ln>
+              </p:spPr>
+              <p:style>
+                <a:lnRef idx="1">
+                  <a:schemeClr val="accent1"/>
+                </a:lnRef>
+                <a:fillRef idx="0">
+                  <a:schemeClr val="accent1"/>
+                </a:fillRef>
+                <a:effectRef idx="0">
+                  <a:schemeClr val="accent1"/>
+                </a:effectRef>
+                <a:fontRef idx="minor">
+                  <a:schemeClr val="tx1"/>
+                </a:fontRef>
+              </p:style>
+            </p:cxnSp>
+            <p:cxnSp>
+              <p:nvCxnSpPr>
+                <p:cNvPr id="14" name="直接箭头连接符 13">
+                  <a:extLst>
+                    <a:ext uri="{FF2B5EF4-FFF2-40B4-BE49-F238E27FC236}">
+                      <a16:creationId xmlns:a16="http://schemas.microsoft.com/office/drawing/2014/main" id="{F247C85C-D8BD-4625-5AE9-F3A4D91896EF}"/>
+                    </a:ext>
+                  </a:extLst>
+                </p:cNvPr>
+                <p:cNvCxnSpPr>
+                  <a:cxnSpLocks/>
+                  <a:endCxn id="8" idx="1"/>
+                </p:cNvCxnSpPr>
+                <p:nvPr/>
+              </p:nvCxnSpPr>
+              <p:spPr>
+                <a:xfrm>
+                  <a:off x="2471653" y="3429000"/>
+                  <a:ext cx="251380" cy="455203"/>
+                </a:xfrm>
+                <a:prstGeom prst="straightConnector1">
+                  <a:avLst/>
+                </a:prstGeom>
+                <a:ln w="12700">
+                  <a:solidFill>
+                    <a:schemeClr val="tx1"/>
+                  </a:solidFill>
+                  <a:tailEnd type="triangle"/>
+                </a:ln>
+              </p:spPr>
+              <p:style>
+                <a:lnRef idx="1">
+                  <a:schemeClr val="accent1"/>
+                </a:lnRef>
+                <a:fillRef idx="0">
+                  <a:schemeClr val="accent1"/>
+                </a:fillRef>
+                <a:effectRef idx="0">
+                  <a:schemeClr val="accent1"/>
+                </a:effectRef>
+                <a:fontRef idx="minor">
+                  <a:schemeClr val="tx1"/>
+                </a:fontRef>
+              </p:style>
+            </p:cxnSp>
+            <p:cxnSp>
+              <p:nvCxnSpPr>
+                <p:cNvPr id="17" name="直接箭头连接符 16">
+                  <a:extLst>
+                    <a:ext uri="{FF2B5EF4-FFF2-40B4-BE49-F238E27FC236}">
+                      <a16:creationId xmlns:a16="http://schemas.microsoft.com/office/drawing/2014/main" id="{98D34896-72C2-5ED3-9F98-FE65F7674C27}"/>
+                    </a:ext>
+                  </a:extLst>
+                </p:cNvPr>
+                <p:cNvCxnSpPr>
+                  <a:cxnSpLocks/>
+                  <a:stCxn id="8" idx="7"/>
+                </p:cNvCxnSpPr>
+                <p:nvPr/>
+              </p:nvCxnSpPr>
+              <p:spPr>
+                <a:xfrm flipV="1">
+                  <a:off x="2977591" y="3407281"/>
+                  <a:ext cx="272007" cy="476922"/>
+                </a:xfrm>
+                <a:prstGeom prst="straightConnector1">
+                  <a:avLst/>
+                </a:prstGeom>
+                <a:ln w="12700">
+                  <a:solidFill>
+                    <a:schemeClr val="tx1"/>
+                  </a:solidFill>
+                  <a:tailEnd type="triangle"/>
+                </a:ln>
+              </p:spPr>
+              <p:style>
+                <a:lnRef idx="1">
+                  <a:schemeClr val="accent1"/>
+                </a:lnRef>
+                <a:fillRef idx="0">
+                  <a:schemeClr val="accent1"/>
+                </a:fillRef>
+                <a:effectRef idx="0">
+                  <a:schemeClr val="accent1"/>
+                </a:effectRef>
+                <a:fontRef idx="minor">
+                  <a:schemeClr val="tx1"/>
+                </a:fontRef>
+              </p:style>
+            </p:cxnSp>
+          </p:grpSp>
+          <p:sp>
+            <p:nvSpPr>
+              <p:cNvPr id="22" name="文本框 21">
+                <a:extLst>
+                  <a:ext uri="{FF2B5EF4-FFF2-40B4-BE49-F238E27FC236}">
+                    <a16:creationId xmlns:a16="http://schemas.microsoft.com/office/drawing/2014/main" id="{697879B9-1E94-2FAB-F8C1-A6035294B6C8}"/>
+                  </a:ext>
+                </a:extLst>
+              </p:cNvPr>
+              <p:cNvSpPr txBox="1"/>
+              <p:nvPr/>
+            </p:nvSpPr>
+            <p:spPr>
+              <a:xfrm>
+                <a:off x="2757926" y="3631325"/>
+                <a:ext cx="254556" cy="369332"/>
+              </a:xfrm>
+              <a:prstGeom prst="rect">
+                <a:avLst/>
+              </a:prstGeom>
+              <a:noFill/>
+            </p:spPr>
+            <p:txBody>
+              <a:bodyPr wrap="square" rtlCol="0">
+                <a:spAutoFit/>
+              </a:bodyPr>
+              <a:lstStyle/>
+              <a:p>
+                <a:r>
+                  <a:rPr lang="en-US" altLang="zh-CN" dirty="0"/>
+                  <a:t>3</a:t>
+                </a:r>
+                <a:endParaRPr lang="zh-CN" altLang="en-US" dirty="0"/>
+              </a:p>
+            </p:txBody>
+          </p:sp>
+          <p:sp>
+            <p:nvSpPr>
+              <p:cNvPr id="26" name="文本框 25">
+                <a:extLst>
+                  <a:ext uri="{FF2B5EF4-FFF2-40B4-BE49-F238E27FC236}">
+                    <a16:creationId xmlns:a16="http://schemas.microsoft.com/office/drawing/2014/main" id="{39A2C5D1-F53D-C5AC-0DB6-B228FA8B1640}"/>
+                  </a:ext>
+                </a:extLst>
+              </p:cNvPr>
+              <p:cNvSpPr txBox="1"/>
+              <p:nvPr/>
+            </p:nvSpPr>
+            <p:spPr>
+              <a:xfrm>
+                <a:off x="3125765" y="4260846"/>
+                <a:ext cx="204114" cy="369332"/>
+              </a:xfrm>
+              <a:prstGeom prst="rect">
+                <a:avLst/>
+              </a:prstGeom>
+              <a:noFill/>
+            </p:spPr>
+            <p:txBody>
+              <a:bodyPr wrap="square" rtlCol="0">
+                <a:spAutoFit/>
+              </a:bodyPr>
+              <a:lstStyle/>
+              <a:p>
+                <a:r>
+                  <a:rPr lang="en-US" altLang="zh-CN" dirty="0"/>
+                  <a:t>2</a:t>
+                </a:r>
+                <a:endParaRPr lang="zh-CN" altLang="en-US" dirty="0"/>
+              </a:p>
+            </p:txBody>
+          </p:sp>
+          <p:sp>
+            <p:nvSpPr>
+              <p:cNvPr id="27" name="文本框 26">
+                <a:extLst>
+                  <a:ext uri="{FF2B5EF4-FFF2-40B4-BE49-F238E27FC236}">
+                    <a16:creationId xmlns:a16="http://schemas.microsoft.com/office/drawing/2014/main" id="{101C0BCE-2453-027A-6358-DF19C32D276D}"/>
+                  </a:ext>
+                </a:extLst>
+              </p:cNvPr>
+              <p:cNvSpPr txBox="1"/>
+              <p:nvPr/>
+            </p:nvSpPr>
+            <p:spPr>
+              <a:xfrm>
+                <a:off x="2341728" y="4184754"/>
+                <a:ext cx="204114" cy="369332"/>
+              </a:xfrm>
+              <a:prstGeom prst="rect">
+                <a:avLst/>
+              </a:prstGeom>
+              <a:noFill/>
+            </p:spPr>
+            <p:txBody>
+              <a:bodyPr wrap="square" rtlCol="0">
+                <a:spAutoFit/>
+              </a:bodyPr>
+              <a:lstStyle/>
+              <a:p>
+                <a:r>
+                  <a:rPr lang="en-US" altLang="zh-CN" dirty="0"/>
+                  <a:t>1</a:t>
+                </a:r>
+                <a:endParaRPr lang="zh-CN" altLang="en-US" dirty="0"/>
+              </a:p>
+            </p:txBody>
+          </p:sp>
+        </p:grpSp>
+      </p:grpSp>
+      <p:grpSp>
+        <p:nvGrpSpPr>
+          <p:cNvPr id="47" name="组合 46">
+            <a:extLst>
+              <a:ext uri="{FF2B5EF4-FFF2-40B4-BE49-F238E27FC236}">
+                <a16:creationId xmlns:a16="http://schemas.microsoft.com/office/drawing/2014/main" id="{7C264C73-89E5-D03B-B728-D3E3F42B0E09}"/>
+              </a:ext>
+            </a:extLst>
+          </p:cNvPr>
+          <p:cNvGrpSpPr/>
+          <p:nvPr/>
+        </p:nvGrpSpPr>
+        <p:grpSpPr>
+          <a:xfrm>
+            <a:off x="6807585" y="3256615"/>
+            <a:ext cx="3936510" cy="1384269"/>
+            <a:chOff x="6807585" y="3256615"/>
+            <a:chExt cx="3936510" cy="1384269"/>
+          </a:xfrm>
+        </p:grpSpPr>
+        <p:sp>
+          <p:nvSpPr>
+            <p:cNvPr id="4" name="矩形 3">
+              <a:extLst>
+                <a:ext uri="{FF2B5EF4-FFF2-40B4-BE49-F238E27FC236}">
+                  <a16:creationId xmlns:a16="http://schemas.microsoft.com/office/drawing/2014/main" id="{1F472451-A40B-4F32-825C-5E8BBD74CA0D}"/>
+                </a:ext>
+              </a:extLst>
+            </p:cNvPr>
+            <p:cNvSpPr/>
+            <p:nvPr/>
+          </p:nvSpPr>
+          <p:spPr>
+            <a:xfrm>
+              <a:off x="6869357" y="3533615"/>
+              <a:ext cx="714564" cy="390744"/>
+            </a:xfrm>
+            <a:prstGeom prst="rect">
+              <a:avLst/>
+            </a:prstGeom>
+            <a:solidFill>
+              <a:schemeClr val="bg1"/>
+            </a:solidFill>
+            <a:ln>
+              <a:solidFill>
+                <a:schemeClr val="tx1"/>
+              </a:solidFill>
+            </a:ln>
+          </p:spPr>
+          <p:style>
+            <a:lnRef idx="2">
+              <a:schemeClr val="accent1">
+                <a:shade val="50000"/>
+              </a:schemeClr>
+            </a:lnRef>
+            <a:fillRef idx="1">
+              <a:schemeClr val="accent1"/>
+            </a:fillRef>
+            <a:effectRef idx="0">
+              <a:schemeClr val="accent1"/>
+            </a:effectRef>
+            <a:fontRef idx="minor">
+              <a:schemeClr val="lt1"/>
+            </a:fontRef>
+          </p:style>
+          <p:txBody>
+            <a:bodyPr rtlCol="0" anchor="ctr"/>
+            <a:lstStyle/>
+            <a:p>
+              <a:r>
+                <a:rPr lang="en-US" altLang="zh-CN" dirty="0">
+                  <a:solidFill>
+                    <a:schemeClr val="tx1"/>
+                  </a:solidFill>
+                </a:rPr>
+                <a:t>A      </a:t>
+              </a:r>
+              <a:endParaRPr lang="zh-CN" altLang="en-US" dirty="0">
+                <a:solidFill>
+                  <a:schemeClr val="tx1"/>
+                </a:solidFill>
+              </a:endParaRPr>
+            </a:p>
+          </p:txBody>
+        </p:sp>
+        <p:cxnSp>
+          <p:nvCxnSpPr>
+            <p:cNvPr id="7" name="直接连接符 6">
+              <a:extLst>
+                <a:ext uri="{FF2B5EF4-FFF2-40B4-BE49-F238E27FC236}">
+                  <a16:creationId xmlns:a16="http://schemas.microsoft.com/office/drawing/2014/main" id="{5BB7EC61-7493-5EFD-6E2E-9C7D3B76AE87}"/>
+                </a:ext>
+              </a:extLst>
+            </p:cNvPr>
+            <p:cNvCxnSpPr>
+              <a:cxnSpLocks/>
+              <a:stCxn id="4" idx="0"/>
+              <a:endCxn id="4" idx="2"/>
+            </p:cNvCxnSpPr>
+            <p:nvPr/>
+          </p:nvCxnSpPr>
+          <p:spPr>
+            <a:xfrm>
+              <a:off x="7226639" y="3533615"/>
+              <a:ext cx="0" cy="390744"/>
+            </a:xfrm>
+            <a:prstGeom prst="line">
+              <a:avLst/>
+            </a:prstGeom>
+            <a:ln w="12700">
+              <a:solidFill>
+                <a:schemeClr val="tx1"/>
+              </a:solidFill>
+            </a:ln>
+          </p:spPr>
+          <p:style>
+            <a:lnRef idx="1">
+              <a:schemeClr val="accent1"/>
+            </a:lnRef>
+            <a:fillRef idx="0">
+              <a:schemeClr val="accent1"/>
+            </a:fillRef>
+            <a:effectRef idx="0">
+              <a:schemeClr val="accent1"/>
+            </a:effectRef>
+            <a:fontRef idx="minor">
+              <a:schemeClr val="tx1"/>
+            </a:fontRef>
+          </p:style>
+        </p:cxnSp>
+        <p:sp>
+          <p:nvSpPr>
+            <p:cNvPr id="15" name="文本框 14">
+              <a:extLst>
+                <a:ext uri="{FF2B5EF4-FFF2-40B4-BE49-F238E27FC236}">
+                  <a16:creationId xmlns:a16="http://schemas.microsoft.com/office/drawing/2014/main" id="{C51605DE-D745-5FC5-3FE2-5E2C75084800}"/>
+                </a:ext>
+              </a:extLst>
+            </p:cNvPr>
+            <p:cNvSpPr txBox="1"/>
+            <p:nvPr/>
+          </p:nvSpPr>
+          <p:spPr>
+            <a:xfrm>
+              <a:off x="6807585" y="3256616"/>
+              <a:ext cx="507615" cy="276999"/>
+            </a:xfrm>
+            <a:prstGeom prst="rect">
+              <a:avLst/>
+            </a:prstGeom>
+            <a:noFill/>
+          </p:spPr>
+          <p:txBody>
+            <a:bodyPr wrap="square" rtlCol="0">
+              <a:spAutoFit/>
+            </a:bodyPr>
+            <a:lstStyle/>
+            <a:p>
+              <a:r>
+                <a:rPr lang="en-US" altLang="zh-CN" sz="1200" dirty="0"/>
+                <a:t>data</a:t>
+              </a:r>
+              <a:endParaRPr lang="zh-CN" altLang="en-US" sz="1200" dirty="0"/>
+            </a:p>
+          </p:txBody>
+        </p:sp>
+        <p:sp>
+          <p:nvSpPr>
+            <p:cNvPr id="16" name="文本框 15">
+              <a:extLst>
+                <a:ext uri="{FF2B5EF4-FFF2-40B4-BE49-F238E27FC236}">
+                  <a16:creationId xmlns:a16="http://schemas.microsoft.com/office/drawing/2014/main" id="{A2BB8EAD-E273-9B64-AA6B-BFD2B04E38EB}"/>
+                </a:ext>
+              </a:extLst>
+            </p:cNvPr>
+            <p:cNvSpPr txBox="1"/>
+            <p:nvPr/>
+          </p:nvSpPr>
+          <p:spPr>
+            <a:xfrm>
+              <a:off x="7179857" y="3256615"/>
+              <a:ext cx="596629" cy="276999"/>
+            </a:xfrm>
+            <a:prstGeom prst="rect">
+              <a:avLst/>
+            </a:prstGeom>
+            <a:noFill/>
+          </p:spPr>
+          <p:txBody>
+            <a:bodyPr wrap="square" rtlCol="0">
+              <a:spAutoFit/>
+            </a:bodyPr>
+            <a:lstStyle/>
+            <a:p>
+              <a:r>
+                <a:rPr lang="en-US" altLang="zh-CN" sz="1200" dirty="0"/>
+                <a:t>edge</a:t>
+              </a:r>
+              <a:endParaRPr lang="zh-CN" altLang="en-US" sz="1200" dirty="0"/>
+            </a:p>
+          </p:txBody>
+        </p:sp>
+        <p:grpSp>
+          <p:nvGrpSpPr>
+            <p:cNvPr id="24" name="组合 23">
+              <a:extLst>
+                <a:ext uri="{FF2B5EF4-FFF2-40B4-BE49-F238E27FC236}">
+                  <a16:creationId xmlns:a16="http://schemas.microsoft.com/office/drawing/2014/main" id="{89DCCCA7-8B5B-48F2-4164-7AEB9C81A01C}"/>
+                </a:ext>
+              </a:extLst>
+            </p:cNvPr>
+            <p:cNvGrpSpPr/>
+            <p:nvPr/>
+          </p:nvGrpSpPr>
+          <p:grpSpPr>
+            <a:xfrm>
+              <a:off x="7910647" y="3531750"/>
+              <a:ext cx="1253361" cy="390745"/>
+              <a:chOff x="8060196" y="3533614"/>
+              <a:chExt cx="1253361" cy="390745"/>
+            </a:xfrm>
+          </p:grpSpPr>
+          <p:sp>
+            <p:nvSpPr>
+              <p:cNvPr id="18" name="矩形 17">
+                <a:extLst>
+                  <a:ext uri="{FF2B5EF4-FFF2-40B4-BE49-F238E27FC236}">
+                    <a16:creationId xmlns:a16="http://schemas.microsoft.com/office/drawing/2014/main" id="{F0BCD9AE-3721-0927-63B5-666A517AC5EC}"/>
+                  </a:ext>
+                </a:extLst>
+              </p:cNvPr>
+              <p:cNvSpPr/>
+              <p:nvPr/>
+            </p:nvSpPr>
+            <p:spPr>
+              <a:xfrm>
+                <a:off x="8060196" y="3533615"/>
+                <a:ext cx="1253361" cy="390744"/>
+              </a:xfrm>
+              <a:prstGeom prst="rect">
+                <a:avLst/>
+              </a:prstGeom>
+              <a:solidFill>
+                <a:schemeClr val="bg1"/>
+              </a:solidFill>
+              <a:ln>
+                <a:solidFill>
+                  <a:schemeClr val="tx1"/>
+                </a:solidFill>
+              </a:ln>
+            </p:spPr>
+            <p:style>
+              <a:lnRef idx="2">
+                <a:schemeClr val="accent1">
+                  <a:shade val="50000"/>
+                </a:schemeClr>
+              </a:lnRef>
+              <a:fillRef idx="1">
+                <a:schemeClr val="accent1"/>
+              </a:fillRef>
+              <a:effectRef idx="0">
+                <a:schemeClr val="accent1"/>
+              </a:effectRef>
+              <a:fontRef idx="minor">
+                <a:schemeClr val="lt1"/>
+              </a:fontRef>
+            </p:style>
+            <p:txBody>
+              <a:bodyPr rtlCol="0" anchor="ctr"/>
+              <a:lstStyle/>
+              <a:p>
+                <a:r>
+                  <a:rPr lang="en-US" altLang="zh-CN" dirty="0">
+                    <a:solidFill>
+                      <a:schemeClr val="tx1"/>
+                    </a:solidFill>
+                  </a:rPr>
+                  <a:t>B     3 </a:t>
+                </a:r>
+                <a:endParaRPr lang="zh-CN" altLang="en-US" dirty="0">
+                  <a:solidFill>
+                    <a:schemeClr val="tx1"/>
+                  </a:solidFill>
+                </a:endParaRPr>
+              </a:p>
+            </p:txBody>
+          </p:sp>
+          <p:cxnSp>
+            <p:nvCxnSpPr>
+              <p:cNvPr id="19" name="直接连接符 18">
+                <a:extLst>
+                  <a:ext uri="{FF2B5EF4-FFF2-40B4-BE49-F238E27FC236}">
+                    <a16:creationId xmlns:a16="http://schemas.microsoft.com/office/drawing/2014/main" id="{18B86713-BB4E-8F21-F06C-550D64E27E94}"/>
+                  </a:ext>
+                </a:extLst>
+              </p:cNvPr>
+              <p:cNvCxnSpPr>
+                <a:cxnSpLocks/>
+              </p:cNvCxnSpPr>
+              <p:nvPr/>
+            </p:nvCxnSpPr>
+            <p:spPr>
+              <a:xfrm>
+                <a:off x="8456941" y="3533614"/>
+                <a:ext cx="0" cy="390744"/>
+              </a:xfrm>
+              <a:prstGeom prst="line">
+                <a:avLst/>
+              </a:prstGeom>
+              <a:ln w="12700">
+                <a:solidFill>
+                  <a:schemeClr val="tx1"/>
+                </a:solidFill>
+              </a:ln>
+            </p:spPr>
+            <p:style>
+              <a:lnRef idx="1">
+                <a:schemeClr val="accent1"/>
+              </a:lnRef>
+              <a:fillRef idx="0">
+                <a:schemeClr val="accent1"/>
+              </a:fillRef>
+              <a:effectRef idx="0">
+                <a:schemeClr val="accent1"/>
+              </a:effectRef>
+              <a:fontRef idx="minor">
+                <a:schemeClr val="tx1"/>
+              </a:fontRef>
+            </p:style>
+          </p:cxnSp>
+          <p:cxnSp>
+            <p:nvCxnSpPr>
+              <p:cNvPr id="20" name="直接连接符 19">
+                <a:extLst>
+                  <a:ext uri="{FF2B5EF4-FFF2-40B4-BE49-F238E27FC236}">
+                    <a16:creationId xmlns:a16="http://schemas.microsoft.com/office/drawing/2014/main" id="{28998C70-8ABB-832F-391A-41693FBD55CE}"/>
+                  </a:ext>
+                </a:extLst>
+              </p:cNvPr>
+              <p:cNvCxnSpPr>
+                <a:cxnSpLocks/>
+              </p:cNvCxnSpPr>
+              <p:nvPr/>
+            </p:nvCxnSpPr>
+            <p:spPr>
+              <a:xfrm>
+                <a:off x="8887900" y="3533614"/>
+                <a:ext cx="0" cy="390744"/>
+              </a:xfrm>
+              <a:prstGeom prst="line">
+                <a:avLst/>
+              </a:prstGeom>
+              <a:ln w="12700">
+                <a:solidFill>
+                  <a:schemeClr val="tx1"/>
+                </a:solidFill>
+              </a:ln>
+            </p:spPr>
+            <p:style>
+              <a:lnRef idx="1">
+                <a:schemeClr val="accent1"/>
+              </a:lnRef>
+              <a:fillRef idx="0">
+                <a:schemeClr val="accent1"/>
+              </a:fillRef>
+              <a:effectRef idx="0">
+                <a:schemeClr val="accent1"/>
+              </a:effectRef>
+              <a:fontRef idx="minor">
+                <a:schemeClr val="tx1"/>
+              </a:fontRef>
+            </p:style>
+          </p:cxnSp>
+        </p:grpSp>
+        <p:sp>
+          <p:nvSpPr>
+            <p:cNvPr id="23" name="文本框 22">
+              <a:extLst>
+                <a:ext uri="{FF2B5EF4-FFF2-40B4-BE49-F238E27FC236}">
+                  <a16:creationId xmlns:a16="http://schemas.microsoft.com/office/drawing/2014/main" id="{A061C769-A48D-EBD1-981E-73F5C42DE1BF}"/>
+                </a:ext>
+              </a:extLst>
+            </p:cNvPr>
+            <p:cNvSpPr txBox="1"/>
+            <p:nvPr/>
+          </p:nvSpPr>
+          <p:spPr>
+            <a:xfrm>
+              <a:off x="8240820" y="3256615"/>
+              <a:ext cx="648657" cy="276999"/>
+            </a:xfrm>
+            <a:prstGeom prst="rect">
+              <a:avLst/>
+            </a:prstGeom>
+            <a:noFill/>
+          </p:spPr>
+          <p:txBody>
+            <a:bodyPr wrap="square" rtlCol="0">
+              <a:spAutoFit/>
+            </a:bodyPr>
+            <a:lstStyle/>
+            <a:p>
+              <a:r>
+                <a:rPr lang="en-US" altLang="zh-CN" sz="1200" dirty="0"/>
+                <a:t>weight</a:t>
+              </a:r>
+              <a:endParaRPr lang="zh-CN" altLang="en-US" sz="1200" dirty="0"/>
+            </a:p>
+          </p:txBody>
+        </p:sp>
+        <p:grpSp>
+          <p:nvGrpSpPr>
+            <p:cNvPr id="25" name="组合 24">
+              <a:extLst>
+                <a:ext uri="{FF2B5EF4-FFF2-40B4-BE49-F238E27FC236}">
+                  <a16:creationId xmlns:a16="http://schemas.microsoft.com/office/drawing/2014/main" id="{AE703086-A4C0-BF8B-8A94-1D34B0C86A5A}"/>
+                </a:ext>
+              </a:extLst>
+            </p:cNvPr>
+            <p:cNvGrpSpPr/>
+            <p:nvPr/>
+          </p:nvGrpSpPr>
+          <p:grpSpPr>
+            <a:xfrm>
+              <a:off x="9490734" y="3531749"/>
+              <a:ext cx="1253361" cy="390745"/>
+              <a:chOff x="8060196" y="3533614"/>
+              <a:chExt cx="1253361" cy="390745"/>
+            </a:xfrm>
+          </p:grpSpPr>
+          <p:sp>
+            <p:nvSpPr>
+              <p:cNvPr id="28" name="矩形 27">
+                <a:extLst>
+                  <a:ext uri="{FF2B5EF4-FFF2-40B4-BE49-F238E27FC236}">
+                    <a16:creationId xmlns:a16="http://schemas.microsoft.com/office/drawing/2014/main" id="{4E207925-D78D-247E-309D-E3432E75CBD1}"/>
+                  </a:ext>
+                </a:extLst>
+              </p:cNvPr>
+              <p:cNvSpPr/>
+              <p:nvPr/>
+            </p:nvSpPr>
+            <p:spPr>
+              <a:xfrm>
+                <a:off x="8060196" y="3533615"/>
+                <a:ext cx="1253361" cy="390744"/>
+              </a:xfrm>
+              <a:prstGeom prst="rect">
+                <a:avLst/>
+              </a:prstGeom>
+              <a:solidFill>
+                <a:schemeClr val="bg1"/>
+              </a:solidFill>
+              <a:ln>
+                <a:solidFill>
+                  <a:schemeClr val="tx1"/>
+                </a:solidFill>
+              </a:ln>
+            </p:spPr>
+            <p:style>
+              <a:lnRef idx="2">
+                <a:schemeClr val="accent1">
+                  <a:shade val="50000"/>
+                </a:schemeClr>
+              </a:lnRef>
+              <a:fillRef idx="1">
+                <a:schemeClr val="accent1"/>
+              </a:fillRef>
+              <a:effectRef idx="0">
+                <a:schemeClr val="accent1"/>
+              </a:effectRef>
+              <a:fontRef idx="minor">
+                <a:schemeClr val="lt1"/>
+              </a:fontRef>
+            </p:style>
+            <p:txBody>
+              <a:bodyPr rtlCol="0" anchor="ctr"/>
+              <a:lstStyle/>
+              <a:p>
+                <a:r>
+                  <a:rPr lang="en-US" altLang="zh-CN" dirty="0">
+                    <a:solidFill>
+                      <a:schemeClr val="tx1"/>
+                    </a:solidFill>
+                  </a:rPr>
+                  <a:t>C     1     ^</a:t>
+                </a:r>
+                <a:endParaRPr lang="zh-CN" altLang="en-US" dirty="0">
+                  <a:solidFill>
+                    <a:schemeClr val="tx1"/>
+                  </a:solidFill>
+                </a:endParaRPr>
+              </a:p>
+            </p:txBody>
+          </p:sp>
+          <p:cxnSp>
+            <p:nvCxnSpPr>
+              <p:cNvPr id="29" name="直接连接符 28">
+                <a:extLst>
+                  <a:ext uri="{FF2B5EF4-FFF2-40B4-BE49-F238E27FC236}">
+                    <a16:creationId xmlns:a16="http://schemas.microsoft.com/office/drawing/2014/main" id="{8D3BB337-7AFC-450E-572E-1A3FDB3391D6}"/>
+                  </a:ext>
+                </a:extLst>
+              </p:cNvPr>
+              <p:cNvCxnSpPr>
+                <a:cxnSpLocks/>
+              </p:cNvCxnSpPr>
+              <p:nvPr/>
+            </p:nvCxnSpPr>
+            <p:spPr>
+              <a:xfrm>
+                <a:off x="8456941" y="3533614"/>
+                <a:ext cx="0" cy="390744"/>
+              </a:xfrm>
+              <a:prstGeom prst="line">
+                <a:avLst/>
+              </a:prstGeom>
+              <a:ln w="12700">
+                <a:solidFill>
+                  <a:schemeClr val="tx1"/>
+                </a:solidFill>
+              </a:ln>
+            </p:spPr>
+            <p:style>
+              <a:lnRef idx="1">
+                <a:schemeClr val="accent1"/>
+              </a:lnRef>
+              <a:fillRef idx="0">
+                <a:schemeClr val="accent1"/>
+              </a:fillRef>
+              <a:effectRef idx="0">
+                <a:schemeClr val="accent1"/>
+              </a:effectRef>
+              <a:fontRef idx="minor">
+                <a:schemeClr val="tx1"/>
+              </a:fontRef>
+            </p:style>
+          </p:cxnSp>
+          <p:cxnSp>
+            <p:nvCxnSpPr>
+              <p:cNvPr id="32" name="直接连接符 31">
+                <a:extLst>
+                  <a:ext uri="{FF2B5EF4-FFF2-40B4-BE49-F238E27FC236}">
+                    <a16:creationId xmlns:a16="http://schemas.microsoft.com/office/drawing/2014/main" id="{30B71DA2-E5AA-F28E-B100-B65504A58A2A}"/>
+                  </a:ext>
+                </a:extLst>
+              </p:cNvPr>
+              <p:cNvCxnSpPr>
+                <a:cxnSpLocks/>
+              </p:cNvCxnSpPr>
+              <p:nvPr/>
+            </p:nvCxnSpPr>
+            <p:spPr>
+              <a:xfrm>
+                <a:off x="8887900" y="3533614"/>
+                <a:ext cx="0" cy="390744"/>
+              </a:xfrm>
+              <a:prstGeom prst="line">
+                <a:avLst/>
+              </a:prstGeom>
+              <a:ln w="12700">
+                <a:solidFill>
+                  <a:schemeClr val="tx1"/>
+                </a:solidFill>
+              </a:ln>
+            </p:spPr>
+            <p:style>
+              <a:lnRef idx="1">
+                <a:schemeClr val="accent1"/>
+              </a:lnRef>
+              <a:fillRef idx="0">
+                <a:schemeClr val="accent1"/>
+              </a:fillRef>
+              <a:effectRef idx="0">
+                <a:schemeClr val="accent1"/>
+              </a:effectRef>
+              <a:fontRef idx="minor">
+                <a:schemeClr val="tx1"/>
+              </a:fontRef>
+            </p:style>
+          </p:cxnSp>
+        </p:grpSp>
+        <p:cxnSp>
+          <p:nvCxnSpPr>
+            <p:cNvPr id="33" name="直接连接符 32">
+              <a:extLst>
+                <a:ext uri="{FF2B5EF4-FFF2-40B4-BE49-F238E27FC236}">
+                  <a16:creationId xmlns:a16="http://schemas.microsoft.com/office/drawing/2014/main" id="{915C4963-B6A6-1CE5-6D6F-B74671C1EE97}"/>
+                </a:ext>
+              </a:extLst>
+            </p:cNvPr>
+            <p:cNvCxnSpPr>
+              <a:cxnSpLocks/>
+              <a:stCxn id="4" idx="3"/>
+              <a:endCxn id="18" idx="1"/>
+            </p:cNvCxnSpPr>
+            <p:nvPr/>
+          </p:nvCxnSpPr>
+          <p:spPr>
+            <a:xfrm flipV="1">
+              <a:off x="7583921" y="3727123"/>
+              <a:ext cx="326726" cy="1864"/>
+            </a:xfrm>
+            <a:prstGeom prst="line">
+              <a:avLst/>
+            </a:prstGeom>
+            <a:ln w="12700">
+              <a:solidFill>
+                <a:schemeClr val="tx1"/>
+              </a:solidFill>
+              <a:tailEnd type="triangle"/>
+            </a:ln>
+          </p:spPr>
+          <p:style>
+            <a:lnRef idx="1">
+              <a:schemeClr val="accent1"/>
+            </a:lnRef>
+            <a:fillRef idx="0">
+              <a:schemeClr val="accent1"/>
+            </a:fillRef>
+            <a:effectRef idx="0">
+              <a:schemeClr val="accent1"/>
+            </a:effectRef>
+            <a:fontRef idx="minor">
+              <a:schemeClr val="tx1"/>
+            </a:fontRef>
+          </p:style>
+        </p:cxnSp>
+        <p:cxnSp>
+          <p:nvCxnSpPr>
+            <p:cNvPr id="38" name="直接连接符 37">
+              <a:extLst>
+                <a:ext uri="{FF2B5EF4-FFF2-40B4-BE49-F238E27FC236}">
+                  <a16:creationId xmlns:a16="http://schemas.microsoft.com/office/drawing/2014/main" id="{B11D5C47-18C2-9A47-B993-6AC71033BECD}"/>
+                </a:ext>
+              </a:extLst>
+            </p:cNvPr>
+            <p:cNvCxnSpPr>
+              <a:cxnSpLocks/>
+            </p:cNvCxnSpPr>
+            <p:nvPr/>
+          </p:nvCxnSpPr>
+          <p:spPr>
+            <a:xfrm flipV="1">
+              <a:off x="9164008" y="3725257"/>
+              <a:ext cx="326726" cy="1864"/>
+            </a:xfrm>
+            <a:prstGeom prst="line">
+              <a:avLst/>
+            </a:prstGeom>
+            <a:ln w="12700">
+              <a:solidFill>
+                <a:schemeClr val="tx1"/>
+              </a:solidFill>
+              <a:tailEnd type="triangle"/>
+            </a:ln>
+          </p:spPr>
+          <p:style>
+            <a:lnRef idx="1">
+              <a:schemeClr val="accent1"/>
+            </a:lnRef>
+            <a:fillRef idx="0">
+              <a:schemeClr val="accent1"/>
+            </a:fillRef>
+            <a:effectRef idx="0">
+              <a:schemeClr val="accent1"/>
+            </a:effectRef>
+            <a:fontRef idx="minor">
+              <a:schemeClr val="tx1"/>
+            </a:fontRef>
+          </p:style>
+        </p:cxnSp>
+        <p:sp>
+          <p:nvSpPr>
+            <p:cNvPr id="39" name="矩形 38">
+              <a:extLst>
+                <a:ext uri="{FF2B5EF4-FFF2-40B4-BE49-F238E27FC236}">
+                  <a16:creationId xmlns:a16="http://schemas.microsoft.com/office/drawing/2014/main" id="{BBE1DC5A-BB3A-65B8-BD6A-BC9E359EBDBB}"/>
+                </a:ext>
+              </a:extLst>
+            </p:cNvPr>
+            <p:cNvSpPr/>
+            <p:nvPr/>
+          </p:nvSpPr>
+          <p:spPr>
+            <a:xfrm>
+              <a:off x="6869357" y="4250140"/>
+              <a:ext cx="714564" cy="390744"/>
+            </a:xfrm>
+            <a:prstGeom prst="rect">
+              <a:avLst/>
+            </a:prstGeom>
+            <a:solidFill>
+              <a:schemeClr val="bg1"/>
+            </a:solidFill>
+            <a:ln>
+              <a:solidFill>
+                <a:schemeClr val="tx1"/>
+              </a:solidFill>
+            </a:ln>
+          </p:spPr>
+          <p:style>
+            <a:lnRef idx="2">
+              <a:schemeClr val="accent1">
+                <a:shade val="50000"/>
+              </a:schemeClr>
+            </a:lnRef>
+            <a:fillRef idx="1">
+              <a:schemeClr val="accent1"/>
+            </a:fillRef>
+            <a:effectRef idx="0">
+              <a:schemeClr val="accent1"/>
+            </a:effectRef>
+            <a:fontRef idx="minor">
+              <a:schemeClr val="lt1"/>
+            </a:fontRef>
+          </p:style>
+          <p:txBody>
+            <a:bodyPr rtlCol="0" anchor="ctr"/>
+            <a:lstStyle/>
+            <a:p>
+              <a:r>
+                <a:rPr lang="en-US" altLang="zh-CN" dirty="0">
+                  <a:solidFill>
+                    <a:schemeClr val="tx1"/>
+                  </a:solidFill>
+                </a:rPr>
+                <a:t>C      </a:t>
+              </a:r>
+              <a:endParaRPr lang="zh-CN" altLang="en-US" dirty="0">
+                <a:solidFill>
+                  <a:schemeClr val="tx1"/>
+                </a:solidFill>
+              </a:endParaRPr>
+            </a:p>
+          </p:txBody>
+        </p:sp>
+        <p:cxnSp>
+          <p:nvCxnSpPr>
+            <p:cNvPr id="40" name="直接连接符 39">
+              <a:extLst>
+                <a:ext uri="{FF2B5EF4-FFF2-40B4-BE49-F238E27FC236}">
+                  <a16:creationId xmlns:a16="http://schemas.microsoft.com/office/drawing/2014/main" id="{F1CB9E55-8B7C-AC08-7247-45EDDD4D2034}"/>
+                </a:ext>
+              </a:extLst>
+            </p:cNvPr>
+            <p:cNvCxnSpPr>
+              <a:cxnSpLocks/>
+            </p:cNvCxnSpPr>
+            <p:nvPr/>
+          </p:nvCxnSpPr>
+          <p:spPr>
+            <a:xfrm>
+              <a:off x="7235977" y="4250140"/>
+              <a:ext cx="0" cy="390744"/>
+            </a:xfrm>
+            <a:prstGeom prst="line">
+              <a:avLst/>
+            </a:prstGeom>
+            <a:ln w="12700">
+              <a:solidFill>
+                <a:schemeClr val="tx1"/>
+              </a:solidFill>
+            </a:ln>
+          </p:spPr>
+          <p:style>
+            <a:lnRef idx="1">
+              <a:schemeClr val="accent1"/>
+            </a:lnRef>
+            <a:fillRef idx="0">
+              <a:schemeClr val="accent1"/>
+            </a:fillRef>
+            <a:effectRef idx="0">
+              <a:schemeClr val="accent1"/>
+            </a:effectRef>
+            <a:fontRef idx="minor">
+              <a:schemeClr val="tx1"/>
+            </a:fontRef>
+          </p:style>
+        </p:cxnSp>
+        <p:grpSp>
+          <p:nvGrpSpPr>
+            <p:cNvPr id="41" name="组合 40">
+              <a:extLst>
+                <a:ext uri="{FF2B5EF4-FFF2-40B4-BE49-F238E27FC236}">
+                  <a16:creationId xmlns:a16="http://schemas.microsoft.com/office/drawing/2014/main" id="{226AA840-7496-C07B-A81A-89441BA49FE9}"/>
+                </a:ext>
+              </a:extLst>
+            </p:cNvPr>
+            <p:cNvGrpSpPr/>
+            <p:nvPr/>
+          </p:nvGrpSpPr>
+          <p:grpSpPr>
+            <a:xfrm>
+              <a:off x="7910646" y="4250139"/>
+              <a:ext cx="1253361" cy="390745"/>
+              <a:chOff x="8060196" y="3533614"/>
+              <a:chExt cx="1253361" cy="390745"/>
+            </a:xfrm>
+          </p:grpSpPr>
+          <p:sp>
+            <p:nvSpPr>
+              <p:cNvPr id="42" name="矩形 41">
+                <a:extLst>
+                  <a:ext uri="{FF2B5EF4-FFF2-40B4-BE49-F238E27FC236}">
+                    <a16:creationId xmlns:a16="http://schemas.microsoft.com/office/drawing/2014/main" id="{D0B2B451-F68D-0177-9225-5743A382A33B}"/>
+                  </a:ext>
+                </a:extLst>
+              </p:cNvPr>
+              <p:cNvSpPr/>
+              <p:nvPr/>
+            </p:nvSpPr>
+            <p:spPr>
+              <a:xfrm>
+                <a:off x="8060196" y="3533615"/>
+                <a:ext cx="1253361" cy="390744"/>
+              </a:xfrm>
+              <a:prstGeom prst="rect">
+                <a:avLst/>
+              </a:prstGeom>
+              <a:solidFill>
+                <a:schemeClr val="bg1"/>
+              </a:solidFill>
+              <a:ln>
+                <a:solidFill>
+                  <a:schemeClr val="tx1"/>
+                </a:solidFill>
+              </a:ln>
+            </p:spPr>
+            <p:style>
+              <a:lnRef idx="2">
+                <a:schemeClr val="accent1">
+                  <a:shade val="50000"/>
+                </a:schemeClr>
+              </a:lnRef>
+              <a:fillRef idx="1">
+                <a:schemeClr val="accent1"/>
+              </a:fillRef>
+              <a:effectRef idx="0">
+                <a:schemeClr val="accent1"/>
+              </a:effectRef>
+              <a:fontRef idx="minor">
+                <a:schemeClr val="lt1"/>
+              </a:fontRef>
+            </p:style>
+            <p:txBody>
+              <a:bodyPr rtlCol="0" anchor="ctr"/>
+              <a:lstStyle/>
+              <a:p>
+                <a:r>
+                  <a:rPr lang="en-US" altLang="zh-CN" dirty="0">
+                    <a:solidFill>
+                      <a:schemeClr val="tx1"/>
+                    </a:solidFill>
+                  </a:rPr>
+                  <a:t>B     2     ^</a:t>
+                </a:r>
+                <a:endParaRPr lang="zh-CN" altLang="en-US" dirty="0">
+                  <a:solidFill>
+                    <a:schemeClr val="tx1"/>
+                  </a:solidFill>
+                </a:endParaRPr>
+              </a:p>
+            </p:txBody>
+          </p:sp>
+          <p:cxnSp>
+            <p:nvCxnSpPr>
+              <p:cNvPr id="43" name="直接连接符 42">
+                <a:extLst>
+                  <a:ext uri="{FF2B5EF4-FFF2-40B4-BE49-F238E27FC236}">
+                    <a16:creationId xmlns:a16="http://schemas.microsoft.com/office/drawing/2014/main" id="{C2E49F2E-C91F-A7B0-433F-CC32A0DC1DCB}"/>
+                  </a:ext>
+                </a:extLst>
+              </p:cNvPr>
+              <p:cNvCxnSpPr>
+                <a:cxnSpLocks/>
+              </p:cNvCxnSpPr>
+              <p:nvPr/>
+            </p:nvCxnSpPr>
+            <p:spPr>
+              <a:xfrm>
+                <a:off x="8456941" y="3533614"/>
+                <a:ext cx="0" cy="390744"/>
+              </a:xfrm>
+              <a:prstGeom prst="line">
+                <a:avLst/>
+              </a:prstGeom>
+              <a:ln w="12700">
+                <a:solidFill>
+                  <a:schemeClr val="tx1"/>
+                </a:solidFill>
+              </a:ln>
+            </p:spPr>
+            <p:style>
+              <a:lnRef idx="1">
+                <a:schemeClr val="accent1"/>
+              </a:lnRef>
+              <a:fillRef idx="0">
+                <a:schemeClr val="accent1"/>
+              </a:fillRef>
+              <a:effectRef idx="0">
+                <a:schemeClr val="accent1"/>
+              </a:effectRef>
+              <a:fontRef idx="minor">
+                <a:schemeClr val="tx1"/>
+              </a:fontRef>
+            </p:style>
+          </p:cxnSp>
+          <p:cxnSp>
+            <p:nvCxnSpPr>
+              <p:cNvPr id="44" name="直接连接符 43">
+                <a:extLst>
+                  <a:ext uri="{FF2B5EF4-FFF2-40B4-BE49-F238E27FC236}">
+                    <a16:creationId xmlns:a16="http://schemas.microsoft.com/office/drawing/2014/main" id="{18C7EAC6-3EB3-51F7-EC56-59049172593F}"/>
+                  </a:ext>
+                </a:extLst>
+              </p:cNvPr>
+              <p:cNvCxnSpPr>
+                <a:cxnSpLocks/>
+              </p:cNvCxnSpPr>
+              <p:nvPr/>
+            </p:nvCxnSpPr>
+            <p:spPr>
+              <a:xfrm>
+                <a:off x="8887900" y="3533614"/>
+                <a:ext cx="0" cy="390744"/>
+              </a:xfrm>
+              <a:prstGeom prst="line">
+                <a:avLst/>
+              </a:prstGeom>
+              <a:ln w="12700">
+                <a:solidFill>
+                  <a:schemeClr val="tx1"/>
+                </a:solidFill>
+              </a:ln>
+            </p:spPr>
+            <p:style>
+              <a:lnRef idx="1">
+                <a:schemeClr val="accent1"/>
+              </a:lnRef>
+              <a:fillRef idx="0">
+                <a:schemeClr val="accent1"/>
+              </a:fillRef>
+              <a:effectRef idx="0">
+                <a:schemeClr val="accent1"/>
+              </a:effectRef>
+              <a:fontRef idx="minor">
+                <a:schemeClr val="tx1"/>
+              </a:fontRef>
+            </p:style>
+          </p:cxnSp>
+        </p:grpSp>
+        <p:cxnSp>
+          <p:nvCxnSpPr>
+            <p:cNvPr id="45" name="直接连接符 44">
+              <a:extLst>
+                <a:ext uri="{FF2B5EF4-FFF2-40B4-BE49-F238E27FC236}">
+                  <a16:creationId xmlns:a16="http://schemas.microsoft.com/office/drawing/2014/main" id="{320BCC7B-B456-B141-54BD-055F59D664D9}"/>
+                </a:ext>
+              </a:extLst>
+            </p:cNvPr>
+            <p:cNvCxnSpPr>
+              <a:cxnSpLocks/>
+            </p:cNvCxnSpPr>
+            <p:nvPr/>
+          </p:nvCxnSpPr>
+          <p:spPr>
+            <a:xfrm flipV="1">
+              <a:off x="7583921" y="4442674"/>
+              <a:ext cx="326726" cy="1864"/>
+            </a:xfrm>
+            <a:prstGeom prst="line">
+              <a:avLst/>
+            </a:prstGeom>
+            <a:ln w="12700">
+              <a:solidFill>
+                <a:schemeClr val="tx1"/>
+              </a:solidFill>
+              <a:tailEnd type="triangle"/>
+            </a:ln>
+          </p:spPr>
+          <p:style>
+            <a:lnRef idx="1">
+              <a:schemeClr val="accent1"/>
+            </a:lnRef>
+            <a:fillRef idx="0">
+              <a:schemeClr val="accent1"/>
+            </a:fillRef>
+            <a:effectRef idx="0">
+              <a:schemeClr val="accent1"/>
+            </a:effectRef>
+            <a:fontRef idx="minor">
+              <a:schemeClr val="tx1"/>
+            </a:fontRef>
+          </p:style>
+        </p:cxnSp>
+        <p:sp>
+          <p:nvSpPr>
+            <p:cNvPr id="46" name="文本框 45">
+              <a:extLst>
+                <a:ext uri="{FF2B5EF4-FFF2-40B4-BE49-F238E27FC236}">
+                  <a16:creationId xmlns:a16="http://schemas.microsoft.com/office/drawing/2014/main" id="{B0D5A3E4-8731-DA03-90A3-1A1C0679ADB7}"/>
+                </a:ext>
+              </a:extLst>
+            </p:cNvPr>
+            <p:cNvSpPr txBox="1"/>
+            <p:nvPr/>
+          </p:nvSpPr>
+          <p:spPr>
+            <a:xfrm>
+              <a:off x="9793085" y="3256615"/>
+              <a:ext cx="648657" cy="276999"/>
+            </a:xfrm>
+            <a:prstGeom prst="rect">
+              <a:avLst/>
+            </a:prstGeom>
+            <a:noFill/>
+          </p:spPr>
+          <p:txBody>
+            <a:bodyPr wrap="square" rtlCol="0">
+              <a:spAutoFit/>
+            </a:bodyPr>
+            <a:lstStyle/>
+            <a:p>
+              <a:r>
+                <a:rPr lang="en-US" altLang="zh-CN" sz="1200" dirty="0"/>
+                <a:t>weight</a:t>
+              </a:r>
+              <a:endParaRPr lang="zh-CN" altLang="en-US" sz="1200" dirty="0"/>
+            </a:p>
+          </p:txBody>
+        </p:sp>
+      </p:grpSp>
+    </p:spTree>
+    <p:extLst>
+      <p:ext uri="{BB962C8B-B14F-4D97-AF65-F5344CB8AC3E}">
+        <p14:creationId xmlns:p14="http://schemas.microsoft.com/office/powerpoint/2010/main" val="2121253063"/>
+      </p:ext>
+    </p:extLst>
+  </p:cSld>
+  <p:clrMapOvr>
+    <a:masterClrMapping/>
+  </p:clrMapOvr>
+</p:sld>
+</file>
+
 <file path=ppt/slides/slide3.xml><?xml version="1.0" encoding="utf-8"?>
 <p:sld xmlns:a="http://schemas.openxmlformats.org/drawingml/2006/main" xmlns:r="http://schemas.openxmlformats.org/officeDocument/2006/relationships" xmlns:p="http://schemas.openxmlformats.org/presentationml/2006/main">
   <p:cSld>

--- a/演示文稿1.pptx
+++ b/演示文稿1.pptx
@@ -30,6 +30,7 @@
     <p:sldId id="278" r:id="rId24"/>
     <p:sldId id="279" r:id="rId25"/>
     <p:sldId id="280" r:id="rId26"/>
+    <p:sldId id="281" r:id="rId27"/>
   </p:sldIdLst>
   <p:sldSz cx="12192000" cy="6858000"/>
   <p:notesSz cx="6858000" cy="9144000"/>
@@ -283,7 +284,7 @@
           <a:p>
             <a:fld id="{9A639C3A-7901-41EA-886D-5788BBF178E7}" type="datetimeFigureOut">
               <a:rPr lang="zh-CN" altLang="en-US" smtClean="0"/>
-              <a:t>2023/3/1</a:t>
+              <a:t>2023/3/2</a:t>
             </a:fld>
             <a:endParaRPr lang="zh-CN" altLang="en-US"/>
           </a:p>
@@ -481,7 +482,7 @@
           <a:p>
             <a:fld id="{9A639C3A-7901-41EA-886D-5788BBF178E7}" type="datetimeFigureOut">
               <a:rPr lang="zh-CN" altLang="en-US" smtClean="0"/>
-              <a:t>2023/3/1</a:t>
+              <a:t>2023/3/2</a:t>
             </a:fld>
             <a:endParaRPr lang="zh-CN" altLang="en-US"/>
           </a:p>
@@ -689,7 +690,7 @@
           <a:p>
             <a:fld id="{9A639C3A-7901-41EA-886D-5788BBF178E7}" type="datetimeFigureOut">
               <a:rPr lang="zh-CN" altLang="en-US" smtClean="0"/>
-              <a:t>2023/3/1</a:t>
+              <a:t>2023/3/2</a:t>
             </a:fld>
             <a:endParaRPr lang="zh-CN" altLang="en-US"/>
           </a:p>
@@ -887,7 +888,7 @@
           <a:p>
             <a:fld id="{9A639C3A-7901-41EA-886D-5788BBF178E7}" type="datetimeFigureOut">
               <a:rPr lang="zh-CN" altLang="en-US" smtClean="0"/>
-              <a:t>2023/3/1</a:t>
+              <a:t>2023/3/2</a:t>
             </a:fld>
             <a:endParaRPr lang="zh-CN" altLang="en-US"/>
           </a:p>
@@ -1162,7 +1163,7 @@
           <a:p>
             <a:fld id="{9A639C3A-7901-41EA-886D-5788BBF178E7}" type="datetimeFigureOut">
               <a:rPr lang="zh-CN" altLang="en-US" smtClean="0"/>
-              <a:t>2023/3/1</a:t>
+              <a:t>2023/3/2</a:t>
             </a:fld>
             <a:endParaRPr lang="zh-CN" altLang="en-US"/>
           </a:p>
@@ -1427,7 +1428,7 @@
           <a:p>
             <a:fld id="{9A639C3A-7901-41EA-886D-5788BBF178E7}" type="datetimeFigureOut">
               <a:rPr lang="zh-CN" altLang="en-US" smtClean="0"/>
-              <a:t>2023/3/1</a:t>
+              <a:t>2023/3/2</a:t>
             </a:fld>
             <a:endParaRPr lang="zh-CN" altLang="en-US"/>
           </a:p>
@@ -1839,7 +1840,7 @@
           <a:p>
             <a:fld id="{9A639C3A-7901-41EA-886D-5788BBF178E7}" type="datetimeFigureOut">
               <a:rPr lang="zh-CN" altLang="en-US" smtClean="0"/>
-              <a:t>2023/3/1</a:t>
+              <a:t>2023/3/2</a:t>
             </a:fld>
             <a:endParaRPr lang="zh-CN" altLang="en-US"/>
           </a:p>
@@ -1980,7 +1981,7 @@
           <a:p>
             <a:fld id="{9A639C3A-7901-41EA-886D-5788BBF178E7}" type="datetimeFigureOut">
               <a:rPr lang="zh-CN" altLang="en-US" smtClean="0"/>
-              <a:t>2023/3/1</a:t>
+              <a:t>2023/3/2</a:t>
             </a:fld>
             <a:endParaRPr lang="zh-CN" altLang="en-US"/>
           </a:p>
@@ -2093,7 +2094,7 @@
           <a:p>
             <a:fld id="{9A639C3A-7901-41EA-886D-5788BBF178E7}" type="datetimeFigureOut">
               <a:rPr lang="zh-CN" altLang="en-US" smtClean="0"/>
-              <a:t>2023/3/1</a:t>
+              <a:t>2023/3/2</a:t>
             </a:fld>
             <a:endParaRPr lang="zh-CN" altLang="en-US"/>
           </a:p>
@@ -2404,7 +2405,7 @@
           <a:p>
             <a:fld id="{9A639C3A-7901-41EA-886D-5788BBF178E7}" type="datetimeFigureOut">
               <a:rPr lang="zh-CN" altLang="en-US" smtClean="0"/>
-              <a:t>2023/3/1</a:t>
+              <a:t>2023/3/2</a:t>
             </a:fld>
             <a:endParaRPr lang="zh-CN" altLang="en-US"/>
           </a:p>
@@ -2692,7 +2693,7 @@
           <a:p>
             <a:fld id="{9A639C3A-7901-41EA-886D-5788BBF178E7}" type="datetimeFigureOut">
               <a:rPr lang="zh-CN" altLang="en-US" smtClean="0"/>
-              <a:t>2023/3/1</a:t>
+              <a:t>2023/3/2</a:t>
             </a:fld>
             <a:endParaRPr lang="zh-CN" altLang="en-US"/>
           </a:p>
@@ -2933,7 +2934,7 @@
           <a:p>
             <a:fld id="{9A639C3A-7901-41EA-886D-5788BBF178E7}" type="datetimeFigureOut">
               <a:rPr lang="zh-CN" altLang="en-US" smtClean="0"/>
-              <a:t>2023/3/1</a:t>
+              <a:t>2023/3/2</a:t>
             </a:fld>
             <a:endParaRPr lang="zh-CN" altLang="en-US"/>
           </a:p>
@@ -21320,6 +21321,72 @@
 </p:sld>
 </file>
 
+<file path=ppt/slides/slide26.xml><?xml version="1.0" encoding="utf-8"?>
+<p:sld xmlns:a="http://schemas.openxmlformats.org/drawingml/2006/main" xmlns:r="http://schemas.openxmlformats.org/officeDocument/2006/relationships" xmlns:p="http://schemas.openxmlformats.org/presentationml/2006/main">
+  <p:cSld>
+    <p:spTree>
+      <p:nvGrpSpPr>
+        <p:cNvPr id="1" name=""/>
+        <p:cNvGrpSpPr/>
+        <p:nvPr/>
+      </p:nvGrpSpPr>
+      <p:grpSpPr>
+        <a:xfrm>
+          <a:off x="0" y="0"/>
+          <a:ext cx="0" cy="0"/>
+          <a:chOff x="0" y="0"/>
+          <a:chExt cx="0" cy="0"/>
+        </a:xfrm>
+      </p:grpSpPr>
+      <p:sp>
+        <p:nvSpPr>
+          <p:cNvPr id="4" name="文本框 3">
+            <a:extLst>
+              <a:ext uri="{FF2B5EF4-FFF2-40B4-BE49-F238E27FC236}">
+                <a16:creationId xmlns:a16="http://schemas.microsoft.com/office/drawing/2014/main" id="{525EEBB4-BA5F-0588-793E-FB457A593D45}"/>
+              </a:ext>
+            </a:extLst>
+          </p:cNvPr>
+          <p:cNvSpPr txBox="1"/>
+          <p:nvPr/>
+        </p:nvSpPr>
+        <p:spPr>
+          <a:xfrm>
+            <a:off x="4574258" y="4191990"/>
+            <a:ext cx="5762206" cy="369332"/>
+          </a:xfrm>
+          <a:prstGeom prst="rect">
+            <a:avLst/>
+          </a:prstGeom>
+          <a:noFill/>
+        </p:spPr>
+        <p:txBody>
+          <a:bodyPr wrap="square" rtlCol="0">
+            <a:spAutoFit/>
+          </a:bodyPr>
+          <a:lstStyle/>
+          <a:p>
+            <a:r>
+              <a:rPr lang="en-US" altLang="zh-CN" dirty="0"/>
+              <a:t>map[ i ][ j ]=min{ map[ i ][ j ], map[ i ][ k ]+map[ k ][ j ] } </a:t>
+            </a:r>
+            <a:endParaRPr lang="zh-CN" altLang="en-US" dirty="0"/>
+          </a:p>
+        </p:txBody>
+      </p:sp>
+    </p:spTree>
+    <p:extLst>
+      <p:ext uri="{BB962C8B-B14F-4D97-AF65-F5344CB8AC3E}">
+        <p14:creationId xmlns:p14="http://schemas.microsoft.com/office/powerpoint/2010/main" val="4122955096"/>
+      </p:ext>
+    </p:extLst>
+  </p:cSld>
+  <p:clrMapOvr>
+    <a:masterClrMapping/>
+  </p:clrMapOvr>
+</p:sld>
+</file>
+
 <file path=ppt/slides/slide3.xml><?xml version="1.0" encoding="utf-8"?>
 <p:sld xmlns:a="http://schemas.openxmlformats.org/drawingml/2006/main" xmlns:r="http://schemas.openxmlformats.org/officeDocument/2006/relationships" xmlns:p="http://schemas.openxmlformats.org/presentationml/2006/main">
   <p:cSld>
